--- a/_umkc-teaching/slides/Lecture2 - Statistical Learning.pptx
+++ b/_umkc-teaching/slides/Lecture2 - Statistical Learning.pptx
@@ -5,18 +5,26 @@
     <p:sldMasterId id="2147483648" r:id="rId1"/>
   </p:sldMasterIdLst>
   <p:notesMasterIdLst>
-    <p:notesMasterId r:id="rId11"/>
+    <p:notesMasterId r:id="rId19"/>
   </p:notesMasterIdLst>
   <p:sldIdLst>
     <p:sldId id="257" r:id="rId2"/>
-    <p:sldId id="285" r:id="rId3"/>
-    <p:sldId id="295" r:id="rId4"/>
-    <p:sldId id="296" r:id="rId5"/>
-    <p:sldId id="297" r:id="rId6"/>
-    <p:sldId id="278" r:id="rId7"/>
-    <p:sldId id="279" r:id="rId8"/>
-    <p:sldId id="294" r:id="rId9"/>
-    <p:sldId id="293" r:id="rId10"/>
+    <p:sldId id="294" r:id="rId3"/>
+    <p:sldId id="285" r:id="rId4"/>
+    <p:sldId id="295" r:id="rId5"/>
+    <p:sldId id="306" r:id="rId6"/>
+    <p:sldId id="296" r:id="rId7"/>
+    <p:sldId id="297" r:id="rId8"/>
+    <p:sldId id="298" r:id="rId9"/>
+    <p:sldId id="299" r:id="rId10"/>
+    <p:sldId id="300" r:id="rId11"/>
+    <p:sldId id="301" r:id="rId12"/>
+    <p:sldId id="302" r:id="rId13"/>
+    <p:sldId id="307" r:id="rId14"/>
+    <p:sldId id="303" r:id="rId15"/>
+    <p:sldId id="304" r:id="rId16"/>
+    <p:sldId id="305" r:id="rId17"/>
+    <p:sldId id="293" r:id="rId18"/>
   </p:sldIdLst>
   <p:sldSz cx="12192000" cy="6858000"/>
   <p:notesSz cx="6858000" cy="9144000"/>
@@ -205,7 +213,7 @@
           <a:p>
             <a:fld id="{7AF9442D-9D7C-40D7-A5A3-649EA8C158D2}" type="datetimeFigureOut">
               <a:rPr lang="en-US" smtClean="0"/>
-              <a:t>8/23/23</a:t>
+              <a:t>8/25/23</a:t>
             </a:fld>
             <a:endParaRPr lang="en-US"/>
           </a:p>
@@ -546,7 +554,7 @@
     </p:spTree>
     <p:extLst>
       <p:ext uri="{BB962C8B-B14F-4D97-AF65-F5344CB8AC3E}">
-        <p14:creationId xmlns:p14="http://schemas.microsoft.com/office/powerpoint/2010/main" val="3729883742"/>
+        <p14:creationId xmlns:p14="http://schemas.microsoft.com/office/powerpoint/2010/main" val="2479516958"/>
       </p:ext>
     </p:extLst>
   </p:cSld>
@@ -630,7 +638,7 @@
     </p:spTree>
     <p:extLst>
       <p:ext uri="{BB962C8B-B14F-4D97-AF65-F5344CB8AC3E}">
-        <p14:creationId xmlns:p14="http://schemas.microsoft.com/office/powerpoint/2010/main" val="1148699024"/>
+        <p14:creationId xmlns:p14="http://schemas.microsoft.com/office/powerpoint/2010/main" val="3729883742"/>
       </p:ext>
     </p:extLst>
   </p:cSld>
@@ -714,7 +722,7 @@
     </p:spTree>
     <p:extLst>
       <p:ext uri="{BB962C8B-B14F-4D97-AF65-F5344CB8AC3E}">
-        <p14:creationId xmlns:p14="http://schemas.microsoft.com/office/powerpoint/2010/main" val="2193762420"/>
+        <p14:creationId xmlns:p14="http://schemas.microsoft.com/office/powerpoint/2010/main" val="1148699024"/>
       </p:ext>
     </p:extLst>
   </p:cSld>
@@ -798,7 +806,259 @@
     </p:spTree>
     <p:extLst>
       <p:ext uri="{BB962C8B-B14F-4D97-AF65-F5344CB8AC3E}">
+        <p14:creationId xmlns:p14="http://schemas.microsoft.com/office/powerpoint/2010/main" val="2528343466"/>
+      </p:ext>
+    </p:extLst>
+  </p:cSld>
+  <p:clrMapOvr>
+    <a:masterClrMapping/>
+  </p:clrMapOvr>
+</p:notes>
+</file>
+
+<file path=ppt/notesSlides/notesSlide5.xml><?xml version="1.0" encoding="utf-8"?>
+<p:notes xmlns:a="http://schemas.openxmlformats.org/drawingml/2006/main" xmlns:r="http://schemas.openxmlformats.org/officeDocument/2006/relationships" xmlns:p="http://schemas.openxmlformats.org/presentationml/2006/main">
+  <p:cSld>
+    <p:spTree>
+      <p:nvGrpSpPr>
+        <p:cNvPr id="1" name=""/>
+        <p:cNvGrpSpPr/>
+        <p:nvPr/>
+      </p:nvGrpSpPr>
+      <p:grpSpPr>
+        <a:xfrm>
+          <a:off x="0" y="0"/>
+          <a:ext cx="0" cy="0"/>
+          <a:chOff x="0" y="0"/>
+          <a:chExt cx="0" cy="0"/>
+        </a:xfrm>
+      </p:grpSpPr>
+      <p:sp>
+        <p:nvSpPr>
+          <p:cNvPr id="2" name="Slide Image Placeholder 1"/>
+          <p:cNvSpPr>
+            <a:spLocks noGrp="1" noRot="1" noChangeAspect="1"/>
+          </p:cNvSpPr>
+          <p:nvPr>
+            <p:ph type="sldImg"/>
+          </p:nvPr>
+        </p:nvSpPr>
+        <p:spPr/>
+      </p:sp>
+      <p:sp>
+        <p:nvSpPr>
+          <p:cNvPr id="3" name="Notes Placeholder 2"/>
+          <p:cNvSpPr>
+            <a:spLocks noGrp="1"/>
+          </p:cNvSpPr>
+          <p:nvPr>
+            <p:ph type="body" idx="1"/>
+          </p:nvPr>
+        </p:nvSpPr>
+        <p:spPr/>
+        <p:txBody>
+          <a:bodyPr/>
+          <a:lstStyle/>
+          <a:p>
+            <a:endParaRPr lang="en-US" dirty="0"/>
+          </a:p>
+        </p:txBody>
+      </p:sp>
+      <p:sp>
+        <p:nvSpPr>
+          <p:cNvPr id="4" name="Slide Number Placeholder 3"/>
+          <p:cNvSpPr>
+            <a:spLocks noGrp="1"/>
+          </p:cNvSpPr>
+          <p:nvPr>
+            <p:ph type="sldNum" sz="quarter" idx="5"/>
+          </p:nvPr>
+        </p:nvSpPr>
+        <p:spPr/>
+        <p:txBody>
+          <a:bodyPr/>
+          <a:lstStyle/>
+          <a:p>
+            <a:fld id="{3F8BDF20-BE86-4883-8A23-4CE3D0058BEA}" type="slidenum">
+              <a:rPr lang="en-US" smtClean="0"/>
+              <a:t>6</a:t>
+            </a:fld>
+            <a:endParaRPr lang="en-US"/>
+          </a:p>
+        </p:txBody>
+      </p:sp>
+    </p:spTree>
+    <p:extLst>
+      <p:ext uri="{BB962C8B-B14F-4D97-AF65-F5344CB8AC3E}">
+        <p14:creationId xmlns:p14="http://schemas.microsoft.com/office/powerpoint/2010/main" val="2193762420"/>
+      </p:ext>
+    </p:extLst>
+  </p:cSld>
+  <p:clrMapOvr>
+    <a:masterClrMapping/>
+  </p:clrMapOvr>
+</p:notes>
+</file>
+
+<file path=ppt/notesSlides/notesSlide6.xml><?xml version="1.0" encoding="utf-8"?>
+<p:notes xmlns:a="http://schemas.openxmlformats.org/drawingml/2006/main" xmlns:r="http://schemas.openxmlformats.org/officeDocument/2006/relationships" xmlns:p="http://schemas.openxmlformats.org/presentationml/2006/main">
+  <p:cSld>
+    <p:spTree>
+      <p:nvGrpSpPr>
+        <p:cNvPr id="1" name=""/>
+        <p:cNvGrpSpPr/>
+        <p:nvPr/>
+      </p:nvGrpSpPr>
+      <p:grpSpPr>
+        <a:xfrm>
+          <a:off x="0" y="0"/>
+          <a:ext cx="0" cy="0"/>
+          <a:chOff x="0" y="0"/>
+          <a:chExt cx="0" cy="0"/>
+        </a:xfrm>
+      </p:grpSpPr>
+      <p:sp>
+        <p:nvSpPr>
+          <p:cNvPr id="2" name="Slide Image Placeholder 1"/>
+          <p:cNvSpPr>
+            <a:spLocks noGrp="1" noRot="1" noChangeAspect="1"/>
+          </p:cNvSpPr>
+          <p:nvPr>
+            <p:ph type="sldImg"/>
+          </p:nvPr>
+        </p:nvSpPr>
+        <p:spPr/>
+      </p:sp>
+      <p:sp>
+        <p:nvSpPr>
+          <p:cNvPr id="3" name="Notes Placeholder 2"/>
+          <p:cNvSpPr>
+            <a:spLocks noGrp="1"/>
+          </p:cNvSpPr>
+          <p:nvPr>
+            <p:ph type="body" idx="1"/>
+          </p:nvPr>
+        </p:nvSpPr>
+        <p:spPr/>
+        <p:txBody>
+          <a:bodyPr/>
+          <a:lstStyle/>
+          <a:p>
+            <a:endParaRPr lang="en-US" dirty="0"/>
+          </a:p>
+        </p:txBody>
+      </p:sp>
+      <p:sp>
+        <p:nvSpPr>
+          <p:cNvPr id="4" name="Slide Number Placeholder 3"/>
+          <p:cNvSpPr>
+            <a:spLocks noGrp="1"/>
+          </p:cNvSpPr>
+          <p:nvPr>
+            <p:ph type="sldNum" sz="quarter" idx="5"/>
+          </p:nvPr>
+        </p:nvSpPr>
+        <p:spPr/>
+        <p:txBody>
+          <a:bodyPr/>
+          <a:lstStyle/>
+          <a:p>
+            <a:fld id="{3F8BDF20-BE86-4883-8A23-4CE3D0058BEA}" type="slidenum">
+              <a:rPr lang="en-US" smtClean="0"/>
+              <a:t>7</a:t>
+            </a:fld>
+            <a:endParaRPr lang="en-US"/>
+          </a:p>
+        </p:txBody>
+      </p:sp>
+    </p:spTree>
+    <p:extLst>
+      <p:ext uri="{BB962C8B-B14F-4D97-AF65-F5344CB8AC3E}">
         <p14:creationId xmlns:p14="http://schemas.microsoft.com/office/powerpoint/2010/main" val="2483672524"/>
+      </p:ext>
+    </p:extLst>
+  </p:cSld>
+  <p:clrMapOvr>
+    <a:masterClrMapping/>
+  </p:clrMapOvr>
+</p:notes>
+</file>
+
+<file path=ppt/notesSlides/notesSlide7.xml><?xml version="1.0" encoding="utf-8"?>
+<p:notes xmlns:a="http://schemas.openxmlformats.org/drawingml/2006/main" xmlns:r="http://schemas.openxmlformats.org/officeDocument/2006/relationships" xmlns:p="http://schemas.openxmlformats.org/presentationml/2006/main">
+  <p:cSld>
+    <p:spTree>
+      <p:nvGrpSpPr>
+        <p:cNvPr id="1" name=""/>
+        <p:cNvGrpSpPr/>
+        <p:nvPr/>
+      </p:nvGrpSpPr>
+      <p:grpSpPr>
+        <a:xfrm>
+          <a:off x="0" y="0"/>
+          <a:ext cx="0" cy="0"/>
+          <a:chOff x="0" y="0"/>
+          <a:chExt cx="0" cy="0"/>
+        </a:xfrm>
+      </p:grpSpPr>
+      <p:sp>
+        <p:nvSpPr>
+          <p:cNvPr id="2" name="Slide Image Placeholder 1"/>
+          <p:cNvSpPr>
+            <a:spLocks noGrp="1" noRot="1" noChangeAspect="1"/>
+          </p:cNvSpPr>
+          <p:nvPr>
+            <p:ph type="sldImg"/>
+          </p:nvPr>
+        </p:nvSpPr>
+        <p:spPr/>
+      </p:sp>
+      <p:sp>
+        <p:nvSpPr>
+          <p:cNvPr id="3" name="Notes Placeholder 2"/>
+          <p:cNvSpPr>
+            <a:spLocks noGrp="1"/>
+          </p:cNvSpPr>
+          <p:nvPr>
+            <p:ph type="body" idx="1"/>
+          </p:nvPr>
+        </p:nvSpPr>
+        <p:spPr/>
+        <p:txBody>
+          <a:bodyPr/>
+          <a:lstStyle/>
+          <a:p>
+            <a:endParaRPr lang="en-US" dirty="0"/>
+          </a:p>
+        </p:txBody>
+      </p:sp>
+      <p:sp>
+        <p:nvSpPr>
+          <p:cNvPr id="4" name="Slide Number Placeholder 3"/>
+          <p:cNvSpPr>
+            <a:spLocks noGrp="1"/>
+          </p:cNvSpPr>
+          <p:nvPr>
+            <p:ph type="sldNum" sz="quarter" idx="5"/>
+          </p:nvPr>
+        </p:nvSpPr>
+        <p:spPr/>
+        <p:txBody>
+          <a:bodyPr/>
+          <a:lstStyle/>
+          <a:p>
+            <a:fld id="{3F8BDF20-BE86-4883-8A23-4CE3D0058BEA}" type="slidenum">
+              <a:rPr lang="en-US" smtClean="0"/>
+              <a:t>8</a:t>
+            </a:fld>
+            <a:endParaRPr lang="en-US"/>
+          </a:p>
+        </p:txBody>
+      </p:sp>
+    </p:spTree>
+    <p:extLst>
+      <p:ext uri="{BB962C8B-B14F-4D97-AF65-F5344CB8AC3E}">
+        <p14:creationId xmlns:p14="http://schemas.microsoft.com/office/powerpoint/2010/main" val="504800253"/>
       </p:ext>
     </p:extLst>
   </p:cSld>
@@ -937,7 +1197,7 @@
           <a:p>
             <a:fld id="{41748473-9145-41F0-ADB9-654A949CD218}" type="datetimeFigureOut">
               <a:rPr lang="en-US" smtClean="0"/>
-              <a:t>8/23/23</a:t>
+              <a:t>8/25/23</a:t>
             </a:fld>
             <a:endParaRPr lang="en-US"/>
           </a:p>
@@ -1105,7 +1365,7 @@
           <a:p>
             <a:fld id="{41748473-9145-41F0-ADB9-654A949CD218}" type="datetimeFigureOut">
               <a:rPr lang="en-US" smtClean="0"/>
-              <a:t>8/23/23</a:t>
+              <a:t>8/25/23</a:t>
             </a:fld>
             <a:endParaRPr lang="en-US"/>
           </a:p>
@@ -1283,7 +1543,7 @@
           <a:p>
             <a:fld id="{41748473-9145-41F0-ADB9-654A949CD218}" type="datetimeFigureOut">
               <a:rPr lang="en-US" smtClean="0"/>
-              <a:t>8/23/23</a:t>
+              <a:t>8/25/23</a:t>
             </a:fld>
             <a:endParaRPr lang="en-US"/>
           </a:p>
@@ -1451,7 +1711,7 @@
           <a:p>
             <a:fld id="{41748473-9145-41F0-ADB9-654A949CD218}" type="datetimeFigureOut">
               <a:rPr lang="en-US" smtClean="0"/>
-              <a:t>8/23/23</a:t>
+              <a:t>8/25/23</a:t>
             </a:fld>
             <a:endParaRPr lang="en-US"/>
           </a:p>
@@ -1696,7 +1956,7 @@
           <a:p>
             <a:fld id="{41748473-9145-41F0-ADB9-654A949CD218}" type="datetimeFigureOut">
               <a:rPr lang="en-US" smtClean="0"/>
-              <a:t>8/23/23</a:t>
+              <a:t>8/25/23</a:t>
             </a:fld>
             <a:endParaRPr lang="en-US"/>
           </a:p>
@@ -1925,7 +2185,7 @@
           <a:p>
             <a:fld id="{41748473-9145-41F0-ADB9-654A949CD218}" type="datetimeFigureOut">
               <a:rPr lang="en-US" smtClean="0"/>
-              <a:t>8/23/23</a:t>
+              <a:t>8/25/23</a:t>
             </a:fld>
             <a:endParaRPr lang="en-US"/>
           </a:p>
@@ -2289,7 +2549,7 @@
           <a:p>
             <a:fld id="{41748473-9145-41F0-ADB9-654A949CD218}" type="datetimeFigureOut">
               <a:rPr lang="en-US" smtClean="0"/>
-              <a:t>8/23/23</a:t>
+              <a:t>8/25/23</a:t>
             </a:fld>
             <a:endParaRPr lang="en-US"/>
           </a:p>
@@ -2406,7 +2666,7 @@
           <a:p>
             <a:fld id="{41748473-9145-41F0-ADB9-654A949CD218}" type="datetimeFigureOut">
               <a:rPr lang="en-US" smtClean="0"/>
-              <a:t>8/23/23</a:t>
+              <a:t>8/25/23</a:t>
             </a:fld>
             <a:endParaRPr lang="en-US"/>
           </a:p>
@@ -2501,7 +2761,7 @@
           <a:p>
             <a:fld id="{41748473-9145-41F0-ADB9-654A949CD218}" type="datetimeFigureOut">
               <a:rPr lang="en-US" smtClean="0"/>
-              <a:t>8/23/23</a:t>
+              <a:t>8/25/23</a:t>
             </a:fld>
             <a:endParaRPr lang="en-US"/>
           </a:p>
@@ -2776,7 +3036,7 @@
           <a:p>
             <a:fld id="{41748473-9145-41F0-ADB9-654A949CD218}" type="datetimeFigureOut">
               <a:rPr lang="en-US" smtClean="0"/>
-              <a:t>8/23/23</a:t>
+              <a:t>8/25/23</a:t>
             </a:fld>
             <a:endParaRPr lang="en-US"/>
           </a:p>
@@ -3028,7 +3288,7 @@
           <a:p>
             <a:fld id="{41748473-9145-41F0-ADB9-654A949CD218}" type="datetimeFigureOut">
               <a:rPr lang="en-US" smtClean="0"/>
-              <a:t>8/23/23</a:t>
+              <a:t>8/25/23</a:t>
             </a:fld>
             <a:endParaRPr lang="en-US"/>
           </a:p>
@@ -3239,7 +3499,7 @@
           <a:p>
             <a:fld id="{41748473-9145-41F0-ADB9-654A949CD218}" type="datetimeFigureOut">
               <a:rPr lang="en-US" smtClean="0"/>
-              <a:t>8/23/23</a:t>
+              <a:t>8/25/23</a:t>
             </a:fld>
             <a:endParaRPr lang="en-US"/>
           </a:p>
@@ -3895,6 +4155,2587 @@
 </p:sld>
 </file>
 
+<file path=ppt/slides/slide10.xml><?xml version="1.0" encoding="utf-8"?>
+<p:sld xmlns:a="http://schemas.openxmlformats.org/drawingml/2006/main" xmlns:r="http://schemas.openxmlformats.org/officeDocument/2006/relationships" xmlns:p="http://schemas.openxmlformats.org/presentationml/2006/main">
+  <p:cSld>
+    <p:spTree>
+      <p:nvGrpSpPr>
+        <p:cNvPr id="1" name=""/>
+        <p:cNvGrpSpPr/>
+        <p:nvPr/>
+      </p:nvGrpSpPr>
+      <p:grpSpPr>
+        <a:xfrm>
+          <a:off x="0" y="0"/>
+          <a:ext cx="0" cy="0"/>
+          <a:chOff x="0" y="0"/>
+          <a:chExt cx="0" cy="0"/>
+        </a:xfrm>
+      </p:grpSpPr>
+      <p:sp>
+        <p:nvSpPr>
+          <p:cNvPr id="2" name="Title 1">
+            <a:extLst>
+              <a:ext uri="{FF2B5EF4-FFF2-40B4-BE49-F238E27FC236}">
+                <a16:creationId xmlns:a16="http://schemas.microsoft.com/office/drawing/2014/main" id="{5F69E904-77AE-3048-8D9D-BEAC840793F6}"/>
+              </a:ext>
+            </a:extLst>
+          </p:cNvPr>
+          <p:cNvSpPr>
+            <a:spLocks noGrp="1"/>
+          </p:cNvSpPr>
+          <p:nvPr>
+            <p:ph type="title"/>
+          </p:nvPr>
+        </p:nvSpPr>
+        <p:spPr/>
+        <p:txBody>
+          <a:bodyPr/>
+          <a:lstStyle/>
+          <a:p>
+            <a:r>
+              <a:rPr lang="en-US" dirty="0"/>
+              <a:t>Decompose the Prediction Error</a:t>
+            </a:r>
+          </a:p>
+        </p:txBody>
+      </p:sp>
+      <mc:AlternateContent xmlns:mc="http://schemas.openxmlformats.org/markup-compatibility/2006" xmlns:a14="http://schemas.microsoft.com/office/drawing/2010/main">
+        <mc:Choice Requires="a14">
+          <p:sp>
+            <p:nvSpPr>
+              <p:cNvPr id="13" name="TextBox 12">
+                <a:extLst>
+                  <a:ext uri="{FF2B5EF4-FFF2-40B4-BE49-F238E27FC236}">
+                    <a16:creationId xmlns:a16="http://schemas.microsoft.com/office/drawing/2014/main" id="{EF43863B-7080-0240-8F8C-EC8FC6A5BD1C}"/>
+                  </a:ext>
+                </a:extLst>
+              </p:cNvPr>
+              <p:cNvSpPr txBox="1"/>
+              <p:nvPr/>
+            </p:nvSpPr>
+            <p:spPr>
+              <a:xfrm>
+                <a:off x="617220" y="1853309"/>
+                <a:ext cx="9677400" cy="648767"/>
+              </a:xfrm>
+              <a:prstGeom prst="rect">
+                <a:avLst/>
+              </a:prstGeom>
+              <a:noFill/>
+            </p:spPr>
+            <p:txBody>
+              <a:bodyPr wrap="square">
+                <a:spAutoFit/>
+              </a:bodyPr>
+              <a:lstStyle/>
+              <a:p>
+                <a:pPr/>
+                <a14:m>
+                  <m:oMathPara xmlns:m="http://schemas.openxmlformats.org/officeDocument/2006/math">
+                    <m:oMathParaPr>
+                      <m:jc m:val="centerGroup"/>
+                    </m:oMathParaPr>
+                    <m:oMath xmlns:m="http://schemas.openxmlformats.org/officeDocument/2006/math">
+                      <m:sSub>
+                        <m:sSubPr>
+                          <m:ctrlPr>
+                            <a:rPr lang="en-US" sz="2400" b="0" i="1" smtClean="0">
+                              <a:latin typeface="Cambria Math" panose="02040503050406030204" pitchFamily="18" charset="0"/>
+                            </a:rPr>
+                          </m:ctrlPr>
+                        </m:sSubPr>
+                        <m:e>
+                          <m:r>
+                            <a:rPr lang="en-US" sz="2400" b="0" i="1" smtClean="0">
+                              <a:latin typeface="Cambria Math" panose="02040503050406030204" pitchFamily="18" charset="0"/>
+                            </a:rPr>
+                            <m:t>𝐸</m:t>
+                          </m:r>
+                        </m:e>
+                        <m:sub>
+                          <m:r>
+                            <a:rPr lang="en-US" sz="2400" b="0" i="1" smtClean="0">
+                              <a:latin typeface="Cambria Math" panose="02040503050406030204" pitchFamily="18" charset="0"/>
+                            </a:rPr>
+                            <m:t>𝐷</m:t>
+                          </m:r>
+                        </m:sub>
+                      </m:sSub>
+                      <m:d>
+                        <m:dPr>
+                          <m:begChr m:val="["/>
+                          <m:endChr m:val="]"/>
+                          <m:ctrlPr>
+                            <a:rPr lang="en-US" sz="2400" b="0" i="1" smtClean="0">
+                              <a:latin typeface="Cambria Math" panose="02040503050406030204" pitchFamily="18" charset="0"/>
+                            </a:rPr>
+                          </m:ctrlPr>
+                        </m:dPr>
+                        <m:e>
+                          <m:r>
+                            <a:rPr lang="en-US" sz="2400" b="0" i="1" smtClean="0">
+                              <a:latin typeface="Cambria Math" panose="02040503050406030204" pitchFamily="18" charset="0"/>
+                            </a:rPr>
+                            <m:t> </m:t>
+                          </m:r>
+                          <m:sSup>
+                            <m:sSupPr>
+                              <m:ctrlPr>
+                                <a:rPr lang="en-US" sz="2400" b="0" i="1" smtClean="0">
+                                  <a:latin typeface="Cambria Math" panose="02040503050406030204" pitchFamily="18" charset="0"/>
+                                </a:rPr>
+                              </m:ctrlPr>
+                            </m:sSupPr>
+                            <m:e>
+                              <m:d>
+                                <m:dPr>
+                                  <m:ctrlPr>
+                                    <a:rPr lang="en-US" sz="2400" b="0" i="1" smtClean="0">
+                                      <a:latin typeface="Cambria Math" panose="02040503050406030204" pitchFamily="18" charset="0"/>
+                                    </a:rPr>
+                                  </m:ctrlPr>
+                                </m:dPr>
+                                <m:e>
+                                  <m:r>
+                                    <a:rPr lang="en-US" sz="2400" b="0" i="1" smtClean="0">
+                                      <a:latin typeface="Cambria Math" panose="02040503050406030204" pitchFamily="18" charset="0"/>
+                                    </a:rPr>
+                                    <m:t>𝑌</m:t>
+                                  </m:r>
+                                  <m:r>
+                                    <a:rPr lang="en-US" sz="2400" b="0" i="1" smtClean="0">
+                                      <a:latin typeface="Cambria Math" panose="02040503050406030204" pitchFamily="18" charset="0"/>
+                                    </a:rPr>
+                                    <m:t> −</m:t>
+                                  </m:r>
+                                  <m:r>
+                                    <a:rPr lang="en-US" sz="2400" b="0" i="1" smtClean="0">
+                                      <a:latin typeface="Cambria Math" panose="02040503050406030204" pitchFamily="18" charset="0"/>
+                                    </a:rPr>
+                                    <m:t>𝑔</m:t>
+                                  </m:r>
+                                  <m:d>
+                                    <m:dPr>
+                                      <m:ctrlPr>
+                                        <a:rPr lang="en-US" sz="2400" b="0" i="1" smtClean="0">
+                                          <a:latin typeface="Cambria Math" panose="02040503050406030204" pitchFamily="18" charset="0"/>
+                                        </a:rPr>
+                                      </m:ctrlPr>
+                                    </m:dPr>
+                                    <m:e>
+                                      <m:r>
+                                        <a:rPr lang="en-US" sz="2400" b="0" i="1" smtClean="0">
+                                          <a:latin typeface="Cambria Math" panose="02040503050406030204" pitchFamily="18" charset="0"/>
+                                        </a:rPr>
+                                        <m:t>𝑋</m:t>
+                                      </m:r>
+                                    </m:e>
+                                  </m:d>
+                                </m:e>
+                              </m:d>
+                            </m:e>
+                            <m:sup>
+                              <m:r>
+                                <a:rPr lang="en-US" sz="2400" b="0" i="1" smtClean="0">
+                                  <a:latin typeface="Cambria Math" panose="02040503050406030204" pitchFamily="18" charset="0"/>
+                                </a:rPr>
+                                <m:t>2</m:t>
+                              </m:r>
+                            </m:sup>
+                          </m:sSup>
+                        </m:e>
+                      </m:d>
+                      <m:r>
+                        <a:rPr lang="en-US" sz="2400" b="0" i="1" smtClean="0">
+                          <a:latin typeface="Cambria Math" panose="02040503050406030204" pitchFamily="18" charset="0"/>
+                        </a:rPr>
+                        <m:t>=</m:t>
+                      </m:r>
+                      <m:r>
+                        <a:rPr lang="en-US" sz="2400" b="0" i="1" smtClean="0">
+                          <a:latin typeface="Cambria Math" panose="02040503050406030204" pitchFamily="18" charset="0"/>
+                        </a:rPr>
+                        <m:t>𝑏𝑖𝑎</m:t>
+                      </m:r>
+                      <m:sSup>
+                        <m:sSupPr>
+                          <m:ctrlPr>
+                            <a:rPr lang="en-US" sz="2400" b="0" i="1" smtClean="0">
+                              <a:latin typeface="Cambria Math" panose="02040503050406030204" pitchFamily="18" charset="0"/>
+                            </a:rPr>
+                          </m:ctrlPr>
+                        </m:sSupPr>
+                        <m:e>
+                          <m:r>
+                            <a:rPr lang="en-US" sz="2400" b="0" i="1" smtClean="0">
+                              <a:latin typeface="Cambria Math" panose="02040503050406030204" pitchFamily="18" charset="0"/>
+                            </a:rPr>
+                            <m:t>𝑠</m:t>
+                          </m:r>
+                        </m:e>
+                        <m:sup>
+                          <m:r>
+                            <a:rPr lang="en-US" sz="2400" b="0" i="1" smtClean="0">
+                              <a:latin typeface="Cambria Math" panose="02040503050406030204" pitchFamily="18" charset="0"/>
+                            </a:rPr>
+                            <m:t>2</m:t>
+                          </m:r>
+                        </m:sup>
+                      </m:sSup>
+                      <m:r>
+                        <a:rPr lang="en-US" sz="2400" b="0" i="1" smtClean="0">
+                          <a:latin typeface="Cambria Math" panose="02040503050406030204" pitchFamily="18" charset="0"/>
+                        </a:rPr>
+                        <m:t>+</m:t>
+                      </m:r>
+                      <m:r>
+                        <a:rPr lang="en-US" sz="2400" b="0" i="1" smtClean="0">
+                          <a:latin typeface="Cambria Math" panose="02040503050406030204" pitchFamily="18" charset="0"/>
+                        </a:rPr>
+                        <m:t>𝑣𝑎𝑟𝑖𝑎𝑛𝑐𝑒</m:t>
+                      </m:r>
+                      <m:r>
+                        <a:rPr lang="en-US" sz="2400" b="0" i="1" smtClean="0">
+                          <a:latin typeface="Cambria Math" panose="02040503050406030204" pitchFamily="18" charset="0"/>
+                        </a:rPr>
+                        <m:t>+</m:t>
+                      </m:r>
+                      <m:sSup>
+                        <m:sSupPr>
+                          <m:ctrlPr>
+                            <a:rPr lang="en-US" sz="2400" b="0" i="1" smtClean="0">
+                              <a:latin typeface="Cambria Math" panose="02040503050406030204" pitchFamily="18" charset="0"/>
+                            </a:rPr>
+                          </m:ctrlPr>
+                        </m:sSupPr>
+                        <m:e>
+                          <m:r>
+                            <a:rPr lang="en-US" sz="2400" b="0" i="1" smtClean="0">
+                              <a:latin typeface="Cambria Math" panose="02040503050406030204" pitchFamily="18" charset="0"/>
+                            </a:rPr>
+                            <m:t>𝜎</m:t>
+                          </m:r>
+                        </m:e>
+                        <m:sup>
+                          <m:r>
+                            <a:rPr lang="en-US" sz="2400" b="0" i="1" smtClean="0">
+                              <a:latin typeface="Cambria Math" panose="02040503050406030204" pitchFamily="18" charset="0"/>
+                            </a:rPr>
+                            <m:t>2</m:t>
+                          </m:r>
+                        </m:sup>
+                      </m:sSup>
+                    </m:oMath>
+                  </m:oMathPara>
+                </a14:m>
+                <a:endParaRPr lang="en-US" sz="2400" dirty="0"/>
+              </a:p>
+            </p:txBody>
+          </p:sp>
+        </mc:Choice>
+        <mc:Fallback xmlns="">
+          <p:sp>
+            <p:nvSpPr>
+              <p:cNvPr id="13" name="TextBox 12">
+                <a:extLst>
+                  <a:ext uri="{FF2B5EF4-FFF2-40B4-BE49-F238E27FC236}">
+                    <a16:creationId xmlns:a16="http://schemas.microsoft.com/office/drawing/2014/main" id="{EF43863B-7080-0240-8F8C-EC8FC6A5BD1C}"/>
+                  </a:ext>
+                </a:extLst>
+              </p:cNvPr>
+              <p:cNvSpPr txBox="1">
+                <a:spLocks noRot="1" noChangeAspect="1" noMove="1" noResize="1" noEditPoints="1" noAdjustHandles="1" noChangeArrowheads="1" noChangeShapeType="1" noTextEdit="1"/>
+              </p:cNvSpPr>
+              <p:nvPr/>
+            </p:nvSpPr>
+            <p:spPr>
+              <a:xfrm>
+                <a:off x="617220" y="1853309"/>
+                <a:ext cx="9677400" cy="648767"/>
+              </a:xfrm>
+              <a:prstGeom prst="rect">
+                <a:avLst/>
+              </a:prstGeom>
+              <a:blipFill>
+                <a:blip r:embed="rId2"/>
+                <a:stretch>
+                  <a:fillRect b="-3846"/>
+                </a:stretch>
+              </a:blipFill>
+            </p:spPr>
+            <p:txBody>
+              <a:bodyPr/>
+              <a:lstStyle/>
+              <a:p>
+                <a:r>
+                  <a:rPr lang="en-US">
+                    <a:noFill/>
+                  </a:rPr>
+                  <a:t> </a:t>
+                </a:r>
+              </a:p>
+            </p:txBody>
+          </p:sp>
+        </mc:Fallback>
+      </mc:AlternateContent>
+      <p:sp>
+        <p:nvSpPr>
+          <p:cNvPr id="14" name="TextBox 13">
+            <a:extLst>
+              <a:ext uri="{FF2B5EF4-FFF2-40B4-BE49-F238E27FC236}">
+                <a16:creationId xmlns:a16="http://schemas.microsoft.com/office/drawing/2014/main" id="{68534085-9068-4A45-BE62-D58F3365F00B}"/>
+              </a:ext>
+            </a:extLst>
+          </p:cNvPr>
+          <p:cNvSpPr txBox="1"/>
+          <p:nvPr/>
+        </p:nvSpPr>
+        <p:spPr>
+          <a:xfrm>
+            <a:off x="1264920" y="3228944"/>
+            <a:ext cx="10515600" cy="523220"/>
+          </a:xfrm>
+          <a:prstGeom prst="rect">
+            <a:avLst/>
+          </a:prstGeom>
+          <a:noFill/>
+        </p:spPr>
+        <p:txBody>
+          <a:bodyPr wrap="square">
+            <a:spAutoFit/>
+          </a:bodyPr>
+          <a:lstStyle/>
+          <a:p>
+            <a:r>
+              <a:rPr lang="en-US" sz="2800" dirty="0"/>
+              <a:t>Bias: </a:t>
+            </a:r>
+          </a:p>
+        </p:txBody>
+      </p:sp>
+      <mc:AlternateContent xmlns:mc="http://schemas.openxmlformats.org/markup-compatibility/2006" xmlns:a14="http://schemas.microsoft.com/office/drawing/2010/main">
+        <mc:Choice Requires="a14">
+          <p:sp>
+            <p:nvSpPr>
+              <p:cNvPr id="15" name="TextBox 14">
+                <a:extLst>
+                  <a:ext uri="{FF2B5EF4-FFF2-40B4-BE49-F238E27FC236}">
+                    <a16:creationId xmlns:a16="http://schemas.microsoft.com/office/drawing/2014/main" id="{206CAC33-BAD2-C441-99BF-ABCA3D0FA81A}"/>
+                  </a:ext>
+                </a:extLst>
+              </p:cNvPr>
+              <p:cNvSpPr txBox="1"/>
+              <p:nvPr/>
+            </p:nvSpPr>
+            <p:spPr>
+              <a:xfrm>
+                <a:off x="2712720" y="3228944"/>
+                <a:ext cx="4533900" cy="461665"/>
+              </a:xfrm>
+              <a:prstGeom prst="rect">
+                <a:avLst/>
+              </a:prstGeom>
+              <a:noFill/>
+            </p:spPr>
+            <p:txBody>
+              <a:bodyPr wrap="square">
+                <a:spAutoFit/>
+              </a:bodyPr>
+              <a:lstStyle/>
+              <a:p>
+                <a:pPr/>
+                <a14:m>
+                  <m:oMathPara xmlns:m="http://schemas.openxmlformats.org/officeDocument/2006/math">
+                    <m:oMathParaPr>
+                      <m:jc m:val="centerGroup"/>
+                    </m:oMathParaPr>
+                    <m:oMath xmlns:m="http://schemas.openxmlformats.org/officeDocument/2006/math">
+                      <m:sSub>
+                        <m:sSubPr>
+                          <m:ctrlPr>
+                            <a:rPr lang="en-US" sz="2400" b="0" i="1" smtClean="0">
+                              <a:latin typeface="Cambria Math" panose="02040503050406030204" pitchFamily="18" charset="0"/>
+                            </a:rPr>
+                          </m:ctrlPr>
+                        </m:sSubPr>
+                        <m:e>
+                          <m:r>
+                            <a:rPr lang="en-US" sz="2400" b="0" i="1" smtClean="0">
+                              <a:latin typeface="Cambria Math" panose="02040503050406030204" pitchFamily="18" charset="0"/>
+                            </a:rPr>
+                            <m:t>𝐸</m:t>
+                          </m:r>
+                        </m:e>
+                        <m:sub>
+                          <m:r>
+                            <a:rPr lang="en-US" sz="2400" b="0" i="1" smtClean="0">
+                              <a:latin typeface="Cambria Math" panose="02040503050406030204" pitchFamily="18" charset="0"/>
+                            </a:rPr>
+                            <m:t>𝐷</m:t>
+                          </m:r>
+                        </m:sub>
+                      </m:sSub>
+                      <m:d>
+                        <m:dPr>
+                          <m:begChr m:val="["/>
+                          <m:endChr m:val="]"/>
+                          <m:ctrlPr>
+                            <a:rPr lang="en-US" sz="2400" b="0" i="1" smtClean="0">
+                              <a:latin typeface="Cambria Math" panose="02040503050406030204" pitchFamily="18" charset="0"/>
+                            </a:rPr>
+                          </m:ctrlPr>
+                        </m:dPr>
+                        <m:e>
+                          <m:r>
+                            <a:rPr lang="en-US" sz="2400" b="0" i="1" smtClean="0">
+                              <a:latin typeface="Cambria Math" panose="02040503050406030204" pitchFamily="18" charset="0"/>
+                            </a:rPr>
+                            <m:t>𝑔</m:t>
+                          </m:r>
+                          <m:d>
+                            <m:dPr>
+                              <m:ctrlPr>
+                                <a:rPr lang="en-US" sz="2400" b="0" i="1" smtClean="0">
+                                  <a:latin typeface="Cambria Math" panose="02040503050406030204" pitchFamily="18" charset="0"/>
+                                </a:rPr>
+                              </m:ctrlPr>
+                            </m:dPr>
+                            <m:e>
+                              <m:r>
+                                <a:rPr lang="en-US" sz="2400" b="0" i="1" smtClean="0">
+                                  <a:latin typeface="Cambria Math" panose="02040503050406030204" pitchFamily="18" charset="0"/>
+                                </a:rPr>
+                                <m:t>𝑋</m:t>
+                              </m:r>
+                              <m:r>
+                                <a:rPr lang="en-US" sz="2400" b="0" i="1" smtClean="0">
+                                  <a:latin typeface="Cambria Math" panose="02040503050406030204" pitchFamily="18" charset="0"/>
+                                </a:rPr>
+                                <m:t>;</m:t>
+                              </m:r>
+                              <m:r>
+                                <a:rPr lang="en-US" sz="2400" b="0" i="1" smtClean="0">
+                                  <a:latin typeface="Cambria Math" panose="02040503050406030204" pitchFamily="18" charset="0"/>
+                                </a:rPr>
+                                <m:t>𝐷</m:t>
+                              </m:r>
+                            </m:e>
+                          </m:d>
+                        </m:e>
+                      </m:d>
+                      <m:r>
+                        <a:rPr lang="en-US" sz="2400" b="0" i="1" smtClean="0">
+                          <a:latin typeface="Cambria Math" panose="02040503050406030204" pitchFamily="18" charset="0"/>
+                        </a:rPr>
+                        <m:t> −</m:t>
+                      </m:r>
+                      <m:r>
+                        <a:rPr lang="en-US" sz="2400" b="0" i="1" smtClean="0">
+                          <a:latin typeface="Cambria Math" panose="02040503050406030204" pitchFamily="18" charset="0"/>
+                        </a:rPr>
+                        <m:t>𝑓</m:t>
+                      </m:r>
+                      <m:r>
+                        <a:rPr lang="en-US" sz="2400" b="0" i="1" smtClean="0">
+                          <a:latin typeface="Cambria Math" panose="02040503050406030204" pitchFamily="18" charset="0"/>
+                        </a:rPr>
+                        <m:t>(</m:t>
+                      </m:r>
+                      <m:r>
+                        <a:rPr lang="en-US" sz="2400" b="0" i="1" smtClean="0">
+                          <a:latin typeface="Cambria Math" panose="02040503050406030204" pitchFamily="18" charset="0"/>
+                        </a:rPr>
+                        <m:t>𝑋</m:t>
+                      </m:r>
+                      <m:r>
+                        <a:rPr lang="en-US" sz="2400" b="0" i="1" smtClean="0">
+                          <a:latin typeface="Cambria Math" panose="02040503050406030204" pitchFamily="18" charset="0"/>
+                        </a:rPr>
+                        <m:t>)</m:t>
+                      </m:r>
+                    </m:oMath>
+                  </m:oMathPara>
+                </a14:m>
+                <a:endParaRPr lang="en-US" sz="2400" dirty="0"/>
+              </a:p>
+            </p:txBody>
+          </p:sp>
+        </mc:Choice>
+        <mc:Fallback xmlns="">
+          <p:sp>
+            <p:nvSpPr>
+              <p:cNvPr id="15" name="TextBox 14">
+                <a:extLst>
+                  <a:ext uri="{FF2B5EF4-FFF2-40B4-BE49-F238E27FC236}">
+                    <a16:creationId xmlns:a16="http://schemas.microsoft.com/office/drawing/2014/main" id="{206CAC33-BAD2-C441-99BF-ABCA3D0FA81A}"/>
+                  </a:ext>
+                </a:extLst>
+              </p:cNvPr>
+              <p:cNvSpPr txBox="1">
+                <a:spLocks noRot="1" noChangeAspect="1" noMove="1" noResize="1" noEditPoints="1" noAdjustHandles="1" noChangeArrowheads="1" noChangeShapeType="1" noTextEdit="1"/>
+              </p:cNvSpPr>
+              <p:nvPr/>
+            </p:nvSpPr>
+            <p:spPr>
+              <a:xfrm>
+                <a:off x="2712720" y="3228944"/>
+                <a:ext cx="4533900" cy="461665"/>
+              </a:xfrm>
+              <a:prstGeom prst="rect">
+                <a:avLst/>
+              </a:prstGeom>
+              <a:blipFill>
+                <a:blip r:embed="rId3"/>
+                <a:stretch>
+                  <a:fillRect b="-21622"/>
+                </a:stretch>
+              </a:blipFill>
+            </p:spPr>
+            <p:txBody>
+              <a:bodyPr/>
+              <a:lstStyle/>
+              <a:p>
+                <a:r>
+                  <a:rPr lang="en-US">
+                    <a:noFill/>
+                  </a:rPr>
+                  <a:t> </a:t>
+                </a:r>
+              </a:p>
+            </p:txBody>
+          </p:sp>
+        </mc:Fallback>
+      </mc:AlternateContent>
+      <p:sp>
+        <p:nvSpPr>
+          <p:cNvPr id="17" name="TextBox 16">
+            <a:extLst>
+              <a:ext uri="{FF2B5EF4-FFF2-40B4-BE49-F238E27FC236}">
+                <a16:creationId xmlns:a16="http://schemas.microsoft.com/office/drawing/2014/main" id="{15C12BDA-2D4C-494C-AD06-BACD08DA722C}"/>
+              </a:ext>
+            </a:extLst>
+          </p:cNvPr>
+          <p:cNvSpPr txBox="1"/>
+          <p:nvPr/>
+        </p:nvSpPr>
+        <p:spPr>
+          <a:xfrm>
+            <a:off x="1264920" y="4040332"/>
+            <a:ext cx="10515600" cy="523220"/>
+          </a:xfrm>
+          <a:prstGeom prst="rect">
+            <a:avLst/>
+          </a:prstGeom>
+          <a:noFill/>
+        </p:spPr>
+        <p:txBody>
+          <a:bodyPr wrap="square">
+            <a:spAutoFit/>
+          </a:bodyPr>
+          <a:lstStyle/>
+          <a:p>
+            <a:r>
+              <a:rPr lang="en-US" sz="2800" dirty="0"/>
+              <a:t>Variance: </a:t>
+            </a:r>
+          </a:p>
+        </p:txBody>
+      </p:sp>
+      <mc:AlternateContent xmlns:mc="http://schemas.openxmlformats.org/markup-compatibility/2006" xmlns:a14="http://schemas.microsoft.com/office/drawing/2010/main">
+        <mc:Choice Requires="a14">
+          <p:sp>
+            <p:nvSpPr>
+              <p:cNvPr id="18" name="TextBox 17">
+                <a:extLst>
+                  <a:ext uri="{FF2B5EF4-FFF2-40B4-BE49-F238E27FC236}">
+                    <a16:creationId xmlns:a16="http://schemas.microsoft.com/office/drawing/2014/main" id="{755C1EEE-6BE0-FA48-838A-31244001B260}"/>
+                  </a:ext>
+                </a:extLst>
+              </p:cNvPr>
+              <p:cNvSpPr txBox="1"/>
+              <p:nvPr/>
+            </p:nvSpPr>
+            <p:spPr>
+              <a:xfrm>
+                <a:off x="3188970" y="4108679"/>
+                <a:ext cx="4533900" cy="461665"/>
+              </a:xfrm>
+              <a:prstGeom prst="rect">
+                <a:avLst/>
+              </a:prstGeom>
+              <a:noFill/>
+            </p:spPr>
+            <p:txBody>
+              <a:bodyPr wrap="square">
+                <a:spAutoFit/>
+              </a:bodyPr>
+              <a:lstStyle/>
+              <a:p>
+                <a:pPr/>
+                <a14:m>
+                  <m:oMathPara xmlns:m="http://schemas.openxmlformats.org/officeDocument/2006/math">
+                    <m:oMathParaPr>
+                      <m:jc m:val="centerGroup"/>
+                    </m:oMathParaPr>
+                    <m:oMath xmlns:m="http://schemas.openxmlformats.org/officeDocument/2006/math">
+                      <m:sSub>
+                        <m:sSubPr>
+                          <m:ctrlPr>
+                            <a:rPr lang="en-US" sz="2400" b="0" i="1" smtClean="0">
+                              <a:latin typeface="Cambria Math" panose="02040503050406030204" pitchFamily="18" charset="0"/>
+                            </a:rPr>
+                          </m:ctrlPr>
+                        </m:sSubPr>
+                        <m:e>
+                          <m:sSub>
+                            <m:sSubPr>
+                              <m:ctrlPr>
+                                <a:rPr lang="en-US" sz="2400" b="0" i="1" smtClean="0">
+                                  <a:latin typeface="Cambria Math" panose="02040503050406030204" pitchFamily="18" charset="0"/>
+                                </a:rPr>
+                              </m:ctrlPr>
+                            </m:sSubPr>
+                            <m:e>
+                              <m:r>
+                                <a:rPr lang="en-US" sz="2400" b="0" i="1" smtClean="0">
+                                  <a:latin typeface="Cambria Math" panose="02040503050406030204" pitchFamily="18" charset="0"/>
+                                </a:rPr>
+                                <m:t>𝐸</m:t>
+                              </m:r>
+                            </m:e>
+                            <m:sub>
+                              <m:r>
+                                <a:rPr lang="en-US" sz="2400" b="0" i="1" smtClean="0">
+                                  <a:latin typeface="Cambria Math" panose="02040503050406030204" pitchFamily="18" charset="0"/>
+                                </a:rPr>
+                                <m:t>𝐷</m:t>
+                              </m:r>
+                            </m:sub>
+                          </m:sSub>
+                          <m:r>
+                            <a:rPr lang="en-US" sz="2400" b="0" i="1" smtClean="0">
+                              <a:latin typeface="Cambria Math" panose="02040503050406030204" pitchFamily="18" charset="0"/>
+                            </a:rPr>
+                            <m:t>[</m:t>
+                          </m:r>
+                          <m:r>
+                            <a:rPr lang="en-US" sz="2400" b="0" i="1" smtClean="0">
+                              <a:latin typeface="Cambria Math" panose="02040503050406030204" pitchFamily="18" charset="0"/>
+                            </a:rPr>
+                            <m:t>𝐸</m:t>
+                          </m:r>
+                        </m:e>
+                        <m:sub>
+                          <m:r>
+                            <a:rPr lang="en-US" sz="2400" b="0" i="1" smtClean="0">
+                              <a:latin typeface="Cambria Math" panose="02040503050406030204" pitchFamily="18" charset="0"/>
+                            </a:rPr>
+                            <m:t>𝐷</m:t>
+                          </m:r>
+                        </m:sub>
+                      </m:sSub>
+                      <m:d>
+                        <m:dPr>
+                          <m:begChr m:val="["/>
+                          <m:endChr m:val="]"/>
+                          <m:ctrlPr>
+                            <a:rPr lang="en-US" sz="2400" b="0" i="1" smtClean="0">
+                              <a:latin typeface="Cambria Math" panose="02040503050406030204" pitchFamily="18" charset="0"/>
+                            </a:rPr>
+                          </m:ctrlPr>
+                        </m:dPr>
+                        <m:e>
+                          <m:r>
+                            <a:rPr lang="en-US" sz="2400" b="0" i="1" smtClean="0">
+                              <a:latin typeface="Cambria Math" panose="02040503050406030204" pitchFamily="18" charset="0"/>
+                            </a:rPr>
+                            <m:t>𝑔</m:t>
+                          </m:r>
+                          <m:d>
+                            <m:dPr>
+                              <m:ctrlPr>
+                                <a:rPr lang="en-US" sz="2400" b="0" i="1" smtClean="0">
+                                  <a:latin typeface="Cambria Math" panose="02040503050406030204" pitchFamily="18" charset="0"/>
+                                </a:rPr>
+                              </m:ctrlPr>
+                            </m:dPr>
+                            <m:e>
+                              <m:r>
+                                <a:rPr lang="en-US" sz="2400" b="0" i="1" smtClean="0">
+                                  <a:latin typeface="Cambria Math" panose="02040503050406030204" pitchFamily="18" charset="0"/>
+                                </a:rPr>
+                                <m:t>𝑋</m:t>
+                              </m:r>
+                              <m:r>
+                                <a:rPr lang="en-US" sz="2400" b="0" i="1" smtClean="0">
+                                  <a:latin typeface="Cambria Math" panose="02040503050406030204" pitchFamily="18" charset="0"/>
+                                </a:rPr>
+                                <m:t>;</m:t>
+                              </m:r>
+                              <m:r>
+                                <a:rPr lang="en-US" sz="2400" b="0" i="1" smtClean="0">
+                                  <a:latin typeface="Cambria Math" panose="02040503050406030204" pitchFamily="18" charset="0"/>
+                                </a:rPr>
+                                <m:t>𝐷</m:t>
+                              </m:r>
+                            </m:e>
+                          </m:d>
+                        </m:e>
+                      </m:d>
+                      <m:r>
+                        <a:rPr lang="en-US" sz="2400" b="0" i="1" smtClean="0">
+                          <a:latin typeface="Cambria Math" panose="02040503050406030204" pitchFamily="18" charset="0"/>
+                        </a:rPr>
+                        <m:t> −</m:t>
+                      </m:r>
+                      <m:r>
+                        <a:rPr lang="en-US" sz="2400" b="0" i="1" smtClean="0">
+                          <a:latin typeface="Cambria Math" panose="02040503050406030204" pitchFamily="18" charset="0"/>
+                        </a:rPr>
+                        <m:t>𝑔</m:t>
+                      </m:r>
+                      <m:r>
+                        <a:rPr lang="en-US" sz="2400" b="0" i="1" smtClean="0">
+                          <a:latin typeface="Cambria Math" panose="02040503050406030204" pitchFamily="18" charset="0"/>
+                        </a:rPr>
+                        <m:t>(</m:t>
+                      </m:r>
+                      <m:r>
+                        <a:rPr lang="en-US" sz="2400" b="0" i="1" smtClean="0">
+                          <a:latin typeface="Cambria Math" panose="02040503050406030204" pitchFamily="18" charset="0"/>
+                        </a:rPr>
+                        <m:t>𝑋</m:t>
+                      </m:r>
+                      <m:r>
+                        <a:rPr lang="en-US" sz="2400" b="0" i="1" smtClean="0">
+                          <a:latin typeface="Cambria Math" panose="02040503050406030204" pitchFamily="18" charset="0"/>
+                        </a:rPr>
+                        <m:t>;</m:t>
+                      </m:r>
+                      <m:r>
+                        <a:rPr lang="en-US" sz="2400" b="0" i="1" smtClean="0">
+                          <a:latin typeface="Cambria Math" panose="02040503050406030204" pitchFamily="18" charset="0"/>
+                        </a:rPr>
+                        <m:t>𝐷</m:t>
+                      </m:r>
+                      <m:r>
+                        <a:rPr lang="en-US" sz="2400" b="0" i="1" smtClean="0">
+                          <a:latin typeface="Cambria Math" panose="02040503050406030204" pitchFamily="18" charset="0"/>
+                        </a:rPr>
+                        <m:t>)]</m:t>
+                      </m:r>
+                    </m:oMath>
+                  </m:oMathPara>
+                </a14:m>
+                <a:endParaRPr lang="en-US" sz="2400" dirty="0"/>
+              </a:p>
+            </p:txBody>
+          </p:sp>
+        </mc:Choice>
+        <mc:Fallback xmlns="">
+          <p:sp>
+            <p:nvSpPr>
+              <p:cNvPr id="18" name="TextBox 17">
+                <a:extLst>
+                  <a:ext uri="{FF2B5EF4-FFF2-40B4-BE49-F238E27FC236}">
+                    <a16:creationId xmlns:a16="http://schemas.microsoft.com/office/drawing/2014/main" id="{755C1EEE-6BE0-FA48-838A-31244001B260}"/>
+                  </a:ext>
+                </a:extLst>
+              </p:cNvPr>
+              <p:cNvSpPr txBox="1">
+                <a:spLocks noRot="1" noChangeAspect="1" noMove="1" noResize="1" noEditPoints="1" noAdjustHandles="1" noChangeArrowheads="1" noChangeShapeType="1" noTextEdit="1"/>
+              </p:cNvSpPr>
+              <p:nvPr/>
+            </p:nvSpPr>
+            <p:spPr>
+              <a:xfrm>
+                <a:off x="3188970" y="4108679"/>
+                <a:ext cx="4533900" cy="461665"/>
+              </a:xfrm>
+              <a:prstGeom prst="rect">
+                <a:avLst/>
+              </a:prstGeom>
+              <a:blipFill>
+                <a:blip r:embed="rId4"/>
+                <a:stretch>
+                  <a:fillRect b="-21622"/>
+                </a:stretch>
+              </a:blipFill>
+            </p:spPr>
+            <p:txBody>
+              <a:bodyPr/>
+              <a:lstStyle/>
+              <a:p>
+                <a:r>
+                  <a:rPr lang="en-US">
+                    <a:noFill/>
+                  </a:rPr>
+                  <a:t> </a:t>
+                </a:r>
+              </a:p>
+            </p:txBody>
+          </p:sp>
+        </mc:Fallback>
+      </mc:AlternateContent>
+      <p:sp>
+        <p:nvSpPr>
+          <p:cNvPr id="20" name="TextBox 19">
+            <a:extLst>
+              <a:ext uri="{FF2B5EF4-FFF2-40B4-BE49-F238E27FC236}">
+                <a16:creationId xmlns:a16="http://schemas.microsoft.com/office/drawing/2014/main" id="{2785F286-48FD-4E40-A600-091F499952CE}"/>
+              </a:ext>
+            </a:extLst>
+          </p:cNvPr>
+          <p:cNvSpPr txBox="1"/>
+          <p:nvPr/>
+        </p:nvSpPr>
+        <p:spPr>
+          <a:xfrm>
+            <a:off x="1264920" y="5028810"/>
+            <a:ext cx="10515600" cy="523220"/>
+          </a:xfrm>
+          <a:prstGeom prst="rect">
+            <a:avLst/>
+          </a:prstGeom>
+          <a:noFill/>
+        </p:spPr>
+        <p:txBody>
+          <a:bodyPr wrap="square">
+            <a:spAutoFit/>
+          </a:bodyPr>
+          <a:lstStyle/>
+          <a:p>
+            <a:r>
+              <a:rPr lang="en-US" sz="2800" dirty="0"/>
+              <a:t>Irreducible error: </a:t>
+            </a:r>
+          </a:p>
+        </p:txBody>
+      </p:sp>
+      <mc:AlternateContent xmlns:mc="http://schemas.openxmlformats.org/markup-compatibility/2006" xmlns:a14="http://schemas.microsoft.com/office/drawing/2010/main">
+        <mc:Choice Requires="a14">
+          <p:sp>
+            <p:nvSpPr>
+              <p:cNvPr id="21" name="TextBox 20">
+                <a:extLst>
+                  <a:ext uri="{FF2B5EF4-FFF2-40B4-BE49-F238E27FC236}">
+                    <a16:creationId xmlns:a16="http://schemas.microsoft.com/office/drawing/2014/main" id="{0FB2C870-504A-4A4A-89D4-DA71E8D81AB0}"/>
+                  </a:ext>
+                </a:extLst>
+              </p:cNvPr>
+              <p:cNvSpPr txBox="1"/>
+              <p:nvPr/>
+            </p:nvSpPr>
+            <p:spPr>
+              <a:xfrm>
+                <a:off x="2560320" y="5079795"/>
+                <a:ext cx="4533900" cy="461665"/>
+              </a:xfrm>
+              <a:prstGeom prst="rect">
+                <a:avLst/>
+              </a:prstGeom>
+              <a:noFill/>
+            </p:spPr>
+            <p:txBody>
+              <a:bodyPr wrap="square">
+                <a:spAutoFit/>
+              </a:bodyPr>
+              <a:lstStyle/>
+              <a:p>
+                <a:pPr/>
+                <a14:m>
+                  <m:oMathPara xmlns:m="http://schemas.openxmlformats.org/officeDocument/2006/math">
+                    <m:oMathParaPr>
+                      <m:jc m:val="centerGroup"/>
+                    </m:oMathParaPr>
+                    <m:oMath xmlns:m="http://schemas.openxmlformats.org/officeDocument/2006/math">
+                      <m:r>
+                        <a:rPr lang="en-US" sz="2400" b="0" i="1" smtClean="0">
+                          <a:latin typeface="Cambria Math" panose="02040503050406030204" pitchFamily="18" charset="0"/>
+                        </a:rPr>
+                        <m:t>𝜖</m:t>
+                      </m:r>
+                      <m:r>
+                        <a:rPr lang="en-US" sz="2400" b="0" i="1" smtClean="0">
+                          <a:latin typeface="Cambria Math" panose="02040503050406030204" pitchFamily="18" charset="0"/>
+                        </a:rPr>
+                        <m:t> </m:t>
+                      </m:r>
+                      <m:r>
+                        <a:rPr lang="en-US" sz="2400" b="0" i="1" smtClean="0">
+                          <a:latin typeface="Cambria Math" panose="02040503050406030204" pitchFamily="18" charset="0"/>
+                        </a:rPr>
+                        <m:t>𝑜𝑟</m:t>
+                      </m:r>
+                      <m:r>
+                        <a:rPr lang="en-US" sz="2400" b="0" i="1" smtClean="0">
+                          <a:latin typeface="Cambria Math" panose="02040503050406030204" pitchFamily="18" charset="0"/>
+                        </a:rPr>
+                        <m:t> </m:t>
+                      </m:r>
+                      <m:r>
+                        <a:rPr lang="en-US" sz="2400" b="0" i="1" smtClean="0">
+                          <a:latin typeface="Cambria Math" panose="02040503050406030204" pitchFamily="18" charset="0"/>
+                        </a:rPr>
+                        <m:t>𝜎</m:t>
+                      </m:r>
+                    </m:oMath>
+                  </m:oMathPara>
+                </a14:m>
+                <a:endParaRPr lang="en-US" sz="2400" dirty="0"/>
+              </a:p>
+            </p:txBody>
+          </p:sp>
+        </mc:Choice>
+        <mc:Fallback xmlns="">
+          <p:sp>
+            <p:nvSpPr>
+              <p:cNvPr id="21" name="TextBox 20">
+                <a:extLst>
+                  <a:ext uri="{FF2B5EF4-FFF2-40B4-BE49-F238E27FC236}">
+                    <a16:creationId xmlns:a16="http://schemas.microsoft.com/office/drawing/2014/main" id="{0FB2C870-504A-4A4A-89D4-DA71E8D81AB0}"/>
+                  </a:ext>
+                </a:extLst>
+              </p:cNvPr>
+              <p:cNvSpPr txBox="1">
+                <a:spLocks noRot="1" noChangeAspect="1" noMove="1" noResize="1" noEditPoints="1" noAdjustHandles="1" noChangeArrowheads="1" noChangeShapeType="1" noTextEdit="1"/>
+              </p:cNvSpPr>
+              <p:nvPr/>
+            </p:nvSpPr>
+            <p:spPr>
+              <a:xfrm>
+                <a:off x="2560320" y="5079795"/>
+                <a:ext cx="4533900" cy="461665"/>
+              </a:xfrm>
+              <a:prstGeom prst="rect">
+                <a:avLst/>
+              </a:prstGeom>
+              <a:blipFill>
+                <a:blip r:embed="rId5"/>
+                <a:stretch>
+                  <a:fillRect b="-21053"/>
+                </a:stretch>
+              </a:blipFill>
+            </p:spPr>
+            <p:txBody>
+              <a:bodyPr/>
+              <a:lstStyle/>
+              <a:p>
+                <a:r>
+                  <a:rPr lang="en-US">
+                    <a:noFill/>
+                  </a:rPr>
+                  <a:t> </a:t>
+                </a:r>
+              </a:p>
+            </p:txBody>
+          </p:sp>
+        </mc:Fallback>
+      </mc:AlternateContent>
+      <p:sp>
+        <p:nvSpPr>
+          <p:cNvPr id="22" name="Left Brace 21">
+            <a:extLst>
+              <a:ext uri="{FF2B5EF4-FFF2-40B4-BE49-F238E27FC236}">
+                <a16:creationId xmlns:a16="http://schemas.microsoft.com/office/drawing/2014/main" id="{754CF7F3-DFAF-834F-BE10-068704335A89}"/>
+              </a:ext>
+            </a:extLst>
+          </p:cNvPr>
+          <p:cNvSpPr/>
+          <p:nvPr/>
+        </p:nvSpPr>
+        <p:spPr>
+          <a:xfrm rot="10800000">
+            <a:off x="7722870" y="3350504"/>
+            <a:ext cx="320040" cy="1213048"/>
+          </a:xfrm>
+          <a:prstGeom prst="leftBrace">
+            <a:avLst/>
+          </a:prstGeom>
+          <a:ln w="31750">
+            <a:solidFill>
+              <a:schemeClr val="tx1"/>
+            </a:solidFill>
+          </a:ln>
+        </p:spPr>
+        <p:style>
+          <a:lnRef idx="1">
+            <a:schemeClr val="accent1"/>
+          </a:lnRef>
+          <a:fillRef idx="0">
+            <a:schemeClr val="accent1"/>
+          </a:fillRef>
+          <a:effectRef idx="0">
+            <a:schemeClr val="accent1"/>
+          </a:effectRef>
+          <a:fontRef idx="minor">
+            <a:schemeClr val="tx1"/>
+          </a:fontRef>
+        </p:style>
+        <p:txBody>
+          <a:bodyPr rtlCol="0" anchor="ctr"/>
+          <a:lstStyle/>
+          <a:p>
+            <a:pPr algn="ctr"/>
+            <a:endParaRPr lang="en-US" dirty="0"/>
+          </a:p>
+        </p:txBody>
+      </p:sp>
+      <p:sp>
+        <p:nvSpPr>
+          <p:cNvPr id="23" name="TextBox 22">
+            <a:extLst>
+              <a:ext uri="{FF2B5EF4-FFF2-40B4-BE49-F238E27FC236}">
+                <a16:creationId xmlns:a16="http://schemas.microsoft.com/office/drawing/2014/main" id="{967C4E5D-3F30-7544-8A7B-69D9EE464884}"/>
+              </a:ext>
+            </a:extLst>
+          </p:cNvPr>
+          <p:cNvSpPr txBox="1"/>
+          <p:nvPr/>
+        </p:nvSpPr>
+        <p:spPr>
+          <a:xfrm>
+            <a:off x="8381999" y="3556486"/>
+            <a:ext cx="2922270" cy="954107"/>
+          </a:xfrm>
+          <a:prstGeom prst="rect">
+            <a:avLst/>
+          </a:prstGeom>
+          <a:noFill/>
+        </p:spPr>
+        <p:txBody>
+          <a:bodyPr wrap="square">
+            <a:spAutoFit/>
+          </a:bodyPr>
+          <a:lstStyle/>
+          <a:p>
+            <a:r>
+              <a:rPr lang="en-US" sz="2800" dirty="0"/>
+              <a:t>Depends on </a:t>
+            </a:r>
+          </a:p>
+          <a:p>
+            <a:r>
+              <a:rPr lang="en-US" sz="2800" dirty="0"/>
+              <a:t>model complexity  </a:t>
+            </a:r>
+          </a:p>
+        </p:txBody>
+      </p:sp>
+    </p:spTree>
+    <p:extLst>
+      <p:ext uri="{BB962C8B-B14F-4D97-AF65-F5344CB8AC3E}">
+        <p14:creationId xmlns:p14="http://schemas.microsoft.com/office/powerpoint/2010/main" val="362096768"/>
+      </p:ext>
+    </p:extLst>
+  </p:cSld>
+  <p:clrMapOvr>
+    <a:masterClrMapping/>
+  </p:clrMapOvr>
+</p:sld>
+</file>
+
+<file path=ppt/slides/slide11.xml><?xml version="1.0" encoding="utf-8"?>
+<p:sld xmlns:a="http://schemas.openxmlformats.org/drawingml/2006/main" xmlns:r="http://schemas.openxmlformats.org/officeDocument/2006/relationships" xmlns:p="http://schemas.openxmlformats.org/presentationml/2006/main">
+  <p:cSld>
+    <p:spTree>
+      <p:nvGrpSpPr>
+        <p:cNvPr id="1" name=""/>
+        <p:cNvGrpSpPr/>
+        <p:nvPr/>
+      </p:nvGrpSpPr>
+      <p:grpSpPr>
+        <a:xfrm>
+          <a:off x="0" y="0"/>
+          <a:ext cx="0" cy="0"/>
+          <a:chOff x="0" y="0"/>
+          <a:chExt cx="0" cy="0"/>
+        </a:xfrm>
+      </p:grpSpPr>
+      <p:sp>
+        <p:nvSpPr>
+          <p:cNvPr id="2" name="Title 1">
+            <a:extLst>
+              <a:ext uri="{FF2B5EF4-FFF2-40B4-BE49-F238E27FC236}">
+                <a16:creationId xmlns:a16="http://schemas.microsoft.com/office/drawing/2014/main" id="{5F69E904-77AE-3048-8D9D-BEAC840793F6}"/>
+              </a:ext>
+            </a:extLst>
+          </p:cNvPr>
+          <p:cNvSpPr>
+            <a:spLocks noGrp="1"/>
+          </p:cNvSpPr>
+          <p:nvPr>
+            <p:ph type="title"/>
+          </p:nvPr>
+        </p:nvSpPr>
+        <p:spPr/>
+        <p:txBody>
+          <a:bodyPr/>
+          <a:lstStyle/>
+          <a:p>
+            <a:r>
+              <a:rPr lang="en-US" dirty="0"/>
+              <a:t>Regression Models (to Estimate g(X))</a:t>
+            </a:r>
+          </a:p>
+        </p:txBody>
+      </p:sp>
+      <mc:AlternateContent xmlns:mc="http://schemas.openxmlformats.org/markup-compatibility/2006" xmlns:a14="http://schemas.microsoft.com/office/drawing/2010/main">
+        <mc:Choice Requires="a14">
+          <p:sp>
+            <p:nvSpPr>
+              <p:cNvPr id="4" name="TextBox 3">
+                <a:extLst>
+                  <a:ext uri="{FF2B5EF4-FFF2-40B4-BE49-F238E27FC236}">
+                    <a16:creationId xmlns:a16="http://schemas.microsoft.com/office/drawing/2014/main" id="{04A60279-2BF5-CC45-B4D7-BC4725938285}"/>
+                  </a:ext>
+                </a:extLst>
+              </p:cNvPr>
+              <p:cNvSpPr txBox="1"/>
+              <p:nvPr/>
+            </p:nvSpPr>
+            <p:spPr>
+              <a:xfrm>
+                <a:off x="2042160" y="2711194"/>
+                <a:ext cx="7772400" cy="490199"/>
+              </a:xfrm>
+              <a:prstGeom prst="rect">
+                <a:avLst/>
+              </a:prstGeom>
+              <a:noFill/>
+            </p:spPr>
+            <p:txBody>
+              <a:bodyPr wrap="square">
+                <a:spAutoFit/>
+              </a:bodyPr>
+              <a:lstStyle/>
+              <a:p>
+                <a14:m>
+                  <m:oMath xmlns:m="http://schemas.openxmlformats.org/officeDocument/2006/math">
+                    <m:r>
+                      <a:rPr lang="en-US" sz="2400" b="0" i="1" smtClean="0">
+                        <a:latin typeface="Cambria Math" panose="02040503050406030204" pitchFamily="18" charset="0"/>
+                      </a:rPr>
+                      <m:t>𝑔</m:t>
+                    </m:r>
+                    <m:d>
+                      <m:dPr>
+                        <m:ctrlPr>
+                          <a:rPr lang="en-US" sz="2400" b="0" i="1" smtClean="0">
+                            <a:latin typeface="Cambria Math" panose="02040503050406030204" pitchFamily="18" charset="0"/>
+                          </a:rPr>
+                        </m:ctrlPr>
+                      </m:dPr>
+                      <m:e>
+                        <m:r>
+                          <a:rPr lang="en-US" sz="2400" b="0" i="1" smtClean="0">
+                            <a:latin typeface="Cambria Math" panose="02040503050406030204" pitchFamily="18" charset="0"/>
+                          </a:rPr>
+                          <m:t>𝑋</m:t>
+                        </m:r>
+                      </m:e>
+                    </m:d>
+                    <m:r>
+                      <a:rPr lang="en-US" sz="2400" b="0" i="1" smtClean="0">
+                        <a:latin typeface="Cambria Math" panose="02040503050406030204" pitchFamily="18" charset="0"/>
+                      </a:rPr>
+                      <m:t>=</m:t>
+                    </m:r>
+                    <m:sSub>
+                      <m:sSubPr>
+                        <m:ctrlPr>
+                          <a:rPr lang="en-US" sz="2400" b="0" i="1" smtClean="0">
+                            <a:latin typeface="Cambria Math" panose="02040503050406030204" pitchFamily="18" charset="0"/>
+                          </a:rPr>
+                        </m:ctrlPr>
+                      </m:sSubPr>
+                      <m:e>
+                        <m:r>
+                          <a:rPr lang="en-US" sz="2400" b="0" i="1" smtClean="0">
+                            <a:latin typeface="Cambria Math" panose="02040503050406030204" pitchFamily="18" charset="0"/>
+                          </a:rPr>
+                          <m:t>𝛽</m:t>
+                        </m:r>
+                      </m:e>
+                      <m:sub>
+                        <m:r>
+                          <a:rPr lang="en-US" sz="2400" b="0" i="1" smtClean="0">
+                            <a:latin typeface="Cambria Math" panose="02040503050406030204" pitchFamily="18" charset="0"/>
+                          </a:rPr>
+                          <m:t>0</m:t>
+                        </m:r>
+                      </m:sub>
+                    </m:sSub>
+                    <m:r>
+                      <a:rPr lang="en-US" sz="2400" b="0" i="1" smtClean="0">
+                        <a:latin typeface="Cambria Math" panose="02040503050406030204" pitchFamily="18" charset="0"/>
+                      </a:rPr>
+                      <m:t>+</m:t>
+                    </m:r>
+                    <m:sSub>
+                      <m:sSubPr>
+                        <m:ctrlPr>
+                          <a:rPr lang="en-US" sz="2400" b="0" i="1" smtClean="0">
+                            <a:latin typeface="Cambria Math" panose="02040503050406030204" pitchFamily="18" charset="0"/>
+                          </a:rPr>
+                        </m:ctrlPr>
+                      </m:sSubPr>
+                      <m:e>
+                        <m:r>
+                          <a:rPr lang="en-US" sz="2400" b="0" i="1" smtClean="0">
+                            <a:latin typeface="Cambria Math" panose="02040503050406030204" pitchFamily="18" charset="0"/>
+                          </a:rPr>
+                          <m:t>𝛽</m:t>
+                        </m:r>
+                      </m:e>
+                      <m:sub>
+                        <m:r>
+                          <a:rPr lang="en-US" sz="2400" b="0" i="1" smtClean="0">
+                            <a:latin typeface="Cambria Math" panose="02040503050406030204" pitchFamily="18" charset="0"/>
+                          </a:rPr>
+                          <m:t>1</m:t>
+                        </m:r>
+                      </m:sub>
+                    </m:sSub>
+                    <m:sSub>
+                      <m:sSubPr>
+                        <m:ctrlPr>
+                          <a:rPr lang="en-US" sz="2400" b="0" i="1" smtClean="0">
+                            <a:latin typeface="Cambria Math" panose="02040503050406030204" pitchFamily="18" charset="0"/>
+                          </a:rPr>
+                        </m:ctrlPr>
+                      </m:sSubPr>
+                      <m:e>
+                        <m:r>
+                          <a:rPr lang="en-US" sz="2400" b="0" i="1" smtClean="0">
+                            <a:latin typeface="Cambria Math" panose="02040503050406030204" pitchFamily="18" charset="0"/>
+                          </a:rPr>
+                          <m:t>𝑋</m:t>
+                        </m:r>
+                      </m:e>
+                      <m:sub>
+                        <m:r>
+                          <a:rPr lang="en-US" sz="2400" b="0" i="1" smtClean="0">
+                            <a:latin typeface="Cambria Math" panose="02040503050406030204" pitchFamily="18" charset="0"/>
+                          </a:rPr>
+                          <m:t>1</m:t>
+                        </m:r>
+                      </m:sub>
+                    </m:sSub>
+                    <m:r>
+                      <a:rPr lang="en-US" sz="2400" b="0" i="1" smtClean="0">
+                        <a:latin typeface="Cambria Math" panose="02040503050406030204" pitchFamily="18" charset="0"/>
+                      </a:rPr>
+                      <m:t>+ …+</m:t>
+                    </m:r>
+                    <m:sSub>
+                      <m:sSubPr>
+                        <m:ctrlPr>
+                          <a:rPr lang="en-US" sz="2400" b="0" i="1" smtClean="0">
+                            <a:latin typeface="Cambria Math" panose="02040503050406030204" pitchFamily="18" charset="0"/>
+                          </a:rPr>
+                        </m:ctrlPr>
+                      </m:sSubPr>
+                      <m:e>
+                        <m:r>
+                          <a:rPr lang="en-US" sz="2400" b="0" i="1" smtClean="0">
+                            <a:latin typeface="Cambria Math" panose="02040503050406030204" pitchFamily="18" charset="0"/>
+                          </a:rPr>
+                          <m:t>𝛽</m:t>
+                        </m:r>
+                      </m:e>
+                      <m:sub>
+                        <m:r>
+                          <a:rPr lang="en-US" sz="2400" b="0" i="1" smtClean="0">
+                            <a:latin typeface="Cambria Math" panose="02040503050406030204" pitchFamily="18" charset="0"/>
+                          </a:rPr>
+                          <m:t>𝑝</m:t>
+                        </m:r>
+                      </m:sub>
+                    </m:sSub>
+                    <m:sSub>
+                      <m:sSubPr>
+                        <m:ctrlPr>
+                          <a:rPr lang="en-US" sz="2400" b="0" i="1" smtClean="0">
+                            <a:latin typeface="Cambria Math" panose="02040503050406030204" pitchFamily="18" charset="0"/>
+                          </a:rPr>
+                        </m:ctrlPr>
+                      </m:sSubPr>
+                      <m:e>
+                        <m:r>
+                          <a:rPr lang="en-US" sz="2400" b="0" i="1" smtClean="0">
+                            <a:latin typeface="Cambria Math" panose="02040503050406030204" pitchFamily="18" charset="0"/>
+                          </a:rPr>
+                          <m:t>𝑋</m:t>
+                        </m:r>
+                      </m:e>
+                      <m:sub>
+                        <m:r>
+                          <a:rPr lang="en-US" sz="2400" b="0" i="1" smtClean="0">
+                            <a:latin typeface="Cambria Math" panose="02040503050406030204" pitchFamily="18" charset="0"/>
+                          </a:rPr>
+                          <m:t>𝑝</m:t>
+                        </m:r>
+                      </m:sub>
+                    </m:sSub>
+                    <m:r>
+                      <a:rPr lang="en-US" sz="2400" b="0" i="1" smtClean="0">
+                        <a:latin typeface="Cambria Math" panose="02040503050406030204" pitchFamily="18" charset="0"/>
+                      </a:rPr>
+                      <m:t>           (</m:t>
+                    </m:r>
+                    <m:r>
+                      <a:rPr lang="en-US" sz="2400" b="0" i="1" smtClean="0">
+                        <a:latin typeface="Cambria Math" panose="02040503050406030204" pitchFamily="18" charset="0"/>
+                      </a:rPr>
+                      <m:t>𝑋</m:t>
+                    </m:r>
+                    <m:r>
+                      <a:rPr lang="en-US" sz="2400" b="0" i="1" smtClean="0">
+                        <a:latin typeface="Cambria Math" panose="02040503050406030204" pitchFamily="18" charset="0"/>
+                      </a:rPr>
+                      <m:t>=[</m:t>
+                    </m:r>
+                    <m:sSub>
+                      <m:sSubPr>
+                        <m:ctrlPr>
+                          <a:rPr lang="en-US" sz="2400" b="0" i="1" smtClean="0">
+                            <a:latin typeface="Cambria Math" panose="02040503050406030204" pitchFamily="18" charset="0"/>
+                          </a:rPr>
+                        </m:ctrlPr>
+                      </m:sSubPr>
+                      <m:e>
+                        <m:r>
+                          <a:rPr lang="en-US" sz="2400" b="0" i="1" smtClean="0">
+                            <a:latin typeface="Cambria Math" panose="02040503050406030204" pitchFamily="18" charset="0"/>
+                          </a:rPr>
+                          <m:t>𝑋</m:t>
+                        </m:r>
+                      </m:e>
+                      <m:sub>
+                        <m:r>
+                          <a:rPr lang="en-US" sz="2400" b="0" i="1" smtClean="0">
+                            <a:latin typeface="Cambria Math" panose="02040503050406030204" pitchFamily="18" charset="0"/>
+                          </a:rPr>
+                          <m:t>1</m:t>
+                        </m:r>
+                      </m:sub>
+                    </m:sSub>
+                    <m:r>
+                      <a:rPr lang="en-US" sz="2400" b="0" i="1" smtClean="0">
+                        <a:latin typeface="Cambria Math" panose="02040503050406030204" pitchFamily="18" charset="0"/>
+                      </a:rPr>
+                      <m:t>,…., </m:t>
+                    </m:r>
+                    <m:sSub>
+                      <m:sSubPr>
+                        <m:ctrlPr>
+                          <a:rPr lang="en-US" sz="2400" b="0" i="1" smtClean="0">
+                            <a:latin typeface="Cambria Math" panose="02040503050406030204" pitchFamily="18" charset="0"/>
+                          </a:rPr>
+                        </m:ctrlPr>
+                      </m:sSubPr>
+                      <m:e>
+                        <m:r>
+                          <a:rPr lang="en-US" sz="2400" b="0" i="1" smtClean="0">
+                            <a:latin typeface="Cambria Math" panose="02040503050406030204" pitchFamily="18" charset="0"/>
+                          </a:rPr>
+                          <m:t>𝑋</m:t>
+                        </m:r>
+                      </m:e>
+                      <m:sub>
+                        <m:r>
+                          <a:rPr lang="en-US" sz="2400" b="0" i="1" smtClean="0">
+                            <a:latin typeface="Cambria Math" panose="02040503050406030204" pitchFamily="18" charset="0"/>
+                          </a:rPr>
+                          <m:t>𝑝</m:t>
+                        </m:r>
+                      </m:sub>
+                    </m:sSub>
+                    <m:r>
+                      <a:rPr lang="en-US" sz="2400" b="0" i="1" smtClean="0">
+                        <a:latin typeface="Cambria Math" panose="02040503050406030204" pitchFamily="18" charset="0"/>
+                      </a:rPr>
+                      <m:t>]</m:t>
+                    </m:r>
+                  </m:oMath>
+                </a14:m>
+                <a:r>
+                  <a:rPr lang="en-US" sz="2400" dirty="0"/>
+                  <a:t>)  </a:t>
+                </a:r>
+              </a:p>
+            </p:txBody>
+          </p:sp>
+        </mc:Choice>
+        <mc:Fallback xmlns="">
+          <p:sp>
+            <p:nvSpPr>
+              <p:cNvPr id="4" name="TextBox 3">
+                <a:extLst>
+                  <a:ext uri="{FF2B5EF4-FFF2-40B4-BE49-F238E27FC236}">
+                    <a16:creationId xmlns:a16="http://schemas.microsoft.com/office/drawing/2014/main" id="{04A60279-2BF5-CC45-B4D7-BC4725938285}"/>
+                  </a:ext>
+                </a:extLst>
+              </p:cNvPr>
+              <p:cNvSpPr txBox="1">
+                <a:spLocks noRot="1" noChangeAspect="1" noMove="1" noResize="1" noEditPoints="1" noAdjustHandles="1" noChangeArrowheads="1" noChangeShapeType="1" noTextEdit="1"/>
+              </p:cNvSpPr>
+              <p:nvPr/>
+            </p:nvSpPr>
+            <p:spPr>
+              <a:xfrm>
+                <a:off x="2042160" y="2711194"/>
+                <a:ext cx="7772400" cy="490199"/>
+              </a:xfrm>
+              <a:prstGeom prst="rect">
+                <a:avLst/>
+              </a:prstGeom>
+              <a:blipFill>
+                <a:blip r:embed="rId2"/>
+                <a:stretch>
+                  <a:fillRect l="-163" t="-7500" b="-20000"/>
+                </a:stretch>
+              </a:blipFill>
+            </p:spPr>
+            <p:txBody>
+              <a:bodyPr/>
+              <a:lstStyle/>
+              <a:p>
+                <a:r>
+                  <a:rPr lang="en-US">
+                    <a:noFill/>
+                  </a:rPr>
+                  <a:t> </a:t>
+                </a:r>
+              </a:p>
+            </p:txBody>
+          </p:sp>
+        </mc:Fallback>
+      </mc:AlternateContent>
+      <p:sp>
+        <p:nvSpPr>
+          <p:cNvPr id="11" name="TextBox 10">
+            <a:extLst>
+              <a:ext uri="{FF2B5EF4-FFF2-40B4-BE49-F238E27FC236}">
+                <a16:creationId xmlns:a16="http://schemas.microsoft.com/office/drawing/2014/main" id="{F938D575-AB8D-AD49-B124-B81C7616D9D8}"/>
+              </a:ext>
+            </a:extLst>
+          </p:cNvPr>
+          <p:cNvSpPr txBox="1"/>
+          <p:nvPr/>
+        </p:nvSpPr>
+        <p:spPr>
+          <a:xfrm>
+            <a:off x="838200" y="1834151"/>
+            <a:ext cx="10515600" cy="523220"/>
+          </a:xfrm>
+          <a:prstGeom prst="rect">
+            <a:avLst/>
+          </a:prstGeom>
+          <a:noFill/>
+        </p:spPr>
+        <p:txBody>
+          <a:bodyPr wrap="square">
+            <a:spAutoFit/>
+          </a:bodyPr>
+          <a:lstStyle/>
+          <a:p>
+            <a:r>
+              <a:rPr lang="en-US" sz="2800" dirty="0"/>
+              <a:t>Linear Models:</a:t>
+            </a:r>
+          </a:p>
+        </p:txBody>
+      </p:sp>
+      <p:pic>
+        <p:nvPicPr>
+          <p:cNvPr id="3" name="Picture 2">
+            <a:extLst>
+              <a:ext uri="{FF2B5EF4-FFF2-40B4-BE49-F238E27FC236}">
+                <a16:creationId xmlns:a16="http://schemas.microsoft.com/office/drawing/2014/main" id="{519BFF13-55E4-EE49-8BBA-2D9C3BA3692E}"/>
+              </a:ext>
+            </a:extLst>
+          </p:cNvPr>
+          <p:cNvPicPr>
+            <a:picLocks noChangeAspect="1"/>
+          </p:cNvPicPr>
+          <p:nvPr/>
+        </p:nvPicPr>
+        <p:blipFill>
+          <a:blip r:embed="rId3"/>
+          <a:stretch>
+            <a:fillRect/>
+          </a:stretch>
+        </p:blipFill>
+        <p:spPr>
+          <a:xfrm>
+            <a:off x="2700020" y="3826510"/>
+            <a:ext cx="5659978" cy="2360930"/>
+          </a:xfrm>
+          <a:prstGeom prst="rect">
+            <a:avLst/>
+          </a:prstGeom>
+        </p:spPr>
+      </p:pic>
+    </p:spTree>
+    <p:extLst>
+      <p:ext uri="{BB962C8B-B14F-4D97-AF65-F5344CB8AC3E}">
+        <p14:creationId xmlns:p14="http://schemas.microsoft.com/office/powerpoint/2010/main" val="454809498"/>
+      </p:ext>
+    </p:extLst>
+  </p:cSld>
+  <p:clrMapOvr>
+    <a:masterClrMapping/>
+  </p:clrMapOvr>
+</p:sld>
+</file>
+
+<file path=ppt/slides/slide12.xml><?xml version="1.0" encoding="utf-8"?>
+<p:sld xmlns:a="http://schemas.openxmlformats.org/drawingml/2006/main" xmlns:r="http://schemas.openxmlformats.org/officeDocument/2006/relationships" xmlns:p="http://schemas.openxmlformats.org/presentationml/2006/main">
+  <p:cSld>
+    <p:spTree>
+      <p:nvGrpSpPr>
+        <p:cNvPr id="1" name=""/>
+        <p:cNvGrpSpPr/>
+        <p:nvPr/>
+      </p:nvGrpSpPr>
+      <p:grpSpPr>
+        <a:xfrm>
+          <a:off x="0" y="0"/>
+          <a:ext cx="0" cy="0"/>
+          <a:chOff x="0" y="0"/>
+          <a:chExt cx="0" cy="0"/>
+        </a:xfrm>
+      </p:grpSpPr>
+      <p:sp>
+        <p:nvSpPr>
+          <p:cNvPr id="2" name="Title 1">
+            <a:extLst>
+              <a:ext uri="{FF2B5EF4-FFF2-40B4-BE49-F238E27FC236}">
+                <a16:creationId xmlns:a16="http://schemas.microsoft.com/office/drawing/2014/main" id="{5F69E904-77AE-3048-8D9D-BEAC840793F6}"/>
+              </a:ext>
+            </a:extLst>
+          </p:cNvPr>
+          <p:cNvSpPr>
+            <a:spLocks noGrp="1"/>
+          </p:cNvSpPr>
+          <p:nvPr>
+            <p:ph type="title"/>
+          </p:nvPr>
+        </p:nvSpPr>
+        <p:spPr/>
+        <p:txBody>
+          <a:bodyPr/>
+          <a:lstStyle/>
+          <a:p>
+            <a:r>
+              <a:rPr lang="en-US" dirty="0"/>
+              <a:t>Regression Models (to Estimate g(X))</a:t>
+            </a:r>
+          </a:p>
+        </p:txBody>
+      </p:sp>
+      <mc:AlternateContent xmlns:mc="http://schemas.openxmlformats.org/markup-compatibility/2006" xmlns:a14="http://schemas.microsoft.com/office/drawing/2010/main">
+        <mc:Choice Requires="a14">
+          <p:sp>
+            <p:nvSpPr>
+              <p:cNvPr id="4" name="TextBox 3">
+                <a:extLst>
+                  <a:ext uri="{FF2B5EF4-FFF2-40B4-BE49-F238E27FC236}">
+                    <a16:creationId xmlns:a16="http://schemas.microsoft.com/office/drawing/2014/main" id="{04A60279-2BF5-CC45-B4D7-BC4725938285}"/>
+                  </a:ext>
+                </a:extLst>
+              </p:cNvPr>
+              <p:cNvSpPr txBox="1"/>
+              <p:nvPr/>
+            </p:nvSpPr>
+            <p:spPr>
+              <a:xfrm>
+                <a:off x="2042160" y="2711194"/>
+                <a:ext cx="7772400" cy="466474"/>
+              </a:xfrm>
+              <a:prstGeom prst="rect">
+                <a:avLst/>
+              </a:prstGeom>
+              <a:noFill/>
+            </p:spPr>
+            <p:txBody>
+              <a:bodyPr wrap="square">
+                <a:spAutoFit/>
+              </a:bodyPr>
+              <a:lstStyle/>
+              <a:p>
+                <a14:m>
+                  <m:oMath xmlns:m="http://schemas.openxmlformats.org/officeDocument/2006/math">
+                    <m:r>
+                      <a:rPr lang="en-US" sz="2400" b="0" i="1" smtClean="0">
+                        <a:latin typeface="Cambria Math" panose="02040503050406030204" pitchFamily="18" charset="0"/>
+                      </a:rPr>
+                      <m:t>𝑔</m:t>
+                    </m:r>
+                    <m:d>
+                      <m:dPr>
+                        <m:ctrlPr>
+                          <a:rPr lang="en-US" sz="2400" b="0" i="1" smtClean="0">
+                            <a:latin typeface="Cambria Math" panose="02040503050406030204" pitchFamily="18" charset="0"/>
+                          </a:rPr>
+                        </m:ctrlPr>
+                      </m:dPr>
+                      <m:e>
+                        <m:r>
+                          <a:rPr lang="en-US" sz="2400" b="0" i="1" smtClean="0">
+                            <a:latin typeface="Cambria Math" panose="02040503050406030204" pitchFamily="18" charset="0"/>
+                          </a:rPr>
+                          <m:t>𝑋</m:t>
+                        </m:r>
+                      </m:e>
+                    </m:d>
+                    <m:r>
+                      <a:rPr lang="en-US" sz="2400" b="0" i="1" smtClean="0">
+                        <a:latin typeface="Cambria Math" panose="02040503050406030204" pitchFamily="18" charset="0"/>
+                      </a:rPr>
+                      <m:t>=</m:t>
+                    </m:r>
+                    <m:sSub>
+                      <m:sSubPr>
+                        <m:ctrlPr>
+                          <a:rPr lang="en-US" sz="2400" b="0" i="1" smtClean="0">
+                            <a:latin typeface="Cambria Math" panose="02040503050406030204" pitchFamily="18" charset="0"/>
+                          </a:rPr>
+                        </m:ctrlPr>
+                      </m:sSubPr>
+                      <m:e>
+                        <m:r>
+                          <a:rPr lang="en-US" sz="2400" b="0" i="1" smtClean="0">
+                            <a:latin typeface="Cambria Math" panose="02040503050406030204" pitchFamily="18" charset="0"/>
+                          </a:rPr>
+                          <m:t>𝛽</m:t>
+                        </m:r>
+                      </m:e>
+                      <m:sub>
+                        <m:r>
+                          <a:rPr lang="en-US" sz="2400" b="0" i="1" smtClean="0">
+                            <a:latin typeface="Cambria Math" panose="02040503050406030204" pitchFamily="18" charset="0"/>
+                          </a:rPr>
+                          <m:t>0</m:t>
+                        </m:r>
+                      </m:sub>
+                    </m:sSub>
+                    <m:r>
+                      <a:rPr lang="en-US" sz="2400" b="0" i="1" smtClean="0">
+                        <a:latin typeface="Cambria Math" panose="02040503050406030204" pitchFamily="18" charset="0"/>
+                      </a:rPr>
+                      <m:t>+</m:t>
+                    </m:r>
+                    <m:sSub>
+                      <m:sSubPr>
+                        <m:ctrlPr>
+                          <a:rPr lang="en-US" sz="2400" b="0" i="1" smtClean="0">
+                            <a:latin typeface="Cambria Math" panose="02040503050406030204" pitchFamily="18" charset="0"/>
+                          </a:rPr>
+                        </m:ctrlPr>
+                      </m:sSubPr>
+                      <m:e>
+                        <m:r>
+                          <a:rPr lang="en-US" sz="2400" b="0" i="1" smtClean="0">
+                            <a:latin typeface="Cambria Math" panose="02040503050406030204" pitchFamily="18" charset="0"/>
+                          </a:rPr>
+                          <m:t>𝛽</m:t>
+                        </m:r>
+                      </m:e>
+                      <m:sub>
+                        <m:r>
+                          <a:rPr lang="en-US" sz="2400" b="0" i="1" smtClean="0">
+                            <a:latin typeface="Cambria Math" panose="02040503050406030204" pitchFamily="18" charset="0"/>
+                          </a:rPr>
+                          <m:t>1</m:t>
+                        </m:r>
+                      </m:sub>
+                    </m:sSub>
+                    <m:sSub>
+                      <m:sSubPr>
+                        <m:ctrlPr>
+                          <a:rPr lang="en-US" sz="2400" b="0" i="1" smtClean="0">
+                            <a:latin typeface="Cambria Math" panose="02040503050406030204" pitchFamily="18" charset="0"/>
+                          </a:rPr>
+                        </m:ctrlPr>
+                      </m:sSubPr>
+                      <m:e>
+                        <m:r>
+                          <a:rPr lang="en-US" sz="2400" b="0" i="1" smtClean="0">
+                            <a:latin typeface="Cambria Math" panose="02040503050406030204" pitchFamily="18" charset="0"/>
+                          </a:rPr>
+                          <m:t>𝑋</m:t>
+                        </m:r>
+                      </m:e>
+                      <m:sub>
+                        <m:r>
+                          <a:rPr lang="en-US" sz="2400" b="0" i="1" smtClean="0">
+                            <a:latin typeface="Cambria Math" panose="02040503050406030204" pitchFamily="18" charset="0"/>
+                          </a:rPr>
+                          <m:t>1</m:t>
+                        </m:r>
+                      </m:sub>
+                    </m:sSub>
+                    <m:r>
+                      <a:rPr lang="en-US" sz="2400" b="0" i="1" smtClean="0">
+                        <a:latin typeface="Cambria Math" panose="02040503050406030204" pitchFamily="18" charset="0"/>
+                      </a:rPr>
+                      <m:t>+</m:t>
+                    </m:r>
+                    <m:sSub>
+                      <m:sSubPr>
+                        <m:ctrlPr>
+                          <a:rPr lang="en-US" sz="2400" b="0" i="1" smtClean="0">
+                            <a:latin typeface="Cambria Math" panose="02040503050406030204" pitchFamily="18" charset="0"/>
+                          </a:rPr>
+                        </m:ctrlPr>
+                      </m:sSubPr>
+                      <m:e>
+                        <m:r>
+                          <a:rPr lang="en-US" sz="2400" b="0" i="1" smtClean="0">
+                            <a:latin typeface="Cambria Math" panose="02040503050406030204" pitchFamily="18" charset="0"/>
+                          </a:rPr>
+                          <m:t>𝛽</m:t>
+                        </m:r>
+                      </m:e>
+                      <m:sub>
+                        <m:r>
+                          <a:rPr lang="en-US" sz="2400" b="0" i="1" smtClean="0">
+                            <a:latin typeface="Cambria Math" panose="02040503050406030204" pitchFamily="18" charset="0"/>
+                          </a:rPr>
+                          <m:t>2</m:t>
+                        </m:r>
+                      </m:sub>
+                    </m:sSub>
+                    <m:sSubSup>
+                      <m:sSubSupPr>
+                        <m:ctrlPr>
+                          <a:rPr lang="en-US" sz="2400" b="0" i="1" smtClean="0">
+                            <a:latin typeface="Cambria Math" panose="02040503050406030204" pitchFamily="18" charset="0"/>
+                          </a:rPr>
+                        </m:ctrlPr>
+                      </m:sSubSupPr>
+                      <m:e>
+                        <m:r>
+                          <a:rPr lang="en-US" sz="2400" b="0" i="1" smtClean="0">
+                            <a:latin typeface="Cambria Math" panose="02040503050406030204" pitchFamily="18" charset="0"/>
+                          </a:rPr>
+                          <m:t>𝑋</m:t>
+                        </m:r>
+                      </m:e>
+                      <m:sub>
+                        <m:r>
+                          <a:rPr lang="en-US" sz="2400" b="0" i="1" smtClean="0">
+                            <a:latin typeface="Cambria Math" panose="02040503050406030204" pitchFamily="18" charset="0"/>
+                          </a:rPr>
+                          <m:t>1</m:t>
+                        </m:r>
+                      </m:sub>
+                      <m:sup>
+                        <m:r>
+                          <a:rPr lang="en-US" sz="2400" b="0" i="1" smtClean="0">
+                            <a:latin typeface="Cambria Math" panose="02040503050406030204" pitchFamily="18" charset="0"/>
+                          </a:rPr>
+                          <m:t>2</m:t>
+                        </m:r>
+                      </m:sup>
+                    </m:sSubSup>
+                    <m:r>
+                      <a:rPr lang="en-US" sz="2400" b="0" i="1" smtClean="0">
+                        <a:latin typeface="Cambria Math" panose="02040503050406030204" pitchFamily="18" charset="0"/>
+                      </a:rPr>
+                      <m:t>           (</m:t>
+                    </m:r>
+                    <m:r>
+                      <a:rPr lang="en-US" sz="2400" b="0" i="1" smtClean="0">
+                        <a:latin typeface="Cambria Math" panose="02040503050406030204" pitchFamily="18" charset="0"/>
+                      </a:rPr>
+                      <m:t>𝑋</m:t>
+                    </m:r>
+                    <m:r>
+                      <a:rPr lang="en-US" sz="2400" b="0" i="1" smtClean="0">
+                        <a:latin typeface="Cambria Math" panose="02040503050406030204" pitchFamily="18" charset="0"/>
+                      </a:rPr>
+                      <m:t>=[</m:t>
+                    </m:r>
+                    <m:sSub>
+                      <m:sSubPr>
+                        <m:ctrlPr>
+                          <a:rPr lang="en-US" sz="2400" b="0" i="1" smtClean="0">
+                            <a:latin typeface="Cambria Math" panose="02040503050406030204" pitchFamily="18" charset="0"/>
+                          </a:rPr>
+                        </m:ctrlPr>
+                      </m:sSubPr>
+                      <m:e>
+                        <m:r>
+                          <a:rPr lang="en-US" sz="2400" b="0" i="1" smtClean="0">
+                            <a:latin typeface="Cambria Math" panose="02040503050406030204" pitchFamily="18" charset="0"/>
+                          </a:rPr>
+                          <m:t>𝑋</m:t>
+                        </m:r>
+                      </m:e>
+                      <m:sub>
+                        <m:r>
+                          <a:rPr lang="en-US" sz="2400" b="0" i="1" smtClean="0">
+                            <a:latin typeface="Cambria Math" panose="02040503050406030204" pitchFamily="18" charset="0"/>
+                          </a:rPr>
+                          <m:t>1</m:t>
+                        </m:r>
+                      </m:sub>
+                    </m:sSub>
+                    <m:r>
+                      <a:rPr lang="en-US" sz="2400" b="0" i="1" smtClean="0">
+                        <a:latin typeface="Cambria Math" panose="02040503050406030204" pitchFamily="18" charset="0"/>
+                      </a:rPr>
+                      <m:t>]</m:t>
+                    </m:r>
+                  </m:oMath>
+                </a14:m>
+                <a:r>
+                  <a:rPr lang="en-US" sz="2400" dirty="0"/>
+                  <a:t>)  </a:t>
+                </a:r>
+              </a:p>
+            </p:txBody>
+          </p:sp>
+        </mc:Choice>
+        <mc:Fallback xmlns="">
+          <p:sp>
+            <p:nvSpPr>
+              <p:cNvPr id="4" name="TextBox 3">
+                <a:extLst>
+                  <a:ext uri="{FF2B5EF4-FFF2-40B4-BE49-F238E27FC236}">
+                    <a16:creationId xmlns:a16="http://schemas.microsoft.com/office/drawing/2014/main" id="{04A60279-2BF5-CC45-B4D7-BC4725938285}"/>
+                  </a:ext>
+                </a:extLst>
+              </p:cNvPr>
+              <p:cNvSpPr txBox="1">
+                <a:spLocks noRot="1" noChangeAspect="1" noMove="1" noResize="1" noEditPoints="1" noAdjustHandles="1" noChangeArrowheads="1" noChangeShapeType="1" noTextEdit="1"/>
+              </p:cNvSpPr>
+              <p:nvPr/>
+            </p:nvSpPr>
+            <p:spPr>
+              <a:xfrm>
+                <a:off x="2042160" y="2711194"/>
+                <a:ext cx="7772400" cy="466474"/>
+              </a:xfrm>
+              <a:prstGeom prst="rect">
+                <a:avLst/>
+              </a:prstGeom>
+              <a:blipFill>
+                <a:blip r:embed="rId2"/>
+                <a:stretch>
+                  <a:fillRect l="-163" t="-7895" b="-26316"/>
+                </a:stretch>
+              </a:blipFill>
+            </p:spPr>
+            <p:txBody>
+              <a:bodyPr/>
+              <a:lstStyle/>
+              <a:p>
+                <a:r>
+                  <a:rPr lang="en-US">
+                    <a:noFill/>
+                  </a:rPr>
+                  <a:t> </a:t>
+                </a:r>
+              </a:p>
+            </p:txBody>
+          </p:sp>
+        </mc:Fallback>
+      </mc:AlternateContent>
+      <p:sp>
+        <p:nvSpPr>
+          <p:cNvPr id="11" name="TextBox 10">
+            <a:extLst>
+              <a:ext uri="{FF2B5EF4-FFF2-40B4-BE49-F238E27FC236}">
+                <a16:creationId xmlns:a16="http://schemas.microsoft.com/office/drawing/2014/main" id="{F938D575-AB8D-AD49-B124-B81C7616D9D8}"/>
+              </a:ext>
+            </a:extLst>
+          </p:cNvPr>
+          <p:cNvSpPr txBox="1"/>
+          <p:nvPr/>
+        </p:nvSpPr>
+        <p:spPr>
+          <a:xfrm>
+            <a:off x="838200" y="1834151"/>
+            <a:ext cx="10515600" cy="523220"/>
+          </a:xfrm>
+          <a:prstGeom prst="rect">
+            <a:avLst/>
+          </a:prstGeom>
+          <a:noFill/>
+        </p:spPr>
+        <p:txBody>
+          <a:bodyPr wrap="square">
+            <a:spAutoFit/>
+          </a:bodyPr>
+          <a:lstStyle/>
+          <a:p>
+            <a:r>
+              <a:rPr lang="en-US" sz="2800" dirty="0"/>
+              <a:t>Quadratic Models:</a:t>
+            </a:r>
+          </a:p>
+        </p:txBody>
+      </p:sp>
+      <p:pic>
+        <p:nvPicPr>
+          <p:cNvPr id="5" name="Picture 4">
+            <a:extLst>
+              <a:ext uri="{FF2B5EF4-FFF2-40B4-BE49-F238E27FC236}">
+                <a16:creationId xmlns:a16="http://schemas.microsoft.com/office/drawing/2014/main" id="{378BDE88-6AC5-C74D-9DAE-689B987F489C}"/>
+              </a:ext>
+            </a:extLst>
+          </p:cNvPr>
+          <p:cNvPicPr>
+            <a:picLocks noChangeAspect="1"/>
+          </p:cNvPicPr>
+          <p:nvPr/>
+        </p:nvPicPr>
+        <p:blipFill>
+          <a:blip r:embed="rId3"/>
+          <a:stretch>
+            <a:fillRect/>
+          </a:stretch>
+        </p:blipFill>
+        <p:spPr>
+          <a:xfrm>
+            <a:off x="2425699" y="3531491"/>
+            <a:ext cx="6588732" cy="3185160"/>
+          </a:xfrm>
+          <a:prstGeom prst="rect">
+            <a:avLst/>
+          </a:prstGeom>
+        </p:spPr>
+      </p:pic>
+    </p:spTree>
+    <p:extLst>
+      <p:ext uri="{BB962C8B-B14F-4D97-AF65-F5344CB8AC3E}">
+        <p14:creationId xmlns:p14="http://schemas.microsoft.com/office/powerpoint/2010/main" val="3537764385"/>
+      </p:ext>
+    </p:extLst>
+  </p:cSld>
+  <p:clrMapOvr>
+    <a:masterClrMapping/>
+  </p:clrMapOvr>
+</p:sld>
+</file>
+
+<file path=ppt/slides/slide13.xml><?xml version="1.0" encoding="utf-8"?>
+<p:sld xmlns:a="http://schemas.openxmlformats.org/drawingml/2006/main" xmlns:r="http://schemas.openxmlformats.org/officeDocument/2006/relationships" xmlns:p="http://schemas.openxmlformats.org/presentationml/2006/main">
+  <p:cSld>
+    <p:spTree>
+      <p:nvGrpSpPr>
+        <p:cNvPr id="1" name=""/>
+        <p:cNvGrpSpPr/>
+        <p:nvPr/>
+      </p:nvGrpSpPr>
+      <p:grpSpPr>
+        <a:xfrm>
+          <a:off x="0" y="0"/>
+          <a:ext cx="0" cy="0"/>
+          <a:chOff x="0" y="0"/>
+          <a:chExt cx="0" cy="0"/>
+        </a:xfrm>
+      </p:grpSpPr>
+      <p:sp>
+        <p:nvSpPr>
+          <p:cNvPr id="6" name="Title 5">
+            <a:extLst>
+              <a:ext uri="{FF2B5EF4-FFF2-40B4-BE49-F238E27FC236}">
+                <a16:creationId xmlns:a16="http://schemas.microsoft.com/office/drawing/2014/main" id="{7A32B1CF-265D-D742-A37C-6FB0FA629387}"/>
+              </a:ext>
+            </a:extLst>
+          </p:cNvPr>
+          <p:cNvSpPr>
+            <a:spLocks noGrp="1"/>
+          </p:cNvSpPr>
+          <p:nvPr>
+            <p:ph type="title"/>
+          </p:nvPr>
+        </p:nvSpPr>
+        <p:spPr/>
+        <p:txBody>
+          <a:bodyPr/>
+          <a:lstStyle/>
+          <a:p>
+            <a:r>
+              <a:rPr lang="en-US" dirty="0"/>
+              <a:t>Prediction Accuracy</a:t>
+            </a:r>
+          </a:p>
+        </p:txBody>
+      </p:sp>
+    </p:spTree>
+    <p:extLst>
+      <p:ext uri="{BB962C8B-B14F-4D97-AF65-F5344CB8AC3E}">
+        <p14:creationId xmlns:p14="http://schemas.microsoft.com/office/powerpoint/2010/main" val="4170235606"/>
+      </p:ext>
+    </p:extLst>
+  </p:cSld>
+  <p:clrMapOvr>
+    <a:masterClrMapping/>
+  </p:clrMapOvr>
+</p:sld>
+</file>
+
+<file path=ppt/slides/slide14.xml><?xml version="1.0" encoding="utf-8"?>
+<p:sld xmlns:a="http://schemas.openxmlformats.org/drawingml/2006/main" xmlns:r="http://schemas.openxmlformats.org/officeDocument/2006/relationships" xmlns:p="http://schemas.openxmlformats.org/presentationml/2006/main">
+  <p:cSld>
+    <p:spTree>
+      <p:nvGrpSpPr>
+        <p:cNvPr id="1" name=""/>
+        <p:cNvGrpSpPr/>
+        <p:nvPr/>
+      </p:nvGrpSpPr>
+      <p:grpSpPr>
+        <a:xfrm>
+          <a:off x="0" y="0"/>
+          <a:ext cx="0" cy="0"/>
+          <a:chOff x="0" y="0"/>
+          <a:chExt cx="0" cy="0"/>
+        </a:xfrm>
+      </p:grpSpPr>
+      <p:sp>
+        <p:nvSpPr>
+          <p:cNvPr id="2" name="Title 1">
+            <a:extLst>
+              <a:ext uri="{FF2B5EF4-FFF2-40B4-BE49-F238E27FC236}">
+                <a16:creationId xmlns:a16="http://schemas.microsoft.com/office/drawing/2014/main" id="{5F69E904-77AE-3048-8D9D-BEAC840793F6}"/>
+              </a:ext>
+            </a:extLst>
+          </p:cNvPr>
+          <p:cNvSpPr>
+            <a:spLocks noGrp="1"/>
+          </p:cNvSpPr>
+          <p:nvPr>
+            <p:ph type="title"/>
+          </p:nvPr>
+        </p:nvSpPr>
+        <p:spPr/>
+        <p:txBody>
+          <a:bodyPr/>
+          <a:lstStyle/>
+          <a:p>
+            <a:r>
+              <a:rPr lang="en-US" dirty="0"/>
+              <a:t>Bias and Variance Trade-off</a:t>
+            </a:r>
+          </a:p>
+        </p:txBody>
+      </p:sp>
+      <p:sp>
+        <p:nvSpPr>
+          <p:cNvPr id="6" name="TextBox 5">
+            <a:extLst>
+              <a:ext uri="{FF2B5EF4-FFF2-40B4-BE49-F238E27FC236}">
+                <a16:creationId xmlns:a16="http://schemas.microsoft.com/office/drawing/2014/main" id="{0A4ABCA8-D712-A84D-B4FD-C2833F2EB162}"/>
+              </a:ext>
+            </a:extLst>
+          </p:cNvPr>
+          <p:cNvSpPr txBox="1"/>
+          <p:nvPr/>
+        </p:nvSpPr>
+        <p:spPr>
+          <a:xfrm>
+            <a:off x="838200" y="1834151"/>
+            <a:ext cx="10515600" cy="523220"/>
+          </a:xfrm>
+          <a:prstGeom prst="rect">
+            <a:avLst/>
+          </a:prstGeom>
+          <a:noFill/>
+        </p:spPr>
+        <p:txBody>
+          <a:bodyPr wrap="square">
+            <a:spAutoFit/>
+          </a:bodyPr>
+          <a:lstStyle/>
+          <a:p>
+            <a:r>
+              <a:rPr lang="en-US" sz="2800" dirty="0"/>
+              <a:t>If a model is more complicated (e.g., with more parameters):</a:t>
+            </a:r>
+          </a:p>
+        </p:txBody>
+      </p:sp>
+      <p:sp>
+        <p:nvSpPr>
+          <p:cNvPr id="7" name="TextBox 6">
+            <a:extLst>
+              <a:ext uri="{FF2B5EF4-FFF2-40B4-BE49-F238E27FC236}">
+                <a16:creationId xmlns:a16="http://schemas.microsoft.com/office/drawing/2014/main" id="{7EB2BC32-9BBB-D946-8261-BDC911714E50}"/>
+              </a:ext>
+            </a:extLst>
+          </p:cNvPr>
+          <p:cNvSpPr txBox="1"/>
+          <p:nvPr/>
+        </p:nvSpPr>
+        <p:spPr>
+          <a:xfrm>
+            <a:off x="1554480" y="2641871"/>
+            <a:ext cx="10515600" cy="523220"/>
+          </a:xfrm>
+          <a:prstGeom prst="rect">
+            <a:avLst/>
+          </a:prstGeom>
+          <a:noFill/>
+        </p:spPr>
+        <p:txBody>
+          <a:bodyPr wrap="square">
+            <a:spAutoFit/>
+          </a:bodyPr>
+          <a:lstStyle/>
+          <a:p>
+            <a:r>
+              <a:rPr lang="en-US" sz="2800" dirty="0"/>
+              <a:t>The bias is expected to be smaller</a:t>
+            </a:r>
+          </a:p>
+        </p:txBody>
+      </p:sp>
+      <p:sp>
+        <p:nvSpPr>
+          <p:cNvPr id="8" name="TextBox 7">
+            <a:extLst>
+              <a:ext uri="{FF2B5EF4-FFF2-40B4-BE49-F238E27FC236}">
+                <a16:creationId xmlns:a16="http://schemas.microsoft.com/office/drawing/2014/main" id="{587BD057-652D-4E49-BD81-2FFEE86B1E31}"/>
+              </a:ext>
+            </a:extLst>
+          </p:cNvPr>
+          <p:cNvSpPr txBox="1"/>
+          <p:nvPr/>
+        </p:nvSpPr>
+        <p:spPr>
+          <a:xfrm>
+            <a:off x="1554480" y="3431300"/>
+            <a:ext cx="10515600" cy="523220"/>
+          </a:xfrm>
+          <a:prstGeom prst="rect">
+            <a:avLst/>
+          </a:prstGeom>
+          <a:noFill/>
+        </p:spPr>
+        <p:txBody>
+          <a:bodyPr wrap="square">
+            <a:spAutoFit/>
+          </a:bodyPr>
+          <a:lstStyle/>
+          <a:p>
+            <a:r>
+              <a:rPr lang="en-US" sz="2800" dirty="0"/>
+              <a:t>The variance is expected to be larger</a:t>
+            </a:r>
+          </a:p>
+        </p:txBody>
+      </p:sp>
+    </p:spTree>
+    <p:extLst>
+      <p:ext uri="{BB962C8B-B14F-4D97-AF65-F5344CB8AC3E}">
+        <p14:creationId xmlns:p14="http://schemas.microsoft.com/office/powerpoint/2010/main" val="3439712220"/>
+      </p:ext>
+    </p:extLst>
+  </p:cSld>
+  <p:clrMapOvr>
+    <a:masterClrMapping/>
+  </p:clrMapOvr>
+</p:sld>
+</file>
+
+<file path=ppt/slides/slide15.xml><?xml version="1.0" encoding="utf-8"?>
+<p:sld xmlns:a="http://schemas.openxmlformats.org/drawingml/2006/main" xmlns:r="http://schemas.openxmlformats.org/officeDocument/2006/relationships" xmlns:p="http://schemas.openxmlformats.org/presentationml/2006/main">
+  <p:cSld>
+    <p:spTree>
+      <p:nvGrpSpPr>
+        <p:cNvPr id="1" name=""/>
+        <p:cNvGrpSpPr/>
+        <p:nvPr/>
+      </p:nvGrpSpPr>
+      <p:grpSpPr>
+        <a:xfrm>
+          <a:off x="0" y="0"/>
+          <a:ext cx="0" cy="0"/>
+          <a:chOff x="0" y="0"/>
+          <a:chExt cx="0" cy="0"/>
+        </a:xfrm>
+      </p:grpSpPr>
+      <p:sp>
+        <p:nvSpPr>
+          <p:cNvPr id="2" name="Title 1">
+            <a:extLst>
+              <a:ext uri="{FF2B5EF4-FFF2-40B4-BE49-F238E27FC236}">
+                <a16:creationId xmlns:a16="http://schemas.microsoft.com/office/drawing/2014/main" id="{5F69E904-77AE-3048-8D9D-BEAC840793F6}"/>
+              </a:ext>
+            </a:extLst>
+          </p:cNvPr>
+          <p:cNvSpPr>
+            <a:spLocks noGrp="1"/>
+          </p:cNvSpPr>
+          <p:nvPr>
+            <p:ph type="title"/>
+          </p:nvPr>
+        </p:nvSpPr>
+        <p:spPr/>
+        <p:txBody>
+          <a:bodyPr/>
+          <a:lstStyle/>
+          <a:p>
+            <a:r>
+              <a:rPr lang="en-US" dirty="0"/>
+              <a:t>Accuracy and Interpretability Trade-off</a:t>
+            </a:r>
+          </a:p>
+        </p:txBody>
+      </p:sp>
+      <p:sp>
+        <p:nvSpPr>
+          <p:cNvPr id="6" name="TextBox 5">
+            <a:extLst>
+              <a:ext uri="{FF2B5EF4-FFF2-40B4-BE49-F238E27FC236}">
+                <a16:creationId xmlns:a16="http://schemas.microsoft.com/office/drawing/2014/main" id="{0A4ABCA8-D712-A84D-B4FD-C2833F2EB162}"/>
+              </a:ext>
+            </a:extLst>
+          </p:cNvPr>
+          <p:cNvSpPr txBox="1"/>
+          <p:nvPr/>
+        </p:nvSpPr>
+        <p:spPr>
+          <a:xfrm>
+            <a:off x="838200" y="1834151"/>
+            <a:ext cx="10515600" cy="523220"/>
+          </a:xfrm>
+          <a:prstGeom prst="rect">
+            <a:avLst/>
+          </a:prstGeom>
+          <a:noFill/>
+        </p:spPr>
+        <p:txBody>
+          <a:bodyPr wrap="square">
+            <a:spAutoFit/>
+          </a:bodyPr>
+          <a:lstStyle/>
+          <a:p>
+            <a:r>
+              <a:rPr lang="en-US" sz="2800" dirty="0"/>
+              <a:t>If a model is more complicated (e.g., with more parameters):</a:t>
+            </a:r>
+          </a:p>
+        </p:txBody>
+      </p:sp>
+      <p:sp>
+        <p:nvSpPr>
+          <p:cNvPr id="7" name="TextBox 6">
+            <a:extLst>
+              <a:ext uri="{FF2B5EF4-FFF2-40B4-BE49-F238E27FC236}">
+                <a16:creationId xmlns:a16="http://schemas.microsoft.com/office/drawing/2014/main" id="{7EB2BC32-9BBB-D946-8261-BDC911714E50}"/>
+              </a:ext>
+            </a:extLst>
+          </p:cNvPr>
+          <p:cNvSpPr txBox="1"/>
+          <p:nvPr/>
+        </p:nvSpPr>
+        <p:spPr>
+          <a:xfrm>
+            <a:off x="1554480" y="2641871"/>
+            <a:ext cx="10515600" cy="523220"/>
+          </a:xfrm>
+          <a:prstGeom prst="rect">
+            <a:avLst/>
+          </a:prstGeom>
+          <a:noFill/>
+        </p:spPr>
+        <p:txBody>
+          <a:bodyPr wrap="square">
+            <a:spAutoFit/>
+          </a:bodyPr>
+          <a:lstStyle/>
+          <a:p>
+            <a:r>
+              <a:rPr lang="en-US" sz="2800" dirty="0"/>
+              <a:t>The accuracy may be higher (but may suffer from overfitting)</a:t>
+            </a:r>
+          </a:p>
+        </p:txBody>
+      </p:sp>
+      <p:sp>
+        <p:nvSpPr>
+          <p:cNvPr id="8" name="TextBox 7">
+            <a:extLst>
+              <a:ext uri="{FF2B5EF4-FFF2-40B4-BE49-F238E27FC236}">
+                <a16:creationId xmlns:a16="http://schemas.microsoft.com/office/drawing/2014/main" id="{587BD057-652D-4E49-BD81-2FFEE86B1E31}"/>
+              </a:ext>
+            </a:extLst>
+          </p:cNvPr>
+          <p:cNvSpPr txBox="1"/>
+          <p:nvPr/>
+        </p:nvSpPr>
+        <p:spPr>
+          <a:xfrm>
+            <a:off x="1554480" y="3431300"/>
+            <a:ext cx="10515600" cy="523220"/>
+          </a:xfrm>
+          <a:prstGeom prst="rect">
+            <a:avLst/>
+          </a:prstGeom>
+          <a:noFill/>
+        </p:spPr>
+        <p:txBody>
+          <a:bodyPr wrap="square">
+            <a:spAutoFit/>
+          </a:bodyPr>
+          <a:lstStyle/>
+          <a:p>
+            <a:r>
+              <a:rPr lang="en-US" sz="2800" dirty="0"/>
+              <a:t>The interpretability may be worse (It is easy to interpret linear models)</a:t>
+            </a:r>
+          </a:p>
+        </p:txBody>
+      </p:sp>
+    </p:spTree>
+    <p:extLst>
+      <p:ext uri="{BB962C8B-B14F-4D97-AF65-F5344CB8AC3E}">
+        <p14:creationId xmlns:p14="http://schemas.microsoft.com/office/powerpoint/2010/main" val="1783230127"/>
+      </p:ext>
+    </p:extLst>
+  </p:cSld>
+  <p:clrMapOvr>
+    <a:masterClrMapping/>
+  </p:clrMapOvr>
+</p:sld>
+</file>
+
+<file path=ppt/slides/slide16.xml><?xml version="1.0" encoding="utf-8"?>
+<p:sld xmlns:a="http://schemas.openxmlformats.org/drawingml/2006/main" xmlns:r="http://schemas.openxmlformats.org/officeDocument/2006/relationships" xmlns:p="http://schemas.openxmlformats.org/presentationml/2006/main">
+  <p:cSld>
+    <p:spTree>
+      <p:nvGrpSpPr>
+        <p:cNvPr id="1" name=""/>
+        <p:cNvGrpSpPr/>
+        <p:nvPr/>
+      </p:nvGrpSpPr>
+      <p:grpSpPr>
+        <a:xfrm>
+          <a:off x="0" y="0"/>
+          <a:ext cx="0" cy="0"/>
+          <a:chOff x="0" y="0"/>
+          <a:chExt cx="0" cy="0"/>
+        </a:xfrm>
+      </p:grpSpPr>
+      <p:sp>
+        <p:nvSpPr>
+          <p:cNvPr id="2" name="Title 1">
+            <a:extLst>
+              <a:ext uri="{FF2B5EF4-FFF2-40B4-BE49-F238E27FC236}">
+                <a16:creationId xmlns:a16="http://schemas.microsoft.com/office/drawing/2014/main" id="{5F69E904-77AE-3048-8D9D-BEAC840793F6}"/>
+              </a:ext>
+            </a:extLst>
+          </p:cNvPr>
+          <p:cNvSpPr>
+            <a:spLocks noGrp="1"/>
+          </p:cNvSpPr>
+          <p:nvPr>
+            <p:ph type="title"/>
+          </p:nvPr>
+        </p:nvSpPr>
+        <p:spPr/>
+        <p:txBody>
+          <a:bodyPr/>
+          <a:lstStyle/>
+          <a:p>
+            <a:r>
+              <a:rPr lang="en-US" dirty="0" err="1"/>
+              <a:t>Goodfit</a:t>
+            </a:r>
+            <a:r>
+              <a:rPr lang="en-US" dirty="0"/>
+              <a:t>, Underfit and Overfit</a:t>
+            </a:r>
+          </a:p>
+        </p:txBody>
+      </p:sp>
+      <p:pic>
+        <p:nvPicPr>
+          <p:cNvPr id="3" name="Picture 2">
+            <a:extLst>
+              <a:ext uri="{FF2B5EF4-FFF2-40B4-BE49-F238E27FC236}">
+                <a16:creationId xmlns:a16="http://schemas.microsoft.com/office/drawing/2014/main" id="{F754D2B5-ACFC-EF4A-82C8-DA0555B20DDA}"/>
+              </a:ext>
+            </a:extLst>
+          </p:cNvPr>
+          <p:cNvPicPr>
+            <a:picLocks noChangeAspect="1"/>
+          </p:cNvPicPr>
+          <p:nvPr/>
+        </p:nvPicPr>
+        <p:blipFill>
+          <a:blip r:embed="rId2"/>
+          <a:stretch>
+            <a:fillRect/>
+          </a:stretch>
+        </p:blipFill>
+        <p:spPr>
+          <a:xfrm>
+            <a:off x="662939" y="1868488"/>
+            <a:ext cx="11318313" cy="3549650"/>
+          </a:xfrm>
+          <a:prstGeom prst="rect">
+            <a:avLst/>
+          </a:prstGeom>
+        </p:spPr>
+      </p:pic>
+      <p:sp>
+        <p:nvSpPr>
+          <p:cNvPr id="9" name="TextBox 8">
+            <a:extLst>
+              <a:ext uri="{FF2B5EF4-FFF2-40B4-BE49-F238E27FC236}">
+                <a16:creationId xmlns:a16="http://schemas.microsoft.com/office/drawing/2014/main" id="{8854A77D-7B32-2748-B308-389A9B769E6E}"/>
+              </a:ext>
+            </a:extLst>
+          </p:cNvPr>
+          <p:cNvSpPr txBox="1"/>
+          <p:nvPr/>
+        </p:nvSpPr>
+        <p:spPr>
+          <a:xfrm>
+            <a:off x="1582455" y="5595938"/>
+            <a:ext cx="1526505" cy="523220"/>
+          </a:xfrm>
+          <a:prstGeom prst="rect">
+            <a:avLst/>
+          </a:prstGeom>
+          <a:noFill/>
+        </p:spPr>
+        <p:txBody>
+          <a:bodyPr wrap="square">
+            <a:spAutoFit/>
+          </a:bodyPr>
+          <a:lstStyle/>
+          <a:p>
+            <a:r>
+              <a:rPr lang="en-US" sz="2800" dirty="0"/>
+              <a:t>High bias</a:t>
+            </a:r>
+          </a:p>
+        </p:txBody>
+      </p:sp>
+      <p:sp>
+        <p:nvSpPr>
+          <p:cNvPr id="10" name="TextBox 9">
+            <a:extLst>
+              <a:ext uri="{FF2B5EF4-FFF2-40B4-BE49-F238E27FC236}">
+                <a16:creationId xmlns:a16="http://schemas.microsoft.com/office/drawing/2014/main" id="{6788D3E4-8E8B-AE4B-A3AE-6B3B6B7C9829}"/>
+              </a:ext>
+            </a:extLst>
+          </p:cNvPr>
+          <p:cNvSpPr txBox="1"/>
+          <p:nvPr/>
+        </p:nvSpPr>
+        <p:spPr>
+          <a:xfrm>
+            <a:off x="8943375" y="5595938"/>
+            <a:ext cx="2258025" cy="523220"/>
+          </a:xfrm>
+          <a:prstGeom prst="rect">
+            <a:avLst/>
+          </a:prstGeom>
+          <a:noFill/>
+        </p:spPr>
+        <p:txBody>
+          <a:bodyPr wrap="square">
+            <a:spAutoFit/>
+          </a:bodyPr>
+          <a:lstStyle/>
+          <a:p>
+            <a:r>
+              <a:rPr lang="en-US" sz="2800" dirty="0"/>
+              <a:t>High variance</a:t>
+            </a:r>
+          </a:p>
+        </p:txBody>
+      </p:sp>
+    </p:spTree>
+    <p:extLst>
+      <p:ext uri="{BB962C8B-B14F-4D97-AF65-F5344CB8AC3E}">
+        <p14:creationId xmlns:p14="http://schemas.microsoft.com/office/powerpoint/2010/main" val="2008262252"/>
+      </p:ext>
+    </p:extLst>
+  </p:cSld>
+  <p:clrMapOvr>
+    <a:masterClrMapping/>
+  </p:clrMapOvr>
+</p:sld>
+</file>
+
+<file path=ppt/slides/slide17.xml><?xml version="1.0" encoding="utf-8"?>
+<p:sld xmlns:a="http://schemas.openxmlformats.org/drawingml/2006/main" xmlns:r="http://schemas.openxmlformats.org/officeDocument/2006/relationships" xmlns:p="http://schemas.openxmlformats.org/presentationml/2006/main">
+  <p:cSld>
+    <p:spTree>
+      <p:nvGrpSpPr>
+        <p:cNvPr id="1" name=""/>
+        <p:cNvGrpSpPr/>
+        <p:nvPr/>
+      </p:nvGrpSpPr>
+      <p:grpSpPr>
+        <a:xfrm>
+          <a:off x="0" y="0"/>
+          <a:ext cx="0" cy="0"/>
+          <a:chOff x="0" y="0"/>
+          <a:chExt cx="0" cy="0"/>
+        </a:xfrm>
+      </p:grpSpPr>
+      <p:sp>
+        <p:nvSpPr>
+          <p:cNvPr id="10" name="TextBox 9">
+            <a:extLst>
+              <a:ext uri="{FF2B5EF4-FFF2-40B4-BE49-F238E27FC236}">
+                <a16:creationId xmlns:a16="http://schemas.microsoft.com/office/drawing/2014/main" id="{514E73AD-7A38-9D42-8C4C-ADC0FDE0FBC3}"/>
+              </a:ext>
+            </a:extLst>
+          </p:cNvPr>
+          <p:cNvSpPr txBox="1"/>
+          <p:nvPr/>
+        </p:nvSpPr>
+        <p:spPr>
+          <a:xfrm>
+            <a:off x="4792980" y="2601575"/>
+            <a:ext cx="5951220" cy="1077218"/>
+          </a:xfrm>
+          <a:prstGeom prst="rect">
+            <a:avLst/>
+          </a:prstGeom>
+          <a:noFill/>
+        </p:spPr>
+        <p:txBody>
+          <a:bodyPr wrap="square">
+            <a:spAutoFit/>
+          </a:bodyPr>
+          <a:lstStyle/>
+          <a:p>
+            <a:r>
+              <a:rPr lang="en-US" sz="6400" dirty="0"/>
+              <a:t>Q &amp; A</a:t>
+            </a:r>
+          </a:p>
+        </p:txBody>
+      </p:sp>
+    </p:spTree>
+    <p:extLst>
+      <p:ext uri="{BB962C8B-B14F-4D97-AF65-F5344CB8AC3E}">
+        <p14:creationId xmlns:p14="http://schemas.microsoft.com/office/powerpoint/2010/main" val="1613744569"/>
+      </p:ext>
+    </p:extLst>
+  </p:cSld>
+  <p:clrMapOvr>
+    <a:masterClrMapping/>
+  </p:clrMapOvr>
+</p:sld>
+</file>
+
 <file path=ppt/slides/slide2.xml><?xml version="1.0" encoding="utf-8"?>
 <p:sld xmlns:a="http://schemas.openxmlformats.org/drawingml/2006/main" xmlns:r="http://schemas.openxmlformats.org/officeDocument/2006/relationships" xmlns:p="http://schemas.openxmlformats.org/presentationml/2006/main">
   <p:cSld>
@@ -3914,6 +6755,375 @@
       </p:grpSpPr>
       <p:sp>
         <p:nvSpPr>
+          <p:cNvPr id="2" name="Title 1">
+            <a:extLst>
+              <a:ext uri="{FF2B5EF4-FFF2-40B4-BE49-F238E27FC236}">
+                <a16:creationId xmlns:a16="http://schemas.microsoft.com/office/drawing/2014/main" id="{87BF30BF-7806-D247-A2AF-B1239989AB83}"/>
+              </a:ext>
+            </a:extLst>
+          </p:cNvPr>
+          <p:cNvSpPr>
+            <a:spLocks noGrp="1"/>
+          </p:cNvSpPr>
+          <p:nvPr>
+            <p:ph type="title"/>
+          </p:nvPr>
+        </p:nvSpPr>
+        <p:spPr/>
+        <p:txBody>
+          <a:bodyPr/>
+          <a:lstStyle/>
+          <a:p>
+            <a:r>
+              <a:rPr lang="en-US" dirty="0"/>
+              <a:t>Course Website</a:t>
+            </a:r>
+          </a:p>
+        </p:txBody>
+      </p:sp>
+      <p:sp>
+        <p:nvSpPr>
+          <p:cNvPr id="7" name="TextBox 6">
+            <a:extLst>
+              <a:ext uri="{FF2B5EF4-FFF2-40B4-BE49-F238E27FC236}">
+                <a16:creationId xmlns:a16="http://schemas.microsoft.com/office/drawing/2014/main" id="{BC953F59-DB65-0241-829C-F5150AEE3958}"/>
+              </a:ext>
+            </a:extLst>
+          </p:cNvPr>
+          <p:cNvSpPr txBox="1"/>
+          <p:nvPr/>
+        </p:nvSpPr>
+        <p:spPr>
+          <a:xfrm>
+            <a:off x="838200" y="1825675"/>
+            <a:ext cx="9159240" cy="461665"/>
+          </a:xfrm>
+          <a:prstGeom prst="rect">
+            <a:avLst/>
+          </a:prstGeom>
+          <a:noFill/>
+        </p:spPr>
+        <p:txBody>
+          <a:bodyPr wrap="square">
+            <a:spAutoFit/>
+          </a:bodyPr>
+          <a:lstStyle/>
+          <a:p>
+            <a:r>
+              <a:rPr lang="en-US" sz="2400" dirty="0"/>
+              <a:t>https://tianzheng4.github.io/</a:t>
+            </a:r>
+            <a:r>
+              <a:rPr lang="en-US" sz="2400" dirty="0" err="1"/>
+              <a:t>umkc</a:t>
+            </a:r>
+            <a:r>
+              <a:rPr lang="en-US" sz="2400" dirty="0"/>
+              <a:t>-teaching/2023-fall-teaching-1/</a:t>
+            </a:r>
+          </a:p>
+        </p:txBody>
+      </p:sp>
+      <p:sp>
+        <p:nvSpPr>
+          <p:cNvPr id="8" name="Content Placeholder 2">
+            <a:extLst>
+              <a:ext uri="{FF2B5EF4-FFF2-40B4-BE49-F238E27FC236}">
+                <a16:creationId xmlns:a16="http://schemas.microsoft.com/office/drawing/2014/main" id="{A699D753-1647-664C-A454-6CD0016A3B91}"/>
+              </a:ext>
+            </a:extLst>
+          </p:cNvPr>
+          <p:cNvSpPr>
+            <a:spLocks noGrp="1"/>
+          </p:cNvSpPr>
+          <p:nvPr>
+            <p:ph idx="1"/>
+          </p:nvPr>
+        </p:nvSpPr>
+        <p:spPr>
+          <a:xfrm>
+            <a:off x="838200" y="2919949"/>
+            <a:ext cx="9616440" cy="2078771"/>
+          </a:xfrm>
+        </p:spPr>
+        <p:txBody>
+          <a:bodyPr>
+            <a:normAutofit/>
+          </a:bodyPr>
+          <a:lstStyle/>
+          <a:p>
+            <a:pPr marL="0" indent="0">
+              <a:buNone/>
+            </a:pPr>
+            <a:r>
+              <a:rPr lang="en-US" sz="2400" dirty="0"/>
+              <a:t>What are on the course website:</a:t>
+            </a:r>
+          </a:p>
+          <a:p>
+            <a:pPr marL="0" indent="0">
+              <a:buNone/>
+            </a:pPr>
+            <a:r>
+              <a:rPr lang="en-US" sz="2400" dirty="0"/>
+              <a:t>	Lecture slides</a:t>
+            </a:r>
+          </a:p>
+          <a:p>
+            <a:pPr marL="0" indent="0">
+              <a:buNone/>
+            </a:pPr>
+            <a:r>
+              <a:rPr lang="en-US" sz="2400" dirty="0"/>
+              <a:t>	Lab material</a:t>
+            </a:r>
+          </a:p>
+          <a:p>
+            <a:pPr marL="0" indent="0">
+              <a:buNone/>
+            </a:pPr>
+            <a:r>
+              <a:rPr lang="en-US" sz="2400" dirty="0"/>
+              <a:t>	Contact Information</a:t>
+            </a:r>
+          </a:p>
+        </p:txBody>
+      </p:sp>
+      <p:sp>
+        <p:nvSpPr>
+          <p:cNvPr id="9" name="Content Placeholder 2">
+            <a:extLst>
+              <a:ext uri="{FF2B5EF4-FFF2-40B4-BE49-F238E27FC236}">
+                <a16:creationId xmlns:a16="http://schemas.microsoft.com/office/drawing/2014/main" id="{8E7D57D7-F9C0-5840-941E-E7D4557F09BF}"/>
+              </a:ext>
+            </a:extLst>
+          </p:cNvPr>
+          <p:cNvSpPr txBox="1">
+            <a:spLocks/>
+          </p:cNvSpPr>
+          <p:nvPr/>
+        </p:nvSpPr>
+        <p:spPr>
+          <a:xfrm>
+            <a:off x="838200" y="5375881"/>
+            <a:ext cx="9616440" cy="852100"/>
+          </a:xfrm>
+          <a:prstGeom prst="rect">
+            <a:avLst/>
+          </a:prstGeom>
+        </p:spPr>
+        <p:txBody>
+          <a:bodyPr vert="horz" lIns="91440" tIns="45720" rIns="91440" bIns="45720" rtlCol="0">
+            <a:normAutofit/>
+          </a:bodyPr>
+          <a:lstStyle>
+            <a:lvl1pPr marL="228600" indent="-228600" algn="l" defTabSz="914400" rtl="0" eaLnBrk="1" latinLnBrk="0" hangingPunct="1">
+              <a:lnSpc>
+                <a:spcPct val="90000"/>
+              </a:lnSpc>
+              <a:spcBef>
+                <a:spcPts val="1000"/>
+              </a:spcBef>
+              <a:buFont typeface="Arial" panose="020B0604020202020204" pitchFamily="34" charset="0"/>
+              <a:buChar char="•"/>
+              <a:defRPr sz="2800" kern="1200">
+                <a:solidFill>
+                  <a:schemeClr val="tx1"/>
+                </a:solidFill>
+                <a:latin typeface="+mn-lt"/>
+                <a:ea typeface="+mn-ea"/>
+                <a:cs typeface="+mn-cs"/>
+              </a:defRPr>
+            </a:lvl1pPr>
+            <a:lvl2pPr marL="685800" indent="-228600" algn="l" defTabSz="914400" rtl="0" eaLnBrk="1" latinLnBrk="0" hangingPunct="1">
+              <a:lnSpc>
+                <a:spcPct val="90000"/>
+              </a:lnSpc>
+              <a:spcBef>
+                <a:spcPts val="500"/>
+              </a:spcBef>
+              <a:buFont typeface="Arial" panose="020B0604020202020204" pitchFamily="34" charset="0"/>
+              <a:buChar char="•"/>
+              <a:defRPr sz="2400" kern="1200">
+                <a:solidFill>
+                  <a:schemeClr val="tx1"/>
+                </a:solidFill>
+                <a:latin typeface="+mn-lt"/>
+                <a:ea typeface="+mn-ea"/>
+                <a:cs typeface="+mn-cs"/>
+              </a:defRPr>
+            </a:lvl2pPr>
+            <a:lvl3pPr marL="1143000" indent="-228600" algn="l" defTabSz="914400" rtl="0" eaLnBrk="1" latinLnBrk="0" hangingPunct="1">
+              <a:lnSpc>
+                <a:spcPct val="90000"/>
+              </a:lnSpc>
+              <a:spcBef>
+                <a:spcPts val="500"/>
+              </a:spcBef>
+              <a:buFont typeface="Arial" panose="020B0604020202020204" pitchFamily="34" charset="0"/>
+              <a:buChar char="•"/>
+              <a:defRPr sz="2000" kern="1200">
+                <a:solidFill>
+                  <a:schemeClr val="tx1"/>
+                </a:solidFill>
+                <a:latin typeface="+mn-lt"/>
+                <a:ea typeface="+mn-ea"/>
+                <a:cs typeface="+mn-cs"/>
+              </a:defRPr>
+            </a:lvl3pPr>
+            <a:lvl4pPr marL="1600200" indent="-228600" algn="l" defTabSz="914400" rtl="0" eaLnBrk="1" latinLnBrk="0" hangingPunct="1">
+              <a:lnSpc>
+                <a:spcPct val="90000"/>
+              </a:lnSpc>
+              <a:spcBef>
+                <a:spcPts val="500"/>
+              </a:spcBef>
+              <a:buFont typeface="Arial" panose="020B0604020202020204" pitchFamily="34" charset="0"/>
+              <a:buChar char="•"/>
+              <a:defRPr sz="1800" kern="1200">
+                <a:solidFill>
+                  <a:schemeClr val="tx1"/>
+                </a:solidFill>
+                <a:latin typeface="+mn-lt"/>
+                <a:ea typeface="+mn-ea"/>
+                <a:cs typeface="+mn-cs"/>
+              </a:defRPr>
+            </a:lvl4pPr>
+            <a:lvl5pPr marL="2057400" indent="-228600" algn="l" defTabSz="914400" rtl="0" eaLnBrk="1" latinLnBrk="0" hangingPunct="1">
+              <a:lnSpc>
+                <a:spcPct val="90000"/>
+              </a:lnSpc>
+              <a:spcBef>
+                <a:spcPts val="500"/>
+              </a:spcBef>
+              <a:buFont typeface="Arial" panose="020B0604020202020204" pitchFamily="34" charset="0"/>
+              <a:buChar char="•"/>
+              <a:defRPr sz="1800" kern="1200">
+                <a:solidFill>
+                  <a:schemeClr val="tx1"/>
+                </a:solidFill>
+                <a:latin typeface="+mn-lt"/>
+                <a:ea typeface="+mn-ea"/>
+                <a:cs typeface="+mn-cs"/>
+              </a:defRPr>
+            </a:lvl5pPr>
+            <a:lvl6pPr marL="2514600" indent="-228600" algn="l" defTabSz="914400" rtl="0" eaLnBrk="1" latinLnBrk="0" hangingPunct="1">
+              <a:lnSpc>
+                <a:spcPct val="90000"/>
+              </a:lnSpc>
+              <a:spcBef>
+                <a:spcPts val="500"/>
+              </a:spcBef>
+              <a:buFont typeface="Arial" panose="020B0604020202020204" pitchFamily="34" charset="0"/>
+              <a:buChar char="•"/>
+              <a:defRPr sz="1800" kern="1200">
+                <a:solidFill>
+                  <a:schemeClr val="tx1"/>
+                </a:solidFill>
+                <a:latin typeface="+mn-lt"/>
+                <a:ea typeface="+mn-ea"/>
+                <a:cs typeface="+mn-cs"/>
+              </a:defRPr>
+            </a:lvl6pPr>
+            <a:lvl7pPr marL="2971800" indent="-228600" algn="l" defTabSz="914400" rtl="0" eaLnBrk="1" latinLnBrk="0" hangingPunct="1">
+              <a:lnSpc>
+                <a:spcPct val="90000"/>
+              </a:lnSpc>
+              <a:spcBef>
+                <a:spcPts val="500"/>
+              </a:spcBef>
+              <a:buFont typeface="Arial" panose="020B0604020202020204" pitchFamily="34" charset="0"/>
+              <a:buChar char="•"/>
+              <a:defRPr sz="1800" kern="1200">
+                <a:solidFill>
+                  <a:schemeClr val="tx1"/>
+                </a:solidFill>
+                <a:latin typeface="+mn-lt"/>
+                <a:ea typeface="+mn-ea"/>
+                <a:cs typeface="+mn-cs"/>
+              </a:defRPr>
+            </a:lvl7pPr>
+            <a:lvl8pPr marL="3429000" indent="-228600" algn="l" defTabSz="914400" rtl="0" eaLnBrk="1" latinLnBrk="0" hangingPunct="1">
+              <a:lnSpc>
+                <a:spcPct val="90000"/>
+              </a:lnSpc>
+              <a:spcBef>
+                <a:spcPts val="500"/>
+              </a:spcBef>
+              <a:buFont typeface="Arial" panose="020B0604020202020204" pitchFamily="34" charset="0"/>
+              <a:buChar char="•"/>
+              <a:defRPr sz="1800" kern="1200">
+                <a:solidFill>
+                  <a:schemeClr val="tx1"/>
+                </a:solidFill>
+                <a:latin typeface="+mn-lt"/>
+                <a:ea typeface="+mn-ea"/>
+                <a:cs typeface="+mn-cs"/>
+              </a:defRPr>
+            </a:lvl8pPr>
+            <a:lvl9pPr marL="3886200" indent="-228600" algn="l" defTabSz="914400" rtl="0" eaLnBrk="1" latinLnBrk="0" hangingPunct="1">
+              <a:lnSpc>
+                <a:spcPct val="90000"/>
+              </a:lnSpc>
+              <a:spcBef>
+                <a:spcPts val="500"/>
+              </a:spcBef>
+              <a:buFont typeface="Arial" panose="020B0604020202020204" pitchFamily="34" charset="0"/>
+              <a:buChar char="•"/>
+              <a:defRPr sz="1800" kern="1200">
+                <a:solidFill>
+                  <a:schemeClr val="tx1"/>
+                </a:solidFill>
+                <a:latin typeface="+mn-lt"/>
+                <a:ea typeface="+mn-ea"/>
+                <a:cs typeface="+mn-cs"/>
+              </a:defRPr>
+            </a:lvl9pPr>
+          </a:lstStyle>
+          <a:p>
+            <a:pPr marL="0" indent="0">
+              <a:buFont typeface="Arial" panose="020B0604020202020204" pitchFamily="34" charset="0"/>
+              <a:buNone/>
+            </a:pPr>
+            <a:r>
+              <a:rPr lang="en-US" sz="2400" dirty="0"/>
+              <a:t>If you are interested in my research, feel free to contact me.</a:t>
+            </a:r>
+          </a:p>
+        </p:txBody>
+      </p:sp>
+    </p:spTree>
+    <p:extLst>
+      <p:ext uri="{BB962C8B-B14F-4D97-AF65-F5344CB8AC3E}">
+        <p14:creationId xmlns:p14="http://schemas.microsoft.com/office/powerpoint/2010/main" val="2999229372"/>
+      </p:ext>
+    </p:extLst>
+  </p:cSld>
+  <p:clrMapOvr>
+    <a:masterClrMapping/>
+  </p:clrMapOvr>
+</p:sld>
+</file>
+
+<file path=ppt/slides/slide3.xml><?xml version="1.0" encoding="utf-8"?>
+<p:sld xmlns:a="http://schemas.openxmlformats.org/drawingml/2006/main" xmlns:r="http://schemas.openxmlformats.org/officeDocument/2006/relationships" xmlns:p="http://schemas.openxmlformats.org/presentationml/2006/main">
+  <p:cSld>
+    <p:spTree>
+      <p:nvGrpSpPr>
+        <p:cNvPr id="1" name=""/>
+        <p:cNvGrpSpPr/>
+        <p:nvPr/>
+      </p:nvGrpSpPr>
+      <p:grpSpPr>
+        <a:xfrm>
+          <a:off x="0" y="0"/>
+          <a:ext cx="0" cy="0"/>
+          <a:chOff x="0" y="0"/>
+          <a:chExt cx="0" cy="0"/>
+        </a:xfrm>
+      </p:grpSpPr>
+      <p:sp>
+        <p:nvSpPr>
           <p:cNvPr id="2" name="Title 1"/>
           <p:cNvSpPr>
             <a:spLocks noGrp="1"/>
@@ -4112,7 +7322,7 @@
 </p:sld>
 </file>
 
-<file path=ppt/slides/slide3.xml><?xml version="1.0" encoding="utf-8"?>
+<file path=ppt/slides/slide4.xml><?xml version="1.0" encoding="utf-8"?>
 <p:sld xmlns:a="http://schemas.openxmlformats.org/drawingml/2006/main" xmlns:r="http://schemas.openxmlformats.org/officeDocument/2006/relationships" xmlns:p="http://schemas.openxmlformats.org/presentationml/2006/main">
   <p:cSld>
     <p:spTree>
@@ -4295,7 +7505,7 @@
               <a:p>
                 <a:r>
                   <a:rPr lang="en-US" sz="2400" dirty="0"/>
-                  <a:t>Model: </a:t>
+                  <a:t>Modeling: </a:t>
                 </a:r>
                 <a14:m>
                   <m:oMath xmlns:m="http://schemas.openxmlformats.org/officeDocument/2006/math">
@@ -4411,7 +7621,7 @@
 </p:sld>
 </file>
 
-<file path=ppt/slides/slide4.xml><?xml version="1.0" encoding="utf-8"?>
+<file path=ppt/slides/slide5.xml><?xml version="1.0" encoding="utf-8"?>
 <p:sld xmlns:a="http://schemas.openxmlformats.org/drawingml/2006/main" xmlns:r="http://schemas.openxmlformats.org/officeDocument/2006/relationships" xmlns:p="http://schemas.openxmlformats.org/presentationml/2006/main">
   <p:cSld>
     <p:spTree>
@@ -4452,13 +7662,212 @@
           <a:p>
             <a:r>
               <a:rPr lang="en-US" dirty="0"/>
+              <a:t>How to assess a model</a:t>
+            </a:r>
+          </a:p>
+        </p:txBody>
+      </p:sp>
+      <p:sp>
+        <p:nvSpPr>
+          <p:cNvPr id="10" name="TextBox 9">
+            <a:extLst>
+              <a:ext uri="{FF2B5EF4-FFF2-40B4-BE49-F238E27FC236}">
+                <a16:creationId xmlns:a16="http://schemas.microsoft.com/office/drawing/2014/main" id="{0693251F-9CFC-EA46-80ED-165FF38A5AE2}"/>
+              </a:ext>
+            </a:extLst>
+          </p:cNvPr>
+          <p:cNvSpPr txBox="1"/>
+          <p:nvPr/>
+        </p:nvSpPr>
+        <p:spPr>
+          <a:xfrm>
+            <a:off x="838200" y="1784338"/>
+            <a:ext cx="10515600" cy="523220"/>
+          </a:xfrm>
+          <a:prstGeom prst="rect">
+            <a:avLst/>
+          </a:prstGeom>
+          <a:noFill/>
+        </p:spPr>
+        <p:txBody>
+          <a:bodyPr wrap="square">
+            <a:spAutoFit/>
+          </a:bodyPr>
+          <a:lstStyle/>
+          <a:p>
+            <a:r>
+              <a:rPr lang="en-US" sz="2800" dirty="0"/>
+              <a:t>Prediction Error (regression problems)</a:t>
+            </a:r>
+          </a:p>
+        </p:txBody>
+      </p:sp>
+      <p:sp>
+        <p:nvSpPr>
+          <p:cNvPr id="6" name="TextBox 5">
+            <a:extLst>
+              <a:ext uri="{FF2B5EF4-FFF2-40B4-BE49-F238E27FC236}">
+                <a16:creationId xmlns:a16="http://schemas.microsoft.com/office/drawing/2014/main" id="{9117FE3A-BA33-C641-9B30-B21B93078297}"/>
+              </a:ext>
+            </a:extLst>
+          </p:cNvPr>
+          <p:cNvSpPr txBox="1"/>
+          <p:nvPr/>
+        </p:nvSpPr>
+        <p:spPr>
+          <a:xfrm>
+            <a:off x="838200" y="2615335"/>
+            <a:ext cx="10515600" cy="523220"/>
+          </a:xfrm>
+          <a:prstGeom prst="rect">
+            <a:avLst/>
+          </a:prstGeom>
+          <a:noFill/>
+        </p:spPr>
+        <p:txBody>
+          <a:bodyPr wrap="square">
+            <a:spAutoFit/>
+          </a:bodyPr>
+          <a:lstStyle/>
+          <a:p>
+            <a:r>
+              <a:rPr lang="en-US" sz="2800" dirty="0"/>
+              <a:t>Prediction Accuracy (classification problems)</a:t>
+            </a:r>
+          </a:p>
+        </p:txBody>
+      </p:sp>
+      <p:sp>
+        <p:nvSpPr>
+          <p:cNvPr id="7" name="TextBox 6">
+            <a:extLst>
+              <a:ext uri="{FF2B5EF4-FFF2-40B4-BE49-F238E27FC236}">
+                <a16:creationId xmlns:a16="http://schemas.microsoft.com/office/drawing/2014/main" id="{09327E6E-8C7C-554F-8DFA-FA4F23FA1866}"/>
+              </a:ext>
+            </a:extLst>
+          </p:cNvPr>
+          <p:cNvSpPr txBox="1"/>
+          <p:nvPr/>
+        </p:nvSpPr>
+        <p:spPr>
+          <a:xfrm>
+            <a:off x="838200" y="3457836"/>
+            <a:ext cx="10515600" cy="523220"/>
+          </a:xfrm>
+          <a:prstGeom prst="rect">
+            <a:avLst/>
+          </a:prstGeom>
+          <a:noFill/>
+        </p:spPr>
+        <p:txBody>
+          <a:bodyPr wrap="square">
+            <a:spAutoFit/>
+          </a:bodyPr>
+          <a:lstStyle/>
+          <a:p>
+            <a:r>
+              <a:rPr lang="en-US" sz="2800" dirty="0"/>
+              <a:t>Model Variance</a:t>
+            </a:r>
+          </a:p>
+        </p:txBody>
+      </p:sp>
+      <p:sp>
+        <p:nvSpPr>
+          <p:cNvPr id="11" name="TextBox 10">
+            <a:extLst>
+              <a:ext uri="{FF2B5EF4-FFF2-40B4-BE49-F238E27FC236}">
+                <a16:creationId xmlns:a16="http://schemas.microsoft.com/office/drawing/2014/main" id="{9CB06C44-459C-C847-BA9B-20B4BEDC33E4}"/>
+              </a:ext>
+            </a:extLst>
+          </p:cNvPr>
+          <p:cNvSpPr txBox="1"/>
+          <p:nvPr/>
+        </p:nvSpPr>
+        <p:spPr>
+          <a:xfrm>
+            <a:off x="838200" y="4300337"/>
+            <a:ext cx="10515600" cy="523220"/>
+          </a:xfrm>
+          <a:prstGeom prst="rect">
+            <a:avLst/>
+          </a:prstGeom>
+          <a:noFill/>
+        </p:spPr>
+        <p:txBody>
+          <a:bodyPr wrap="square">
+            <a:spAutoFit/>
+          </a:bodyPr>
+          <a:lstStyle/>
+          <a:p>
+            <a:r>
+              <a:rPr lang="en-US" sz="2800" dirty="0"/>
+              <a:t>Interpretability</a:t>
+            </a:r>
+          </a:p>
+        </p:txBody>
+      </p:sp>
+    </p:spTree>
+    <p:extLst>
+      <p:ext uri="{BB962C8B-B14F-4D97-AF65-F5344CB8AC3E}">
+        <p14:creationId xmlns:p14="http://schemas.microsoft.com/office/powerpoint/2010/main" val="1135496135"/>
+      </p:ext>
+    </p:extLst>
+  </p:cSld>
+  <p:clrMapOvr>
+    <a:masterClrMapping/>
+  </p:clrMapOvr>
+</p:sld>
+</file>
+
+<file path=ppt/slides/slide6.xml><?xml version="1.0" encoding="utf-8"?>
+<p:sld xmlns:a="http://schemas.openxmlformats.org/drawingml/2006/main" xmlns:r="http://schemas.openxmlformats.org/officeDocument/2006/relationships" xmlns:p="http://schemas.openxmlformats.org/presentationml/2006/main">
+  <p:cSld>
+    <p:spTree>
+      <p:nvGrpSpPr>
+        <p:cNvPr id="1" name=""/>
+        <p:cNvGrpSpPr/>
+        <p:nvPr/>
+      </p:nvGrpSpPr>
+      <p:grpSpPr>
+        <a:xfrm>
+          <a:off x="0" y="0"/>
+          <a:ext cx="0" cy="0"/>
+          <a:chOff x="0" y="0"/>
+          <a:chExt cx="0" cy="0"/>
+        </a:xfrm>
+      </p:grpSpPr>
+      <p:sp>
+        <p:nvSpPr>
+          <p:cNvPr id="2" name="Title 1"/>
+          <p:cNvSpPr>
+            <a:spLocks noGrp="1"/>
+          </p:cNvSpPr>
+          <p:nvPr>
+            <p:ph type="title"/>
+          </p:nvPr>
+        </p:nvSpPr>
+        <p:spPr>
+          <a:xfrm>
+            <a:off x="838200" y="365126"/>
+            <a:ext cx="10515600" cy="981894"/>
+          </a:xfrm>
+        </p:spPr>
+        <p:txBody>
+          <a:bodyPr>
+            <a:normAutofit/>
+          </a:bodyPr>
+          <a:lstStyle/>
+          <a:p>
+            <a:r>
+              <a:rPr lang="en-US" dirty="0"/>
               <a:t>What is an ideal model?</a:t>
             </a:r>
           </a:p>
         </p:txBody>
       </p:sp>
-      <mc:AlternateContent xmlns:mc="http://schemas.openxmlformats.org/markup-compatibility/2006">
-        <mc:Choice xmlns:a14="http://schemas.microsoft.com/office/drawing/2010/main" Requires="a14">
+      <mc:AlternateContent xmlns:mc="http://schemas.openxmlformats.org/markup-compatibility/2006" xmlns:a14="http://schemas.microsoft.com/office/drawing/2010/main">
+        <mc:Choice Requires="a14">
           <p:sp>
             <p:nvSpPr>
               <p:cNvPr id="10" name="TextBox 9">
@@ -4509,7 +7918,7 @@
             </p:txBody>
           </p:sp>
         </mc:Choice>
-        <mc:Fallback>
+        <mc:Fallback xmlns="">
           <p:sp>
             <p:nvSpPr>
               <p:cNvPr id="10" name="TextBox 9">
@@ -4597,7 +8006,7 @@
 </p:sld>
 </file>
 
-<file path=ppt/slides/slide5.xml><?xml version="1.0" encoding="utf-8"?>
+<file path=ppt/slides/slide7.xml><?xml version="1.0" encoding="utf-8"?>
 <p:sld xmlns:a="http://schemas.openxmlformats.org/drawingml/2006/main" xmlns:r="http://schemas.openxmlformats.org/officeDocument/2006/relationships" xmlns:p="http://schemas.openxmlformats.org/presentationml/2006/main">
   <p:cSld>
     <p:spTree>
@@ -4678,8 +8087,8 @@
           </a:p>
         </p:txBody>
       </p:sp>
-      <mc:AlternateContent xmlns:mc="http://schemas.openxmlformats.org/markup-compatibility/2006">
-        <mc:Choice xmlns:a14="http://schemas.microsoft.com/office/drawing/2010/main" Requires="a14">
+      <mc:AlternateContent xmlns:mc="http://schemas.openxmlformats.org/markup-compatibility/2006" xmlns:a14="http://schemas.microsoft.com/office/drawing/2010/main">
+        <mc:Choice Requires="a14">
           <p:sp>
             <p:nvSpPr>
               <p:cNvPr id="5" name="TextBox 4">
@@ -4708,6 +8117,7 @@
               </a:bodyPr>
               <a:lstStyle/>
               <a:p>
+                <a:pPr/>
                 <a14:m>
                   <m:oMathPara xmlns:m="http://schemas.openxmlformats.org/officeDocument/2006/math">
                     <m:oMathParaPr>
@@ -4787,7 +8197,7 @@
             </p:txBody>
           </p:sp>
         </mc:Choice>
-        <mc:Fallback>
+        <mc:Fallback xmlns="">
           <p:sp>
             <p:nvSpPr>
               <p:cNvPr id="5" name="TextBox 4">
@@ -4862,13 +8272,13 @@
           <a:p>
             <a:r>
               <a:rPr lang="en-US" sz="2400" dirty="0"/>
-              <a:t>The ideal model is also called the regression function.</a:t>
-            </a:r>
-          </a:p>
-        </p:txBody>
-      </p:sp>
-      <mc:AlternateContent xmlns:mc="http://schemas.openxmlformats.org/markup-compatibility/2006">
-        <mc:Choice xmlns:a14="http://schemas.microsoft.com/office/drawing/2010/main" Requires="a14">
+              <a:t>The ideal model here is also called the regression function.</a:t>
+            </a:r>
+          </a:p>
+        </p:txBody>
+      </p:sp>
+      <mc:AlternateContent xmlns:mc="http://schemas.openxmlformats.org/markup-compatibility/2006" xmlns:a14="http://schemas.microsoft.com/office/drawing/2010/main">
+        <mc:Choice Requires="a14">
           <p:sp>
             <p:nvSpPr>
               <p:cNvPr id="7" name="TextBox 6">
@@ -5001,7 +8411,7 @@
             </p:txBody>
           </p:sp>
         </mc:Choice>
-        <mc:Fallback>
+        <mc:Fallback xmlns="">
           <p:sp>
             <p:nvSpPr>
               <p:cNvPr id="7" name="TextBox 6">
@@ -5046,8 +8456,8 @@
           </p:sp>
         </mc:Fallback>
       </mc:AlternateContent>
-      <mc:AlternateContent xmlns:mc="http://schemas.openxmlformats.org/markup-compatibility/2006">
-        <mc:Choice xmlns:a14="http://schemas.microsoft.com/office/drawing/2010/main" Requires="a14">
+      <mc:AlternateContent xmlns:mc="http://schemas.openxmlformats.org/markup-compatibility/2006" xmlns:a14="http://schemas.microsoft.com/office/drawing/2010/main">
+        <mc:Choice Requires="a14">
           <p:sp>
             <p:nvSpPr>
               <p:cNvPr id="8" name="TextBox 7">
@@ -5076,6 +8486,7 @@
               </a:bodyPr>
               <a:lstStyle/>
               <a:p>
+                <a:pPr/>
                 <a14:m>
                   <m:oMathPara xmlns:m="http://schemas.openxmlformats.org/officeDocument/2006/math">
                     <m:oMathParaPr>
@@ -5273,7 +8684,7 @@
             </p:txBody>
           </p:sp>
         </mc:Choice>
-        <mc:Fallback>
+        <mc:Fallback xmlns="">
           <p:sp>
             <p:nvSpPr>
               <p:cNvPr id="8" name="TextBox 7">
@@ -5331,497 +8742,6 @@
 </p:sld>
 </file>
 
-<file path=ppt/slides/slide6.xml><?xml version="1.0" encoding="utf-8"?>
-<p:sld xmlns:a="http://schemas.openxmlformats.org/drawingml/2006/main" xmlns:r="http://schemas.openxmlformats.org/officeDocument/2006/relationships" xmlns:p="http://schemas.openxmlformats.org/presentationml/2006/main">
-  <p:cSld>
-    <p:spTree>
-      <p:nvGrpSpPr>
-        <p:cNvPr id="1" name=""/>
-        <p:cNvGrpSpPr/>
-        <p:nvPr/>
-      </p:nvGrpSpPr>
-      <p:grpSpPr>
-        <a:xfrm>
-          <a:off x="0" y="0"/>
-          <a:ext cx="0" cy="0"/>
-          <a:chOff x="0" y="0"/>
-          <a:chExt cx="0" cy="0"/>
-        </a:xfrm>
-      </p:grpSpPr>
-      <p:pic>
-        <p:nvPicPr>
-          <p:cNvPr id="1026" name="Picture 2" descr="Python (programming language) - Wikipedia"/>
-          <p:cNvPicPr>
-            <a:picLocks noChangeAspect="1" noChangeArrowheads="1"/>
-          </p:cNvPicPr>
-          <p:nvPr/>
-        </p:nvPicPr>
-        <p:blipFill>
-          <a:blip r:embed="rId2" cstate="print">
-            <a:extLst>
-              <a:ext uri="{28A0092B-C50C-407E-A947-70E740481C1C}">
-                <a14:useLocalDpi xmlns:a14="http://schemas.microsoft.com/office/drawing/2010/main" val="0"/>
-              </a:ext>
-            </a:extLst>
-          </a:blip>
-          <a:srcRect/>
-          <a:stretch>
-            <a:fillRect/>
-          </a:stretch>
-        </p:blipFill>
-        <p:spPr bwMode="auto">
-          <a:xfrm>
-            <a:off x="9837704" y="2278172"/>
-            <a:ext cx="1409240" cy="1544292"/>
-          </a:xfrm>
-          <a:prstGeom prst="rect">
-            <a:avLst/>
-          </a:prstGeom>
-          <a:noFill/>
-          <a:extLst>
-            <a:ext uri="{909E8E84-426E-40DD-AFC4-6F175D3DCCD1}">
-              <a14:hiddenFill xmlns:a14="http://schemas.microsoft.com/office/drawing/2010/main">
-                <a:solidFill>
-                  <a:srgbClr val="FFFFFF"/>
-                </a:solidFill>
-              </a14:hiddenFill>
-            </a:ext>
-          </a:extLst>
-        </p:spPr>
-      </p:pic>
-      <p:pic>
-        <p:nvPicPr>
-          <p:cNvPr id="1028" name="Picture 4" descr="The Ultimate Guide to the NumPy Package for Scientific Computing in Python"/>
-          <p:cNvPicPr>
-            <a:picLocks noChangeAspect="1" noChangeArrowheads="1"/>
-          </p:cNvPicPr>
-          <p:nvPr/>
-        </p:nvPicPr>
-        <p:blipFill>
-          <a:blip r:embed="rId3" cstate="print">
-            <a:extLst>
-              <a:ext uri="{28A0092B-C50C-407E-A947-70E740481C1C}">
-                <a14:useLocalDpi xmlns:a14="http://schemas.microsoft.com/office/drawing/2010/main" val="0"/>
-              </a:ext>
-            </a:extLst>
-          </a:blip>
-          <a:srcRect/>
-          <a:stretch>
-            <a:fillRect/>
-          </a:stretch>
-        </p:blipFill>
-        <p:spPr bwMode="auto">
-          <a:xfrm>
-            <a:off x="838200" y="2082336"/>
-            <a:ext cx="3031934" cy="1200140"/>
-          </a:xfrm>
-          <a:prstGeom prst="rect">
-            <a:avLst/>
-          </a:prstGeom>
-          <a:noFill/>
-          <a:extLst>
-            <a:ext uri="{909E8E84-426E-40DD-AFC4-6F175D3DCCD1}">
-              <a14:hiddenFill xmlns:a14="http://schemas.microsoft.com/office/drawing/2010/main">
-                <a:solidFill>
-                  <a:srgbClr val="FFFFFF"/>
-                </a:solidFill>
-              </a14:hiddenFill>
-            </a:ext>
-          </a:extLst>
-        </p:spPr>
-      </p:pic>
-      <p:pic>
-        <p:nvPicPr>
-          <p:cNvPr id="1030" name="Picture 6" descr="pandas (software) - Wikipedia"/>
-          <p:cNvPicPr>
-            <a:picLocks noChangeAspect="1" noChangeArrowheads="1"/>
-          </p:cNvPicPr>
-          <p:nvPr/>
-        </p:nvPicPr>
-        <p:blipFill>
-          <a:blip r:embed="rId4" cstate="print">
-            <a:extLst>
-              <a:ext uri="{28A0092B-C50C-407E-A947-70E740481C1C}">
-                <a14:useLocalDpi xmlns:a14="http://schemas.microsoft.com/office/drawing/2010/main" val="0"/>
-              </a:ext>
-            </a:extLst>
-          </a:blip>
-          <a:srcRect/>
-          <a:stretch>
-            <a:fillRect/>
-          </a:stretch>
-        </p:blipFill>
-        <p:spPr bwMode="auto">
-          <a:xfrm>
-            <a:off x="838200" y="4380627"/>
-            <a:ext cx="3395041" cy="1372162"/>
-          </a:xfrm>
-          <a:prstGeom prst="rect">
-            <a:avLst/>
-          </a:prstGeom>
-          <a:noFill/>
-          <a:extLst>
-            <a:ext uri="{909E8E84-426E-40DD-AFC4-6F175D3DCCD1}">
-              <a14:hiddenFill xmlns:a14="http://schemas.microsoft.com/office/drawing/2010/main">
-                <a:solidFill>
-                  <a:srgbClr val="FFFFFF"/>
-                </a:solidFill>
-              </a14:hiddenFill>
-            </a:ext>
-          </a:extLst>
-        </p:spPr>
-      </p:pic>
-      <p:pic>
-        <p:nvPicPr>
-          <p:cNvPr id="1036" name="Picture 12" descr="Matplotlib logo — Matplotlib 3.1.0 documentation"/>
-          <p:cNvPicPr>
-            <a:picLocks noChangeAspect="1" noChangeArrowheads="1"/>
-          </p:cNvPicPr>
-          <p:nvPr/>
-        </p:nvPicPr>
-        <p:blipFill>
-          <a:blip r:embed="rId5">
-            <a:extLst>
-              <a:ext uri="{28A0092B-C50C-407E-A947-70E740481C1C}">
-                <a14:useLocalDpi xmlns:a14="http://schemas.microsoft.com/office/drawing/2010/main" val="0"/>
-              </a:ext>
-            </a:extLst>
-          </a:blip>
-          <a:srcRect/>
-          <a:stretch>
-            <a:fillRect/>
-          </a:stretch>
-        </p:blipFill>
-        <p:spPr bwMode="auto">
-          <a:xfrm>
-            <a:off x="4595323" y="2310171"/>
-            <a:ext cx="4861523" cy="972305"/>
-          </a:xfrm>
-          <a:prstGeom prst="rect">
-            <a:avLst/>
-          </a:prstGeom>
-          <a:noFill/>
-          <a:extLst>
-            <a:ext uri="{909E8E84-426E-40DD-AFC4-6F175D3DCCD1}">
-              <a14:hiddenFill xmlns:a14="http://schemas.microsoft.com/office/drawing/2010/main">
-                <a:solidFill>
-                  <a:srgbClr val="FFFFFF"/>
-                </a:solidFill>
-              </a14:hiddenFill>
-            </a:ext>
-          </a:extLst>
-        </p:spPr>
-      </p:pic>
-      <p:pic>
-        <p:nvPicPr>
-          <p:cNvPr id="1038" name="Picture 14" descr="How to Use Mapillary Data in Jupyter Notebooks - The Mapillary Blog"/>
-          <p:cNvPicPr>
-            <a:picLocks noChangeAspect="1" noChangeArrowheads="1"/>
-          </p:cNvPicPr>
-          <p:nvPr/>
-        </p:nvPicPr>
-        <p:blipFill>
-          <a:blip r:embed="rId6" cstate="print">
-            <a:extLst>
-              <a:ext uri="{28A0092B-C50C-407E-A947-70E740481C1C}">
-                <a14:useLocalDpi xmlns:a14="http://schemas.microsoft.com/office/drawing/2010/main" val="0"/>
-              </a:ext>
-            </a:extLst>
-          </a:blip>
-          <a:srcRect/>
-          <a:stretch>
-            <a:fillRect/>
-          </a:stretch>
-        </p:blipFill>
-        <p:spPr bwMode="auto">
-          <a:xfrm>
-            <a:off x="7736337" y="4423523"/>
-            <a:ext cx="3716827" cy="1002741"/>
-          </a:xfrm>
-          <a:prstGeom prst="rect">
-            <a:avLst/>
-          </a:prstGeom>
-          <a:noFill/>
-          <a:extLst>
-            <a:ext uri="{909E8E84-426E-40DD-AFC4-6F175D3DCCD1}">
-              <a14:hiddenFill xmlns:a14="http://schemas.microsoft.com/office/drawing/2010/main">
-                <a:solidFill>
-                  <a:srgbClr val="FFFFFF"/>
-                </a:solidFill>
-              </a14:hiddenFill>
-            </a:ext>
-          </a:extLst>
-        </p:spPr>
-      </p:pic>
-      <p:pic>
-        <p:nvPicPr>
-          <p:cNvPr id="1040" name="Picture 16" descr="File:Scikit learn logo small.svg - Wikimedia Commons"/>
-          <p:cNvPicPr>
-            <a:picLocks noChangeAspect="1" noChangeArrowheads="1"/>
-          </p:cNvPicPr>
-          <p:nvPr/>
-        </p:nvPicPr>
-        <p:blipFill>
-          <a:blip r:embed="rId7" cstate="print">
-            <a:extLst>
-              <a:ext uri="{28A0092B-C50C-407E-A947-70E740481C1C}">
-                <a14:useLocalDpi xmlns:a14="http://schemas.microsoft.com/office/drawing/2010/main" val="0"/>
-              </a:ext>
-            </a:extLst>
-          </a:blip>
-          <a:srcRect/>
-          <a:stretch>
-            <a:fillRect/>
-          </a:stretch>
-        </p:blipFill>
-        <p:spPr bwMode="auto">
-          <a:xfrm>
-            <a:off x="4595323" y="4018300"/>
-            <a:ext cx="2664944" cy="1434490"/>
-          </a:xfrm>
-          <a:prstGeom prst="rect">
-            <a:avLst/>
-          </a:prstGeom>
-          <a:noFill/>
-          <a:extLst>
-            <a:ext uri="{909E8E84-426E-40DD-AFC4-6F175D3DCCD1}">
-              <a14:hiddenFill xmlns:a14="http://schemas.microsoft.com/office/drawing/2010/main">
-                <a:solidFill>
-                  <a:srgbClr val="FFFFFF"/>
-                </a:solidFill>
-              </a14:hiddenFill>
-            </a:ext>
-          </a:extLst>
-        </p:spPr>
-      </p:pic>
-      <p:sp>
-        <p:nvSpPr>
-          <p:cNvPr id="12" name="Title 1">
-            <a:extLst>
-              <a:ext uri="{FF2B5EF4-FFF2-40B4-BE49-F238E27FC236}">
-                <a16:creationId xmlns:a16="http://schemas.microsoft.com/office/drawing/2014/main" id="{60BF935A-CCAC-124B-810D-8F2B4E96E7E3}"/>
-              </a:ext>
-            </a:extLst>
-          </p:cNvPr>
-          <p:cNvSpPr txBox="1">
-            <a:spLocks/>
-          </p:cNvSpPr>
-          <p:nvPr/>
-        </p:nvSpPr>
-        <p:spPr>
-          <a:xfrm>
-            <a:off x="838200" y="365126"/>
-            <a:ext cx="10515600" cy="981894"/>
-          </a:xfrm>
-          <a:prstGeom prst="rect">
-            <a:avLst/>
-          </a:prstGeom>
-        </p:spPr>
-        <p:txBody>
-          <a:bodyPr vert="horz" lIns="91440" tIns="45720" rIns="91440" bIns="45720" rtlCol="0" anchor="ctr">
-            <a:normAutofit/>
-          </a:bodyPr>
-          <a:lstStyle>
-            <a:lvl1pPr algn="l" defTabSz="914400" rtl="0" eaLnBrk="1" latinLnBrk="0" hangingPunct="1">
-              <a:lnSpc>
-                <a:spcPct val="90000"/>
-              </a:lnSpc>
-              <a:spcBef>
-                <a:spcPct val="0"/>
-              </a:spcBef>
-              <a:buNone/>
-              <a:defRPr sz="4400" kern="1200">
-                <a:solidFill>
-                  <a:schemeClr val="tx1"/>
-                </a:solidFill>
-                <a:latin typeface="+mj-lt"/>
-                <a:ea typeface="+mj-ea"/>
-                <a:cs typeface="+mj-cs"/>
-              </a:defRPr>
-            </a:lvl1pPr>
-          </a:lstStyle>
-          <a:p>
-            <a:r>
-              <a:rPr lang="en-US" dirty="0"/>
-              <a:t>Implementation Tools</a:t>
-            </a:r>
-          </a:p>
-        </p:txBody>
-      </p:sp>
-    </p:spTree>
-    <p:extLst>
-      <p:ext uri="{BB962C8B-B14F-4D97-AF65-F5344CB8AC3E}">
-        <p14:creationId xmlns:p14="http://schemas.microsoft.com/office/powerpoint/2010/main" val="4236951330"/>
-      </p:ext>
-    </p:extLst>
-  </p:cSld>
-  <p:clrMapOvr>
-    <a:masterClrMapping/>
-  </p:clrMapOvr>
-</p:sld>
-</file>
-
-<file path=ppt/slides/slide7.xml><?xml version="1.0" encoding="utf-8"?>
-<p:sld xmlns:a="http://schemas.openxmlformats.org/drawingml/2006/main" xmlns:r="http://schemas.openxmlformats.org/officeDocument/2006/relationships" xmlns:p="http://schemas.openxmlformats.org/presentationml/2006/main">
-  <p:cSld>
-    <p:spTree>
-      <p:nvGrpSpPr>
-        <p:cNvPr id="1" name=""/>
-        <p:cNvGrpSpPr/>
-        <p:nvPr/>
-      </p:nvGrpSpPr>
-      <p:grpSpPr>
-        <a:xfrm>
-          <a:off x="0" y="0"/>
-          <a:ext cx="0" cy="0"/>
-          <a:chOff x="0" y="0"/>
-          <a:chExt cx="0" cy="0"/>
-        </a:xfrm>
-      </p:grpSpPr>
-      <p:sp>
-        <p:nvSpPr>
-          <p:cNvPr id="2" name="Title 1"/>
-          <p:cNvSpPr>
-            <a:spLocks noGrp="1"/>
-          </p:cNvSpPr>
-          <p:nvPr>
-            <p:ph type="title"/>
-          </p:nvPr>
-        </p:nvSpPr>
-        <p:spPr/>
-        <p:txBody>
-          <a:bodyPr/>
-          <a:lstStyle/>
-          <a:p>
-            <a:r>
-              <a:rPr lang="en-US" dirty="0">
-                <a:solidFill>
-                  <a:srgbClr val="0070C0"/>
-                </a:solidFill>
-              </a:rPr>
-              <a:t>Python Resources</a:t>
-            </a:r>
-          </a:p>
-        </p:txBody>
-      </p:sp>
-      <p:sp>
-        <p:nvSpPr>
-          <p:cNvPr id="3" name="Content Placeholder 2"/>
-          <p:cNvSpPr>
-            <a:spLocks noGrp="1"/>
-          </p:cNvSpPr>
-          <p:nvPr>
-            <p:ph idx="1"/>
-          </p:nvPr>
-        </p:nvSpPr>
-        <p:spPr>
-          <a:xfrm>
-            <a:off x="934907" y="1575509"/>
-            <a:ext cx="10341077" cy="3647601"/>
-          </a:xfrm>
-        </p:spPr>
-        <p:txBody>
-          <a:bodyPr>
-            <a:noAutofit/>
-          </a:bodyPr>
-          <a:lstStyle/>
-          <a:p>
-            <a:r>
-              <a:rPr lang="en-GB" dirty="0" err="1"/>
-              <a:t>Kaggle</a:t>
-            </a:r>
-            <a:r>
-              <a:rPr lang="en-GB" dirty="0"/>
-              <a:t>: </a:t>
-            </a:r>
-            <a:r>
-              <a:rPr lang="en-GB" dirty="0">
-                <a:hlinkClick r:id="rId2"/>
-              </a:rPr>
-              <a:t>https://www.kaggle.com/learn/python</a:t>
-            </a:r>
-            <a:r>
-              <a:rPr lang="en-GB" dirty="0"/>
-              <a:t> </a:t>
-            </a:r>
-          </a:p>
-          <a:p>
-            <a:r>
-              <a:rPr lang="en-GB" dirty="0"/>
-              <a:t>Learn Python: </a:t>
-            </a:r>
-            <a:r>
-              <a:rPr lang="en-GB" dirty="0">
-                <a:hlinkClick r:id="rId3"/>
-              </a:rPr>
-              <a:t>https://www.learnpython.org/</a:t>
-            </a:r>
-            <a:r>
-              <a:rPr lang="en-GB" dirty="0"/>
-              <a:t> </a:t>
-            </a:r>
-          </a:p>
-          <a:p>
-            <a:r>
-              <a:rPr lang="en-GB" dirty="0"/>
-              <a:t>Python for Beginners by Microsoft: </a:t>
-            </a:r>
-            <a:r>
-              <a:rPr lang="en-GB" dirty="0">
-                <a:hlinkClick r:id="rId4"/>
-              </a:rPr>
-              <a:t>https://learn.microsoft.com/en-us/shows/intro-to-python-development/</a:t>
-            </a:r>
-            <a:r>
-              <a:rPr lang="en-GB" dirty="0"/>
-              <a:t> </a:t>
-            </a:r>
-            <a:endParaRPr lang="en-US" dirty="0"/>
-          </a:p>
-          <a:p>
-            <a:r>
-              <a:rPr lang="en-US" dirty="0"/>
-              <a:t>Python for Everybody (up to 6 hours): </a:t>
-            </a:r>
-            <a:r>
-              <a:rPr lang="en-US" dirty="0">
-                <a:hlinkClick r:id="rId5"/>
-              </a:rPr>
-              <a:t>https://www.youtube.com/watch?v=8DvywoWv6fI</a:t>
-            </a:r>
-            <a:r>
-              <a:rPr lang="en-US" dirty="0"/>
-              <a:t> </a:t>
-            </a:r>
-          </a:p>
-          <a:p>
-            <a:r>
-              <a:rPr lang="en-GB" b="1" dirty="0"/>
-              <a:t>Google it</a:t>
-            </a:r>
-          </a:p>
-          <a:p>
-            <a:r>
-              <a:rPr lang="en-GB" b="1" dirty="0"/>
-              <a:t>Introduction to Python (next course)</a:t>
-            </a:r>
-            <a:endParaRPr lang="en-US" b="1" dirty="0"/>
-          </a:p>
-        </p:txBody>
-      </p:sp>
-    </p:spTree>
-    <p:extLst>
-      <p:ext uri="{BB962C8B-B14F-4D97-AF65-F5344CB8AC3E}">
-        <p14:creationId xmlns:p14="http://schemas.microsoft.com/office/powerpoint/2010/main" val="2980421335"/>
-      </p:ext>
-    </p:extLst>
-  </p:cSld>
-  <p:clrMapOvr>
-    <a:masterClrMapping/>
-  </p:clrMapOvr>
-</p:sld>
-</file>
-
 <file path=ppt/slides/slide8.xml><?xml version="1.0" encoding="utf-8"?>
 <p:sld xmlns:a="http://schemas.openxmlformats.org/drawingml/2006/main" xmlns:r="http://schemas.openxmlformats.org/officeDocument/2006/relationships" xmlns:p="http://schemas.openxmlformats.org/presentationml/2006/main">
   <p:cSld>
@@ -5841,13 +8761,7 @@
       </p:grpSpPr>
       <p:sp>
         <p:nvSpPr>
-          <p:cNvPr id="2" name="Title 1">
-            <a:extLst>
-              <a:ext uri="{FF2B5EF4-FFF2-40B4-BE49-F238E27FC236}">
-                <a16:creationId xmlns:a16="http://schemas.microsoft.com/office/drawing/2014/main" id="{87BF30BF-7806-D247-A2AF-B1239989AB83}"/>
-              </a:ext>
-            </a:extLst>
-          </p:cNvPr>
+          <p:cNvPr id="2" name="Title 1"/>
           <p:cNvSpPr>
             <a:spLocks noGrp="1"/>
           </p:cNvSpPr>
@@ -5855,81 +8769,10 @@
             <p:ph type="title"/>
           </p:nvPr>
         </p:nvSpPr>
-        <p:spPr/>
-        <p:txBody>
-          <a:bodyPr/>
-          <a:lstStyle/>
-          <a:p>
-            <a:r>
-              <a:rPr lang="en-US" dirty="0"/>
-              <a:t>Course Website</a:t>
-            </a:r>
-          </a:p>
-        </p:txBody>
-      </p:sp>
-      <p:sp>
-        <p:nvSpPr>
-          <p:cNvPr id="7" name="TextBox 6">
-            <a:extLst>
-              <a:ext uri="{FF2B5EF4-FFF2-40B4-BE49-F238E27FC236}">
-                <a16:creationId xmlns:a16="http://schemas.microsoft.com/office/drawing/2014/main" id="{BC953F59-DB65-0241-829C-F5150AEE3958}"/>
-              </a:ext>
-            </a:extLst>
-          </p:cNvPr>
-          <p:cNvSpPr txBox="1"/>
-          <p:nvPr/>
-        </p:nvSpPr>
         <p:spPr>
           <a:xfrm>
-            <a:off x="838200" y="1825675"/>
-            <a:ext cx="9159240" cy="461665"/>
-          </a:xfrm>
-          <a:prstGeom prst="rect">
-            <a:avLst/>
-          </a:prstGeom>
-          <a:noFill/>
-        </p:spPr>
-        <p:txBody>
-          <a:bodyPr wrap="square">
-            <a:spAutoFit/>
-          </a:bodyPr>
-          <a:lstStyle/>
-          <a:p>
-            <a:r>
-              <a:rPr lang="en-US" sz="2400" dirty="0"/>
-              <a:t>https://tianzheng4.github.io/</a:t>
-            </a:r>
-            <a:r>
-              <a:rPr lang="en-US" sz="2400" dirty="0" err="1"/>
-              <a:t>umkc</a:t>
-            </a:r>
-            <a:r>
-              <a:rPr lang="en-US" sz="2400" dirty="0"/>
-              <a:t>-teaching/2023-fall-teaching-1/</a:t>
-            </a:r>
-          </a:p>
-        </p:txBody>
-      </p:sp>
-      <p:sp>
-        <p:nvSpPr>
-          <p:cNvPr id="8" name="Content Placeholder 2">
-            <a:extLst>
-              <a:ext uri="{FF2B5EF4-FFF2-40B4-BE49-F238E27FC236}">
-                <a16:creationId xmlns:a16="http://schemas.microsoft.com/office/drawing/2014/main" id="{A699D753-1647-664C-A454-6CD0016A3B91}"/>
-              </a:ext>
-            </a:extLst>
-          </p:cNvPr>
-          <p:cNvSpPr>
-            <a:spLocks noGrp="1"/>
-          </p:cNvSpPr>
-          <p:nvPr>
-            <p:ph idx="1"/>
-          </p:nvPr>
-        </p:nvSpPr>
-        <p:spPr>
-          <a:xfrm>
-            <a:off x="838200" y="2919949"/>
-            <a:ext cx="9616440" cy="2078771"/>
+            <a:off x="838200" y="365126"/>
+            <a:ext cx="10515600" cy="981894"/>
           </a:xfrm>
         </p:spPr>
         <p:txBody>
@@ -5938,250 +8781,693 @@
           </a:bodyPr>
           <a:lstStyle/>
           <a:p>
-            <a:pPr marL="0" indent="0">
-              <a:buNone/>
-            </a:pPr>
-            <a:r>
-              <a:rPr lang="en-US" sz="2400" dirty="0"/>
-              <a:t>What are on the course website:</a:t>
-            </a:r>
-          </a:p>
-          <a:p>
-            <a:pPr marL="0" indent="0">
-              <a:buNone/>
-            </a:pPr>
-            <a:r>
-              <a:rPr lang="en-US" sz="2400" dirty="0"/>
-              <a:t>	Lecture slides</a:t>
-            </a:r>
-          </a:p>
-          <a:p>
-            <a:pPr marL="0" indent="0">
-              <a:buNone/>
-            </a:pPr>
-            <a:r>
-              <a:rPr lang="en-US" sz="2400" dirty="0"/>
-              <a:t>	Lab material</a:t>
-            </a:r>
-          </a:p>
-          <a:p>
-            <a:pPr marL="0" indent="0">
-              <a:buNone/>
-            </a:pPr>
-            <a:r>
-              <a:rPr lang="en-US" sz="2400" dirty="0"/>
-              <a:t>	Contact Information</a:t>
-            </a:r>
-          </a:p>
-        </p:txBody>
-      </p:sp>
-      <p:sp>
-        <p:nvSpPr>
-          <p:cNvPr id="9" name="Content Placeholder 2">
-            <a:extLst>
-              <a:ext uri="{FF2B5EF4-FFF2-40B4-BE49-F238E27FC236}">
-                <a16:creationId xmlns:a16="http://schemas.microsoft.com/office/drawing/2014/main" id="{8E7D57D7-F9C0-5840-941E-E7D4557F09BF}"/>
-              </a:ext>
-            </a:extLst>
-          </p:cNvPr>
-          <p:cNvSpPr txBox="1">
-            <a:spLocks/>
-          </p:cNvSpPr>
-          <p:nvPr/>
-        </p:nvSpPr>
-        <p:spPr>
-          <a:xfrm>
-            <a:off x="838200" y="5375881"/>
-            <a:ext cx="9616440" cy="852100"/>
-          </a:xfrm>
-          <a:prstGeom prst="rect">
-            <a:avLst/>
-          </a:prstGeom>
-        </p:spPr>
-        <p:txBody>
-          <a:bodyPr vert="horz" lIns="91440" tIns="45720" rIns="91440" bIns="45720" rtlCol="0">
-            <a:normAutofit/>
-          </a:bodyPr>
-          <a:lstStyle>
-            <a:lvl1pPr marL="228600" indent="-228600" algn="l" defTabSz="914400" rtl="0" eaLnBrk="1" latinLnBrk="0" hangingPunct="1">
-              <a:lnSpc>
-                <a:spcPct val="90000"/>
-              </a:lnSpc>
-              <a:spcBef>
-                <a:spcPts val="1000"/>
-              </a:spcBef>
-              <a:buFont typeface="Arial" panose="020B0604020202020204" pitchFamily="34" charset="0"/>
-              <a:buChar char="•"/>
-              <a:defRPr sz="2800" kern="1200">
-                <a:solidFill>
-                  <a:schemeClr val="tx1"/>
-                </a:solidFill>
-                <a:latin typeface="+mn-lt"/>
-                <a:ea typeface="+mn-ea"/>
-                <a:cs typeface="+mn-cs"/>
-              </a:defRPr>
-            </a:lvl1pPr>
-            <a:lvl2pPr marL="685800" indent="-228600" algn="l" defTabSz="914400" rtl="0" eaLnBrk="1" latinLnBrk="0" hangingPunct="1">
-              <a:lnSpc>
-                <a:spcPct val="90000"/>
-              </a:lnSpc>
-              <a:spcBef>
-                <a:spcPts val="500"/>
-              </a:spcBef>
-              <a:buFont typeface="Arial" panose="020B0604020202020204" pitchFamily="34" charset="0"/>
-              <a:buChar char="•"/>
-              <a:defRPr sz="2400" kern="1200">
-                <a:solidFill>
-                  <a:schemeClr val="tx1"/>
-                </a:solidFill>
-                <a:latin typeface="+mn-lt"/>
-                <a:ea typeface="+mn-ea"/>
-                <a:cs typeface="+mn-cs"/>
-              </a:defRPr>
-            </a:lvl2pPr>
-            <a:lvl3pPr marL="1143000" indent="-228600" algn="l" defTabSz="914400" rtl="0" eaLnBrk="1" latinLnBrk="0" hangingPunct="1">
-              <a:lnSpc>
-                <a:spcPct val="90000"/>
-              </a:lnSpc>
-              <a:spcBef>
-                <a:spcPts val="500"/>
-              </a:spcBef>
-              <a:buFont typeface="Arial" panose="020B0604020202020204" pitchFamily="34" charset="0"/>
-              <a:buChar char="•"/>
-              <a:defRPr sz="2000" kern="1200">
-                <a:solidFill>
-                  <a:schemeClr val="tx1"/>
-                </a:solidFill>
-                <a:latin typeface="+mn-lt"/>
-                <a:ea typeface="+mn-ea"/>
-                <a:cs typeface="+mn-cs"/>
-              </a:defRPr>
-            </a:lvl3pPr>
-            <a:lvl4pPr marL="1600200" indent="-228600" algn="l" defTabSz="914400" rtl="0" eaLnBrk="1" latinLnBrk="0" hangingPunct="1">
-              <a:lnSpc>
-                <a:spcPct val="90000"/>
-              </a:lnSpc>
-              <a:spcBef>
-                <a:spcPts val="500"/>
-              </a:spcBef>
-              <a:buFont typeface="Arial" panose="020B0604020202020204" pitchFamily="34" charset="0"/>
-              <a:buChar char="•"/>
-              <a:defRPr sz="1800" kern="1200">
-                <a:solidFill>
-                  <a:schemeClr val="tx1"/>
-                </a:solidFill>
-                <a:latin typeface="+mn-lt"/>
-                <a:ea typeface="+mn-ea"/>
-                <a:cs typeface="+mn-cs"/>
-              </a:defRPr>
-            </a:lvl4pPr>
-            <a:lvl5pPr marL="2057400" indent="-228600" algn="l" defTabSz="914400" rtl="0" eaLnBrk="1" latinLnBrk="0" hangingPunct="1">
-              <a:lnSpc>
-                <a:spcPct val="90000"/>
-              </a:lnSpc>
-              <a:spcBef>
-                <a:spcPts val="500"/>
-              </a:spcBef>
-              <a:buFont typeface="Arial" panose="020B0604020202020204" pitchFamily="34" charset="0"/>
-              <a:buChar char="•"/>
-              <a:defRPr sz="1800" kern="1200">
-                <a:solidFill>
-                  <a:schemeClr val="tx1"/>
-                </a:solidFill>
-                <a:latin typeface="+mn-lt"/>
-                <a:ea typeface="+mn-ea"/>
-                <a:cs typeface="+mn-cs"/>
-              </a:defRPr>
-            </a:lvl5pPr>
-            <a:lvl6pPr marL="2514600" indent="-228600" algn="l" defTabSz="914400" rtl="0" eaLnBrk="1" latinLnBrk="0" hangingPunct="1">
-              <a:lnSpc>
-                <a:spcPct val="90000"/>
-              </a:lnSpc>
-              <a:spcBef>
-                <a:spcPts val="500"/>
-              </a:spcBef>
-              <a:buFont typeface="Arial" panose="020B0604020202020204" pitchFamily="34" charset="0"/>
-              <a:buChar char="•"/>
-              <a:defRPr sz="1800" kern="1200">
-                <a:solidFill>
-                  <a:schemeClr val="tx1"/>
-                </a:solidFill>
-                <a:latin typeface="+mn-lt"/>
-                <a:ea typeface="+mn-ea"/>
-                <a:cs typeface="+mn-cs"/>
-              </a:defRPr>
-            </a:lvl6pPr>
-            <a:lvl7pPr marL="2971800" indent="-228600" algn="l" defTabSz="914400" rtl="0" eaLnBrk="1" latinLnBrk="0" hangingPunct="1">
-              <a:lnSpc>
-                <a:spcPct val="90000"/>
-              </a:lnSpc>
-              <a:spcBef>
-                <a:spcPts val="500"/>
-              </a:spcBef>
-              <a:buFont typeface="Arial" panose="020B0604020202020204" pitchFamily="34" charset="0"/>
-              <a:buChar char="•"/>
-              <a:defRPr sz="1800" kern="1200">
-                <a:solidFill>
-                  <a:schemeClr val="tx1"/>
-                </a:solidFill>
-                <a:latin typeface="+mn-lt"/>
-                <a:ea typeface="+mn-ea"/>
-                <a:cs typeface="+mn-cs"/>
-              </a:defRPr>
-            </a:lvl7pPr>
-            <a:lvl8pPr marL="3429000" indent="-228600" algn="l" defTabSz="914400" rtl="0" eaLnBrk="1" latinLnBrk="0" hangingPunct="1">
-              <a:lnSpc>
-                <a:spcPct val="90000"/>
-              </a:lnSpc>
-              <a:spcBef>
-                <a:spcPts val="500"/>
-              </a:spcBef>
-              <a:buFont typeface="Arial" panose="020B0604020202020204" pitchFamily="34" charset="0"/>
-              <a:buChar char="•"/>
-              <a:defRPr sz="1800" kern="1200">
-                <a:solidFill>
-                  <a:schemeClr val="tx1"/>
-                </a:solidFill>
-                <a:latin typeface="+mn-lt"/>
-                <a:ea typeface="+mn-ea"/>
-                <a:cs typeface="+mn-cs"/>
-              </a:defRPr>
-            </a:lvl8pPr>
-            <a:lvl9pPr marL="3886200" indent="-228600" algn="l" defTabSz="914400" rtl="0" eaLnBrk="1" latinLnBrk="0" hangingPunct="1">
-              <a:lnSpc>
-                <a:spcPct val="90000"/>
-              </a:lnSpc>
-              <a:spcBef>
-                <a:spcPts val="500"/>
-              </a:spcBef>
-              <a:buFont typeface="Arial" panose="020B0604020202020204" pitchFamily="34" charset="0"/>
-              <a:buChar char="•"/>
-              <a:defRPr sz="1800" kern="1200">
-                <a:solidFill>
-                  <a:schemeClr val="tx1"/>
-                </a:solidFill>
-                <a:latin typeface="+mn-lt"/>
-                <a:ea typeface="+mn-ea"/>
-                <a:cs typeface="+mn-cs"/>
-              </a:defRPr>
-            </a:lvl9pPr>
-          </a:lstStyle>
-          <a:p>
-            <a:pPr marL="0" indent="0">
-              <a:buFont typeface="Arial" panose="020B0604020202020204" pitchFamily="34" charset="0"/>
-              <a:buNone/>
-            </a:pPr>
-            <a:r>
-              <a:rPr lang="en-US" sz="2400" dirty="0"/>
-              <a:t>If you are interested in my research, feel free to contact me.</a:t>
-            </a:r>
-          </a:p>
-        </p:txBody>
-      </p:sp>
+            <a:r>
+              <a:rPr lang="en-US" dirty="0"/>
+              <a:t>Prediction Error</a:t>
+            </a:r>
+          </a:p>
+        </p:txBody>
+      </p:sp>
+      <mc:AlternateContent xmlns:mc="http://schemas.openxmlformats.org/markup-compatibility/2006">
+        <mc:Choice xmlns:a14="http://schemas.microsoft.com/office/drawing/2010/main" Requires="a14">
+          <p:sp>
+            <p:nvSpPr>
+              <p:cNvPr id="9" name="TextBox 8">
+                <a:extLst>
+                  <a:ext uri="{FF2B5EF4-FFF2-40B4-BE49-F238E27FC236}">
+                    <a16:creationId xmlns:a16="http://schemas.microsoft.com/office/drawing/2014/main" id="{9B599EFF-B77E-9A4C-B2CE-27FEAD06211D}"/>
+                  </a:ext>
+                </a:extLst>
+              </p:cNvPr>
+              <p:cNvSpPr txBox="1"/>
+              <p:nvPr/>
+            </p:nvSpPr>
+            <p:spPr>
+              <a:xfrm>
+                <a:off x="2179320" y="3031519"/>
+                <a:ext cx="6431280" cy="582147"/>
+              </a:xfrm>
+              <a:prstGeom prst="rect">
+                <a:avLst/>
+              </a:prstGeom>
+              <a:noFill/>
+            </p:spPr>
+            <p:txBody>
+              <a:bodyPr wrap="square">
+                <a:spAutoFit/>
+              </a:bodyPr>
+              <a:lstStyle/>
+              <a:p>
+                <a:pPr/>
+                <a14:m>
+                  <m:oMathPara xmlns:m="http://schemas.openxmlformats.org/officeDocument/2006/math">
+                    <m:oMathParaPr>
+                      <m:jc m:val="centerGroup"/>
+                    </m:oMathParaPr>
+                    <m:oMath xmlns:m="http://schemas.openxmlformats.org/officeDocument/2006/math">
+                      <m:sSub>
+                        <m:sSubPr>
+                          <m:ctrlPr>
+                            <a:rPr lang="en-US" sz="2400" b="0" i="1" smtClean="0">
+                              <a:latin typeface="Cambria Math" panose="02040503050406030204" pitchFamily="18" charset="0"/>
+                            </a:rPr>
+                          </m:ctrlPr>
+                        </m:sSubPr>
+                        <m:e>
+                          <m:r>
+                            <a:rPr lang="en-US" sz="2400" b="0" i="1" smtClean="0">
+                              <a:latin typeface="Cambria Math" panose="02040503050406030204" pitchFamily="18" charset="0"/>
+                            </a:rPr>
+                            <m:t>𝐸</m:t>
+                          </m:r>
+                        </m:e>
+                        <m:sub>
+                          <m:r>
+                            <a:rPr lang="en-US" sz="2400" b="0" i="1" smtClean="0">
+                              <a:latin typeface="Cambria Math" panose="02040503050406030204" pitchFamily="18" charset="0"/>
+                            </a:rPr>
+                            <m:t>𝐷</m:t>
+                          </m:r>
+                        </m:sub>
+                      </m:sSub>
+                      <m:r>
+                        <a:rPr lang="en-US" sz="2400" b="0" i="1" smtClean="0">
+                          <a:latin typeface="Cambria Math" panose="02040503050406030204" pitchFamily="18" charset="0"/>
+                        </a:rPr>
+                        <m:t>[ </m:t>
+                      </m:r>
+                      <m:sSup>
+                        <m:sSupPr>
+                          <m:ctrlPr>
+                            <a:rPr lang="en-US" sz="2400" b="0" i="1" smtClean="0">
+                              <a:latin typeface="Cambria Math" panose="02040503050406030204" pitchFamily="18" charset="0"/>
+                            </a:rPr>
+                          </m:ctrlPr>
+                        </m:sSupPr>
+                        <m:e>
+                          <m:d>
+                            <m:dPr>
+                              <m:ctrlPr>
+                                <a:rPr lang="en-US" sz="2400" b="0" i="1" smtClean="0">
+                                  <a:latin typeface="Cambria Math" panose="02040503050406030204" pitchFamily="18" charset="0"/>
+                                </a:rPr>
+                              </m:ctrlPr>
+                            </m:dPr>
+                            <m:e>
+                              <m:r>
+                                <a:rPr lang="en-US" sz="2400" b="0" i="1" smtClean="0">
+                                  <a:latin typeface="Cambria Math" panose="02040503050406030204" pitchFamily="18" charset="0"/>
+                                </a:rPr>
+                                <m:t>𝑌</m:t>
+                              </m:r>
+                              <m:r>
+                                <a:rPr lang="en-US" sz="2400" b="0" i="1" smtClean="0">
+                                  <a:latin typeface="Cambria Math" panose="02040503050406030204" pitchFamily="18" charset="0"/>
+                                </a:rPr>
+                                <m:t> −</m:t>
+                              </m:r>
+                              <m:r>
+                                <a:rPr lang="en-US" sz="2400" b="0" i="1" smtClean="0">
+                                  <a:latin typeface="Cambria Math" panose="02040503050406030204" pitchFamily="18" charset="0"/>
+                                </a:rPr>
+                                <m:t>𝑔</m:t>
+                              </m:r>
+                              <m:d>
+                                <m:dPr>
+                                  <m:ctrlPr>
+                                    <a:rPr lang="en-US" sz="2400" b="0" i="1" smtClean="0">
+                                      <a:latin typeface="Cambria Math" panose="02040503050406030204" pitchFamily="18" charset="0"/>
+                                    </a:rPr>
+                                  </m:ctrlPr>
+                                </m:dPr>
+                                <m:e>
+                                  <m:r>
+                                    <a:rPr lang="en-US" sz="2400" b="0" i="1" smtClean="0">
+                                      <a:latin typeface="Cambria Math" panose="02040503050406030204" pitchFamily="18" charset="0"/>
+                                    </a:rPr>
+                                    <m:t>𝑋</m:t>
+                                  </m:r>
+                                  <m:r>
+                                    <a:rPr lang="en-US" sz="2400" b="0" i="1" smtClean="0">
+                                      <a:latin typeface="Cambria Math" panose="02040503050406030204" pitchFamily="18" charset="0"/>
+                                    </a:rPr>
+                                    <m:t>;</m:t>
+                                  </m:r>
+                                  <m:r>
+                                    <a:rPr lang="en-US" sz="2400" b="0" i="1" smtClean="0">
+                                      <a:latin typeface="Cambria Math" panose="02040503050406030204" pitchFamily="18" charset="0"/>
+                                    </a:rPr>
+                                    <m:t>𝐷</m:t>
+                                  </m:r>
+                                </m:e>
+                              </m:d>
+                            </m:e>
+                          </m:d>
+                        </m:e>
+                        <m:sup>
+                          <m:r>
+                            <a:rPr lang="en-US" sz="2400" b="0" i="1" smtClean="0">
+                              <a:latin typeface="Cambria Math" panose="02040503050406030204" pitchFamily="18" charset="0"/>
+                            </a:rPr>
+                            <m:t>2</m:t>
+                          </m:r>
+                        </m:sup>
+                      </m:sSup>
+                      <m:r>
+                        <a:rPr lang="en-US" sz="2400" b="0" i="1" smtClean="0">
+                          <a:latin typeface="Cambria Math" panose="02040503050406030204" pitchFamily="18" charset="0"/>
+                        </a:rPr>
+                        <m:t>]</m:t>
+                      </m:r>
+                    </m:oMath>
+                  </m:oMathPara>
+                </a14:m>
+                <a:endParaRPr lang="en-US" sz="2400" dirty="0"/>
+              </a:p>
+            </p:txBody>
+          </p:sp>
+        </mc:Choice>
+        <mc:Fallback>
+          <p:sp>
+            <p:nvSpPr>
+              <p:cNvPr id="9" name="TextBox 8">
+                <a:extLst>
+                  <a:ext uri="{FF2B5EF4-FFF2-40B4-BE49-F238E27FC236}">
+                    <a16:creationId xmlns:a16="http://schemas.microsoft.com/office/drawing/2014/main" id="{9B599EFF-B77E-9A4C-B2CE-27FEAD06211D}"/>
+                  </a:ext>
+                </a:extLst>
+              </p:cNvPr>
+              <p:cNvSpPr txBox="1">
+                <a:spLocks noRot="1" noChangeAspect="1" noMove="1" noResize="1" noEditPoints="1" noAdjustHandles="1" noChangeArrowheads="1" noChangeShapeType="1" noTextEdit="1"/>
+              </p:cNvSpPr>
+              <p:nvPr/>
+            </p:nvSpPr>
+            <p:spPr>
+              <a:xfrm>
+                <a:off x="2179320" y="3031519"/>
+                <a:ext cx="6431280" cy="582147"/>
+              </a:xfrm>
+              <a:prstGeom prst="rect">
+                <a:avLst/>
+              </a:prstGeom>
+              <a:blipFill>
+                <a:blip r:embed="rId3"/>
+                <a:stretch>
+                  <a:fillRect b="-12766"/>
+                </a:stretch>
+              </a:blipFill>
+            </p:spPr>
+            <p:txBody>
+              <a:bodyPr/>
+              <a:lstStyle/>
+              <a:p>
+                <a:r>
+                  <a:rPr lang="en-US">
+                    <a:noFill/>
+                  </a:rPr>
+                  <a:t> </a:t>
+                </a:r>
+              </a:p>
+            </p:txBody>
+          </p:sp>
+        </mc:Fallback>
+      </mc:AlternateContent>
+      <mc:AlternateContent xmlns:mc="http://schemas.openxmlformats.org/markup-compatibility/2006" xmlns:a14="http://schemas.microsoft.com/office/drawing/2010/main">
+        <mc:Choice Requires="a14">
+          <p:sp>
+            <p:nvSpPr>
+              <p:cNvPr id="13" name="TextBox 12">
+                <a:extLst>
+                  <a:ext uri="{FF2B5EF4-FFF2-40B4-BE49-F238E27FC236}">
+                    <a16:creationId xmlns:a16="http://schemas.microsoft.com/office/drawing/2014/main" id="{6FA31761-8909-2A40-BABF-DD1819AE9DA0}"/>
+                  </a:ext>
+                </a:extLst>
+              </p:cNvPr>
+              <p:cNvSpPr txBox="1"/>
+              <p:nvPr/>
+            </p:nvSpPr>
+            <p:spPr>
+              <a:xfrm>
+                <a:off x="998220" y="4157729"/>
+                <a:ext cx="9951720" cy="461665"/>
+              </a:xfrm>
+              <a:prstGeom prst="rect">
+                <a:avLst/>
+              </a:prstGeom>
+              <a:noFill/>
+            </p:spPr>
+            <p:txBody>
+              <a:bodyPr wrap="square">
+                <a:spAutoFit/>
+              </a:bodyPr>
+              <a:lstStyle/>
+              <a:p>
+                <a14:m>
+                  <m:oMath xmlns:m="http://schemas.openxmlformats.org/officeDocument/2006/math">
+                    <m:r>
+                      <a:rPr lang="en-US" sz="2400" b="0" i="1" smtClean="0">
+                        <a:latin typeface="Cambria Math" panose="02040503050406030204" pitchFamily="18" charset="0"/>
+                      </a:rPr>
+                      <m:t>𝑓</m:t>
+                    </m:r>
+                    <m:d>
+                      <m:dPr>
+                        <m:ctrlPr>
+                          <a:rPr lang="en-US" sz="2400" b="0" i="1" smtClean="0">
+                            <a:latin typeface="Cambria Math" panose="02040503050406030204" pitchFamily="18" charset="0"/>
+                          </a:rPr>
+                        </m:ctrlPr>
+                      </m:dPr>
+                      <m:e>
+                        <m:r>
+                          <a:rPr lang="en-US" sz="2400" b="0" i="1" smtClean="0">
+                            <a:latin typeface="Cambria Math" panose="02040503050406030204" pitchFamily="18" charset="0"/>
+                          </a:rPr>
+                          <m:t>𝑋</m:t>
+                        </m:r>
+                      </m:e>
+                    </m:d>
+                    <m:r>
+                      <a:rPr lang="en-US" sz="2400" b="0" i="1" smtClean="0">
+                        <a:latin typeface="Cambria Math" panose="02040503050406030204" pitchFamily="18" charset="0"/>
+                      </a:rPr>
+                      <m:t>=</m:t>
+                    </m:r>
+                    <m:r>
+                      <a:rPr lang="en-US" sz="2400" b="0" i="1" smtClean="0">
+                        <a:latin typeface="Cambria Math" panose="02040503050406030204" pitchFamily="18" charset="0"/>
+                      </a:rPr>
+                      <m:t>𝐸</m:t>
+                    </m:r>
+                    <m:d>
+                      <m:dPr>
+                        <m:ctrlPr>
+                          <a:rPr lang="en-US" sz="2400" b="0" i="1" smtClean="0">
+                            <a:latin typeface="Cambria Math" panose="02040503050406030204" pitchFamily="18" charset="0"/>
+                          </a:rPr>
+                        </m:ctrlPr>
+                      </m:dPr>
+                      <m:e>
+                        <m:r>
+                          <a:rPr lang="en-US" sz="2400" b="0" i="1" smtClean="0">
+                            <a:latin typeface="Cambria Math" panose="02040503050406030204" pitchFamily="18" charset="0"/>
+                          </a:rPr>
+                          <m:t>𝑌</m:t>
+                        </m:r>
+                      </m:e>
+                      <m:e>
+                        <m:r>
+                          <a:rPr lang="en-US" sz="2400" b="0" i="1" smtClean="0">
+                            <a:latin typeface="Cambria Math" panose="02040503050406030204" pitchFamily="18" charset="0"/>
+                          </a:rPr>
+                          <m:t>𝑋</m:t>
+                        </m:r>
+                      </m:e>
+                    </m:d>
+                  </m:oMath>
+                </a14:m>
+                <a:r>
+                  <a:rPr lang="en-US" sz="2400" dirty="0"/>
+                  <a:t> is the function that minimizes the prediction error.</a:t>
+                </a:r>
+              </a:p>
+            </p:txBody>
+          </p:sp>
+        </mc:Choice>
+        <mc:Fallback xmlns="">
+          <p:sp>
+            <p:nvSpPr>
+              <p:cNvPr id="13" name="TextBox 12">
+                <a:extLst>
+                  <a:ext uri="{FF2B5EF4-FFF2-40B4-BE49-F238E27FC236}">
+                    <a16:creationId xmlns:a16="http://schemas.microsoft.com/office/drawing/2014/main" id="{6FA31761-8909-2A40-BABF-DD1819AE9DA0}"/>
+                  </a:ext>
+                </a:extLst>
+              </p:cNvPr>
+              <p:cNvSpPr txBox="1">
+                <a:spLocks noRot="1" noChangeAspect="1" noMove="1" noResize="1" noEditPoints="1" noAdjustHandles="1" noChangeArrowheads="1" noChangeShapeType="1" noTextEdit="1"/>
+              </p:cNvSpPr>
+              <p:nvPr/>
+            </p:nvSpPr>
+            <p:spPr>
+              <a:xfrm>
+                <a:off x="998220" y="4157729"/>
+                <a:ext cx="9951720" cy="461665"/>
+              </a:xfrm>
+              <a:prstGeom prst="rect">
+                <a:avLst/>
+              </a:prstGeom>
+              <a:blipFill>
+                <a:blip r:embed="rId4"/>
+                <a:stretch>
+                  <a:fillRect l="-510" t="-8108" b="-29730"/>
+                </a:stretch>
+              </a:blipFill>
+            </p:spPr>
+            <p:txBody>
+              <a:bodyPr/>
+              <a:lstStyle/>
+              <a:p>
+                <a:r>
+                  <a:rPr lang="en-US">
+                    <a:noFill/>
+                  </a:rPr>
+                  <a:t> </a:t>
+                </a:r>
+              </a:p>
+            </p:txBody>
+          </p:sp>
+        </mc:Fallback>
+      </mc:AlternateContent>
+      <mc:AlternateContent xmlns:mc="http://schemas.openxmlformats.org/markup-compatibility/2006" xmlns:a14="http://schemas.microsoft.com/office/drawing/2010/main">
+        <mc:Choice Requires="a14">
+          <p:sp>
+            <p:nvSpPr>
+              <p:cNvPr id="14" name="TextBox 13">
+                <a:extLst>
+                  <a:ext uri="{FF2B5EF4-FFF2-40B4-BE49-F238E27FC236}">
+                    <a16:creationId xmlns:a16="http://schemas.microsoft.com/office/drawing/2014/main" id="{C60BF61F-CB98-6D4C-926C-358C72F1161D}"/>
+                  </a:ext>
+                </a:extLst>
+              </p:cNvPr>
+              <p:cNvSpPr txBox="1"/>
+              <p:nvPr/>
+            </p:nvSpPr>
+            <p:spPr>
+              <a:xfrm>
+                <a:off x="998220" y="5163457"/>
+                <a:ext cx="10355580" cy="461665"/>
+              </a:xfrm>
+              <a:prstGeom prst="rect">
+                <a:avLst/>
+              </a:prstGeom>
+              <a:noFill/>
+            </p:spPr>
+            <p:txBody>
+              <a:bodyPr wrap="square">
+                <a:spAutoFit/>
+              </a:bodyPr>
+              <a:lstStyle/>
+              <a:p>
+                <a14:m>
+                  <m:oMath xmlns:m="http://schemas.openxmlformats.org/officeDocument/2006/math">
+                    <m:r>
+                      <a:rPr lang="en-US" sz="2400" b="0" i="1" smtClean="0">
+                        <a:latin typeface="Cambria Math" panose="02040503050406030204" pitchFamily="18" charset="0"/>
+                      </a:rPr>
+                      <m:t>𝑌</m:t>
+                    </m:r>
+                    <m:r>
+                      <a:rPr lang="en-US" sz="2400" b="0" i="1" smtClean="0">
+                        <a:latin typeface="Cambria Math" panose="02040503050406030204" pitchFamily="18" charset="0"/>
+                      </a:rPr>
+                      <m:t>=</m:t>
+                    </m:r>
+                    <m:r>
+                      <a:rPr lang="en-US" sz="2400" b="0" i="1" smtClean="0">
+                        <a:latin typeface="Cambria Math" panose="02040503050406030204" pitchFamily="18" charset="0"/>
+                      </a:rPr>
+                      <m:t>𝑓</m:t>
+                    </m:r>
+                    <m:d>
+                      <m:dPr>
+                        <m:ctrlPr>
+                          <a:rPr lang="en-US" sz="2400" b="0" i="1" smtClean="0">
+                            <a:latin typeface="Cambria Math" panose="02040503050406030204" pitchFamily="18" charset="0"/>
+                          </a:rPr>
+                        </m:ctrlPr>
+                      </m:dPr>
+                      <m:e>
+                        <m:r>
+                          <a:rPr lang="en-US" sz="2400" b="0" i="1" smtClean="0">
+                            <a:latin typeface="Cambria Math" panose="02040503050406030204" pitchFamily="18" charset="0"/>
+                          </a:rPr>
+                          <m:t>𝑋</m:t>
+                        </m:r>
+                      </m:e>
+                    </m:d>
+                    <m:r>
+                      <a:rPr lang="en-US" sz="2400" b="0" i="1" smtClean="0">
+                        <a:latin typeface="Cambria Math" panose="02040503050406030204" pitchFamily="18" charset="0"/>
+                      </a:rPr>
+                      <m:t>+</m:t>
+                    </m:r>
+                    <m:r>
+                      <a:rPr lang="en-US" sz="2400" b="0" i="1" smtClean="0">
+                        <a:latin typeface="Cambria Math" panose="02040503050406030204" pitchFamily="18" charset="0"/>
+                      </a:rPr>
+                      <m:t>𝜖</m:t>
+                    </m:r>
+                  </m:oMath>
+                </a14:m>
+                <a:r>
+                  <a:rPr lang="en-US" sz="2400" dirty="0"/>
+                  <a:t>, where </a:t>
+                </a:r>
+                <a14:m>
+                  <m:oMath xmlns:m="http://schemas.openxmlformats.org/officeDocument/2006/math">
+                    <m:r>
+                      <a:rPr lang="en-US" sz="2400" i="1">
+                        <a:latin typeface="Cambria Math" panose="02040503050406030204" pitchFamily="18" charset="0"/>
+                      </a:rPr>
+                      <m:t>𝜖</m:t>
+                    </m:r>
+                  </m:oMath>
+                </a14:m>
+                <a:r>
+                  <a:rPr lang="en-US" sz="2400" dirty="0"/>
+                  <a:t> is </a:t>
+                </a:r>
+                <a:r>
+                  <a:rPr lang="en-US" sz="2400" b="1" dirty="0"/>
+                  <a:t>irreducible</a:t>
+                </a:r>
+                <a:r>
+                  <a:rPr lang="en-US" sz="2400" dirty="0"/>
+                  <a:t> error (because minimization) </a:t>
+                </a:r>
+              </a:p>
+            </p:txBody>
+          </p:sp>
+        </mc:Choice>
+        <mc:Fallback xmlns="">
+          <p:sp>
+            <p:nvSpPr>
+              <p:cNvPr id="14" name="TextBox 13">
+                <a:extLst>
+                  <a:ext uri="{FF2B5EF4-FFF2-40B4-BE49-F238E27FC236}">
+                    <a16:creationId xmlns:a16="http://schemas.microsoft.com/office/drawing/2014/main" id="{C60BF61F-CB98-6D4C-926C-358C72F1161D}"/>
+                  </a:ext>
+                </a:extLst>
+              </p:cNvPr>
+              <p:cNvSpPr txBox="1">
+                <a:spLocks noRot="1" noChangeAspect="1" noMove="1" noResize="1" noEditPoints="1" noAdjustHandles="1" noChangeArrowheads="1" noChangeShapeType="1" noTextEdit="1"/>
+              </p:cNvSpPr>
+              <p:nvPr/>
+            </p:nvSpPr>
+            <p:spPr>
+              <a:xfrm>
+                <a:off x="998220" y="5163457"/>
+                <a:ext cx="10355580" cy="461665"/>
+              </a:xfrm>
+              <a:prstGeom prst="rect">
+                <a:avLst/>
+              </a:prstGeom>
+              <a:blipFill>
+                <a:blip r:embed="rId5"/>
+                <a:stretch>
+                  <a:fillRect l="-122" t="-7895" b="-28947"/>
+                </a:stretch>
+              </a:blipFill>
+            </p:spPr>
+            <p:txBody>
+              <a:bodyPr/>
+              <a:lstStyle/>
+              <a:p>
+                <a:r>
+                  <a:rPr lang="en-US">
+                    <a:noFill/>
+                  </a:rPr>
+                  <a:t> </a:t>
+                </a:r>
+              </a:p>
+            </p:txBody>
+          </p:sp>
+        </mc:Fallback>
+      </mc:AlternateContent>
+      <mc:AlternateContent xmlns:mc="http://schemas.openxmlformats.org/markup-compatibility/2006" xmlns:a14="http://schemas.microsoft.com/office/drawing/2010/main">
+        <mc:Choice Requires="a14">
+          <p:sp>
+            <p:nvSpPr>
+              <p:cNvPr id="15" name="TextBox 14">
+                <a:extLst>
+                  <a:ext uri="{FF2B5EF4-FFF2-40B4-BE49-F238E27FC236}">
+                    <a16:creationId xmlns:a16="http://schemas.microsoft.com/office/drawing/2014/main" id="{F9E2426D-AA71-2C42-BA97-AFE74D162659}"/>
+                  </a:ext>
+                </a:extLst>
+              </p:cNvPr>
+              <p:cNvSpPr txBox="1"/>
+              <p:nvPr/>
+            </p:nvSpPr>
+            <p:spPr>
+              <a:xfrm>
+                <a:off x="838200" y="1784338"/>
+                <a:ext cx="10515600" cy="830997"/>
+              </a:xfrm>
+              <a:prstGeom prst="rect">
+                <a:avLst/>
+              </a:prstGeom>
+              <a:noFill/>
+            </p:spPr>
+            <p:txBody>
+              <a:bodyPr wrap="square">
+                <a:spAutoFit/>
+              </a:bodyPr>
+              <a:lstStyle/>
+              <a:p>
+                <a:r>
+                  <a:rPr lang="en-US" sz="2400" dirty="0"/>
+                  <a:t>Given a training dataset </a:t>
+                </a:r>
+                <a14:m>
+                  <m:oMath xmlns:m="http://schemas.openxmlformats.org/officeDocument/2006/math">
+                    <m:r>
+                      <a:rPr lang="en-US" sz="2400" b="0" i="1" smtClean="0">
+                        <a:latin typeface="Cambria Math" panose="02040503050406030204" pitchFamily="18" charset="0"/>
+                      </a:rPr>
+                      <m:t>𝐷</m:t>
+                    </m:r>
+                  </m:oMath>
+                </a14:m>
+                <a:r>
+                  <a:rPr lang="en-US" sz="2400" dirty="0"/>
+                  <a:t>, and a prediction function learned on </a:t>
+                </a:r>
+                <a14:m>
+                  <m:oMath xmlns:m="http://schemas.openxmlformats.org/officeDocument/2006/math">
+                    <m:r>
+                      <a:rPr lang="en-US" sz="2400" i="1">
+                        <a:latin typeface="Cambria Math" panose="02040503050406030204" pitchFamily="18" charset="0"/>
+                      </a:rPr>
+                      <m:t>𝐷</m:t>
+                    </m:r>
+                  </m:oMath>
+                </a14:m>
+                <a:r>
+                  <a:rPr lang="en-US" sz="2400" dirty="0"/>
+                  <a:t> (i.e., </a:t>
+                </a:r>
+                <a14:m>
+                  <m:oMath xmlns:m="http://schemas.openxmlformats.org/officeDocument/2006/math">
+                    <m:r>
+                      <a:rPr lang="en-US" sz="2400" i="1">
+                        <a:latin typeface="Cambria Math" panose="02040503050406030204" pitchFamily="18" charset="0"/>
+                      </a:rPr>
+                      <m:t>𝑔</m:t>
+                    </m:r>
+                    <m:r>
+                      <a:rPr lang="en-US" sz="2400" i="1">
+                        <a:latin typeface="Cambria Math" panose="02040503050406030204" pitchFamily="18" charset="0"/>
+                      </a:rPr>
+                      <m:t>(</m:t>
+                    </m:r>
+                    <m:r>
+                      <a:rPr lang="en-US" sz="2400" i="1">
+                        <a:latin typeface="Cambria Math" panose="02040503050406030204" pitchFamily="18" charset="0"/>
+                      </a:rPr>
+                      <m:t>𝑋</m:t>
+                    </m:r>
+                    <m:r>
+                      <a:rPr lang="en-US" sz="2400" b="0" i="1" smtClean="0">
+                        <a:latin typeface="Cambria Math" panose="02040503050406030204" pitchFamily="18" charset="0"/>
+                      </a:rPr>
+                      <m:t>;</m:t>
+                    </m:r>
+                    <m:r>
+                      <a:rPr lang="en-US" sz="2400" b="0" i="1" smtClean="0">
+                        <a:latin typeface="Cambria Math" panose="02040503050406030204" pitchFamily="18" charset="0"/>
+                      </a:rPr>
+                      <m:t>𝐷</m:t>
+                    </m:r>
+                    <m:r>
+                      <a:rPr lang="en-US" sz="2400" i="1">
+                        <a:latin typeface="Cambria Math" panose="02040503050406030204" pitchFamily="18" charset="0"/>
+                      </a:rPr>
+                      <m:t>)</m:t>
+                    </m:r>
+                  </m:oMath>
+                </a14:m>
+                <a:r>
+                  <a:rPr lang="en-US" sz="2400" dirty="0"/>
+                  <a:t>), the prediction error on </a:t>
+                </a:r>
+                <a14:m>
+                  <m:oMath xmlns:m="http://schemas.openxmlformats.org/officeDocument/2006/math">
+                    <m:r>
+                      <a:rPr lang="en-US" sz="2400" i="1">
+                        <a:latin typeface="Cambria Math" panose="02040503050406030204" pitchFamily="18" charset="0"/>
+                      </a:rPr>
+                      <m:t>𝑋</m:t>
+                    </m:r>
+                  </m:oMath>
+                </a14:m>
+                <a:r>
+                  <a:rPr lang="en-US" sz="2400" dirty="0"/>
+                  <a:t> can be defined as</a:t>
+                </a:r>
+              </a:p>
+            </p:txBody>
+          </p:sp>
+        </mc:Choice>
+        <mc:Fallback xmlns="">
+          <p:sp>
+            <p:nvSpPr>
+              <p:cNvPr id="15" name="TextBox 14">
+                <a:extLst>
+                  <a:ext uri="{FF2B5EF4-FFF2-40B4-BE49-F238E27FC236}">
+                    <a16:creationId xmlns:a16="http://schemas.microsoft.com/office/drawing/2014/main" id="{F9E2426D-AA71-2C42-BA97-AFE74D162659}"/>
+                  </a:ext>
+                </a:extLst>
+              </p:cNvPr>
+              <p:cNvSpPr txBox="1">
+                <a:spLocks noRot="1" noChangeAspect="1" noMove="1" noResize="1" noEditPoints="1" noAdjustHandles="1" noChangeArrowheads="1" noChangeShapeType="1" noTextEdit="1"/>
+              </p:cNvSpPr>
+              <p:nvPr/>
+            </p:nvSpPr>
+            <p:spPr>
+              <a:xfrm>
+                <a:off x="838200" y="1784338"/>
+                <a:ext cx="10515600" cy="830997"/>
+              </a:xfrm>
+              <a:prstGeom prst="rect">
+                <a:avLst/>
+              </a:prstGeom>
+              <a:blipFill>
+                <a:blip r:embed="rId6"/>
+                <a:stretch>
+                  <a:fillRect l="-965" t="-4545" b="-16667"/>
+                </a:stretch>
+              </a:blipFill>
+            </p:spPr>
+            <p:txBody>
+              <a:bodyPr/>
+              <a:lstStyle/>
+              <a:p>
+                <a:r>
+                  <a:rPr lang="en-US">
+                    <a:noFill/>
+                  </a:rPr>
+                  <a:t> </a:t>
+                </a:r>
+              </a:p>
+            </p:txBody>
+          </p:sp>
+        </mc:Fallback>
+      </mc:AlternateContent>
     </p:spTree>
     <p:extLst>
       <p:ext uri="{BB962C8B-B14F-4D97-AF65-F5344CB8AC3E}">
-        <p14:creationId xmlns:p14="http://schemas.microsoft.com/office/powerpoint/2010/main" val="2999229372"/>
+        <p14:creationId xmlns:p14="http://schemas.microsoft.com/office/powerpoint/2010/main" val="3548573121"/>
       </p:ext>
     </p:extLst>
   </p:cSld>
@@ -6210,43 +9496,1846 @@
       </p:grpSpPr>
       <p:sp>
         <p:nvSpPr>
-          <p:cNvPr id="10" name="TextBox 9">
+          <p:cNvPr id="2" name="Title 1">
             <a:extLst>
               <a:ext uri="{FF2B5EF4-FFF2-40B4-BE49-F238E27FC236}">
-                <a16:creationId xmlns:a16="http://schemas.microsoft.com/office/drawing/2014/main" id="{514E73AD-7A38-9D42-8C4C-ADC0FDE0FBC3}"/>
+                <a16:creationId xmlns:a16="http://schemas.microsoft.com/office/drawing/2014/main" id="{5F69E904-77AE-3048-8D9D-BEAC840793F6}"/>
               </a:ext>
             </a:extLst>
           </p:cNvPr>
-          <p:cNvSpPr txBox="1"/>
+          <p:cNvSpPr>
+            <a:spLocks noGrp="1"/>
+          </p:cNvSpPr>
+          <p:nvPr>
+            <p:ph type="title"/>
+          </p:nvPr>
+        </p:nvSpPr>
+        <p:spPr/>
+        <p:txBody>
+          <a:bodyPr/>
+          <a:lstStyle/>
+          <a:p>
+            <a:r>
+              <a:rPr lang="en-US" dirty="0"/>
+              <a:t>Decompose the Prediction Error</a:t>
+            </a:r>
+          </a:p>
+        </p:txBody>
+      </p:sp>
+      <mc:AlternateContent xmlns:mc="http://schemas.openxmlformats.org/markup-compatibility/2006">
+        <mc:Choice xmlns:a14="http://schemas.microsoft.com/office/drawing/2010/main" Requires="a14">
+          <p:sp>
+            <p:nvSpPr>
+              <p:cNvPr id="4" name="TextBox 3">
+                <a:extLst>
+                  <a:ext uri="{FF2B5EF4-FFF2-40B4-BE49-F238E27FC236}">
+                    <a16:creationId xmlns:a16="http://schemas.microsoft.com/office/drawing/2014/main" id="{04A60279-2BF5-CC45-B4D7-BC4725938285}"/>
+                  </a:ext>
+                </a:extLst>
+              </p:cNvPr>
+              <p:cNvSpPr txBox="1"/>
+              <p:nvPr/>
+            </p:nvSpPr>
+            <p:spPr>
+              <a:xfrm>
+                <a:off x="243840" y="1676546"/>
+                <a:ext cx="9677400" cy="648767"/>
+              </a:xfrm>
+              <a:prstGeom prst="rect">
+                <a:avLst/>
+              </a:prstGeom>
+              <a:noFill/>
+            </p:spPr>
+            <p:txBody>
+              <a:bodyPr wrap="square">
+                <a:spAutoFit/>
+              </a:bodyPr>
+              <a:lstStyle/>
+              <a:p>
+                <a:pPr/>
+                <a14:m>
+                  <m:oMathPara xmlns:m="http://schemas.openxmlformats.org/officeDocument/2006/math">
+                    <m:oMathParaPr>
+                      <m:jc m:val="centerGroup"/>
+                    </m:oMathParaPr>
+                    <m:oMath xmlns:m="http://schemas.openxmlformats.org/officeDocument/2006/math">
+                      <m:sSub>
+                        <m:sSubPr>
+                          <m:ctrlPr>
+                            <a:rPr lang="en-US" sz="2400" b="0" i="1" smtClean="0">
+                              <a:latin typeface="Cambria Math" panose="02040503050406030204" pitchFamily="18" charset="0"/>
+                            </a:rPr>
+                          </m:ctrlPr>
+                        </m:sSubPr>
+                        <m:e>
+                          <m:r>
+                            <a:rPr lang="en-US" sz="2400" b="0" i="1" smtClean="0">
+                              <a:latin typeface="Cambria Math" panose="02040503050406030204" pitchFamily="18" charset="0"/>
+                            </a:rPr>
+                            <m:t>𝐸</m:t>
+                          </m:r>
+                        </m:e>
+                        <m:sub>
+                          <m:r>
+                            <a:rPr lang="en-US" sz="2400" b="0" i="1" smtClean="0">
+                              <a:latin typeface="Cambria Math" panose="02040503050406030204" pitchFamily="18" charset="0"/>
+                            </a:rPr>
+                            <m:t>𝐷</m:t>
+                          </m:r>
+                        </m:sub>
+                      </m:sSub>
+                      <m:d>
+                        <m:dPr>
+                          <m:begChr m:val="["/>
+                          <m:endChr m:val="]"/>
+                          <m:ctrlPr>
+                            <a:rPr lang="en-US" sz="2400" b="0" i="1" smtClean="0">
+                              <a:latin typeface="Cambria Math" panose="02040503050406030204" pitchFamily="18" charset="0"/>
+                            </a:rPr>
+                          </m:ctrlPr>
+                        </m:dPr>
+                        <m:e>
+                          <m:r>
+                            <a:rPr lang="en-US" sz="2400" b="0" i="1" smtClean="0">
+                              <a:latin typeface="Cambria Math" panose="02040503050406030204" pitchFamily="18" charset="0"/>
+                            </a:rPr>
+                            <m:t> </m:t>
+                          </m:r>
+                          <m:sSup>
+                            <m:sSupPr>
+                              <m:ctrlPr>
+                                <a:rPr lang="en-US" sz="2400" b="0" i="1" smtClean="0">
+                                  <a:latin typeface="Cambria Math" panose="02040503050406030204" pitchFamily="18" charset="0"/>
+                                </a:rPr>
+                              </m:ctrlPr>
+                            </m:sSupPr>
+                            <m:e>
+                              <m:d>
+                                <m:dPr>
+                                  <m:ctrlPr>
+                                    <a:rPr lang="en-US" sz="2400" b="0" i="1" smtClean="0">
+                                      <a:latin typeface="Cambria Math" panose="02040503050406030204" pitchFamily="18" charset="0"/>
+                                    </a:rPr>
+                                  </m:ctrlPr>
+                                </m:dPr>
+                                <m:e>
+                                  <m:r>
+                                    <a:rPr lang="en-US" sz="2400" b="0" i="1" smtClean="0">
+                                      <a:latin typeface="Cambria Math" panose="02040503050406030204" pitchFamily="18" charset="0"/>
+                                    </a:rPr>
+                                    <m:t>𝑌</m:t>
+                                  </m:r>
+                                  <m:r>
+                                    <a:rPr lang="en-US" sz="2400" b="0" i="1" smtClean="0">
+                                      <a:latin typeface="Cambria Math" panose="02040503050406030204" pitchFamily="18" charset="0"/>
+                                    </a:rPr>
+                                    <m:t> −</m:t>
+                                  </m:r>
+                                  <m:r>
+                                    <a:rPr lang="en-US" sz="2400" b="0" i="1" smtClean="0">
+                                      <a:latin typeface="Cambria Math" panose="02040503050406030204" pitchFamily="18" charset="0"/>
+                                    </a:rPr>
+                                    <m:t>𝑔</m:t>
+                                  </m:r>
+                                  <m:d>
+                                    <m:dPr>
+                                      <m:ctrlPr>
+                                        <a:rPr lang="en-US" sz="2400" b="0" i="1" smtClean="0">
+                                          <a:latin typeface="Cambria Math" panose="02040503050406030204" pitchFamily="18" charset="0"/>
+                                        </a:rPr>
+                                      </m:ctrlPr>
+                                    </m:dPr>
+                                    <m:e>
+                                      <m:r>
+                                        <a:rPr lang="en-US" sz="2400" b="0" i="1" smtClean="0">
+                                          <a:latin typeface="Cambria Math" panose="02040503050406030204" pitchFamily="18" charset="0"/>
+                                        </a:rPr>
+                                        <m:t>𝑋</m:t>
+                                      </m:r>
+                                    </m:e>
+                                  </m:d>
+                                </m:e>
+                              </m:d>
+                            </m:e>
+                            <m:sup>
+                              <m:r>
+                                <a:rPr lang="en-US" sz="2400" b="0" i="1" smtClean="0">
+                                  <a:latin typeface="Cambria Math" panose="02040503050406030204" pitchFamily="18" charset="0"/>
+                                </a:rPr>
+                                <m:t>2</m:t>
+                              </m:r>
+                            </m:sup>
+                          </m:sSup>
+                        </m:e>
+                      </m:d>
+                      <m:r>
+                        <a:rPr lang="en-US" sz="2400" b="0" i="1" smtClean="0">
+                          <a:latin typeface="Cambria Math" panose="02040503050406030204" pitchFamily="18" charset="0"/>
+                        </a:rPr>
+                        <m:t>=</m:t>
+                      </m:r>
+                      <m:sSub>
+                        <m:sSubPr>
+                          <m:ctrlPr>
+                            <a:rPr lang="en-US" sz="2400" b="0" i="1" smtClean="0">
+                              <a:latin typeface="Cambria Math" panose="02040503050406030204" pitchFamily="18" charset="0"/>
+                            </a:rPr>
+                          </m:ctrlPr>
+                        </m:sSubPr>
+                        <m:e>
+                          <m:r>
+                            <a:rPr lang="en-US" sz="2400" i="1">
+                              <a:latin typeface="Cambria Math" panose="02040503050406030204" pitchFamily="18" charset="0"/>
+                            </a:rPr>
+                            <m:t>𝐸</m:t>
+                          </m:r>
+                        </m:e>
+                        <m:sub>
+                          <m:r>
+                            <a:rPr lang="en-US" sz="2400" b="0" i="1" smtClean="0">
+                              <a:latin typeface="Cambria Math" panose="02040503050406030204" pitchFamily="18" charset="0"/>
+                            </a:rPr>
+                            <m:t>𝐷</m:t>
+                          </m:r>
+                        </m:sub>
+                      </m:sSub>
+                      <m:d>
+                        <m:dPr>
+                          <m:begChr m:val="["/>
+                          <m:endChr m:val="]"/>
+                          <m:ctrlPr>
+                            <a:rPr lang="en-US" sz="2400" i="1">
+                              <a:latin typeface="Cambria Math" panose="02040503050406030204" pitchFamily="18" charset="0"/>
+                            </a:rPr>
+                          </m:ctrlPr>
+                        </m:dPr>
+                        <m:e>
+                          <m:r>
+                            <a:rPr lang="en-US" sz="2400" i="1">
+                              <a:latin typeface="Cambria Math" panose="02040503050406030204" pitchFamily="18" charset="0"/>
+                            </a:rPr>
+                            <m:t> </m:t>
+                          </m:r>
+                          <m:sSup>
+                            <m:sSupPr>
+                              <m:ctrlPr>
+                                <a:rPr lang="en-US" sz="2400" i="1">
+                                  <a:latin typeface="Cambria Math" panose="02040503050406030204" pitchFamily="18" charset="0"/>
+                                </a:rPr>
+                              </m:ctrlPr>
+                            </m:sSupPr>
+                            <m:e>
+                              <m:r>
+                                <a:rPr lang="en-US" sz="2400" b="0" i="1" smtClean="0">
+                                  <a:latin typeface="Cambria Math" panose="02040503050406030204" pitchFamily="18" charset="0"/>
+                                </a:rPr>
+                                <m:t>(</m:t>
+                              </m:r>
+                              <m:d>
+                                <m:dPr>
+                                  <m:ctrlPr>
+                                    <a:rPr lang="en-US" sz="2400" i="1">
+                                      <a:latin typeface="Cambria Math" panose="02040503050406030204" pitchFamily="18" charset="0"/>
+                                    </a:rPr>
+                                  </m:ctrlPr>
+                                </m:dPr>
+                                <m:e>
+                                  <m:r>
+                                    <a:rPr lang="en-US" sz="2400" i="1">
+                                      <a:latin typeface="Cambria Math" panose="02040503050406030204" pitchFamily="18" charset="0"/>
+                                    </a:rPr>
+                                    <m:t>𝑌</m:t>
+                                  </m:r>
+                                  <m:r>
+                                    <a:rPr lang="en-US" sz="2400" b="0" i="1" smtClean="0">
+                                      <a:latin typeface="Cambria Math" panose="02040503050406030204" pitchFamily="18" charset="0"/>
+                                    </a:rPr>
+                                    <m:t> −</m:t>
+                                  </m:r>
+                                  <m:r>
+                                    <a:rPr lang="en-US" sz="2400" b="0" i="1" smtClean="0">
+                                      <a:latin typeface="Cambria Math" panose="02040503050406030204" pitchFamily="18" charset="0"/>
+                                    </a:rPr>
+                                    <m:t>𝑓</m:t>
+                                  </m:r>
+                                  <m:r>
+                                    <a:rPr lang="en-US" sz="2400" b="0" i="1" smtClean="0">
+                                      <a:latin typeface="Cambria Math" panose="02040503050406030204" pitchFamily="18" charset="0"/>
+                                    </a:rPr>
+                                    <m:t>(</m:t>
+                                  </m:r>
+                                  <m:r>
+                                    <a:rPr lang="en-US" sz="2400" b="0" i="1" smtClean="0">
+                                      <a:latin typeface="Cambria Math" panose="02040503050406030204" pitchFamily="18" charset="0"/>
+                                    </a:rPr>
+                                    <m:t>𝑋</m:t>
+                                  </m:r>
+                                  <m:r>
+                                    <a:rPr lang="en-US" sz="2400" b="0" i="1" smtClean="0">
+                                      <a:latin typeface="Cambria Math" panose="02040503050406030204" pitchFamily="18" charset="0"/>
+                                    </a:rPr>
+                                    <m:t>))+(</m:t>
+                                  </m:r>
+                                  <m:r>
+                                    <a:rPr lang="en-US" sz="2400" b="0" i="1" smtClean="0">
+                                      <a:latin typeface="Cambria Math" panose="02040503050406030204" pitchFamily="18" charset="0"/>
+                                    </a:rPr>
+                                    <m:t>𝑓</m:t>
+                                  </m:r>
+                                  <m:r>
+                                    <a:rPr lang="en-US" sz="2400" b="0" i="1" smtClean="0">
+                                      <a:latin typeface="Cambria Math" panose="02040503050406030204" pitchFamily="18" charset="0"/>
+                                    </a:rPr>
+                                    <m:t>(</m:t>
+                                  </m:r>
+                                  <m:r>
+                                    <a:rPr lang="en-US" sz="2400" b="0" i="1" smtClean="0">
+                                      <a:latin typeface="Cambria Math" panose="02040503050406030204" pitchFamily="18" charset="0"/>
+                                    </a:rPr>
+                                    <m:t>𝑋</m:t>
+                                  </m:r>
+                                  <m:r>
+                                    <a:rPr lang="en-US" sz="2400" b="0" i="1" smtClean="0">
+                                      <a:latin typeface="Cambria Math" panose="02040503050406030204" pitchFamily="18" charset="0"/>
+                                    </a:rPr>
+                                    <m:t>) −</m:t>
+                                  </m:r>
+                                  <m:r>
+                                    <a:rPr lang="en-US" sz="2400" i="1">
+                                      <a:latin typeface="Cambria Math" panose="02040503050406030204" pitchFamily="18" charset="0"/>
+                                    </a:rPr>
+                                    <m:t>𝑔</m:t>
+                                  </m:r>
+                                  <m:d>
+                                    <m:dPr>
+                                      <m:ctrlPr>
+                                        <a:rPr lang="en-US" sz="2400" i="1">
+                                          <a:latin typeface="Cambria Math" panose="02040503050406030204" pitchFamily="18" charset="0"/>
+                                        </a:rPr>
+                                      </m:ctrlPr>
+                                    </m:dPr>
+                                    <m:e>
+                                      <m:r>
+                                        <a:rPr lang="en-US" sz="2400" i="1">
+                                          <a:latin typeface="Cambria Math" panose="02040503050406030204" pitchFamily="18" charset="0"/>
+                                        </a:rPr>
+                                        <m:t>𝑋</m:t>
+                                      </m:r>
+                                      <m:r>
+                                        <a:rPr lang="en-US" sz="2400" b="0" i="1" smtClean="0">
+                                          <a:latin typeface="Cambria Math" panose="02040503050406030204" pitchFamily="18" charset="0"/>
+                                        </a:rPr>
+                                        <m:t>;</m:t>
+                                      </m:r>
+                                      <m:r>
+                                        <a:rPr lang="en-US" sz="2400" b="0" i="1" smtClean="0">
+                                          <a:latin typeface="Cambria Math" panose="02040503050406030204" pitchFamily="18" charset="0"/>
+                                        </a:rPr>
+                                        <m:t>𝐷</m:t>
+                                      </m:r>
+                                    </m:e>
+                                  </m:d>
+                                </m:e>
+                              </m:d>
+                              <m:r>
+                                <a:rPr lang="en-US" sz="2400" b="0" i="1" smtClean="0">
+                                  <a:latin typeface="Cambria Math" panose="02040503050406030204" pitchFamily="18" charset="0"/>
+                                </a:rPr>
+                                <m:t>)</m:t>
+                              </m:r>
+                            </m:e>
+                            <m:sup>
+                              <m:r>
+                                <a:rPr lang="en-US" sz="2400" i="1">
+                                  <a:latin typeface="Cambria Math" panose="02040503050406030204" pitchFamily="18" charset="0"/>
+                                </a:rPr>
+                                <m:t>2</m:t>
+                              </m:r>
+                            </m:sup>
+                          </m:sSup>
+                        </m:e>
+                      </m:d>
+                    </m:oMath>
+                  </m:oMathPara>
+                </a14:m>
+                <a:endParaRPr lang="en-US" sz="2400" dirty="0"/>
+              </a:p>
+            </p:txBody>
+          </p:sp>
+        </mc:Choice>
+        <mc:Fallback>
+          <p:sp>
+            <p:nvSpPr>
+              <p:cNvPr id="4" name="TextBox 3">
+                <a:extLst>
+                  <a:ext uri="{FF2B5EF4-FFF2-40B4-BE49-F238E27FC236}">
+                    <a16:creationId xmlns:a16="http://schemas.microsoft.com/office/drawing/2014/main" id="{04A60279-2BF5-CC45-B4D7-BC4725938285}"/>
+                  </a:ext>
+                </a:extLst>
+              </p:cNvPr>
+              <p:cNvSpPr txBox="1">
+                <a:spLocks noRot="1" noChangeAspect="1" noMove="1" noResize="1" noEditPoints="1" noAdjustHandles="1" noChangeArrowheads="1" noChangeShapeType="1" noTextEdit="1"/>
+              </p:cNvSpPr>
+              <p:nvPr/>
+            </p:nvSpPr>
+            <p:spPr>
+              <a:xfrm>
+                <a:off x="243840" y="1676546"/>
+                <a:ext cx="9677400" cy="648767"/>
+              </a:xfrm>
+              <a:prstGeom prst="rect">
+                <a:avLst/>
+              </a:prstGeom>
+              <a:blipFill>
+                <a:blip r:embed="rId2"/>
+                <a:stretch>
+                  <a:fillRect b="-3922"/>
+                </a:stretch>
+              </a:blipFill>
+            </p:spPr>
+            <p:txBody>
+              <a:bodyPr/>
+              <a:lstStyle/>
+              <a:p>
+                <a:r>
+                  <a:rPr lang="en-US">
+                    <a:noFill/>
+                  </a:rPr>
+                  <a:t> </a:t>
+                </a:r>
+              </a:p>
+            </p:txBody>
+          </p:sp>
+        </mc:Fallback>
+      </mc:AlternateContent>
+      <mc:AlternateContent xmlns:mc="http://schemas.openxmlformats.org/markup-compatibility/2006" xmlns:a14="http://schemas.microsoft.com/office/drawing/2010/main">
+        <mc:Choice Requires="a14">
+          <p:sp>
+            <p:nvSpPr>
+              <p:cNvPr id="5" name="TextBox 4">
+                <a:extLst>
+                  <a:ext uri="{FF2B5EF4-FFF2-40B4-BE49-F238E27FC236}">
+                    <a16:creationId xmlns:a16="http://schemas.microsoft.com/office/drawing/2014/main" id="{8F726E90-C7A8-1D46-8DE0-78D9D5D7311A}"/>
+                  </a:ext>
+                </a:extLst>
+              </p:cNvPr>
+              <p:cNvSpPr txBox="1"/>
+              <p:nvPr/>
+            </p:nvSpPr>
+            <p:spPr>
+              <a:xfrm>
+                <a:off x="1066800" y="3042708"/>
+                <a:ext cx="6431280" cy="830997"/>
+              </a:xfrm>
+              <a:prstGeom prst="rect">
+                <a:avLst/>
+              </a:prstGeom>
+              <a:noFill/>
+            </p:spPr>
+            <p:txBody>
+              <a:bodyPr wrap="square">
+                <a:spAutoFit/>
+              </a:bodyPr>
+              <a:lstStyle/>
+              <a:p>
+                <a14:m>
+                  <m:oMath xmlns:m="http://schemas.openxmlformats.org/officeDocument/2006/math">
+                    <m:sSub>
+                      <m:sSubPr>
+                        <m:ctrlPr>
+                          <a:rPr lang="en-US" sz="2400" b="0" i="1" smtClean="0">
+                            <a:latin typeface="Cambria Math" panose="02040503050406030204" pitchFamily="18" charset="0"/>
+                          </a:rPr>
+                        </m:ctrlPr>
+                      </m:sSubPr>
+                      <m:e>
+                        <m:r>
+                          <a:rPr lang="en-US" sz="2400" i="1" smtClean="0">
+                            <a:latin typeface="Cambria Math" panose="02040503050406030204" pitchFamily="18" charset="0"/>
+                          </a:rPr>
+                          <m:t>𝐸</m:t>
+                        </m:r>
+                      </m:e>
+                      <m:sub>
+                        <m:r>
+                          <a:rPr lang="en-US" sz="2400" b="0" i="1" smtClean="0">
+                            <a:latin typeface="Cambria Math" panose="02040503050406030204" pitchFamily="18" charset="0"/>
+                          </a:rPr>
+                          <m:t>𝐷</m:t>
+                        </m:r>
+                      </m:sub>
+                    </m:sSub>
+                    <m:d>
+                      <m:dPr>
+                        <m:begChr m:val="["/>
+                        <m:endChr m:val="]"/>
+                        <m:ctrlPr>
+                          <a:rPr lang="en-US" sz="2400" i="1">
+                            <a:latin typeface="Cambria Math" panose="02040503050406030204" pitchFamily="18" charset="0"/>
+                          </a:rPr>
+                        </m:ctrlPr>
+                      </m:dPr>
+                      <m:e>
+                        <m:r>
+                          <a:rPr lang="en-US" sz="2400" i="1">
+                            <a:latin typeface="Cambria Math" panose="02040503050406030204" pitchFamily="18" charset="0"/>
+                          </a:rPr>
+                          <m:t> </m:t>
+                        </m:r>
+                        <m:sSup>
+                          <m:sSupPr>
+                            <m:ctrlPr>
+                              <a:rPr lang="en-US" sz="2400" i="1">
+                                <a:latin typeface="Cambria Math" panose="02040503050406030204" pitchFamily="18" charset="0"/>
+                              </a:rPr>
+                            </m:ctrlPr>
+                          </m:sSupPr>
+                          <m:e>
+                            <m:r>
+                              <a:rPr lang="en-US" sz="2400" b="0" i="1" smtClean="0">
+                                <a:latin typeface="Cambria Math" panose="02040503050406030204" pitchFamily="18" charset="0"/>
+                              </a:rPr>
+                              <m:t>(</m:t>
+                            </m:r>
+                            <m:r>
+                              <a:rPr lang="en-US" sz="2400" b="0" i="1" smtClean="0">
+                                <a:latin typeface="Cambria Math" panose="02040503050406030204" pitchFamily="18" charset="0"/>
+                              </a:rPr>
+                              <m:t>𝜖</m:t>
+                            </m:r>
+                            <m:r>
+                              <a:rPr lang="en-US" sz="2400" b="0" i="1" smtClean="0">
+                                <a:latin typeface="Cambria Math" panose="02040503050406030204" pitchFamily="18" charset="0"/>
+                              </a:rPr>
+                              <m:t>+</m:t>
+                            </m:r>
+                            <m:r>
+                              <a:rPr lang="en-US" sz="2400" b="0" i="1" smtClean="0">
+                                <a:latin typeface="Cambria Math" panose="02040503050406030204" pitchFamily="18" charset="0"/>
+                              </a:rPr>
+                              <m:t>𝑒</m:t>
+                            </m:r>
+                            <m:r>
+                              <a:rPr lang="en-US" sz="2400" i="1">
+                                <a:latin typeface="Cambria Math" panose="02040503050406030204" pitchFamily="18" charset="0"/>
+                              </a:rPr>
+                              <m:t>)</m:t>
+                            </m:r>
+                          </m:e>
+                          <m:sup>
+                            <m:r>
+                              <a:rPr lang="en-US" sz="2400" i="1">
+                                <a:latin typeface="Cambria Math" panose="02040503050406030204" pitchFamily="18" charset="0"/>
+                              </a:rPr>
+                              <m:t>2</m:t>
+                            </m:r>
+                          </m:sup>
+                        </m:sSup>
+                      </m:e>
+                    </m:d>
+                    <m:r>
+                      <a:rPr lang="en-US" sz="2400" b="0" i="0" smtClean="0">
+                        <a:latin typeface="Cambria Math" panose="02040503050406030204" pitchFamily="18" charset="0"/>
+                      </a:rPr>
+                      <m:t>=</m:t>
+                    </m:r>
+                    <m:sSub>
+                      <m:sSubPr>
+                        <m:ctrlPr>
+                          <a:rPr lang="en-US" sz="2400" b="0" i="1" smtClean="0">
+                            <a:latin typeface="Cambria Math" panose="02040503050406030204" pitchFamily="18" charset="0"/>
+                          </a:rPr>
+                        </m:ctrlPr>
+                      </m:sSubPr>
+                      <m:e>
+                        <m:r>
+                          <a:rPr lang="en-US" sz="2400" i="1">
+                            <a:latin typeface="Cambria Math" panose="02040503050406030204" pitchFamily="18" charset="0"/>
+                          </a:rPr>
+                          <m:t>𝐸</m:t>
+                        </m:r>
+                      </m:e>
+                      <m:sub>
+                        <m:r>
+                          <a:rPr lang="en-US" sz="2400" b="0" i="1" smtClean="0">
+                            <a:latin typeface="Cambria Math" panose="02040503050406030204" pitchFamily="18" charset="0"/>
+                          </a:rPr>
+                          <m:t>𝐷</m:t>
+                        </m:r>
+                      </m:sub>
+                    </m:sSub>
+                    <m:d>
+                      <m:dPr>
+                        <m:begChr m:val="["/>
+                        <m:endChr m:val="]"/>
+                        <m:ctrlPr>
+                          <a:rPr lang="en-US" sz="2400" i="1">
+                            <a:latin typeface="Cambria Math" panose="02040503050406030204" pitchFamily="18" charset="0"/>
+                          </a:rPr>
+                        </m:ctrlPr>
+                      </m:dPr>
+                      <m:e>
+                        <m:r>
+                          <a:rPr lang="en-US" sz="2400" i="1">
+                            <a:latin typeface="Cambria Math" panose="02040503050406030204" pitchFamily="18" charset="0"/>
+                          </a:rPr>
+                          <m:t> </m:t>
+                        </m:r>
+                        <m:sSup>
+                          <m:sSupPr>
+                            <m:ctrlPr>
+                              <a:rPr lang="en-US" sz="2400" i="1">
+                                <a:latin typeface="Cambria Math" panose="02040503050406030204" pitchFamily="18" charset="0"/>
+                              </a:rPr>
+                            </m:ctrlPr>
+                          </m:sSupPr>
+                          <m:e>
+                            <m:sSup>
+                              <m:sSupPr>
+                                <m:ctrlPr>
+                                  <a:rPr lang="en-US" sz="2400" b="0" i="1" smtClean="0">
+                                    <a:latin typeface="Cambria Math" panose="02040503050406030204" pitchFamily="18" charset="0"/>
+                                  </a:rPr>
+                                </m:ctrlPr>
+                              </m:sSupPr>
+                              <m:e>
+                                <m:r>
+                                  <a:rPr lang="en-US" sz="2400" i="1">
+                                    <a:latin typeface="Cambria Math" panose="02040503050406030204" pitchFamily="18" charset="0"/>
+                                  </a:rPr>
+                                  <m:t>𝜖</m:t>
+                                </m:r>
+                              </m:e>
+                              <m:sup>
+                                <m:r>
+                                  <a:rPr lang="en-US" sz="2400" b="0" i="1" smtClean="0">
+                                    <a:latin typeface="Cambria Math" panose="02040503050406030204" pitchFamily="18" charset="0"/>
+                                  </a:rPr>
+                                  <m:t>2</m:t>
+                                </m:r>
+                              </m:sup>
+                            </m:sSup>
+                            <m:r>
+                              <a:rPr lang="en-US" sz="2400" b="0" i="1" smtClean="0">
+                                <a:latin typeface="Cambria Math" panose="02040503050406030204" pitchFamily="18" charset="0"/>
+                              </a:rPr>
+                              <m:t>+2</m:t>
+                            </m:r>
+                            <m:r>
+                              <a:rPr lang="en-US" sz="2400" b="0" i="1" smtClean="0">
+                                <a:latin typeface="Cambria Math" panose="02040503050406030204" pitchFamily="18" charset="0"/>
+                              </a:rPr>
+                              <m:t>𝜖</m:t>
+                            </m:r>
+                            <m:r>
+                              <a:rPr lang="en-US" sz="2400" b="0" i="1" smtClean="0">
+                                <a:latin typeface="Cambria Math" panose="02040503050406030204" pitchFamily="18" charset="0"/>
+                              </a:rPr>
+                              <m:t>𝑒</m:t>
+                            </m:r>
+                            <m:r>
+                              <a:rPr lang="en-US" sz="2400" i="1">
+                                <a:latin typeface="Cambria Math" panose="02040503050406030204" pitchFamily="18" charset="0"/>
+                              </a:rPr>
+                              <m:t>+</m:t>
+                            </m:r>
+                            <m:r>
+                              <a:rPr lang="en-US" sz="2400" i="1">
+                                <a:latin typeface="Cambria Math" panose="02040503050406030204" pitchFamily="18" charset="0"/>
+                              </a:rPr>
+                              <m:t>𝑒</m:t>
+                            </m:r>
+                          </m:e>
+                          <m:sup>
+                            <m:r>
+                              <a:rPr lang="en-US" sz="2400" i="1">
+                                <a:latin typeface="Cambria Math" panose="02040503050406030204" pitchFamily="18" charset="0"/>
+                              </a:rPr>
+                              <m:t>2</m:t>
+                            </m:r>
+                          </m:sup>
+                        </m:sSup>
+                      </m:e>
+                    </m:d>
+                    <m:r>
+                      <a:rPr lang="en-US" sz="2400" b="0" i="1" smtClean="0">
+                        <a:latin typeface="Cambria Math" panose="02040503050406030204" pitchFamily="18" charset="0"/>
+                      </a:rPr>
+                      <m:t> </m:t>
+                    </m:r>
+                  </m:oMath>
+                </a14:m>
+                <a:r>
+                  <a:rPr lang="en-US" sz="2400" dirty="0"/>
+                  <a:t> </a:t>
+                </a:r>
+              </a:p>
+              <a:p>
+                <a:endParaRPr lang="en-US" sz="2400" dirty="0"/>
+              </a:p>
+            </p:txBody>
+          </p:sp>
+        </mc:Choice>
+        <mc:Fallback xmlns="">
+          <p:sp>
+            <p:nvSpPr>
+              <p:cNvPr id="5" name="TextBox 4">
+                <a:extLst>
+                  <a:ext uri="{FF2B5EF4-FFF2-40B4-BE49-F238E27FC236}">
+                    <a16:creationId xmlns:a16="http://schemas.microsoft.com/office/drawing/2014/main" id="{8F726E90-C7A8-1D46-8DE0-78D9D5D7311A}"/>
+                  </a:ext>
+                </a:extLst>
+              </p:cNvPr>
+              <p:cNvSpPr txBox="1">
+                <a:spLocks noRot="1" noChangeAspect="1" noMove="1" noResize="1" noEditPoints="1" noAdjustHandles="1" noChangeArrowheads="1" noChangeShapeType="1" noTextEdit="1"/>
+              </p:cNvSpPr>
+              <p:nvPr/>
+            </p:nvSpPr>
+            <p:spPr>
+              <a:xfrm>
+                <a:off x="1066800" y="3042708"/>
+                <a:ext cx="6431280" cy="830997"/>
+              </a:xfrm>
+              <a:prstGeom prst="rect">
+                <a:avLst/>
+              </a:prstGeom>
+              <a:blipFill>
+                <a:blip r:embed="rId3"/>
+                <a:stretch>
+                  <a:fillRect l="-197"/>
+                </a:stretch>
+              </a:blipFill>
+            </p:spPr>
+            <p:txBody>
+              <a:bodyPr/>
+              <a:lstStyle/>
+              <a:p>
+                <a:r>
+                  <a:rPr lang="en-US">
+                    <a:noFill/>
+                  </a:rPr>
+                  <a:t> </a:t>
+                </a:r>
+              </a:p>
+            </p:txBody>
+          </p:sp>
+        </mc:Fallback>
+      </mc:AlternateContent>
+      <mc:AlternateContent xmlns:mc="http://schemas.openxmlformats.org/markup-compatibility/2006" xmlns:a14="http://schemas.microsoft.com/office/drawing/2010/main">
+        <mc:Choice Requires="a14">
+          <p:sp>
+            <p:nvSpPr>
+              <p:cNvPr id="6" name="TextBox 5">
+                <a:extLst>
+                  <a:ext uri="{FF2B5EF4-FFF2-40B4-BE49-F238E27FC236}">
+                    <a16:creationId xmlns:a16="http://schemas.microsoft.com/office/drawing/2014/main" id="{6A9E5392-C337-BF4A-BE49-BE33F9344C67}"/>
+                  </a:ext>
+                </a:extLst>
+              </p:cNvPr>
+              <p:cNvSpPr txBox="1"/>
+              <p:nvPr/>
+            </p:nvSpPr>
+            <p:spPr>
+              <a:xfrm>
+                <a:off x="960120" y="4085538"/>
+                <a:ext cx="9326880" cy="830997"/>
+              </a:xfrm>
+              <a:prstGeom prst="rect">
+                <a:avLst/>
+              </a:prstGeom>
+              <a:noFill/>
+            </p:spPr>
+            <p:txBody>
+              <a:bodyPr wrap="square">
+                <a:spAutoFit/>
+              </a:bodyPr>
+              <a:lstStyle/>
+              <a:p>
+                <a:pPr/>
+                <a14:m>
+                  <m:oMathPara xmlns:m="http://schemas.openxmlformats.org/officeDocument/2006/math">
+                    <m:oMathParaPr>
+                      <m:jc m:val="centerGroup"/>
+                    </m:oMathParaPr>
+                    <m:oMath xmlns:m="http://schemas.openxmlformats.org/officeDocument/2006/math">
+                      <m:sSub>
+                        <m:sSubPr>
+                          <m:ctrlPr>
+                            <a:rPr lang="en-US" sz="2400" b="0" i="1" smtClean="0">
+                              <a:latin typeface="Cambria Math" panose="02040503050406030204" pitchFamily="18" charset="0"/>
+                            </a:rPr>
+                          </m:ctrlPr>
+                        </m:sSubPr>
+                        <m:e>
+                          <m:r>
+                            <a:rPr lang="en-US" sz="2400" i="1" smtClean="0">
+                              <a:latin typeface="Cambria Math" panose="02040503050406030204" pitchFamily="18" charset="0"/>
+                            </a:rPr>
+                            <m:t>𝐸</m:t>
+                          </m:r>
+                        </m:e>
+                        <m:sub>
+                          <m:r>
+                            <a:rPr lang="en-US" sz="2400" b="0" i="1" smtClean="0">
+                              <a:latin typeface="Cambria Math" panose="02040503050406030204" pitchFamily="18" charset="0"/>
+                            </a:rPr>
+                            <m:t>𝐷</m:t>
+                          </m:r>
+                        </m:sub>
+                      </m:sSub>
+                      <m:d>
+                        <m:dPr>
+                          <m:begChr m:val="["/>
+                          <m:endChr m:val="]"/>
+                          <m:ctrlPr>
+                            <a:rPr lang="en-US" sz="2400" i="1">
+                              <a:latin typeface="Cambria Math" panose="02040503050406030204" pitchFamily="18" charset="0"/>
+                            </a:rPr>
+                          </m:ctrlPr>
+                        </m:dPr>
+                        <m:e>
+                          <m:r>
+                            <a:rPr lang="en-US" sz="2400" i="1">
+                              <a:latin typeface="Cambria Math" panose="02040503050406030204" pitchFamily="18" charset="0"/>
+                            </a:rPr>
+                            <m:t> </m:t>
+                          </m:r>
+                          <m:sSup>
+                            <m:sSupPr>
+                              <m:ctrlPr>
+                                <a:rPr lang="en-US" sz="2400" i="1">
+                                  <a:latin typeface="Cambria Math" panose="02040503050406030204" pitchFamily="18" charset="0"/>
+                                </a:rPr>
+                              </m:ctrlPr>
+                            </m:sSupPr>
+                            <m:e>
+                              <m:r>
+                                <a:rPr lang="en-US" sz="2400" b="0" i="1" smtClean="0">
+                                  <a:latin typeface="Cambria Math" panose="02040503050406030204" pitchFamily="18" charset="0"/>
+                                </a:rPr>
+                                <m:t>(</m:t>
+                              </m:r>
+                              <m:r>
+                                <a:rPr lang="en-US" sz="2400" b="0" i="1" smtClean="0">
+                                  <a:latin typeface="Cambria Math" panose="02040503050406030204" pitchFamily="18" charset="0"/>
+                                </a:rPr>
+                                <m:t>𝜖</m:t>
+                              </m:r>
+                              <m:r>
+                                <a:rPr lang="en-US" sz="2400" b="0" i="1" smtClean="0">
+                                  <a:latin typeface="Cambria Math" panose="02040503050406030204" pitchFamily="18" charset="0"/>
+                                </a:rPr>
+                                <m:t>+</m:t>
+                              </m:r>
+                              <m:r>
+                                <a:rPr lang="en-US" sz="2400" b="0" i="1" smtClean="0">
+                                  <a:latin typeface="Cambria Math" panose="02040503050406030204" pitchFamily="18" charset="0"/>
+                                </a:rPr>
+                                <m:t>𝑒</m:t>
+                              </m:r>
+                              <m:r>
+                                <a:rPr lang="en-US" sz="2400" i="1">
+                                  <a:latin typeface="Cambria Math" panose="02040503050406030204" pitchFamily="18" charset="0"/>
+                                </a:rPr>
+                                <m:t>)</m:t>
+                              </m:r>
+                            </m:e>
+                            <m:sup>
+                              <m:r>
+                                <a:rPr lang="en-US" sz="2400" i="1">
+                                  <a:latin typeface="Cambria Math" panose="02040503050406030204" pitchFamily="18" charset="0"/>
+                                </a:rPr>
+                                <m:t>2</m:t>
+                              </m:r>
+                            </m:sup>
+                          </m:sSup>
+                        </m:e>
+                      </m:d>
+                      <m:r>
+                        <a:rPr lang="en-US" sz="2400" b="0" i="0" smtClean="0">
+                          <a:latin typeface="Cambria Math" panose="02040503050406030204" pitchFamily="18" charset="0"/>
+                        </a:rPr>
+                        <m:t>=</m:t>
+                      </m:r>
+                      <m:sSub>
+                        <m:sSubPr>
+                          <m:ctrlPr>
+                            <a:rPr lang="en-US" sz="2400" b="0" i="1" smtClean="0">
+                              <a:latin typeface="Cambria Math" panose="02040503050406030204" pitchFamily="18" charset="0"/>
+                            </a:rPr>
+                          </m:ctrlPr>
+                        </m:sSubPr>
+                        <m:e>
+                          <m:r>
+                            <a:rPr lang="en-US" sz="2400" i="1" smtClean="0">
+                              <a:latin typeface="Cambria Math" panose="02040503050406030204" pitchFamily="18" charset="0"/>
+                            </a:rPr>
+                            <m:t>𝐸</m:t>
+                          </m:r>
+                        </m:e>
+                        <m:sub>
+                          <m:r>
+                            <a:rPr lang="en-US" sz="2400" b="0" i="1" smtClean="0">
+                              <a:latin typeface="Cambria Math" panose="02040503050406030204" pitchFamily="18" charset="0"/>
+                            </a:rPr>
+                            <m:t>𝐷</m:t>
+                          </m:r>
+                        </m:sub>
+                      </m:sSub>
+                      <m:d>
+                        <m:dPr>
+                          <m:begChr m:val="["/>
+                          <m:endChr m:val="]"/>
+                          <m:ctrlPr>
+                            <a:rPr lang="en-US" sz="2400" i="1" smtClean="0">
+                              <a:latin typeface="Cambria Math" panose="02040503050406030204" pitchFamily="18" charset="0"/>
+                            </a:rPr>
+                          </m:ctrlPr>
+                        </m:dPr>
+                        <m:e>
+                          <m:r>
+                            <a:rPr lang="en-US" sz="2400" i="1" smtClean="0">
+                              <a:latin typeface="Cambria Math" panose="02040503050406030204" pitchFamily="18" charset="0"/>
+                            </a:rPr>
+                            <m:t> </m:t>
+                          </m:r>
+                          <m:sSup>
+                            <m:sSupPr>
+                              <m:ctrlPr>
+                                <a:rPr lang="en-US" sz="2400" i="1">
+                                  <a:latin typeface="Cambria Math" panose="02040503050406030204" pitchFamily="18" charset="0"/>
+                                </a:rPr>
+                              </m:ctrlPr>
+                            </m:sSupPr>
+                            <m:e>
+                              <m:sSup>
+                                <m:sSupPr>
+                                  <m:ctrlPr>
+                                    <a:rPr lang="en-US" sz="2400" b="0" i="1" smtClean="0">
+                                      <a:latin typeface="Cambria Math" panose="02040503050406030204" pitchFamily="18" charset="0"/>
+                                    </a:rPr>
+                                  </m:ctrlPr>
+                                </m:sSupPr>
+                                <m:e>
+                                  <m:r>
+                                    <a:rPr lang="en-US" sz="2400" i="1">
+                                      <a:latin typeface="Cambria Math" panose="02040503050406030204" pitchFamily="18" charset="0"/>
+                                    </a:rPr>
+                                    <m:t>𝜖</m:t>
+                                  </m:r>
+                                </m:e>
+                                <m:sup>
+                                  <m:r>
+                                    <a:rPr lang="en-US" sz="2400" b="0" i="1" smtClean="0">
+                                      <a:latin typeface="Cambria Math" panose="02040503050406030204" pitchFamily="18" charset="0"/>
+                                    </a:rPr>
+                                    <m:t>2</m:t>
+                                  </m:r>
+                                </m:sup>
+                              </m:sSup>
+                              <m:r>
+                                <a:rPr lang="en-US" sz="2400" b="0" i="1" smtClean="0">
+                                  <a:latin typeface="Cambria Math" panose="02040503050406030204" pitchFamily="18" charset="0"/>
+                                </a:rPr>
+                                <m:t>]+</m:t>
+                              </m:r>
+                              <m:sSub>
+                                <m:sSubPr>
+                                  <m:ctrlPr>
+                                    <a:rPr lang="en-US" sz="2400" b="0" i="1" smtClean="0">
+                                      <a:latin typeface="Cambria Math" panose="02040503050406030204" pitchFamily="18" charset="0"/>
+                                    </a:rPr>
+                                  </m:ctrlPr>
+                                </m:sSubPr>
+                                <m:e>
+                                  <m:r>
+                                    <a:rPr lang="en-US" sz="2400" b="0" i="1" smtClean="0">
+                                      <a:latin typeface="Cambria Math" panose="02040503050406030204" pitchFamily="18" charset="0"/>
+                                    </a:rPr>
+                                    <m:t>𝐸</m:t>
+                                  </m:r>
+                                </m:e>
+                                <m:sub>
+                                  <m:r>
+                                    <a:rPr lang="en-US" sz="2400" b="0" i="1" smtClean="0">
+                                      <a:latin typeface="Cambria Math" panose="02040503050406030204" pitchFamily="18" charset="0"/>
+                                    </a:rPr>
+                                    <m:t>𝐷</m:t>
+                                  </m:r>
+                                </m:sub>
+                              </m:sSub>
+                              <m:r>
+                                <a:rPr lang="en-US" sz="2400" b="0" i="1" smtClean="0">
+                                  <a:latin typeface="Cambria Math" panose="02040503050406030204" pitchFamily="18" charset="0"/>
+                                </a:rPr>
+                                <m:t>[2</m:t>
+                              </m:r>
+                              <m:r>
+                                <a:rPr lang="en-US" sz="2400" b="0" i="1" smtClean="0">
+                                  <a:latin typeface="Cambria Math" panose="02040503050406030204" pitchFamily="18" charset="0"/>
+                                </a:rPr>
+                                <m:t>𝜖</m:t>
+                              </m:r>
+                              <m:r>
+                                <a:rPr lang="en-US" sz="2400" b="0" i="1" smtClean="0">
+                                  <a:latin typeface="Cambria Math" panose="02040503050406030204" pitchFamily="18" charset="0"/>
+                                </a:rPr>
+                                <m:t>𝑒</m:t>
+                              </m:r>
+                              <m:r>
+                                <a:rPr lang="en-US" sz="2400" b="0" i="1" smtClean="0">
+                                  <a:latin typeface="Cambria Math" panose="02040503050406030204" pitchFamily="18" charset="0"/>
+                                </a:rPr>
+                                <m:t>]+</m:t>
+                              </m:r>
+                              <m:sSub>
+                                <m:sSubPr>
+                                  <m:ctrlPr>
+                                    <a:rPr lang="en-US" sz="2400" b="0" i="1" smtClean="0">
+                                      <a:latin typeface="Cambria Math" panose="02040503050406030204" pitchFamily="18" charset="0"/>
+                                    </a:rPr>
+                                  </m:ctrlPr>
+                                </m:sSubPr>
+                                <m:e>
+                                  <m:r>
+                                    <a:rPr lang="en-US" sz="2400" b="0" i="1" smtClean="0">
+                                      <a:latin typeface="Cambria Math" panose="02040503050406030204" pitchFamily="18" charset="0"/>
+                                    </a:rPr>
+                                    <m:t>𝐸</m:t>
+                                  </m:r>
+                                </m:e>
+                                <m:sub>
+                                  <m:r>
+                                    <a:rPr lang="en-US" sz="2400" b="0" i="1" smtClean="0">
+                                      <a:latin typeface="Cambria Math" panose="02040503050406030204" pitchFamily="18" charset="0"/>
+                                    </a:rPr>
+                                    <m:t>𝐷</m:t>
+                                  </m:r>
+                                </m:sub>
+                              </m:sSub>
+                              <m:r>
+                                <a:rPr lang="en-US" sz="2400" b="0" i="1" smtClean="0">
+                                  <a:latin typeface="Cambria Math" panose="02040503050406030204" pitchFamily="18" charset="0"/>
+                                </a:rPr>
+                                <m:t>[</m:t>
+                              </m:r>
+                              <m:r>
+                                <a:rPr lang="en-US" sz="2400" i="1">
+                                  <a:latin typeface="Cambria Math" panose="02040503050406030204" pitchFamily="18" charset="0"/>
+                                </a:rPr>
+                                <m:t>𝑒</m:t>
+                              </m:r>
+                            </m:e>
+                            <m:sup>
+                              <m:r>
+                                <a:rPr lang="en-US" sz="2400" i="1">
+                                  <a:latin typeface="Cambria Math" panose="02040503050406030204" pitchFamily="18" charset="0"/>
+                                </a:rPr>
+                                <m:t>2</m:t>
+                              </m:r>
+                            </m:sup>
+                          </m:sSup>
+                        </m:e>
+                      </m:d>
+                      <m:r>
+                        <a:rPr lang="en-US" sz="2400" b="0" i="1" smtClean="0">
+                          <a:latin typeface="Cambria Math" panose="02040503050406030204" pitchFamily="18" charset="0"/>
+                        </a:rPr>
+                        <m:t>=</m:t>
+                      </m:r>
+                      <m:sSup>
+                        <m:sSupPr>
+                          <m:ctrlPr>
+                            <a:rPr lang="en-US" sz="2400" b="0" i="1" smtClean="0">
+                              <a:latin typeface="Cambria Math" panose="02040503050406030204" pitchFamily="18" charset="0"/>
+                            </a:rPr>
+                          </m:ctrlPr>
+                        </m:sSupPr>
+                        <m:e>
+                          <m:r>
+                            <a:rPr lang="en-US" sz="2400" b="0" i="1" smtClean="0">
+                              <a:latin typeface="Cambria Math" panose="02040503050406030204" pitchFamily="18" charset="0"/>
+                            </a:rPr>
+                            <m:t>𝜖</m:t>
+                          </m:r>
+                        </m:e>
+                        <m:sup>
+                          <m:r>
+                            <a:rPr lang="en-US" sz="2400" b="0" i="1" smtClean="0">
+                              <a:latin typeface="Cambria Math" panose="02040503050406030204" pitchFamily="18" charset="0"/>
+                            </a:rPr>
+                            <m:t>2</m:t>
+                          </m:r>
+                        </m:sup>
+                      </m:sSup>
+                      <m:r>
+                        <a:rPr lang="en-US" sz="2400" b="0" i="1" smtClean="0">
+                          <a:latin typeface="Cambria Math" panose="02040503050406030204" pitchFamily="18" charset="0"/>
+                        </a:rPr>
+                        <m:t>+</m:t>
+                      </m:r>
+                      <m:r>
+                        <a:rPr lang="en-US" sz="2400" i="1">
+                          <a:latin typeface="Cambria Math" panose="02040503050406030204" pitchFamily="18" charset="0"/>
+                        </a:rPr>
+                        <m:t>2</m:t>
+                      </m:r>
+                      <m:r>
+                        <a:rPr lang="en-US" sz="2400" i="1">
+                          <a:latin typeface="Cambria Math" panose="02040503050406030204" pitchFamily="18" charset="0"/>
+                        </a:rPr>
+                        <m:t>𝜖</m:t>
+                      </m:r>
+                      <m:sSub>
+                        <m:sSubPr>
+                          <m:ctrlPr>
+                            <a:rPr lang="en-US" sz="2400" b="0" i="1" smtClean="0">
+                              <a:latin typeface="Cambria Math" panose="02040503050406030204" pitchFamily="18" charset="0"/>
+                            </a:rPr>
+                          </m:ctrlPr>
+                        </m:sSubPr>
+                        <m:e>
+                          <m:r>
+                            <a:rPr lang="en-US" sz="2400" i="1">
+                              <a:latin typeface="Cambria Math" panose="02040503050406030204" pitchFamily="18" charset="0"/>
+                            </a:rPr>
+                            <m:t>𝐸</m:t>
+                          </m:r>
+                        </m:e>
+                        <m:sub>
+                          <m:r>
+                            <a:rPr lang="en-US" sz="2400" b="0" i="1" smtClean="0">
+                              <a:latin typeface="Cambria Math" panose="02040503050406030204" pitchFamily="18" charset="0"/>
+                            </a:rPr>
+                            <m:t>𝐷</m:t>
+                          </m:r>
+                        </m:sub>
+                      </m:sSub>
+                      <m:d>
+                        <m:dPr>
+                          <m:begChr m:val="["/>
+                          <m:endChr m:val="]"/>
+                          <m:ctrlPr>
+                            <a:rPr lang="en-US" sz="2400" i="1">
+                              <a:latin typeface="Cambria Math" panose="02040503050406030204" pitchFamily="18" charset="0"/>
+                            </a:rPr>
+                          </m:ctrlPr>
+                        </m:dPr>
+                        <m:e>
+                          <m:r>
+                            <a:rPr lang="en-US" sz="2400" i="1">
+                              <a:latin typeface="Cambria Math" panose="02040503050406030204" pitchFamily="18" charset="0"/>
+                            </a:rPr>
+                            <m:t>𝑒</m:t>
+                          </m:r>
+                        </m:e>
+                      </m:d>
+                      <m:r>
+                        <a:rPr lang="en-US" sz="2400" i="1">
+                          <a:latin typeface="Cambria Math" panose="02040503050406030204" pitchFamily="18" charset="0"/>
+                        </a:rPr>
+                        <m:t>+</m:t>
+                      </m:r>
+                      <m:sSub>
+                        <m:sSubPr>
+                          <m:ctrlPr>
+                            <a:rPr lang="en-US" sz="2400" b="0" i="1" smtClean="0">
+                              <a:latin typeface="Cambria Math" panose="02040503050406030204" pitchFamily="18" charset="0"/>
+                            </a:rPr>
+                          </m:ctrlPr>
+                        </m:sSubPr>
+                        <m:e>
+                          <m:r>
+                            <a:rPr lang="en-US" sz="2400" b="0" i="1" smtClean="0">
+                              <a:latin typeface="Cambria Math" panose="02040503050406030204" pitchFamily="18" charset="0"/>
+                            </a:rPr>
+                            <m:t>𝐸</m:t>
+                          </m:r>
+                        </m:e>
+                        <m:sub>
+                          <m:r>
+                            <a:rPr lang="en-US" sz="2400" b="0" i="1" smtClean="0">
+                              <a:latin typeface="Cambria Math" panose="02040503050406030204" pitchFamily="18" charset="0"/>
+                            </a:rPr>
+                            <m:t>𝐷</m:t>
+                          </m:r>
+                        </m:sub>
+                      </m:sSub>
+                      <m:r>
+                        <a:rPr lang="en-US" sz="2400" b="0" i="1" smtClean="0">
+                          <a:latin typeface="Cambria Math" panose="02040503050406030204" pitchFamily="18" charset="0"/>
+                        </a:rPr>
+                        <m:t>[</m:t>
+                      </m:r>
+                      <m:sSup>
+                        <m:sSupPr>
+                          <m:ctrlPr>
+                            <a:rPr lang="en-US" sz="2400" b="0" i="1" smtClean="0">
+                              <a:latin typeface="Cambria Math" panose="02040503050406030204" pitchFamily="18" charset="0"/>
+                            </a:rPr>
+                          </m:ctrlPr>
+                        </m:sSupPr>
+                        <m:e>
+                          <m:r>
+                            <a:rPr lang="en-US" sz="2400" b="0" i="1" smtClean="0">
+                              <a:latin typeface="Cambria Math" panose="02040503050406030204" pitchFamily="18" charset="0"/>
+                            </a:rPr>
+                            <m:t>𝑒</m:t>
+                          </m:r>
+                        </m:e>
+                        <m:sup>
+                          <m:r>
+                            <a:rPr lang="en-US" sz="2400" b="0" i="1" smtClean="0">
+                              <a:latin typeface="Cambria Math" panose="02040503050406030204" pitchFamily="18" charset="0"/>
+                            </a:rPr>
+                            <m:t>2</m:t>
+                          </m:r>
+                        </m:sup>
+                      </m:sSup>
+                      <m:r>
+                        <a:rPr lang="en-US" sz="2400" b="0" i="1" smtClean="0">
+                          <a:latin typeface="Cambria Math" panose="02040503050406030204" pitchFamily="18" charset="0"/>
+                        </a:rPr>
+                        <m:t>]</m:t>
+                      </m:r>
+                    </m:oMath>
+                  </m:oMathPara>
+                </a14:m>
+                <a:endParaRPr lang="en-US" sz="2400" dirty="0"/>
+              </a:p>
+              <a:p>
+                <a:endParaRPr lang="en-US" sz="2400" dirty="0"/>
+              </a:p>
+            </p:txBody>
+          </p:sp>
+        </mc:Choice>
+        <mc:Fallback xmlns="">
+          <p:sp>
+            <p:nvSpPr>
+              <p:cNvPr id="6" name="TextBox 5">
+                <a:extLst>
+                  <a:ext uri="{FF2B5EF4-FFF2-40B4-BE49-F238E27FC236}">
+                    <a16:creationId xmlns:a16="http://schemas.microsoft.com/office/drawing/2014/main" id="{6A9E5392-C337-BF4A-BE49-BE33F9344C67}"/>
+                  </a:ext>
+                </a:extLst>
+              </p:cNvPr>
+              <p:cNvSpPr txBox="1">
+                <a:spLocks noRot="1" noChangeAspect="1" noMove="1" noResize="1" noEditPoints="1" noAdjustHandles="1" noChangeArrowheads="1" noChangeShapeType="1" noTextEdit="1"/>
+              </p:cNvSpPr>
+              <p:nvPr/>
+            </p:nvSpPr>
+            <p:spPr>
+              <a:xfrm>
+                <a:off x="960120" y="4085538"/>
+                <a:ext cx="9326880" cy="830997"/>
+              </a:xfrm>
+              <a:prstGeom prst="rect">
+                <a:avLst/>
+              </a:prstGeom>
+              <a:blipFill>
+                <a:blip r:embed="rId4"/>
+                <a:stretch>
+                  <a:fillRect/>
+                </a:stretch>
+              </a:blipFill>
+            </p:spPr>
+            <p:txBody>
+              <a:bodyPr/>
+              <a:lstStyle/>
+              <a:p>
+                <a:r>
+                  <a:rPr lang="en-US">
+                    <a:noFill/>
+                  </a:rPr>
+                  <a:t> </a:t>
+                </a:r>
+              </a:p>
+            </p:txBody>
+          </p:sp>
+        </mc:Fallback>
+      </mc:AlternateContent>
+      <mc:AlternateContent xmlns:mc="http://schemas.openxmlformats.org/markup-compatibility/2006" xmlns:a14="http://schemas.microsoft.com/office/drawing/2010/main">
+        <mc:Choice Requires="a14">
+          <p:sp>
+            <p:nvSpPr>
+              <p:cNvPr id="7" name="TextBox 6">
+                <a:extLst>
+                  <a:ext uri="{FF2B5EF4-FFF2-40B4-BE49-F238E27FC236}">
+                    <a16:creationId xmlns:a16="http://schemas.microsoft.com/office/drawing/2014/main" id="{97C69CD2-98AD-6849-B717-B859D30B01D6}"/>
+                  </a:ext>
+                </a:extLst>
+              </p:cNvPr>
+              <p:cNvSpPr txBox="1"/>
+              <p:nvPr/>
+            </p:nvSpPr>
+            <p:spPr>
+              <a:xfrm>
+                <a:off x="4655122" y="2577543"/>
+                <a:ext cx="1356360" cy="830997"/>
+              </a:xfrm>
+              <a:prstGeom prst="rect">
+                <a:avLst/>
+              </a:prstGeom>
+              <a:noFill/>
+            </p:spPr>
+            <p:txBody>
+              <a:bodyPr wrap="square">
+                <a:spAutoFit/>
+              </a:bodyPr>
+              <a:lstStyle/>
+              <a:p>
+                <a:pPr/>
+                <a14:m>
+                  <m:oMathPara xmlns:m="http://schemas.openxmlformats.org/officeDocument/2006/math">
+                    <m:oMathParaPr>
+                      <m:jc m:val="centerGroup"/>
+                    </m:oMathParaPr>
+                    <m:oMath xmlns:m="http://schemas.openxmlformats.org/officeDocument/2006/math">
+                      <m:r>
+                        <a:rPr lang="en-US" sz="2400" b="0" i="1" smtClean="0">
+                          <a:latin typeface="Cambria Math" panose="02040503050406030204" pitchFamily="18" charset="0"/>
+                        </a:rPr>
+                        <m:t>𝜖</m:t>
+                      </m:r>
+                    </m:oMath>
+                  </m:oMathPara>
+                </a14:m>
+                <a:endParaRPr lang="en-US" sz="2400" dirty="0"/>
+              </a:p>
+              <a:p>
+                <a:endParaRPr lang="en-US" sz="2400" dirty="0"/>
+              </a:p>
+            </p:txBody>
+          </p:sp>
+        </mc:Choice>
+        <mc:Fallback xmlns="">
+          <p:sp>
+            <p:nvSpPr>
+              <p:cNvPr id="7" name="TextBox 6">
+                <a:extLst>
+                  <a:ext uri="{FF2B5EF4-FFF2-40B4-BE49-F238E27FC236}">
+                    <a16:creationId xmlns:a16="http://schemas.microsoft.com/office/drawing/2014/main" id="{97C69CD2-98AD-6849-B717-B859D30B01D6}"/>
+                  </a:ext>
+                </a:extLst>
+              </p:cNvPr>
+              <p:cNvSpPr txBox="1">
+                <a:spLocks noRot="1" noChangeAspect="1" noMove="1" noResize="1" noEditPoints="1" noAdjustHandles="1" noChangeArrowheads="1" noChangeShapeType="1" noTextEdit="1"/>
+              </p:cNvSpPr>
+              <p:nvPr/>
+            </p:nvSpPr>
+            <p:spPr>
+              <a:xfrm>
+                <a:off x="4655122" y="2577543"/>
+                <a:ext cx="1356360" cy="830997"/>
+              </a:xfrm>
+              <a:prstGeom prst="rect">
+                <a:avLst/>
+              </a:prstGeom>
+              <a:blipFill>
+                <a:blip r:embed="rId5"/>
+                <a:stretch>
+                  <a:fillRect/>
+                </a:stretch>
+              </a:blipFill>
+            </p:spPr>
+            <p:txBody>
+              <a:bodyPr/>
+              <a:lstStyle/>
+              <a:p>
+                <a:r>
+                  <a:rPr lang="en-US">
+                    <a:noFill/>
+                  </a:rPr>
+                  <a:t> </a:t>
+                </a:r>
+              </a:p>
+            </p:txBody>
+          </p:sp>
+        </mc:Fallback>
+      </mc:AlternateContent>
+      <p:sp>
+        <p:nvSpPr>
+          <p:cNvPr id="8" name="Left Brace 7">
+            <a:extLst>
+              <a:ext uri="{FF2B5EF4-FFF2-40B4-BE49-F238E27FC236}">
+                <a16:creationId xmlns:a16="http://schemas.microsoft.com/office/drawing/2014/main" id="{6048E1B5-A370-FB41-A9F3-94C59E002C58}"/>
+              </a:ext>
+            </a:extLst>
+          </p:cNvPr>
+          <p:cNvSpPr/>
           <p:nvPr/>
         </p:nvSpPr>
         <p:spPr>
-          <a:xfrm>
-            <a:off x="4792980" y="2601575"/>
-            <a:ext cx="5951220" cy="1077218"/>
+          <a:xfrm rot="16200000">
+            <a:off x="5173282" y="1834981"/>
+            <a:ext cx="320040" cy="1213048"/>
           </a:xfrm>
-          <a:prstGeom prst="rect">
+          <a:prstGeom prst="leftBrace">
             <a:avLst/>
           </a:prstGeom>
-          <a:noFill/>
+          <a:ln w="31750">
+            <a:solidFill>
+              <a:schemeClr val="tx1"/>
+            </a:solidFill>
+          </a:ln>
         </p:spPr>
-        <p:txBody>
-          <a:bodyPr wrap="square">
-            <a:spAutoFit/>
-          </a:bodyPr>
+        <p:style>
+          <a:lnRef idx="1">
+            <a:schemeClr val="accent1"/>
+          </a:lnRef>
+          <a:fillRef idx="0">
+            <a:schemeClr val="accent1"/>
+          </a:fillRef>
+          <a:effectRef idx="0">
+            <a:schemeClr val="accent1"/>
+          </a:effectRef>
+          <a:fontRef idx="minor">
+            <a:schemeClr val="tx1"/>
+          </a:fontRef>
+        </p:style>
+        <p:txBody>
+          <a:bodyPr rtlCol="0" anchor="ctr"/>
           <a:lstStyle/>
           <a:p>
-            <a:r>
-              <a:rPr lang="en-US" sz="6400" dirty="0"/>
-              <a:t>Q &amp; A</a:t>
-            </a:r>
-          </a:p>
-        </p:txBody>
-      </p:sp>
+            <a:pPr algn="ctr"/>
+            <a:endParaRPr lang="en-US" dirty="0"/>
+          </a:p>
+        </p:txBody>
+      </p:sp>
+      <p:sp>
+        <p:nvSpPr>
+          <p:cNvPr id="9" name="Left Brace 8">
+            <a:extLst>
+              <a:ext uri="{FF2B5EF4-FFF2-40B4-BE49-F238E27FC236}">
+                <a16:creationId xmlns:a16="http://schemas.microsoft.com/office/drawing/2014/main" id="{2ADD4266-A836-E24B-8F8B-76E46BF2DAEB}"/>
+              </a:ext>
+            </a:extLst>
+          </p:cNvPr>
+          <p:cNvSpPr/>
+          <p:nvPr/>
+        </p:nvSpPr>
+        <p:spPr>
+          <a:xfrm rot="16200000">
+            <a:off x="7452296" y="1378842"/>
+            <a:ext cx="315624" cy="2000984"/>
+          </a:xfrm>
+          <a:prstGeom prst="leftBrace">
+            <a:avLst/>
+          </a:prstGeom>
+          <a:ln w="31750">
+            <a:solidFill>
+              <a:schemeClr val="tx1"/>
+            </a:solidFill>
+          </a:ln>
+        </p:spPr>
+        <p:style>
+          <a:lnRef idx="1">
+            <a:schemeClr val="accent1"/>
+          </a:lnRef>
+          <a:fillRef idx="0">
+            <a:schemeClr val="accent1"/>
+          </a:fillRef>
+          <a:effectRef idx="0">
+            <a:schemeClr val="accent1"/>
+          </a:effectRef>
+          <a:fontRef idx="minor">
+            <a:schemeClr val="tx1"/>
+          </a:fontRef>
+        </p:style>
+        <p:txBody>
+          <a:bodyPr rtlCol="0" anchor="ctr"/>
+          <a:lstStyle/>
+          <a:p>
+            <a:pPr algn="ctr"/>
+            <a:endParaRPr lang="en-US"/>
+          </a:p>
+        </p:txBody>
+      </p:sp>
+      <mc:AlternateContent xmlns:mc="http://schemas.openxmlformats.org/markup-compatibility/2006">
+        <mc:Choice xmlns:a14="http://schemas.microsoft.com/office/drawing/2010/main" Requires="a14">
+          <p:sp>
+            <p:nvSpPr>
+              <p:cNvPr id="10" name="TextBox 9">
+                <a:extLst>
+                  <a:ext uri="{FF2B5EF4-FFF2-40B4-BE49-F238E27FC236}">
+                    <a16:creationId xmlns:a16="http://schemas.microsoft.com/office/drawing/2014/main" id="{C1009B4E-4BDB-5E47-A50F-2EBCD5B78651}"/>
+                  </a:ext>
+                </a:extLst>
+              </p:cNvPr>
+              <p:cNvSpPr txBox="1"/>
+              <p:nvPr/>
+            </p:nvSpPr>
+            <p:spPr>
+              <a:xfrm>
+                <a:off x="6931928" y="2521293"/>
+                <a:ext cx="1356360" cy="830997"/>
+              </a:xfrm>
+              <a:prstGeom prst="rect">
+                <a:avLst/>
+              </a:prstGeom>
+              <a:noFill/>
+            </p:spPr>
+            <p:txBody>
+              <a:bodyPr wrap="square">
+                <a:spAutoFit/>
+              </a:bodyPr>
+              <a:lstStyle/>
+              <a:p>
+                <a:pPr/>
+                <a14:m>
+                  <m:oMathPara xmlns:m="http://schemas.openxmlformats.org/officeDocument/2006/math">
+                    <m:oMathParaPr>
+                      <m:jc m:val="centerGroup"/>
+                    </m:oMathParaPr>
+                    <m:oMath xmlns:m="http://schemas.openxmlformats.org/officeDocument/2006/math">
+                      <m:r>
+                        <a:rPr lang="en-US" sz="2400" b="0" i="1" smtClean="0">
+                          <a:latin typeface="Cambria Math" panose="02040503050406030204" pitchFamily="18" charset="0"/>
+                        </a:rPr>
+                        <m:t>𝑒</m:t>
+                      </m:r>
+                    </m:oMath>
+                  </m:oMathPara>
+                </a14:m>
+                <a:endParaRPr lang="en-US" sz="2400" dirty="0"/>
+              </a:p>
+              <a:p>
+                <a:endParaRPr lang="en-US" sz="2400" dirty="0"/>
+              </a:p>
+            </p:txBody>
+          </p:sp>
+        </mc:Choice>
+        <mc:Fallback>
+          <p:sp>
+            <p:nvSpPr>
+              <p:cNvPr id="10" name="TextBox 9">
+                <a:extLst>
+                  <a:ext uri="{FF2B5EF4-FFF2-40B4-BE49-F238E27FC236}">
+                    <a16:creationId xmlns:a16="http://schemas.microsoft.com/office/drawing/2014/main" id="{C1009B4E-4BDB-5E47-A50F-2EBCD5B78651}"/>
+                  </a:ext>
+                </a:extLst>
+              </p:cNvPr>
+              <p:cNvSpPr txBox="1">
+                <a:spLocks noRot="1" noChangeAspect="1" noMove="1" noResize="1" noEditPoints="1" noAdjustHandles="1" noChangeArrowheads="1" noChangeShapeType="1" noTextEdit="1"/>
+              </p:cNvSpPr>
+              <p:nvPr/>
+            </p:nvSpPr>
+            <p:spPr>
+              <a:xfrm>
+                <a:off x="6931928" y="2521293"/>
+                <a:ext cx="1356360" cy="830997"/>
+              </a:xfrm>
+              <a:prstGeom prst="rect">
+                <a:avLst/>
+              </a:prstGeom>
+              <a:blipFill>
+                <a:blip r:embed="rId6"/>
+                <a:stretch>
+                  <a:fillRect/>
+                </a:stretch>
+              </a:blipFill>
+            </p:spPr>
+            <p:txBody>
+              <a:bodyPr/>
+              <a:lstStyle/>
+              <a:p>
+                <a:r>
+                  <a:rPr lang="en-US">
+                    <a:noFill/>
+                  </a:rPr>
+                  <a:t> </a:t>
+                </a:r>
+              </a:p>
+            </p:txBody>
+          </p:sp>
+        </mc:Fallback>
+      </mc:AlternateContent>
+      <mc:AlternateContent xmlns:mc="http://schemas.openxmlformats.org/markup-compatibility/2006" xmlns:a14="http://schemas.microsoft.com/office/drawing/2010/main">
+        <mc:Choice Requires="a14">
+          <p:sp>
+            <p:nvSpPr>
+              <p:cNvPr id="12" name="TextBox 11">
+                <a:extLst>
+                  <a:ext uri="{FF2B5EF4-FFF2-40B4-BE49-F238E27FC236}">
+                    <a16:creationId xmlns:a16="http://schemas.microsoft.com/office/drawing/2014/main" id="{57620908-1649-BB48-9065-E49C9CBFB253}"/>
+                  </a:ext>
+                </a:extLst>
+              </p:cNvPr>
+              <p:cNvSpPr txBox="1"/>
+              <p:nvPr/>
+            </p:nvSpPr>
+            <p:spPr>
+              <a:xfrm>
+                <a:off x="1066800" y="5263326"/>
+                <a:ext cx="13184068" cy="830997"/>
+              </a:xfrm>
+              <a:prstGeom prst="rect">
+                <a:avLst/>
+              </a:prstGeom>
+              <a:noFill/>
+            </p:spPr>
+            <p:txBody>
+              <a:bodyPr wrap="square">
+                <a:spAutoFit/>
+              </a:bodyPr>
+              <a:lstStyle/>
+              <a:p>
+                <a14:m>
+                  <m:oMath xmlns:m="http://schemas.openxmlformats.org/officeDocument/2006/math">
+                    <m:sSub>
+                      <m:sSubPr>
+                        <m:ctrlPr>
+                          <a:rPr lang="en-US" sz="2400" b="0" i="1" smtClean="0">
+                            <a:latin typeface="Cambria Math" panose="02040503050406030204" pitchFamily="18" charset="0"/>
+                          </a:rPr>
+                        </m:ctrlPr>
+                      </m:sSubPr>
+                      <m:e>
+                        <m:r>
+                          <a:rPr lang="en-US" sz="2400" i="1" smtClean="0">
+                            <a:latin typeface="Cambria Math" panose="02040503050406030204" pitchFamily="18" charset="0"/>
+                          </a:rPr>
+                          <m:t>𝐸</m:t>
+                        </m:r>
+                      </m:e>
+                      <m:sub>
+                        <m:r>
+                          <a:rPr lang="en-US" sz="2400" b="0" i="1" smtClean="0">
+                            <a:latin typeface="Cambria Math" panose="02040503050406030204" pitchFamily="18" charset="0"/>
+                          </a:rPr>
+                          <m:t>𝐷</m:t>
+                        </m:r>
+                      </m:sub>
+                    </m:sSub>
+                    <m:d>
+                      <m:dPr>
+                        <m:begChr m:val="["/>
+                        <m:endChr m:val="]"/>
+                        <m:ctrlPr>
+                          <a:rPr lang="en-US" sz="2400" i="1">
+                            <a:latin typeface="Cambria Math" panose="02040503050406030204" pitchFamily="18" charset="0"/>
+                          </a:rPr>
+                        </m:ctrlPr>
+                      </m:dPr>
+                      <m:e>
+                        <m:r>
+                          <a:rPr lang="en-US" sz="2400" i="1">
+                            <a:latin typeface="Cambria Math" panose="02040503050406030204" pitchFamily="18" charset="0"/>
+                          </a:rPr>
+                          <m:t> </m:t>
+                        </m:r>
+                        <m:sSup>
+                          <m:sSupPr>
+                            <m:ctrlPr>
+                              <a:rPr lang="en-US" sz="2400" i="1">
+                                <a:latin typeface="Cambria Math" panose="02040503050406030204" pitchFamily="18" charset="0"/>
+                              </a:rPr>
+                            </m:ctrlPr>
+                          </m:sSupPr>
+                          <m:e>
+                            <m:r>
+                              <a:rPr lang="en-US" sz="2400" b="0" i="1" smtClean="0">
+                                <a:latin typeface="Cambria Math" panose="02040503050406030204" pitchFamily="18" charset="0"/>
+                              </a:rPr>
+                              <m:t>(</m:t>
+                            </m:r>
+                            <m:r>
+                              <a:rPr lang="en-US" sz="2400" b="0" i="1" smtClean="0">
+                                <a:latin typeface="Cambria Math" panose="02040503050406030204" pitchFamily="18" charset="0"/>
+                              </a:rPr>
+                              <m:t>𝜖</m:t>
+                            </m:r>
+                            <m:r>
+                              <a:rPr lang="en-US" sz="2400" b="0" i="1" smtClean="0">
+                                <a:latin typeface="Cambria Math" panose="02040503050406030204" pitchFamily="18" charset="0"/>
+                              </a:rPr>
+                              <m:t>+</m:t>
+                            </m:r>
+                            <m:r>
+                              <a:rPr lang="en-US" sz="2400" b="0" i="1" smtClean="0">
+                                <a:latin typeface="Cambria Math" panose="02040503050406030204" pitchFamily="18" charset="0"/>
+                              </a:rPr>
+                              <m:t>𝑒</m:t>
+                            </m:r>
+                            <m:r>
+                              <a:rPr lang="en-US" sz="2400" i="1">
+                                <a:latin typeface="Cambria Math" panose="02040503050406030204" pitchFamily="18" charset="0"/>
+                              </a:rPr>
+                              <m:t>)</m:t>
+                            </m:r>
+                          </m:e>
+                          <m:sup>
+                            <m:r>
+                              <a:rPr lang="en-US" sz="2400" i="1">
+                                <a:latin typeface="Cambria Math" panose="02040503050406030204" pitchFamily="18" charset="0"/>
+                              </a:rPr>
+                              <m:t>2</m:t>
+                            </m:r>
+                          </m:sup>
+                        </m:sSup>
+                      </m:e>
+                    </m:d>
+                    <m:r>
+                      <a:rPr lang="en-US" sz="2400" b="0" i="0" smtClean="0">
+                        <a:latin typeface="Cambria Math" panose="02040503050406030204" pitchFamily="18" charset="0"/>
+                      </a:rPr>
+                      <m:t>=</m:t>
+                    </m:r>
+                    <m:sSup>
+                      <m:sSupPr>
+                        <m:ctrlPr>
+                          <a:rPr lang="en-US" sz="2400" b="0" i="1" smtClean="0">
+                            <a:latin typeface="Cambria Math" panose="02040503050406030204" pitchFamily="18" charset="0"/>
+                          </a:rPr>
+                        </m:ctrlPr>
+                      </m:sSupPr>
+                      <m:e>
+                        <m:r>
+                          <a:rPr lang="en-US" sz="2400" b="0" i="1" smtClean="0">
+                            <a:latin typeface="Cambria Math" panose="02040503050406030204" pitchFamily="18" charset="0"/>
+                          </a:rPr>
+                          <m:t>𝜖</m:t>
+                        </m:r>
+                      </m:e>
+                      <m:sup>
+                        <m:r>
+                          <a:rPr lang="en-US" sz="2400" b="0" i="1" smtClean="0">
+                            <a:latin typeface="Cambria Math" panose="02040503050406030204" pitchFamily="18" charset="0"/>
+                          </a:rPr>
+                          <m:t>2</m:t>
+                        </m:r>
+                      </m:sup>
+                    </m:sSup>
+                    <m:r>
+                      <a:rPr lang="en-US" sz="2400" b="0" i="1" smtClean="0">
+                        <a:latin typeface="Cambria Math" panose="02040503050406030204" pitchFamily="18" charset="0"/>
+                      </a:rPr>
+                      <m:t>+</m:t>
+                    </m:r>
+                    <m:sSub>
+                      <m:sSubPr>
+                        <m:ctrlPr>
+                          <a:rPr lang="en-US" sz="2400" b="0" i="1" smtClean="0">
+                            <a:latin typeface="Cambria Math" panose="02040503050406030204" pitchFamily="18" charset="0"/>
+                          </a:rPr>
+                        </m:ctrlPr>
+                      </m:sSubPr>
+                      <m:e>
+                        <m:r>
+                          <a:rPr lang="en-US" sz="2400" b="0" i="1" smtClean="0">
+                            <a:latin typeface="Cambria Math" panose="02040503050406030204" pitchFamily="18" charset="0"/>
+                          </a:rPr>
+                          <m:t>𝐸</m:t>
+                        </m:r>
+                      </m:e>
+                      <m:sub>
+                        <m:r>
+                          <a:rPr lang="en-US" sz="2400" b="0" i="1" smtClean="0">
+                            <a:latin typeface="Cambria Math" panose="02040503050406030204" pitchFamily="18" charset="0"/>
+                          </a:rPr>
+                          <m:t>𝐷</m:t>
+                        </m:r>
+                      </m:sub>
+                    </m:sSub>
+                    <m:r>
+                      <a:rPr lang="en-US" sz="2400" b="0" i="1" smtClean="0">
+                        <a:latin typeface="Cambria Math" panose="02040503050406030204" pitchFamily="18" charset="0"/>
+                      </a:rPr>
+                      <m:t>[</m:t>
+                    </m:r>
+                    <m:sSup>
+                      <m:sSupPr>
+                        <m:ctrlPr>
+                          <a:rPr lang="en-US" sz="2400" b="0" i="1" smtClean="0">
+                            <a:latin typeface="Cambria Math" panose="02040503050406030204" pitchFamily="18" charset="0"/>
+                          </a:rPr>
+                        </m:ctrlPr>
+                      </m:sSupPr>
+                      <m:e>
+                        <m:r>
+                          <a:rPr lang="en-US" sz="2400" b="0" i="1" smtClean="0">
+                            <a:latin typeface="Cambria Math" panose="02040503050406030204" pitchFamily="18" charset="0"/>
+                          </a:rPr>
+                          <m:t>𝑒</m:t>
+                        </m:r>
+                      </m:e>
+                      <m:sup>
+                        <m:r>
+                          <a:rPr lang="en-US" sz="2400" b="0" i="1" smtClean="0">
+                            <a:latin typeface="Cambria Math" panose="02040503050406030204" pitchFamily="18" charset="0"/>
+                          </a:rPr>
+                          <m:t>2</m:t>
+                        </m:r>
+                      </m:sup>
+                    </m:sSup>
+                    <m:r>
+                      <a:rPr lang="en-US" sz="2400" b="0" i="1" smtClean="0">
+                        <a:latin typeface="Cambria Math" panose="02040503050406030204" pitchFamily="18" charset="0"/>
+                      </a:rPr>
+                      <m:t>]</m:t>
+                    </m:r>
+                  </m:oMath>
+                </a14:m>
+                <a:r>
+                  <a:rPr lang="en-US" sz="2400" dirty="0"/>
+                  <a:t>     irreducible error + reducible error</a:t>
+                </a:r>
+              </a:p>
+              <a:p>
+                <a:endParaRPr lang="en-US" sz="2400" dirty="0"/>
+              </a:p>
+            </p:txBody>
+          </p:sp>
+        </mc:Choice>
+        <mc:Fallback xmlns="">
+          <p:sp>
+            <p:nvSpPr>
+              <p:cNvPr id="12" name="TextBox 11">
+                <a:extLst>
+                  <a:ext uri="{FF2B5EF4-FFF2-40B4-BE49-F238E27FC236}">
+                    <a16:creationId xmlns:a16="http://schemas.microsoft.com/office/drawing/2014/main" id="{57620908-1649-BB48-9065-E49C9CBFB253}"/>
+                  </a:ext>
+                </a:extLst>
+              </p:cNvPr>
+              <p:cNvSpPr txBox="1">
+                <a:spLocks noRot="1" noChangeAspect="1" noMove="1" noResize="1" noEditPoints="1" noAdjustHandles="1" noChangeArrowheads="1" noChangeShapeType="1" noTextEdit="1"/>
+              </p:cNvSpPr>
+              <p:nvPr/>
+            </p:nvSpPr>
+            <p:spPr>
+              <a:xfrm>
+                <a:off x="1066800" y="5263326"/>
+                <a:ext cx="13184068" cy="830997"/>
+              </a:xfrm>
+              <a:prstGeom prst="rect">
+                <a:avLst/>
+              </a:prstGeom>
+              <a:blipFill>
+                <a:blip r:embed="rId7"/>
+                <a:stretch>
+                  <a:fillRect l="-96" t="-4478"/>
+                </a:stretch>
+              </a:blipFill>
+            </p:spPr>
+            <p:txBody>
+              <a:bodyPr/>
+              <a:lstStyle/>
+              <a:p>
+                <a:r>
+                  <a:rPr lang="en-US">
+                    <a:noFill/>
+                  </a:rPr>
+                  <a:t> </a:t>
+                </a:r>
+              </a:p>
+            </p:txBody>
+          </p:sp>
+        </mc:Fallback>
+      </mc:AlternateContent>
     </p:spTree>
     <p:extLst>
       <p:ext uri="{BB962C8B-B14F-4D97-AF65-F5344CB8AC3E}">
-        <p14:creationId xmlns:p14="http://schemas.microsoft.com/office/powerpoint/2010/main" val="1613744569"/>
+        <p14:creationId xmlns:p14="http://schemas.microsoft.com/office/powerpoint/2010/main" val="2930915497"/>
       </p:ext>
     </p:extLst>
   </p:cSld>

--- a/_umkc-teaching/slides/Lecture2 - Statistical Learning.pptx
+++ b/_umkc-teaching/slides/Lecture2 - Statistical Learning.pptx
@@ -5,7 +5,7 @@
     <p:sldMasterId id="2147483648" r:id="rId1"/>
   </p:sldMasterIdLst>
   <p:notesMasterIdLst>
-    <p:notesMasterId r:id="rId20"/>
+    <p:notesMasterId r:id="rId24"/>
   </p:notesMasterIdLst>
   <p:sldIdLst>
     <p:sldId id="257" r:id="rId2"/>
@@ -22,10 +22,14 @@
     <p:sldId id="301" r:id="rId13"/>
     <p:sldId id="302" r:id="rId14"/>
     <p:sldId id="307" r:id="rId15"/>
-    <p:sldId id="303" r:id="rId16"/>
-    <p:sldId id="304" r:id="rId17"/>
-    <p:sldId id="305" r:id="rId18"/>
-    <p:sldId id="293" r:id="rId19"/>
+    <p:sldId id="311" r:id="rId16"/>
+    <p:sldId id="310" r:id="rId17"/>
+    <p:sldId id="303" r:id="rId18"/>
+    <p:sldId id="312" r:id="rId19"/>
+    <p:sldId id="304" r:id="rId20"/>
+    <p:sldId id="305" r:id="rId21"/>
+    <p:sldId id="309" r:id="rId22"/>
+    <p:sldId id="293" r:id="rId23"/>
   </p:sldIdLst>
   <p:sldSz cx="12192000" cy="6858000"/>
   <p:notesSz cx="6858000" cy="9144000"/>
@@ -9354,10 +9358,10 @@
       </p:grpSpPr>
       <p:sp>
         <p:nvSpPr>
-          <p:cNvPr id="2" name="Title 1">
+          <p:cNvPr id="6" name="Title 5">
             <a:extLst>
               <a:ext uri="{FF2B5EF4-FFF2-40B4-BE49-F238E27FC236}">
-                <a16:creationId xmlns:a16="http://schemas.microsoft.com/office/drawing/2014/main" id="{5F69E904-77AE-3048-8D9D-BEAC840793F6}"/>
+                <a16:creationId xmlns:a16="http://schemas.microsoft.com/office/drawing/2014/main" id="{7A32B1CF-265D-D742-A37C-6FB0FA629387}"/>
               </a:ext>
             </a:extLst>
           </p:cNvPr>
@@ -9375,17 +9379,17 @@
           <a:p>
             <a:r>
               <a:rPr lang="en-US" dirty="0"/>
-              <a:t>Bias and Variance Trade-off</a:t>
+              <a:t>Classification Models</a:t>
             </a:r>
           </a:p>
         </p:txBody>
       </p:sp>
       <p:sp>
         <p:nvSpPr>
-          <p:cNvPr id="6" name="TextBox 5">
+          <p:cNvPr id="12" name="TextBox 11">
             <a:extLst>
               <a:ext uri="{FF2B5EF4-FFF2-40B4-BE49-F238E27FC236}">
-                <a16:creationId xmlns:a16="http://schemas.microsoft.com/office/drawing/2014/main" id="{0A4ABCA8-D712-A84D-B4FD-C2833F2EB162}"/>
+                <a16:creationId xmlns:a16="http://schemas.microsoft.com/office/drawing/2014/main" id="{752A6D5A-3CFA-3245-8A94-4F5E03513DD3}"/>
               </a:ext>
             </a:extLst>
           </p:cNvPr>
@@ -9394,8 +9398,8 @@
         </p:nvSpPr>
         <p:spPr>
           <a:xfrm>
-            <a:off x="838200" y="1834151"/>
-            <a:ext cx="10515600" cy="523220"/>
+            <a:off x="838200" y="1956348"/>
+            <a:ext cx="10515600" cy="461665"/>
           </a:xfrm>
           <a:prstGeom prst="rect">
             <a:avLst/>
@@ -9409,8 +9413,8 @@
           <a:lstStyle/>
           <a:p>
             <a:r>
-              <a:rPr lang="en-US" sz="2800" dirty="0"/>
-              <a:t>If a model is more complicated (e.g., with more parameters):</a:t>
+              <a:rPr lang="en-US" sz="2400" dirty="0"/>
+              <a:t>The output of classification models are labels </a:t>
             </a:r>
           </a:p>
         </p:txBody>
@@ -9420,7 +9424,7 @@
           <p:cNvPr id="7" name="TextBox 6">
             <a:extLst>
               <a:ext uri="{FF2B5EF4-FFF2-40B4-BE49-F238E27FC236}">
-                <a16:creationId xmlns:a16="http://schemas.microsoft.com/office/drawing/2014/main" id="{7EB2BC32-9BBB-D946-8261-BDC911714E50}"/>
+                <a16:creationId xmlns:a16="http://schemas.microsoft.com/office/drawing/2014/main" id="{547F8AC0-2AE6-0B47-9E7D-2A61514ADF44}"/>
               </a:ext>
             </a:extLst>
           </p:cNvPr>
@@ -9429,8 +9433,8 @@
         </p:nvSpPr>
         <p:spPr>
           <a:xfrm>
-            <a:off x="1554480" y="2641871"/>
-            <a:ext cx="10515600" cy="523220"/>
+            <a:off x="1356360" y="2683673"/>
+            <a:ext cx="10515600" cy="461665"/>
           </a:xfrm>
           <a:prstGeom prst="rect">
             <a:avLst/>
@@ -9444,18 +9448,18 @@
           <a:lstStyle/>
           <a:p>
             <a:r>
-              <a:rPr lang="en-US" sz="2800" dirty="0"/>
-              <a:t>The bias is expected to be smaller</a:t>
+              <a:rPr lang="en-US" sz="2400" dirty="0"/>
+              <a:t>Logistic Regression Models</a:t>
             </a:r>
           </a:p>
         </p:txBody>
       </p:sp>
       <p:sp>
         <p:nvSpPr>
-          <p:cNvPr id="8" name="TextBox 7">
+          <p:cNvPr id="9" name="TextBox 8">
             <a:extLst>
               <a:ext uri="{FF2B5EF4-FFF2-40B4-BE49-F238E27FC236}">
-                <a16:creationId xmlns:a16="http://schemas.microsoft.com/office/drawing/2014/main" id="{587BD057-652D-4E49-BD81-2FFEE86B1E31}"/>
+                <a16:creationId xmlns:a16="http://schemas.microsoft.com/office/drawing/2014/main" id="{A43DCEA7-9670-9341-92AD-4ACC284CF6F5}"/>
               </a:ext>
             </a:extLst>
           </p:cNvPr>
@@ -9464,8 +9468,8 @@
         </p:nvSpPr>
         <p:spPr>
           <a:xfrm>
-            <a:off x="1554480" y="3431300"/>
-            <a:ext cx="10515600" cy="523220"/>
+            <a:off x="1356360" y="3410998"/>
+            <a:ext cx="10515600" cy="461665"/>
           </a:xfrm>
           <a:prstGeom prst="rect">
             <a:avLst/>
@@ -9479,8 +9483,43 @@
           <a:lstStyle/>
           <a:p>
             <a:r>
-              <a:rPr lang="en-US" sz="2800" dirty="0"/>
-              <a:t>The variance is expected to be larger</a:t>
+              <a:rPr lang="en-US" sz="2400" dirty="0"/>
+              <a:t>Support Vector Machine</a:t>
+            </a:r>
+          </a:p>
+        </p:txBody>
+      </p:sp>
+      <p:sp>
+        <p:nvSpPr>
+          <p:cNvPr id="11" name="TextBox 10">
+            <a:extLst>
+              <a:ext uri="{FF2B5EF4-FFF2-40B4-BE49-F238E27FC236}">
+                <a16:creationId xmlns:a16="http://schemas.microsoft.com/office/drawing/2014/main" id="{5D7E7E63-905E-EA47-8FFD-38085A067B4B}"/>
+              </a:ext>
+            </a:extLst>
+          </p:cNvPr>
+          <p:cNvSpPr txBox="1"/>
+          <p:nvPr/>
+        </p:nvSpPr>
+        <p:spPr>
+          <a:xfrm>
+            <a:off x="1356360" y="4138323"/>
+            <a:ext cx="10515600" cy="461665"/>
+          </a:xfrm>
+          <a:prstGeom prst="rect">
+            <a:avLst/>
+          </a:prstGeom>
+          <a:noFill/>
+        </p:spPr>
+        <p:txBody>
+          <a:bodyPr wrap="square">
+            <a:spAutoFit/>
+          </a:bodyPr>
+          <a:lstStyle/>
+          <a:p>
+            <a:r>
+              <a:rPr lang="en-US" sz="2400" dirty="0"/>
+              <a:t>K-Nearest Neighbors</a:t>
             </a:r>
           </a:p>
         </p:txBody>
@@ -9488,7 +9527,7 @@
     </p:spTree>
     <p:extLst>
       <p:ext uri="{BB962C8B-B14F-4D97-AF65-F5344CB8AC3E}">
-        <p14:creationId xmlns:p14="http://schemas.microsoft.com/office/powerpoint/2010/main" val="3439712220"/>
+        <p14:creationId xmlns:p14="http://schemas.microsoft.com/office/powerpoint/2010/main" val="1237694814"/>
       </p:ext>
     </p:extLst>
   </p:cSld>
@@ -9517,10 +9556,10 @@
       </p:grpSpPr>
       <p:sp>
         <p:nvSpPr>
-          <p:cNvPr id="2" name="Title 1">
+          <p:cNvPr id="6" name="Title 5">
             <a:extLst>
               <a:ext uri="{FF2B5EF4-FFF2-40B4-BE49-F238E27FC236}">
-                <a16:creationId xmlns:a16="http://schemas.microsoft.com/office/drawing/2014/main" id="{5F69E904-77AE-3048-8D9D-BEAC840793F6}"/>
+                <a16:creationId xmlns:a16="http://schemas.microsoft.com/office/drawing/2014/main" id="{7A32B1CF-265D-D742-A37C-6FB0FA629387}"/>
               </a:ext>
             </a:extLst>
           </p:cNvPr>
@@ -9538,17 +9577,17 @@
           <a:p>
             <a:r>
               <a:rPr lang="en-US" dirty="0"/>
-              <a:t>Accuracy and Interpretability Trade-off</a:t>
+              <a:t>Model Bias and Variance</a:t>
             </a:r>
           </a:p>
         </p:txBody>
       </p:sp>
       <p:sp>
         <p:nvSpPr>
-          <p:cNvPr id="6" name="TextBox 5">
+          <p:cNvPr id="9" name="TextBox 8">
             <a:extLst>
               <a:ext uri="{FF2B5EF4-FFF2-40B4-BE49-F238E27FC236}">
-                <a16:creationId xmlns:a16="http://schemas.microsoft.com/office/drawing/2014/main" id="{0A4ABCA8-D712-A84D-B4FD-C2833F2EB162}"/>
+                <a16:creationId xmlns:a16="http://schemas.microsoft.com/office/drawing/2014/main" id="{99EFBB9C-068D-D64C-BF53-833F39A474B1}"/>
               </a:ext>
             </a:extLst>
           </p:cNvPr>
@@ -9557,8 +9596,8 @@
         </p:nvSpPr>
         <p:spPr>
           <a:xfrm>
-            <a:off x="838200" y="1834151"/>
-            <a:ext cx="10515600" cy="523220"/>
+            <a:off x="838200" y="3467619"/>
+            <a:ext cx="10515600" cy="461665"/>
           </a:xfrm>
           <a:prstGeom prst="rect">
             <a:avLst/>
@@ -9572,18 +9611,253 @@
           <a:lstStyle/>
           <a:p>
             <a:r>
-              <a:rPr lang="en-US" sz="2800" dirty="0"/>
-              <a:t>If a model is more complicated (e.g., with more parameters):</a:t>
+              <a:rPr lang="en-US" sz="2400" dirty="0"/>
+              <a:t>Model Variance: The variance of parameters (but what is the standard?) </a:t>
             </a:r>
           </a:p>
         </p:txBody>
       </p:sp>
+      <mc:AlternateContent xmlns:mc="http://schemas.openxmlformats.org/markup-compatibility/2006">
+        <mc:Choice xmlns:a14="http://schemas.microsoft.com/office/drawing/2010/main" Requires="a14">
+          <p:sp>
+            <p:nvSpPr>
+              <p:cNvPr id="14" name="TextBox 13">
+                <a:extLst>
+                  <a:ext uri="{FF2B5EF4-FFF2-40B4-BE49-F238E27FC236}">
+                    <a16:creationId xmlns:a16="http://schemas.microsoft.com/office/drawing/2014/main" id="{BE294319-89BD-3845-9927-BCFC95D12C97}"/>
+                  </a:ext>
+                </a:extLst>
+              </p:cNvPr>
+              <p:cNvSpPr txBox="1"/>
+              <p:nvPr/>
+            </p:nvSpPr>
+            <p:spPr>
+              <a:xfrm>
+                <a:off x="838200" y="5014643"/>
+                <a:ext cx="7692390" cy="461665"/>
+              </a:xfrm>
+              <a:prstGeom prst="rect">
+                <a:avLst/>
+              </a:prstGeom>
+              <a:noFill/>
+            </p:spPr>
+            <p:txBody>
+              <a:bodyPr wrap="square">
+                <a:spAutoFit/>
+              </a:bodyPr>
+              <a:lstStyle/>
+              <a:p>
+                <a:pPr/>
+                <a:r>
+                  <a:rPr lang="en-US" sz="2400" b="0" dirty="0"/>
+                  <a:t>Better metric: </a:t>
+                </a:r>
+                <a14:m>
+                  <m:oMath xmlns:m="http://schemas.openxmlformats.org/officeDocument/2006/math">
+                    <m:sSub>
+                      <m:sSubPr>
+                        <m:ctrlPr>
+                          <a:rPr lang="en-US" sz="2400" b="0" i="1" smtClean="0">
+                            <a:latin typeface="Cambria Math" panose="02040503050406030204" pitchFamily="18" charset="0"/>
+                          </a:rPr>
+                        </m:ctrlPr>
+                      </m:sSubPr>
+                      <m:e>
+                        <m:sSub>
+                          <m:sSubPr>
+                            <m:ctrlPr>
+                              <a:rPr lang="en-US" sz="2400" b="0" i="1" smtClean="0">
+                                <a:latin typeface="Cambria Math" panose="02040503050406030204" pitchFamily="18" charset="0"/>
+                              </a:rPr>
+                            </m:ctrlPr>
+                          </m:sSubPr>
+                          <m:e>
+                            <m:r>
+                              <a:rPr lang="en-US" sz="2400" b="0" i="1" smtClean="0">
+                                <a:latin typeface="Cambria Math" panose="02040503050406030204" pitchFamily="18" charset="0"/>
+                              </a:rPr>
+                              <m:t>𝐸</m:t>
+                            </m:r>
+                          </m:e>
+                          <m:sub>
+                            <m:r>
+                              <a:rPr lang="en-US" sz="2400" b="0" i="1" smtClean="0">
+                                <a:latin typeface="Cambria Math" panose="02040503050406030204" pitchFamily="18" charset="0"/>
+                              </a:rPr>
+                              <m:t>𝐷</m:t>
+                            </m:r>
+                          </m:sub>
+                        </m:sSub>
+                        <m:r>
+                          <a:rPr lang="en-US" sz="2400" b="0" i="1" smtClean="0">
+                            <a:latin typeface="Cambria Math" panose="02040503050406030204" pitchFamily="18" charset="0"/>
+                          </a:rPr>
+                          <m:t>[</m:t>
+                        </m:r>
+                        <m:r>
+                          <a:rPr lang="en-US" sz="2400" b="0" i="1" smtClean="0">
+                            <a:latin typeface="Cambria Math" panose="02040503050406030204" pitchFamily="18" charset="0"/>
+                          </a:rPr>
+                          <m:t>𝐸</m:t>
+                        </m:r>
+                      </m:e>
+                      <m:sub>
+                        <m:r>
+                          <a:rPr lang="en-US" sz="2400" b="0" i="1" smtClean="0">
+                            <a:latin typeface="Cambria Math" panose="02040503050406030204" pitchFamily="18" charset="0"/>
+                          </a:rPr>
+                          <m:t>𝐷</m:t>
+                        </m:r>
+                      </m:sub>
+                    </m:sSub>
+                    <m:d>
+                      <m:dPr>
+                        <m:begChr m:val="["/>
+                        <m:endChr m:val="]"/>
+                        <m:ctrlPr>
+                          <a:rPr lang="en-US" sz="2400" b="0" i="1" smtClean="0">
+                            <a:latin typeface="Cambria Math" panose="02040503050406030204" pitchFamily="18" charset="0"/>
+                          </a:rPr>
+                        </m:ctrlPr>
+                      </m:dPr>
+                      <m:e>
+                        <m:r>
+                          <a:rPr lang="en-US" sz="2400" b="0" i="1" smtClean="0">
+                            <a:latin typeface="Cambria Math" panose="02040503050406030204" pitchFamily="18" charset="0"/>
+                          </a:rPr>
+                          <m:t>𝑔</m:t>
+                        </m:r>
+                        <m:d>
+                          <m:dPr>
+                            <m:ctrlPr>
+                              <a:rPr lang="en-US" sz="2400" b="0" i="1" smtClean="0">
+                                <a:latin typeface="Cambria Math" panose="02040503050406030204" pitchFamily="18" charset="0"/>
+                              </a:rPr>
+                            </m:ctrlPr>
+                          </m:dPr>
+                          <m:e>
+                            <m:r>
+                              <a:rPr lang="en-US" sz="2400" b="0" i="1" smtClean="0">
+                                <a:latin typeface="Cambria Math" panose="02040503050406030204" pitchFamily="18" charset="0"/>
+                              </a:rPr>
+                              <m:t>𝑋</m:t>
+                            </m:r>
+                            <m:r>
+                              <a:rPr lang="en-US" sz="2400" b="0" i="1" smtClean="0">
+                                <a:latin typeface="Cambria Math" panose="02040503050406030204" pitchFamily="18" charset="0"/>
+                              </a:rPr>
+                              <m:t>;</m:t>
+                            </m:r>
+                            <m:r>
+                              <a:rPr lang="en-US" sz="2400" b="0" i="1" smtClean="0">
+                                <a:latin typeface="Cambria Math" panose="02040503050406030204" pitchFamily="18" charset="0"/>
+                              </a:rPr>
+                              <m:t>𝐷</m:t>
+                            </m:r>
+                          </m:e>
+                        </m:d>
+                      </m:e>
+                    </m:d>
+                    <m:r>
+                      <a:rPr lang="en-US" sz="2400" b="0" i="1" smtClean="0">
+                        <a:latin typeface="Cambria Math" panose="02040503050406030204" pitchFamily="18" charset="0"/>
+                      </a:rPr>
+                      <m:t> −</m:t>
+                    </m:r>
+                    <m:r>
+                      <a:rPr lang="en-US" sz="2400" b="0" i="1" smtClean="0">
+                        <a:latin typeface="Cambria Math" panose="02040503050406030204" pitchFamily="18" charset="0"/>
+                      </a:rPr>
+                      <m:t>𝑔</m:t>
+                    </m:r>
+                    <m:r>
+                      <a:rPr lang="en-US" sz="2400" b="0" i="1" smtClean="0">
+                        <a:latin typeface="Cambria Math" panose="02040503050406030204" pitchFamily="18" charset="0"/>
+                      </a:rPr>
+                      <m:t>(</m:t>
+                    </m:r>
+                    <m:r>
+                      <a:rPr lang="en-US" sz="2400" b="0" i="1" smtClean="0">
+                        <a:latin typeface="Cambria Math" panose="02040503050406030204" pitchFamily="18" charset="0"/>
+                      </a:rPr>
+                      <m:t>𝑋</m:t>
+                    </m:r>
+                    <m:r>
+                      <a:rPr lang="en-US" sz="2400" b="0" i="1" smtClean="0">
+                        <a:latin typeface="Cambria Math" panose="02040503050406030204" pitchFamily="18" charset="0"/>
+                      </a:rPr>
+                      <m:t>;</m:t>
+                    </m:r>
+                    <m:r>
+                      <a:rPr lang="en-US" sz="2400" b="0" i="1" smtClean="0">
+                        <a:latin typeface="Cambria Math" panose="02040503050406030204" pitchFamily="18" charset="0"/>
+                      </a:rPr>
+                      <m:t>𝐷</m:t>
+                    </m:r>
+                    <m:r>
+                      <a:rPr lang="en-US" sz="2400" b="0" i="1" smtClean="0">
+                        <a:latin typeface="Cambria Math" panose="02040503050406030204" pitchFamily="18" charset="0"/>
+                      </a:rPr>
+                      <m:t>)]</m:t>
+                    </m:r>
+                  </m:oMath>
+                </a14:m>
+                <a:endParaRPr lang="en-US" sz="2400" dirty="0"/>
+              </a:p>
+            </p:txBody>
+          </p:sp>
+        </mc:Choice>
+        <mc:Fallback>
+          <p:sp>
+            <p:nvSpPr>
+              <p:cNvPr id="14" name="TextBox 13">
+                <a:extLst>
+                  <a:ext uri="{FF2B5EF4-FFF2-40B4-BE49-F238E27FC236}">
+                    <a16:creationId xmlns:a16="http://schemas.microsoft.com/office/drawing/2014/main" id="{BE294319-89BD-3845-9927-BCFC95D12C97}"/>
+                  </a:ext>
+                </a:extLst>
+              </p:cNvPr>
+              <p:cNvSpPr txBox="1">
+                <a:spLocks noRot="1" noChangeAspect="1" noMove="1" noResize="1" noEditPoints="1" noAdjustHandles="1" noChangeArrowheads="1" noChangeShapeType="1" noTextEdit="1"/>
+              </p:cNvSpPr>
+              <p:nvPr/>
+            </p:nvSpPr>
+            <p:spPr>
+              <a:xfrm>
+                <a:off x="838200" y="5014643"/>
+                <a:ext cx="7692390" cy="461665"/>
+              </a:xfrm>
+              <a:prstGeom prst="rect">
+                <a:avLst/>
+              </a:prstGeom>
+              <a:blipFill>
+                <a:blip r:embed="rId2"/>
+                <a:stretch>
+                  <a:fillRect l="-1320" t="-8108" b="-29730"/>
+                </a:stretch>
+              </a:blipFill>
+            </p:spPr>
+            <p:txBody>
+              <a:bodyPr/>
+              <a:lstStyle/>
+              <a:p>
+                <a:r>
+                  <a:rPr lang="en-US">
+                    <a:noFill/>
+                  </a:rPr>
+                  <a:t> </a:t>
+                </a:r>
+              </a:p>
+            </p:txBody>
+          </p:sp>
+        </mc:Fallback>
+      </mc:AlternateContent>
       <p:sp>
         <p:nvSpPr>
-          <p:cNvPr id="7" name="TextBox 6">
+          <p:cNvPr id="15" name="TextBox 14">
             <a:extLst>
               <a:ext uri="{FF2B5EF4-FFF2-40B4-BE49-F238E27FC236}">
-                <a16:creationId xmlns:a16="http://schemas.microsoft.com/office/drawing/2014/main" id="{7EB2BC32-9BBB-D946-8261-BDC911714E50}"/>
+                <a16:creationId xmlns:a16="http://schemas.microsoft.com/office/drawing/2014/main" id="{0671E1F6-2CB9-2C4B-AF87-78C7E9F73696}"/>
               </a:ext>
             </a:extLst>
           </p:cNvPr>
@@ -9592,8 +9866,8 @@
         </p:nvSpPr>
         <p:spPr>
           <a:xfrm>
-            <a:off x="1554480" y="2641871"/>
-            <a:ext cx="10515600" cy="523220"/>
+            <a:off x="838200" y="2032875"/>
+            <a:ext cx="10515600" cy="461665"/>
           </a:xfrm>
           <a:prstGeom prst="rect">
             <a:avLst/>
@@ -9607,51 +9881,209 @@
           <a:lstStyle/>
           <a:p>
             <a:r>
-              <a:rPr lang="en-US" sz="2800" dirty="0"/>
-              <a:t>The accuracy may be higher (but may suffer from overfitting)</a:t>
+              <a:rPr lang="en-US" sz="2400" dirty="0"/>
+              <a:t>Model Bias</a:t>
             </a:r>
           </a:p>
         </p:txBody>
       </p:sp>
-      <p:sp>
-        <p:nvSpPr>
-          <p:cNvPr id="8" name="TextBox 7">
-            <a:extLst>
-              <a:ext uri="{FF2B5EF4-FFF2-40B4-BE49-F238E27FC236}">
-                <a16:creationId xmlns:a16="http://schemas.microsoft.com/office/drawing/2014/main" id="{587BD057-652D-4E49-BD81-2FFEE86B1E31}"/>
-              </a:ext>
-            </a:extLst>
-          </p:cNvPr>
-          <p:cNvSpPr txBox="1"/>
-          <p:nvPr/>
-        </p:nvSpPr>
-        <p:spPr>
-          <a:xfrm>
-            <a:off x="1554480" y="3431300"/>
-            <a:ext cx="10515600" cy="523220"/>
-          </a:xfrm>
-          <a:prstGeom prst="rect">
-            <a:avLst/>
-          </a:prstGeom>
-          <a:noFill/>
-        </p:spPr>
-        <p:txBody>
-          <a:bodyPr wrap="square">
-            <a:spAutoFit/>
-          </a:bodyPr>
-          <a:lstStyle/>
-          <a:p>
-            <a:r>
-              <a:rPr lang="en-US" sz="2800" dirty="0"/>
-              <a:t>The interpretability may be worse (It is easy to interpret linear models)</a:t>
-            </a:r>
-          </a:p>
-        </p:txBody>
-      </p:sp>
+      <mc:AlternateContent xmlns:mc="http://schemas.openxmlformats.org/markup-compatibility/2006">
+        <mc:Choice xmlns:a14="http://schemas.microsoft.com/office/drawing/2010/main" Requires="a14">
+          <p:sp>
+            <p:nvSpPr>
+              <p:cNvPr id="16" name="TextBox 15">
+                <a:extLst>
+                  <a:ext uri="{FF2B5EF4-FFF2-40B4-BE49-F238E27FC236}">
+                    <a16:creationId xmlns:a16="http://schemas.microsoft.com/office/drawing/2014/main" id="{FF45575E-8725-CA4C-AB95-5BF053F8CE57}"/>
+                  </a:ext>
+                </a:extLst>
+              </p:cNvPr>
+              <p:cNvSpPr txBox="1"/>
+              <p:nvPr/>
+            </p:nvSpPr>
+            <p:spPr>
+              <a:xfrm>
+                <a:off x="2240280" y="2032874"/>
+                <a:ext cx="4533900" cy="461665"/>
+              </a:xfrm>
+              <a:prstGeom prst="rect">
+                <a:avLst/>
+              </a:prstGeom>
+              <a:noFill/>
+            </p:spPr>
+            <p:txBody>
+              <a:bodyPr wrap="square">
+                <a:spAutoFit/>
+              </a:bodyPr>
+              <a:lstStyle/>
+              <a:p>
+                <a:pPr/>
+                <a14:m>
+                  <m:oMathPara xmlns:m="http://schemas.openxmlformats.org/officeDocument/2006/math">
+                    <m:oMathParaPr>
+                      <m:jc m:val="centerGroup"/>
+                    </m:oMathParaPr>
+                    <m:oMath xmlns:m="http://schemas.openxmlformats.org/officeDocument/2006/math">
+                      <m:sSub>
+                        <m:sSubPr>
+                          <m:ctrlPr>
+                            <a:rPr lang="en-US" sz="2400" b="0" i="1" smtClean="0">
+                              <a:latin typeface="Cambria Math" panose="02040503050406030204" pitchFamily="18" charset="0"/>
+                            </a:rPr>
+                          </m:ctrlPr>
+                        </m:sSubPr>
+                        <m:e>
+                          <m:r>
+                            <a:rPr lang="en-US" sz="2400" b="0" i="1" smtClean="0">
+                              <a:latin typeface="Cambria Math" panose="02040503050406030204" pitchFamily="18" charset="0"/>
+                            </a:rPr>
+                            <m:t>𝐸</m:t>
+                          </m:r>
+                        </m:e>
+                        <m:sub>
+                          <m:r>
+                            <a:rPr lang="en-US" sz="2400" b="0" i="1" smtClean="0">
+                              <a:latin typeface="Cambria Math" panose="02040503050406030204" pitchFamily="18" charset="0"/>
+                            </a:rPr>
+                            <m:t>𝐷</m:t>
+                          </m:r>
+                        </m:sub>
+                      </m:sSub>
+                      <m:d>
+                        <m:dPr>
+                          <m:begChr m:val="["/>
+                          <m:endChr m:val="]"/>
+                          <m:ctrlPr>
+                            <a:rPr lang="en-US" sz="2400" b="0" i="1" smtClean="0">
+                              <a:latin typeface="Cambria Math" panose="02040503050406030204" pitchFamily="18" charset="0"/>
+                            </a:rPr>
+                          </m:ctrlPr>
+                        </m:dPr>
+                        <m:e>
+                          <m:r>
+                            <a:rPr lang="en-US" sz="2400" b="0" i="1" smtClean="0">
+                              <a:latin typeface="Cambria Math" panose="02040503050406030204" pitchFamily="18" charset="0"/>
+                            </a:rPr>
+                            <m:t>𝑔</m:t>
+                          </m:r>
+                          <m:d>
+                            <m:dPr>
+                              <m:ctrlPr>
+                                <a:rPr lang="en-US" sz="2400" b="0" i="1" smtClean="0">
+                                  <a:latin typeface="Cambria Math" panose="02040503050406030204" pitchFamily="18" charset="0"/>
+                                </a:rPr>
+                              </m:ctrlPr>
+                            </m:dPr>
+                            <m:e>
+                              <m:r>
+                                <a:rPr lang="en-US" sz="2400" b="0" i="1" smtClean="0">
+                                  <a:latin typeface="Cambria Math" panose="02040503050406030204" pitchFamily="18" charset="0"/>
+                                </a:rPr>
+                                <m:t>𝑋</m:t>
+                              </m:r>
+                              <m:r>
+                                <a:rPr lang="en-US" sz="2400" b="0" i="1" smtClean="0">
+                                  <a:latin typeface="Cambria Math" panose="02040503050406030204" pitchFamily="18" charset="0"/>
+                                </a:rPr>
+                                <m:t>;</m:t>
+                              </m:r>
+                              <m:r>
+                                <a:rPr lang="en-US" sz="2400" b="0" i="1" smtClean="0">
+                                  <a:latin typeface="Cambria Math" panose="02040503050406030204" pitchFamily="18" charset="0"/>
+                                </a:rPr>
+                                <m:t>𝐷</m:t>
+                              </m:r>
+                            </m:e>
+                          </m:d>
+                        </m:e>
+                      </m:d>
+                      <m:r>
+                        <a:rPr lang="en-US" sz="2400" b="0" i="1" smtClean="0">
+                          <a:latin typeface="Cambria Math" panose="02040503050406030204" pitchFamily="18" charset="0"/>
+                        </a:rPr>
+                        <m:t> −</m:t>
+                      </m:r>
+                      <m:r>
+                        <a:rPr lang="en-US" sz="2400" b="0" i="1" smtClean="0">
+                          <a:latin typeface="Cambria Math" panose="02040503050406030204" pitchFamily="18" charset="0"/>
+                        </a:rPr>
+                        <m:t>𝑓</m:t>
+                      </m:r>
+                      <m:r>
+                        <a:rPr lang="en-US" sz="2400" b="0" i="1" smtClean="0">
+                          <a:latin typeface="Cambria Math" panose="02040503050406030204" pitchFamily="18" charset="0"/>
+                        </a:rPr>
+                        <m:t>(</m:t>
+                      </m:r>
+                      <m:r>
+                        <a:rPr lang="en-US" sz="2400" b="0" i="1" smtClean="0">
+                          <a:latin typeface="Cambria Math" panose="02040503050406030204" pitchFamily="18" charset="0"/>
+                        </a:rPr>
+                        <m:t>𝑋</m:t>
+                      </m:r>
+                      <m:r>
+                        <a:rPr lang="en-US" sz="2400" b="0" i="1" smtClean="0">
+                          <a:latin typeface="Cambria Math" panose="02040503050406030204" pitchFamily="18" charset="0"/>
+                        </a:rPr>
+                        <m:t>)</m:t>
+                      </m:r>
+                    </m:oMath>
+                  </m:oMathPara>
+                </a14:m>
+                <a:endParaRPr lang="en-US" sz="2400" dirty="0"/>
+              </a:p>
+            </p:txBody>
+          </p:sp>
+        </mc:Choice>
+        <mc:Fallback>
+          <p:sp>
+            <p:nvSpPr>
+              <p:cNvPr id="16" name="TextBox 15">
+                <a:extLst>
+                  <a:ext uri="{FF2B5EF4-FFF2-40B4-BE49-F238E27FC236}">
+                    <a16:creationId xmlns:a16="http://schemas.microsoft.com/office/drawing/2014/main" id="{FF45575E-8725-CA4C-AB95-5BF053F8CE57}"/>
+                  </a:ext>
+                </a:extLst>
+              </p:cNvPr>
+              <p:cNvSpPr txBox="1">
+                <a:spLocks noRot="1" noChangeAspect="1" noMove="1" noResize="1" noEditPoints="1" noAdjustHandles="1" noChangeArrowheads="1" noChangeShapeType="1" noTextEdit="1"/>
+              </p:cNvSpPr>
+              <p:nvPr/>
+            </p:nvSpPr>
+            <p:spPr>
+              <a:xfrm>
+                <a:off x="2240280" y="2032874"/>
+                <a:ext cx="4533900" cy="461665"/>
+              </a:xfrm>
+              <a:prstGeom prst="rect">
+                <a:avLst/>
+              </a:prstGeom>
+              <a:blipFill>
+                <a:blip r:embed="rId3"/>
+                <a:stretch>
+                  <a:fillRect b="-21053"/>
+                </a:stretch>
+              </a:blipFill>
+            </p:spPr>
+            <p:txBody>
+              <a:bodyPr/>
+              <a:lstStyle/>
+              <a:p>
+                <a:r>
+                  <a:rPr lang="en-US">
+                    <a:noFill/>
+                  </a:rPr>
+                  <a:t> </a:t>
+                </a:r>
+              </a:p>
+            </p:txBody>
+          </p:sp>
+        </mc:Fallback>
+      </mc:AlternateContent>
     </p:spTree>
     <p:extLst>
       <p:ext uri="{BB962C8B-B14F-4D97-AF65-F5344CB8AC3E}">
-        <p14:creationId xmlns:p14="http://schemas.microsoft.com/office/powerpoint/2010/main" val="1783230127"/>
+        <p14:creationId xmlns:p14="http://schemas.microsoft.com/office/powerpoint/2010/main" val="4078446686"/>
       </p:ext>
     </p:extLst>
   </p:cSld>
@@ -9700,52 +10132,18 @@
           <a:lstStyle/>
           <a:p>
             <a:r>
-              <a:rPr lang="en-US" dirty="0" err="1"/>
-              <a:t>Goodfit</a:t>
-            </a:r>
-            <a:r>
               <a:rPr lang="en-US" dirty="0"/>
-              <a:t>, Underfit and Overfit</a:t>
+              <a:t>Bias and Variance Trade-off</a:t>
             </a:r>
           </a:p>
         </p:txBody>
       </p:sp>
-      <p:pic>
-        <p:nvPicPr>
-          <p:cNvPr id="3" name="Picture 2">
+      <p:sp>
+        <p:nvSpPr>
+          <p:cNvPr id="6" name="TextBox 5">
             <a:extLst>
               <a:ext uri="{FF2B5EF4-FFF2-40B4-BE49-F238E27FC236}">
-                <a16:creationId xmlns:a16="http://schemas.microsoft.com/office/drawing/2014/main" id="{F754D2B5-ACFC-EF4A-82C8-DA0555B20DDA}"/>
-              </a:ext>
-            </a:extLst>
-          </p:cNvPr>
-          <p:cNvPicPr>
-            <a:picLocks noChangeAspect="1"/>
-          </p:cNvPicPr>
-          <p:nvPr/>
-        </p:nvPicPr>
-        <p:blipFill>
-          <a:blip r:embed="rId2"/>
-          <a:stretch>
-            <a:fillRect/>
-          </a:stretch>
-        </p:blipFill>
-        <p:spPr>
-          <a:xfrm>
-            <a:off x="662939" y="1868488"/>
-            <a:ext cx="11318313" cy="3549650"/>
-          </a:xfrm>
-          <a:prstGeom prst="rect">
-            <a:avLst/>
-          </a:prstGeom>
-        </p:spPr>
-      </p:pic>
-      <p:sp>
-        <p:nvSpPr>
-          <p:cNvPr id="9" name="TextBox 8">
-            <a:extLst>
-              <a:ext uri="{FF2B5EF4-FFF2-40B4-BE49-F238E27FC236}">
-                <a16:creationId xmlns:a16="http://schemas.microsoft.com/office/drawing/2014/main" id="{8854A77D-7B32-2748-B308-389A9B769E6E}"/>
+                <a16:creationId xmlns:a16="http://schemas.microsoft.com/office/drawing/2014/main" id="{0A4ABCA8-D712-A84D-B4FD-C2833F2EB162}"/>
               </a:ext>
             </a:extLst>
           </p:cNvPr>
@@ -9754,8 +10152,8 @@
         </p:nvSpPr>
         <p:spPr>
           <a:xfrm>
-            <a:off x="1582455" y="5595938"/>
-            <a:ext cx="1526505" cy="523220"/>
+            <a:off x="838200" y="1834151"/>
+            <a:ext cx="10515600" cy="523220"/>
           </a:xfrm>
           <a:prstGeom prst="rect">
             <a:avLst/>
@@ -9770,17 +10168,17 @@
           <a:p>
             <a:r>
               <a:rPr lang="en-US" sz="2800" dirty="0"/>
-              <a:t>High bias</a:t>
+              <a:t>If a model is more complicated (e.g., with more parameters):</a:t>
             </a:r>
           </a:p>
         </p:txBody>
       </p:sp>
       <p:sp>
         <p:nvSpPr>
-          <p:cNvPr id="10" name="TextBox 9">
+          <p:cNvPr id="7" name="TextBox 6">
             <a:extLst>
               <a:ext uri="{FF2B5EF4-FFF2-40B4-BE49-F238E27FC236}">
-                <a16:creationId xmlns:a16="http://schemas.microsoft.com/office/drawing/2014/main" id="{6788D3E4-8E8B-AE4B-A3AE-6B3B6B7C9829}"/>
+                <a16:creationId xmlns:a16="http://schemas.microsoft.com/office/drawing/2014/main" id="{7EB2BC32-9BBB-D946-8261-BDC911714E50}"/>
               </a:ext>
             </a:extLst>
           </p:cNvPr>
@@ -9789,8 +10187,8 @@
         </p:nvSpPr>
         <p:spPr>
           <a:xfrm>
-            <a:off x="8943375" y="5595938"/>
-            <a:ext cx="2258025" cy="523220"/>
+            <a:off x="1554480" y="2641871"/>
+            <a:ext cx="10515600" cy="523220"/>
           </a:xfrm>
           <a:prstGeom prst="rect">
             <a:avLst/>
@@ -9805,7 +10203,42 @@
           <a:p>
             <a:r>
               <a:rPr lang="en-US" sz="2800" dirty="0"/>
-              <a:t>High variance</a:t>
+              <a:t>The bias is expected to be smaller</a:t>
+            </a:r>
+          </a:p>
+        </p:txBody>
+      </p:sp>
+      <p:sp>
+        <p:nvSpPr>
+          <p:cNvPr id="8" name="TextBox 7">
+            <a:extLst>
+              <a:ext uri="{FF2B5EF4-FFF2-40B4-BE49-F238E27FC236}">
+                <a16:creationId xmlns:a16="http://schemas.microsoft.com/office/drawing/2014/main" id="{587BD057-652D-4E49-BD81-2FFEE86B1E31}"/>
+              </a:ext>
+            </a:extLst>
+          </p:cNvPr>
+          <p:cNvSpPr txBox="1"/>
+          <p:nvPr/>
+        </p:nvSpPr>
+        <p:spPr>
+          <a:xfrm>
+            <a:off x="1554480" y="3431300"/>
+            <a:ext cx="10515600" cy="523220"/>
+          </a:xfrm>
+          <a:prstGeom prst="rect">
+            <a:avLst/>
+          </a:prstGeom>
+          <a:noFill/>
+        </p:spPr>
+        <p:txBody>
+          <a:bodyPr wrap="square">
+            <a:spAutoFit/>
+          </a:bodyPr>
+          <a:lstStyle/>
+          <a:p>
+            <a:r>
+              <a:rPr lang="en-US" sz="2800" dirty="0"/>
+              <a:t>The variance is expected to be larger</a:t>
             </a:r>
           </a:p>
         </p:txBody>
@@ -9813,7 +10246,7 @@
     </p:spTree>
     <p:extLst>
       <p:ext uri="{BB962C8B-B14F-4D97-AF65-F5344CB8AC3E}">
-        <p14:creationId xmlns:p14="http://schemas.microsoft.com/office/powerpoint/2010/main" val="2008262252"/>
+        <p14:creationId xmlns:p14="http://schemas.microsoft.com/office/powerpoint/2010/main" val="3439712220"/>
       </p:ext>
     </p:extLst>
   </p:cSld>
@@ -9842,10 +10275,38 @@
       </p:grpSpPr>
       <p:sp>
         <p:nvSpPr>
-          <p:cNvPr id="10" name="TextBox 9">
+          <p:cNvPr id="2" name="Title 1">
             <a:extLst>
               <a:ext uri="{FF2B5EF4-FFF2-40B4-BE49-F238E27FC236}">
-                <a16:creationId xmlns:a16="http://schemas.microsoft.com/office/drawing/2014/main" id="{514E73AD-7A38-9D42-8C4C-ADC0FDE0FBC3}"/>
+                <a16:creationId xmlns:a16="http://schemas.microsoft.com/office/drawing/2014/main" id="{5F69E904-77AE-3048-8D9D-BEAC840793F6}"/>
+              </a:ext>
+            </a:extLst>
+          </p:cNvPr>
+          <p:cNvSpPr>
+            <a:spLocks noGrp="1"/>
+          </p:cNvSpPr>
+          <p:nvPr>
+            <p:ph type="title"/>
+          </p:nvPr>
+        </p:nvSpPr>
+        <p:spPr/>
+        <p:txBody>
+          <a:bodyPr/>
+          <a:lstStyle/>
+          <a:p>
+            <a:r>
+              <a:rPr lang="en-US" dirty="0"/>
+              <a:t>Interpretability</a:t>
+            </a:r>
+          </a:p>
+        </p:txBody>
+      </p:sp>
+      <p:sp>
+        <p:nvSpPr>
+          <p:cNvPr id="6" name="TextBox 5">
+            <a:extLst>
+              <a:ext uri="{FF2B5EF4-FFF2-40B4-BE49-F238E27FC236}">
+                <a16:creationId xmlns:a16="http://schemas.microsoft.com/office/drawing/2014/main" id="{0A4ABCA8-D712-A84D-B4FD-C2833F2EB162}"/>
               </a:ext>
             </a:extLst>
           </p:cNvPr>
@@ -9854,8 +10315,8 @@
         </p:nvSpPr>
         <p:spPr>
           <a:xfrm>
-            <a:off x="4792980" y="2601575"/>
-            <a:ext cx="5951220" cy="1077218"/>
+            <a:off x="838200" y="1834151"/>
+            <a:ext cx="10515600" cy="523220"/>
           </a:xfrm>
           <a:prstGeom prst="rect">
             <a:avLst/>
@@ -9869,8 +10330,420 @@
           <a:lstStyle/>
           <a:p>
             <a:r>
-              <a:rPr lang="en-US" sz="6400" dirty="0"/>
-              <a:t>Q &amp; A</a:t>
+              <a:rPr lang="en-US" sz="2800" dirty="0"/>
+              <a:t>The importance of each predictor?</a:t>
+            </a:r>
+          </a:p>
+        </p:txBody>
+      </p:sp>
+      <p:sp>
+        <p:nvSpPr>
+          <p:cNvPr id="9" name="TextBox 8">
+            <a:extLst>
+              <a:ext uri="{FF2B5EF4-FFF2-40B4-BE49-F238E27FC236}">
+                <a16:creationId xmlns:a16="http://schemas.microsoft.com/office/drawing/2014/main" id="{98BCDC1D-C577-DB46-A111-54A3503969B9}"/>
+              </a:ext>
+            </a:extLst>
+          </p:cNvPr>
+          <p:cNvSpPr txBox="1"/>
+          <p:nvPr/>
+        </p:nvSpPr>
+        <p:spPr>
+          <a:xfrm>
+            <a:off x="838200" y="2905780"/>
+            <a:ext cx="10515600" cy="523220"/>
+          </a:xfrm>
+          <a:prstGeom prst="rect">
+            <a:avLst/>
+          </a:prstGeom>
+          <a:noFill/>
+        </p:spPr>
+        <p:txBody>
+          <a:bodyPr wrap="square">
+            <a:spAutoFit/>
+          </a:bodyPr>
+          <a:lstStyle/>
+          <a:p>
+            <a:r>
+              <a:rPr lang="en-US" sz="2800" dirty="0"/>
+              <a:t>Why a model makes a particular decision?</a:t>
+            </a:r>
+          </a:p>
+        </p:txBody>
+      </p:sp>
+      <p:sp>
+        <p:nvSpPr>
+          <p:cNvPr id="10" name="TextBox 9">
+            <a:extLst>
+              <a:ext uri="{FF2B5EF4-FFF2-40B4-BE49-F238E27FC236}">
+                <a16:creationId xmlns:a16="http://schemas.microsoft.com/office/drawing/2014/main" id="{EA4C9EC6-2785-1748-A830-8D79CC3BB873}"/>
+              </a:ext>
+            </a:extLst>
+          </p:cNvPr>
+          <p:cNvSpPr txBox="1"/>
+          <p:nvPr/>
+        </p:nvSpPr>
+        <p:spPr>
+          <a:xfrm>
+            <a:off x="838200" y="3977410"/>
+            <a:ext cx="10515600" cy="523220"/>
+          </a:xfrm>
+          <a:prstGeom prst="rect">
+            <a:avLst/>
+          </a:prstGeom>
+          <a:noFill/>
+        </p:spPr>
+        <p:txBody>
+          <a:bodyPr wrap="square">
+            <a:spAutoFit/>
+          </a:bodyPr>
+          <a:lstStyle/>
+          <a:p>
+            <a:r>
+              <a:rPr lang="en-US" sz="2800" dirty="0"/>
+              <a:t>Example: Linear Model</a:t>
+            </a:r>
+          </a:p>
+        </p:txBody>
+      </p:sp>
+      <mc:AlternateContent xmlns:mc="http://schemas.openxmlformats.org/markup-compatibility/2006">
+        <mc:Choice xmlns:a14="http://schemas.microsoft.com/office/drawing/2010/main" Requires="a14">
+          <p:sp>
+            <p:nvSpPr>
+              <p:cNvPr id="11" name="TextBox 10">
+                <a:extLst>
+                  <a:ext uri="{FF2B5EF4-FFF2-40B4-BE49-F238E27FC236}">
+                    <a16:creationId xmlns:a16="http://schemas.microsoft.com/office/drawing/2014/main" id="{AB425DBC-CA71-584E-8E8C-3831C961321D}"/>
+                  </a:ext>
+                </a:extLst>
+              </p:cNvPr>
+              <p:cNvSpPr txBox="1"/>
+              <p:nvPr/>
+            </p:nvSpPr>
+            <p:spPr>
+              <a:xfrm>
+                <a:off x="640080" y="5049040"/>
+                <a:ext cx="10515600" cy="523220"/>
+              </a:xfrm>
+              <a:prstGeom prst="rect">
+                <a:avLst/>
+              </a:prstGeom>
+              <a:noFill/>
+            </p:spPr>
+            <p:txBody>
+              <a:bodyPr wrap="square">
+                <a:spAutoFit/>
+              </a:bodyPr>
+              <a:lstStyle/>
+              <a:p>
+                <a14:m>
+                  <m:oMathPara xmlns:m="http://schemas.openxmlformats.org/officeDocument/2006/math">
+                    <m:oMathParaPr>
+                      <m:jc m:val="centerGroup"/>
+                    </m:oMathParaPr>
+                    <m:oMath xmlns:m="http://schemas.openxmlformats.org/officeDocument/2006/math">
+                      <m:r>
+                        <a:rPr lang="en-US" sz="2800" b="0" i="1" smtClean="0">
+                          <a:latin typeface="Cambria Math" panose="02040503050406030204" pitchFamily="18" charset="0"/>
+                        </a:rPr>
+                        <m:t>𝐼𝑛𝑐𝑜𝑚𝑒</m:t>
+                      </m:r>
+                      <m:r>
+                        <a:rPr lang="en-US" sz="2800" b="0" i="1" smtClean="0">
+                          <a:latin typeface="Cambria Math" panose="02040503050406030204" pitchFamily="18" charset="0"/>
+                        </a:rPr>
+                        <m:t>=5×</m:t>
+                      </m:r>
+                      <m:r>
+                        <a:rPr lang="en-US" sz="2800" b="0" i="1" smtClean="0">
+                          <a:latin typeface="Cambria Math" panose="02040503050406030204" pitchFamily="18" charset="0"/>
+                        </a:rPr>
+                        <m:t>𝑌𝑒𝑎𝑟</m:t>
+                      </m:r>
+                      <m:r>
+                        <a:rPr lang="en-US" sz="2800" b="0" i="1" smtClean="0">
+                          <a:latin typeface="Cambria Math" panose="02040503050406030204" pitchFamily="18" charset="0"/>
+                        </a:rPr>
+                        <m:t> </m:t>
+                      </m:r>
+                      <m:r>
+                        <a:rPr lang="en-US" sz="2800" b="0" i="1" smtClean="0">
+                          <a:latin typeface="Cambria Math" panose="02040503050406030204" pitchFamily="18" charset="0"/>
+                        </a:rPr>
+                        <m:t>𝑜𝑓</m:t>
+                      </m:r>
+                      <m:r>
+                        <a:rPr lang="en-US" sz="2800" b="0" i="1" smtClean="0">
+                          <a:latin typeface="Cambria Math" panose="02040503050406030204" pitchFamily="18" charset="0"/>
+                        </a:rPr>
+                        <m:t> </m:t>
+                      </m:r>
+                      <m:r>
+                        <a:rPr lang="en-US" sz="2800" b="0" i="1" smtClean="0">
+                          <a:latin typeface="Cambria Math" panose="02040503050406030204" pitchFamily="18" charset="0"/>
+                        </a:rPr>
+                        <m:t>𝑤𝑜𝑟𝑘</m:t>
+                      </m:r>
+                      <m:r>
+                        <a:rPr lang="en-US" sz="2800" b="0" i="1" smtClean="0">
+                          <a:latin typeface="Cambria Math" panose="02040503050406030204" pitchFamily="18" charset="0"/>
+                        </a:rPr>
+                        <m:t>+4×</m:t>
+                      </m:r>
+                      <m:r>
+                        <a:rPr lang="en-US" sz="2800" b="0" i="1" smtClean="0">
+                          <a:latin typeface="Cambria Math" panose="02040503050406030204" pitchFamily="18" charset="0"/>
+                        </a:rPr>
+                        <m:t>𝑌𝑒𝑎𝑟</m:t>
+                      </m:r>
+                      <m:r>
+                        <a:rPr lang="en-US" sz="2800" b="0" i="1" smtClean="0">
+                          <a:latin typeface="Cambria Math" panose="02040503050406030204" pitchFamily="18" charset="0"/>
+                        </a:rPr>
+                        <m:t> </m:t>
+                      </m:r>
+                      <m:r>
+                        <a:rPr lang="en-US" sz="2800" b="0" i="1" smtClean="0">
+                          <a:latin typeface="Cambria Math" panose="02040503050406030204" pitchFamily="18" charset="0"/>
+                        </a:rPr>
+                        <m:t>𝑜𝑓</m:t>
+                      </m:r>
+                      <m:r>
+                        <a:rPr lang="en-US" sz="2800" b="0" i="1" smtClean="0">
+                          <a:latin typeface="Cambria Math" panose="02040503050406030204" pitchFamily="18" charset="0"/>
+                        </a:rPr>
+                        <m:t> </m:t>
+                      </m:r>
+                      <m:r>
+                        <a:rPr lang="en-US" sz="2800" b="0" i="1" smtClean="0">
+                          <a:latin typeface="Cambria Math" panose="02040503050406030204" pitchFamily="18" charset="0"/>
+                        </a:rPr>
+                        <m:t>𝐸𝑑𝑢</m:t>
+                      </m:r>
+                      <m:r>
+                        <a:rPr lang="en-US" sz="2800" b="0" i="1" smtClean="0">
+                          <a:latin typeface="Cambria Math" panose="02040503050406030204" pitchFamily="18" charset="0"/>
+                        </a:rPr>
+                        <m:t>+0.1×</m:t>
+                      </m:r>
+                      <m:r>
+                        <a:rPr lang="en-US" sz="2800" b="0" i="1" smtClean="0">
+                          <a:latin typeface="Cambria Math" panose="02040503050406030204" pitchFamily="18" charset="0"/>
+                        </a:rPr>
+                        <m:t>𝐻𝑒𝑖𝑔h𝑡</m:t>
+                      </m:r>
+                    </m:oMath>
+                  </m:oMathPara>
+                </a14:m>
+                <a:endParaRPr lang="en-US" sz="2800" dirty="0"/>
+              </a:p>
+            </p:txBody>
+          </p:sp>
+        </mc:Choice>
+        <mc:Fallback>
+          <p:sp>
+            <p:nvSpPr>
+              <p:cNvPr id="11" name="TextBox 10">
+                <a:extLst>
+                  <a:ext uri="{FF2B5EF4-FFF2-40B4-BE49-F238E27FC236}">
+                    <a16:creationId xmlns:a16="http://schemas.microsoft.com/office/drawing/2014/main" id="{AB425DBC-CA71-584E-8E8C-3831C961321D}"/>
+                  </a:ext>
+                </a:extLst>
+              </p:cNvPr>
+              <p:cNvSpPr txBox="1">
+                <a:spLocks noRot="1" noChangeAspect="1" noMove="1" noResize="1" noEditPoints="1" noAdjustHandles="1" noChangeArrowheads="1" noChangeShapeType="1" noTextEdit="1"/>
+              </p:cNvSpPr>
+              <p:nvPr/>
+            </p:nvSpPr>
+            <p:spPr>
+              <a:xfrm>
+                <a:off x="640080" y="5049040"/>
+                <a:ext cx="10515600" cy="523220"/>
+              </a:xfrm>
+              <a:prstGeom prst="rect">
+                <a:avLst/>
+              </a:prstGeom>
+              <a:blipFill>
+                <a:blip r:embed="rId2"/>
+                <a:stretch>
+                  <a:fillRect b="-21429"/>
+                </a:stretch>
+              </a:blipFill>
+            </p:spPr>
+            <p:txBody>
+              <a:bodyPr/>
+              <a:lstStyle/>
+              <a:p>
+                <a:r>
+                  <a:rPr lang="en-US">
+                    <a:noFill/>
+                  </a:rPr>
+                  <a:t> </a:t>
+                </a:r>
+              </a:p>
+            </p:txBody>
+          </p:sp>
+        </mc:Fallback>
+      </mc:AlternateContent>
+    </p:spTree>
+    <p:extLst>
+      <p:ext uri="{BB962C8B-B14F-4D97-AF65-F5344CB8AC3E}">
+        <p14:creationId xmlns:p14="http://schemas.microsoft.com/office/powerpoint/2010/main" val="2892434479"/>
+      </p:ext>
+    </p:extLst>
+  </p:cSld>
+  <p:clrMapOvr>
+    <a:masterClrMapping/>
+  </p:clrMapOvr>
+</p:sld>
+</file>
+
+<file path=ppt/slides/slide19.xml><?xml version="1.0" encoding="utf-8"?>
+<p:sld xmlns:a="http://schemas.openxmlformats.org/drawingml/2006/main" xmlns:r="http://schemas.openxmlformats.org/officeDocument/2006/relationships" xmlns:p="http://schemas.openxmlformats.org/presentationml/2006/main">
+  <p:cSld>
+    <p:spTree>
+      <p:nvGrpSpPr>
+        <p:cNvPr id="1" name=""/>
+        <p:cNvGrpSpPr/>
+        <p:nvPr/>
+      </p:nvGrpSpPr>
+      <p:grpSpPr>
+        <a:xfrm>
+          <a:off x="0" y="0"/>
+          <a:ext cx="0" cy="0"/>
+          <a:chOff x="0" y="0"/>
+          <a:chExt cx="0" cy="0"/>
+        </a:xfrm>
+      </p:grpSpPr>
+      <p:sp>
+        <p:nvSpPr>
+          <p:cNvPr id="2" name="Title 1">
+            <a:extLst>
+              <a:ext uri="{FF2B5EF4-FFF2-40B4-BE49-F238E27FC236}">
+                <a16:creationId xmlns:a16="http://schemas.microsoft.com/office/drawing/2014/main" id="{5F69E904-77AE-3048-8D9D-BEAC840793F6}"/>
+              </a:ext>
+            </a:extLst>
+          </p:cNvPr>
+          <p:cNvSpPr>
+            <a:spLocks noGrp="1"/>
+          </p:cNvSpPr>
+          <p:nvPr>
+            <p:ph type="title"/>
+          </p:nvPr>
+        </p:nvSpPr>
+        <p:spPr/>
+        <p:txBody>
+          <a:bodyPr/>
+          <a:lstStyle/>
+          <a:p>
+            <a:r>
+              <a:rPr lang="en-US" dirty="0"/>
+              <a:t>Accuracy and Interpretability Trade-off</a:t>
+            </a:r>
+          </a:p>
+        </p:txBody>
+      </p:sp>
+      <p:sp>
+        <p:nvSpPr>
+          <p:cNvPr id="6" name="TextBox 5">
+            <a:extLst>
+              <a:ext uri="{FF2B5EF4-FFF2-40B4-BE49-F238E27FC236}">
+                <a16:creationId xmlns:a16="http://schemas.microsoft.com/office/drawing/2014/main" id="{0A4ABCA8-D712-A84D-B4FD-C2833F2EB162}"/>
+              </a:ext>
+            </a:extLst>
+          </p:cNvPr>
+          <p:cNvSpPr txBox="1"/>
+          <p:nvPr/>
+        </p:nvSpPr>
+        <p:spPr>
+          <a:xfrm>
+            <a:off x="838200" y="1834151"/>
+            <a:ext cx="10515600" cy="523220"/>
+          </a:xfrm>
+          <a:prstGeom prst="rect">
+            <a:avLst/>
+          </a:prstGeom>
+          <a:noFill/>
+        </p:spPr>
+        <p:txBody>
+          <a:bodyPr wrap="square">
+            <a:spAutoFit/>
+          </a:bodyPr>
+          <a:lstStyle/>
+          <a:p>
+            <a:r>
+              <a:rPr lang="en-US" sz="2800" dirty="0"/>
+              <a:t>If a model is more complicated (e.g., with more parameters):</a:t>
+            </a:r>
+          </a:p>
+        </p:txBody>
+      </p:sp>
+      <p:sp>
+        <p:nvSpPr>
+          <p:cNvPr id="7" name="TextBox 6">
+            <a:extLst>
+              <a:ext uri="{FF2B5EF4-FFF2-40B4-BE49-F238E27FC236}">
+                <a16:creationId xmlns:a16="http://schemas.microsoft.com/office/drawing/2014/main" id="{7EB2BC32-9BBB-D946-8261-BDC911714E50}"/>
+              </a:ext>
+            </a:extLst>
+          </p:cNvPr>
+          <p:cNvSpPr txBox="1"/>
+          <p:nvPr/>
+        </p:nvSpPr>
+        <p:spPr>
+          <a:xfrm>
+            <a:off x="1554480" y="2641871"/>
+            <a:ext cx="10515600" cy="523220"/>
+          </a:xfrm>
+          <a:prstGeom prst="rect">
+            <a:avLst/>
+          </a:prstGeom>
+          <a:noFill/>
+        </p:spPr>
+        <p:txBody>
+          <a:bodyPr wrap="square">
+            <a:spAutoFit/>
+          </a:bodyPr>
+          <a:lstStyle/>
+          <a:p>
+            <a:r>
+              <a:rPr lang="en-US" sz="2800" dirty="0"/>
+              <a:t>The accuracy may be higher (but may suffer from overfitting)</a:t>
+            </a:r>
+          </a:p>
+        </p:txBody>
+      </p:sp>
+      <p:sp>
+        <p:nvSpPr>
+          <p:cNvPr id="8" name="TextBox 7">
+            <a:extLst>
+              <a:ext uri="{FF2B5EF4-FFF2-40B4-BE49-F238E27FC236}">
+                <a16:creationId xmlns:a16="http://schemas.microsoft.com/office/drawing/2014/main" id="{587BD057-652D-4E49-BD81-2FFEE86B1E31}"/>
+              </a:ext>
+            </a:extLst>
+          </p:cNvPr>
+          <p:cNvSpPr txBox="1"/>
+          <p:nvPr/>
+        </p:nvSpPr>
+        <p:spPr>
+          <a:xfrm>
+            <a:off x="1554480" y="3431300"/>
+            <a:ext cx="10515600" cy="523220"/>
+          </a:xfrm>
+          <a:prstGeom prst="rect">
+            <a:avLst/>
+          </a:prstGeom>
+          <a:noFill/>
+        </p:spPr>
+        <p:txBody>
+          <a:bodyPr wrap="square">
+            <a:spAutoFit/>
+          </a:bodyPr>
+          <a:lstStyle/>
+          <a:p>
+            <a:r>
+              <a:rPr lang="en-US" sz="2800" dirty="0"/>
+              <a:t>The interpretability may be worse (It is easy to interpret linear models)</a:t>
             </a:r>
           </a:p>
         </p:txBody>
@@ -9878,7 +10751,7 @@
     </p:spTree>
     <p:extLst>
       <p:ext uri="{BB962C8B-B14F-4D97-AF65-F5344CB8AC3E}">
-        <p14:creationId xmlns:p14="http://schemas.microsoft.com/office/powerpoint/2010/main" val="1613744569"/>
+        <p14:creationId xmlns:p14="http://schemas.microsoft.com/office/powerpoint/2010/main" val="1783230127"/>
       </p:ext>
     </p:extLst>
   </p:cSld>
@@ -10248,6 +11121,291 @@
     <p:extLst>
       <p:ext uri="{BB962C8B-B14F-4D97-AF65-F5344CB8AC3E}">
         <p14:creationId xmlns:p14="http://schemas.microsoft.com/office/powerpoint/2010/main" val="2999229372"/>
+      </p:ext>
+    </p:extLst>
+  </p:cSld>
+  <p:clrMapOvr>
+    <a:masterClrMapping/>
+  </p:clrMapOvr>
+</p:sld>
+</file>
+
+<file path=ppt/slides/slide20.xml><?xml version="1.0" encoding="utf-8"?>
+<p:sld xmlns:a="http://schemas.openxmlformats.org/drawingml/2006/main" xmlns:r="http://schemas.openxmlformats.org/officeDocument/2006/relationships" xmlns:p="http://schemas.openxmlformats.org/presentationml/2006/main">
+  <p:cSld>
+    <p:spTree>
+      <p:nvGrpSpPr>
+        <p:cNvPr id="1" name=""/>
+        <p:cNvGrpSpPr/>
+        <p:nvPr/>
+      </p:nvGrpSpPr>
+      <p:grpSpPr>
+        <a:xfrm>
+          <a:off x="0" y="0"/>
+          <a:ext cx="0" cy="0"/>
+          <a:chOff x="0" y="0"/>
+          <a:chExt cx="0" cy="0"/>
+        </a:xfrm>
+      </p:grpSpPr>
+      <p:sp>
+        <p:nvSpPr>
+          <p:cNvPr id="2" name="Title 1">
+            <a:extLst>
+              <a:ext uri="{FF2B5EF4-FFF2-40B4-BE49-F238E27FC236}">
+                <a16:creationId xmlns:a16="http://schemas.microsoft.com/office/drawing/2014/main" id="{5F69E904-77AE-3048-8D9D-BEAC840793F6}"/>
+              </a:ext>
+            </a:extLst>
+          </p:cNvPr>
+          <p:cNvSpPr>
+            <a:spLocks noGrp="1"/>
+          </p:cNvSpPr>
+          <p:nvPr>
+            <p:ph type="title"/>
+          </p:nvPr>
+        </p:nvSpPr>
+        <p:spPr/>
+        <p:txBody>
+          <a:bodyPr/>
+          <a:lstStyle/>
+          <a:p>
+            <a:r>
+              <a:rPr lang="en-US" dirty="0" err="1"/>
+              <a:t>Goodfit</a:t>
+            </a:r>
+            <a:r>
+              <a:rPr lang="en-US" dirty="0"/>
+              <a:t>, Underfit and Overfit</a:t>
+            </a:r>
+          </a:p>
+        </p:txBody>
+      </p:sp>
+      <p:pic>
+        <p:nvPicPr>
+          <p:cNvPr id="3" name="Picture 2">
+            <a:extLst>
+              <a:ext uri="{FF2B5EF4-FFF2-40B4-BE49-F238E27FC236}">
+                <a16:creationId xmlns:a16="http://schemas.microsoft.com/office/drawing/2014/main" id="{F754D2B5-ACFC-EF4A-82C8-DA0555B20DDA}"/>
+              </a:ext>
+            </a:extLst>
+          </p:cNvPr>
+          <p:cNvPicPr>
+            <a:picLocks noChangeAspect="1"/>
+          </p:cNvPicPr>
+          <p:nvPr/>
+        </p:nvPicPr>
+        <p:blipFill>
+          <a:blip r:embed="rId2"/>
+          <a:stretch>
+            <a:fillRect/>
+          </a:stretch>
+        </p:blipFill>
+        <p:spPr>
+          <a:xfrm>
+            <a:off x="662939" y="1868488"/>
+            <a:ext cx="11318313" cy="3549650"/>
+          </a:xfrm>
+          <a:prstGeom prst="rect">
+            <a:avLst/>
+          </a:prstGeom>
+        </p:spPr>
+      </p:pic>
+      <p:sp>
+        <p:nvSpPr>
+          <p:cNvPr id="9" name="TextBox 8">
+            <a:extLst>
+              <a:ext uri="{FF2B5EF4-FFF2-40B4-BE49-F238E27FC236}">
+                <a16:creationId xmlns:a16="http://schemas.microsoft.com/office/drawing/2014/main" id="{8854A77D-7B32-2748-B308-389A9B769E6E}"/>
+              </a:ext>
+            </a:extLst>
+          </p:cNvPr>
+          <p:cNvSpPr txBox="1"/>
+          <p:nvPr/>
+        </p:nvSpPr>
+        <p:spPr>
+          <a:xfrm>
+            <a:off x="1582455" y="5595938"/>
+            <a:ext cx="1526505" cy="523220"/>
+          </a:xfrm>
+          <a:prstGeom prst="rect">
+            <a:avLst/>
+          </a:prstGeom>
+          <a:noFill/>
+        </p:spPr>
+        <p:txBody>
+          <a:bodyPr wrap="square">
+            <a:spAutoFit/>
+          </a:bodyPr>
+          <a:lstStyle/>
+          <a:p>
+            <a:r>
+              <a:rPr lang="en-US" sz="2800" dirty="0"/>
+              <a:t>High bias</a:t>
+            </a:r>
+          </a:p>
+        </p:txBody>
+      </p:sp>
+      <p:sp>
+        <p:nvSpPr>
+          <p:cNvPr id="10" name="TextBox 9">
+            <a:extLst>
+              <a:ext uri="{FF2B5EF4-FFF2-40B4-BE49-F238E27FC236}">
+                <a16:creationId xmlns:a16="http://schemas.microsoft.com/office/drawing/2014/main" id="{6788D3E4-8E8B-AE4B-A3AE-6B3B6B7C9829}"/>
+              </a:ext>
+            </a:extLst>
+          </p:cNvPr>
+          <p:cNvSpPr txBox="1"/>
+          <p:nvPr/>
+        </p:nvSpPr>
+        <p:spPr>
+          <a:xfrm>
+            <a:off x="8943375" y="5595938"/>
+            <a:ext cx="2258025" cy="523220"/>
+          </a:xfrm>
+          <a:prstGeom prst="rect">
+            <a:avLst/>
+          </a:prstGeom>
+          <a:noFill/>
+        </p:spPr>
+        <p:txBody>
+          <a:bodyPr wrap="square">
+            <a:spAutoFit/>
+          </a:bodyPr>
+          <a:lstStyle/>
+          <a:p>
+            <a:r>
+              <a:rPr lang="en-US" sz="2800" dirty="0"/>
+              <a:t>High variance</a:t>
+            </a:r>
+          </a:p>
+        </p:txBody>
+      </p:sp>
+    </p:spTree>
+    <p:extLst>
+      <p:ext uri="{BB962C8B-B14F-4D97-AF65-F5344CB8AC3E}">
+        <p14:creationId xmlns:p14="http://schemas.microsoft.com/office/powerpoint/2010/main" val="2008262252"/>
+      </p:ext>
+    </p:extLst>
+  </p:cSld>
+  <p:clrMapOvr>
+    <a:masterClrMapping/>
+  </p:clrMapOvr>
+</p:sld>
+</file>
+
+<file path=ppt/slides/slide21.xml><?xml version="1.0" encoding="utf-8"?>
+<p:sld xmlns:a="http://schemas.openxmlformats.org/drawingml/2006/main" xmlns:r="http://schemas.openxmlformats.org/officeDocument/2006/relationships" xmlns:p="http://schemas.openxmlformats.org/presentationml/2006/main">
+  <p:cSld>
+    <p:spTree>
+      <p:nvGrpSpPr>
+        <p:cNvPr id="1" name=""/>
+        <p:cNvGrpSpPr/>
+        <p:nvPr/>
+      </p:nvGrpSpPr>
+      <p:grpSpPr>
+        <a:xfrm>
+          <a:off x="0" y="0"/>
+          <a:ext cx="0" cy="0"/>
+          <a:chOff x="0" y="0"/>
+          <a:chExt cx="0" cy="0"/>
+        </a:xfrm>
+      </p:grpSpPr>
+      <p:sp>
+        <p:nvSpPr>
+          <p:cNvPr id="2" name="Title 1">
+            <a:extLst>
+              <a:ext uri="{FF2B5EF4-FFF2-40B4-BE49-F238E27FC236}">
+                <a16:creationId xmlns:a16="http://schemas.microsoft.com/office/drawing/2014/main" id="{5F69E904-77AE-3048-8D9D-BEAC840793F6}"/>
+              </a:ext>
+            </a:extLst>
+          </p:cNvPr>
+          <p:cNvSpPr>
+            <a:spLocks noGrp="1"/>
+          </p:cNvSpPr>
+          <p:nvPr>
+            <p:ph type="title"/>
+          </p:nvPr>
+        </p:nvSpPr>
+        <p:spPr/>
+        <p:txBody>
+          <a:bodyPr/>
+          <a:lstStyle/>
+          <a:p>
+            <a:r>
+              <a:rPr lang="en-US" dirty="0"/>
+              <a:t>Underfit and Overfit</a:t>
+            </a:r>
+          </a:p>
+        </p:txBody>
+      </p:sp>
+    </p:spTree>
+    <p:extLst>
+      <p:ext uri="{BB962C8B-B14F-4D97-AF65-F5344CB8AC3E}">
+        <p14:creationId xmlns:p14="http://schemas.microsoft.com/office/powerpoint/2010/main" val="376484440"/>
+      </p:ext>
+    </p:extLst>
+  </p:cSld>
+  <p:clrMapOvr>
+    <a:masterClrMapping/>
+  </p:clrMapOvr>
+</p:sld>
+</file>
+
+<file path=ppt/slides/slide22.xml><?xml version="1.0" encoding="utf-8"?>
+<p:sld xmlns:a="http://schemas.openxmlformats.org/drawingml/2006/main" xmlns:r="http://schemas.openxmlformats.org/officeDocument/2006/relationships" xmlns:p="http://schemas.openxmlformats.org/presentationml/2006/main">
+  <p:cSld>
+    <p:spTree>
+      <p:nvGrpSpPr>
+        <p:cNvPr id="1" name=""/>
+        <p:cNvGrpSpPr/>
+        <p:nvPr/>
+      </p:nvGrpSpPr>
+      <p:grpSpPr>
+        <a:xfrm>
+          <a:off x="0" y="0"/>
+          <a:ext cx="0" cy="0"/>
+          <a:chOff x="0" y="0"/>
+          <a:chExt cx="0" cy="0"/>
+        </a:xfrm>
+      </p:grpSpPr>
+      <p:sp>
+        <p:nvSpPr>
+          <p:cNvPr id="10" name="TextBox 9">
+            <a:extLst>
+              <a:ext uri="{FF2B5EF4-FFF2-40B4-BE49-F238E27FC236}">
+                <a16:creationId xmlns:a16="http://schemas.microsoft.com/office/drawing/2014/main" id="{514E73AD-7A38-9D42-8C4C-ADC0FDE0FBC3}"/>
+              </a:ext>
+            </a:extLst>
+          </p:cNvPr>
+          <p:cNvSpPr txBox="1"/>
+          <p:nvPr/>
+        </p:nvSpPr>
+        <p:spPr>
+          <a:xfrm>
+            <a:off x="4792980" y="2601575"/>
+            <a:ext cx="5951220" cy="1077218"/>
+          </a:xfrm>
+          <a:prstGeom prst="rect">
+            <a:avLst/>
+          </a:prstGeom>
+          <a:noFill/>
+        </p:spPr>
+        <p:txBody>
+          <a:bodyPr wrap="square">
+            <a:spAutoFit/>
+          </a:bodyPr>
+          <a:lstStyle/>
+          <a:p>
+            <a:r>
+              <a:rPr lang="en-US" sz="6400" dirty="0"/>
+              <a:t>Q &amp; A</a:t>
+            </a:r>
+          </a:p>
+        </p:txBody>
+      </p:sp>
+    </p:spTree>
+    <p:extLst>
+      <p:ext uri="{BB962C8B-B14F-4D97-AF65-F5344CB8AC3E}">
+        <p14:creationId xmlns:p14="http://schemas.microsoft.com/office/powerpoint/2010/main" val="1613744569"/>
       </p:ext>
     </p:extLst>
   </p:cSld>

--- a/_umkc-teaching/slides/Lecture2 - Statistical Learning.pptx
+++ b/_umkc-teaching/slides/Lecture2 - Statistical Learning.pptx
@@ -5,7 +5,7 @@
     <p:sldMasterId id="2147483648" r:id="rId1"/>
   </p:sldMasterIdLst>
   <p:notesMasterIdLst>
-    <p:notesMasterId r:id="rId24"/>
+    <p:notesMasterId r:id="rId26"/>
   </p:notesMasterIdLst>
   <p:sldIdLst>
     <p:sldId id="257" r:id="rId2"/>
@@ -27,9 +27,11 @@
     <p:sldId id="303" r:id="rId18"/>
     <p:sldId id="312" r:id="rId19"/>
     <p:sldId id="304" r:id="rId20"/>
-    <p:sldId id="305" r:id="rId21"/>
-    <p:sldId id="309" r:id="rId22"/>
-    <p:sldId id="293" r:id="rId23"/>
+    <p:sldId id="313" r:id="rId21"/>
+    <p:sldId id="314" r:id="rId22"/>
+    <p:sldId id="305" r:id="rId23"/>
+    <p:sldId id="309" r:id="rId24"/>
+    <p:sldId id="293" r:id="rId25"/>
   </p:sldIdLst>
   <p:sldSz cx="12192000" cy="6858000"/>
   <p:notesSz cx="6858000" cy="9144000"/>
@@ -11169,6 +11171,471 @@
           <a:lstStyle/>
           <a:p>
             <a:r>
+              <a:rPr lang="en-US" dirty="0"/>
+              <a:t>Other Metrics (Binary Classification)</a:t>
+            </a:r>
+          </a:p>
+        </p:txBody>
+      </p:sp>
+      <p:sp>
+        <p:nvSpPr>
+          <p:cNvPr id="6" name="TextBox 5">
+            <a:extLst>
+              <a:ext uri="{FF2B5EF4-FFF2-40B4-BE49-F238E27FC236}">
+                <a16:creationId xmlns:a16="http://schemas.microsoft.com/office/drawing/2014/main" id="{0A4ABCA8-D712-A84D-B4FD-C2833F2EB162}"/>
+              </a:ext>
+            </a:extLst>
+          </p:cNvPr>
+          <p:cNvSpPr txBox="1"/>
+          <p:nvPr/>
+        </p:nvSpPr>
+        <p:spPr>
+          <a:xfrm>
+            <a:off x="838200" y="3086652"/>
+            <a:ext cx="10515600" cy="523220"/>
+          </a:xfrm>
+          <a:prstGeom prst="rect">
+            <a:avLst/>
+          </a:prstGeom>
+          <a:noFill/>
+        </p:spPr>
+        <p:txBody>
+          <a:bodyPr wrap="square">
+            <a:spAutoFit/>
+          </a:bodyPr>
+          <a:lstStyle/>
+          <a:p>
+            <a:r>
+              <a:rPr lang="en-US" sz="2800" dirty="0"/>
+              <a:t>True Positive: TP</a:t>
+            </a:r>
+          </a:p>
+        </p:txBody>
+      </p:sp>
+      <p:sp>
+        <p:nvSpPr>
+          <p:cNvPr id="9" name="TextBox 8">
+            <a:extLst>
+              <a:ext uri="{FF2B5EF4-FFF2-40B4-BE49-F238E27FC236}">
+                <a16:creationId xmlns:a16="http://schemas.microsoft.com/office/drawing/2014/main" id="{555308E5-75B5-6147-B626-C85DFE070124}"/>
+              </a:ext>
+            </a:extLst>
+          </p:cNvPr>
+          <p:cNvSpPr txBox="1"/>
+          <p:nvPr/>
+        </p:nvSpPr>
+        <p:spPr>
+          <a:xfrm>
+            <a:off x="4450080" y="3106431"/>
+            <a:ext cx="10515600" cy="523220"/>
+          </a:xfrm>
+          <a:prstGeom prst="rect">
+            <a:avLst/>
+          </a:prstGeom>
+          <a:noFill/>
+        </p:spPr>
+        <p:txBody>
+          <a:bodyPr wrap="square">
+            <a:spAutoFit/>
+          </a:bodyPr>
+          <a:lstStyle/>
+          <a:p>
+            <a:r>
+              <a:rPr lang="en-US" sz="2800" dirty="0"/>
+              <a:t>False Positive: FP </a:t>
+            </a:r>
+          </a:p>
+        </p:txBody>
+      </p:sp>
+      <p:sp>
+        <p:nvSpPr>
+          <p:cNvPr id="10" name="TextBox 9">
+            <a:extLst>
+              <a:ext uri="{FF2B5EF4-FFF2-40B4-BE49-F238E27FC236}">
+                <a16:creationId xmlns:a16="http://schemas.microsoft.com/office/drawing/2014/main" id="{CD41FB34-8748-D14D-9896-9ED435FE1FDB}"/>
+              </a:ext>
+            </a:extLst>
+          </p:cNvPr>
+          <p:cNvSpPr txBox="1"/>
+          <p:nvPr/>
+        </p:nvSpPr>
+        <p:spPr>
+          <a:xfrm>
+            <a:off x="838200" y="1744488"/>
+            <a:ext cx="10896600" cy="523220"/>
+          </a:xfrm>
+          <a:prstGeom prst="rect">
+            <a:avLst/>
+          </a:prstGeom>
+          <a:noFill/>
+        </p:spPr>
+        <p:txBody>
+          <a:bodyPr wrap="square">
+            <a:spAutoFit/>
+          </a:bodyPr>
+          <a:lstStyle/>
+          <a:p>
+            <a:r>
+              <a:rPr lang="en-US" sz="2800" dirty="0"/>
+              <a:t>A + B: B is the prediction, and A means the correctness of the prediction</a:t>
+            </a:r>
+          </a:p>
+        </p:txBody>
+      </p:sp>
+      <p:sp>
+        <p:nvSpPr>
+          <p:cNvPr id="11" name="TextBox 10">
+            <a:extLst>
+              <a:ext uri="{FF2B5EF4-FFF2-40B4-BE49-F238E27FC236}">
+                <a16:creationId xmlns:a16="http://schemas.microsoft.com/office/drawing/2014/main" id="{37A8685B-4AEE-A648-A92C-5ED5E51849D4}"/>
+              </a:ext>
+            </a:extLst>
+          </p:cNvPr>
+          <p:cNvSpPr txBox="1"/>
+          <p:nvPr/>
+        </p:nvSpPr>
+        <p:spPr>
+          <a:xfrm>
+            <a:off x="838200" y="4573044"/>
+            <a:ext cx="10515600" cy="523220"/>
+          </a:xfrm>
+          <a:prstGeom prst="rect">
+            <a:avLst/>
+          </a:prstGeom>
+          <a:noFill/>
+        </p:spPr>
+        <p:txBody>
+          <a:bodyPr wrap="square">
+            <a:spAutoFit/>
+          </a:bodyPr>
+          <a:lstStyle/>
+          <a:p>
+            <a:r>
+              <a:rPr lang="en-US" sz="2800" dirty="0"/>
+              <a:t>True Negative: TN </a:t>
+            </a:r>
+          </a:p>
+        </p:txBody>
+      </p:sp>
+      <p:sp>
+        <p:nvSpPr>
+          <p:cNvPr id="12" name="TextBox 11">
+            <a:extLst>
+              <a:ext uri="{FF2B5EF4-FFF2-40B4-BE49-F238E27FC236}">
+                <a16:creationId xmlns:a16="http://schemas.microsoft.com/office/drawing/2014/main" id="{BFADC883-79B8-4A49-88C1-83ED822425F2}"/>
+              </a:ext>
+            </a:extLst>
+          </p:cNvPr>
+          <p:cNvSpPr txBox="1"/>
+          <p:nvPr/>
+        </p:nvSpPr>
+        <p:spPr>
+          <a:xfrm>
+            <a:off x="4450080" y="4590293"/>
+            <a:ext cx="10515600" cy="523220"/>
+          </a:xfrm>
+          <a:prstGeom prst="rect">
+            <a:avLst/>
+          </a:prstGeom>
+          <a:noFill/>
+        </p:spPr>
+        <p:txBody>
+          <a:bodyPr wrap="square">
+            <a:spAutoFit/>
+          </a:bodyPr>
+          <a:lstStyle/>
+          <a:p>
+            <a:r>
+              <a:rPr lang="en-US" sz="2800" dirty="0"/>
+              <a:t>True Negative: FN </a:t>
+            </a:r>
+          </a:p>
+        </p:txBody>
+      </p:sp>
+      <p:sp>
+        <p:nvSpPr>
+          <p:cNvPr id="13" name="TextBox 12">
+            <a:extLst>
+              <a:ext uri="{FF2B5EF4-FFF2-40B4-BE49-F238E27FC236}">
+                <a16:creationId xmlns:a16="http://schemas.microsoft.com/office/drawing/2014/main" id="{742326EA-47E6-E044-8943-7758B23E4B27}"/>
+              </a:ext>
+            </a:extLst>
+          </p:cNvPr>
+          <p:cNvSpPr txBox="1"/>
+          <p:nvPr/>
+        </p:nvSpPr>
+        <p:spPr>
+          <a:xfrm>
+            <a:off x="2971800" y="3812600"/>
+            <a:ext cx="10515600" cy="523220"/>
+          </a:xfrm>
+          <a:prstGeom prst="rect">
+            <a:avLst/>
+          </a:prstGeom>
+          <a:noFill/>
+        </p:spPr>
+        <p:txBody>
+          <a:bodyPr wrap="square">
+            <a:spAutoFit/>
+          </a:bodyPr>
+          <a:lstStyle/>
+          <a:p>
+            <a:r>
+              <a:rPr lang="en-US" sz="2800" dirty="0"/>
+              <a:t>TP + FP = 1</a:t>
+            </a:r>
+          </a:p>
+        </p:txBody>
+      </p:sp>
+      <p:sp>
+        <p:nvSpPr>
+          <p:cNvPr id="14" name="TextBox 13">
+            <a:extLst>
+              <a:ext uri="{FF2B5EF4-FFF2-40B4-BE49-F238E27FC236}">
+                <a16:creationId xmlns:a16="http://schemas.microsoft.com/office/drawing/2014/main" id="{CAB1D21F-9C20-6E4D-A017-CA01A7E8C398}"/>
+              </a:ext>
+            </a:extLst>
+          </p:cNvPr>
+          <p:cNvSpPr txBox="1"/>
+          <p:nvPr/>
+        </p:nvSpPr>
+        <p:spPr>
+          <a:xfrm>
+            <a:off x="2971800" y="5405092"/>
+            <a:ext cx="10515600" cy="523220"/>
+          </a:xfrm>
+          <a:prstGeom prst="rect">
+            <a:avLst/>
+          </a:prstGeom>
+          <a:noFill/>
+        </p:spPr>
+        <p:txBody>
+          <a:bodyPr wrap="square">
+            <a:spAutoFit/>
+          </a:bodyPr>
+          <a:lstStyle/>
+          <a:p>
+            <a:r>
+              <a:rPr lang="en-US" sz="2800" dirty="0"/>
+              <a:t>TN + FN = 1</a:t>
+            </a:r>
+          </a:p>
+        </p:txBody>
+      </p:sp>
+    </p:spTree>
+    <p:extLst>
+      <p:ext uri="{BB962C8B-B14F-4D97-AF65-F5344CB8AC3E}">
+        <p14:creationId xmlns:p14="http://schemas.microsoft.com/office/powerpoint/2010/main" val="1290584260"/>
+      </p:ext>
+    </p:extLst>
+  </p:cSld>
+  <p:clrMapOvr>
+    <a:masterClrMapping/>
+  </p:clrMapOvr>
+</p:sld>
+</file>
+
+<file path=ppt/slides/slide21.xml><?xml version="1.0" encoding="utf-8"?>
+<p:sld xmlns:a="http://schemas.openxmlformats.org/drawingml/2006/main" xmlns:r="http://schemas.openxmlformats.org/officeDocument/2006/relationships" xmlns:p="http://schemas.openxmlformats.org/presentationml/2006/main">
+  <p:cSld>
+    <p:spTree>
+      <p:nvGrpSpPr>
+        <p:cNvPr id="1" name=""/>
+        <p:cNvGrpSpPr/>
+        <p:nvPr/>
+      </p:nvGrpSpPr>
+      <p:grpSpPr>
+        <a:xfrm>
+          <a:off x="0" y="0"/>
+          <a:ext cx="0" cy="0"/>
+          <a:chOff x="0" y="0"/>
+          <a:chExt cx="0" cy="0"/>
+        </a:xfrm>
+      </p:grpSpPr>
+      <p:sp>
+        <p:nvSpPr>
+          <p:cNvPr id="2" name="Title 1">
+            <a:extLst>
+              <a:ext uri="{FF2B5EF4-FFF2-40B4-BE49-F238E27FC236}">
+                <a16:creationId xmlns:a16="http://schemas.microsoft.com/office/drawing/2014/main" id="{5F69E904-77AE-3048-8D9D-BEAC840793F6}"/>
+              </a:ext>
+            </a:extLst>
+          </p:cNvPr>
+          <p:cNvSpPr>
+            <a:spLocks noGrp="1"/>
+          </p:cNvSpPr>
+          <p:nvPr>
+            <p:ph type="title"/>
+          </p:nvPr>
+        </p:nvSpPr>
+        <p:spPr/>
+        <p:txBody>
+          <a:bodyPr/>
+          <a:lstStyle/>
+          <a:p>
+            <a:r>
+              <a:rPr lang="en-US" dirty="0"/>
+              <a:t>Other Metrics (Binary Classification)</a:t>
+            </a:r>
+          </a:p>
+        </p:txBody>
+      </p:sp>
+      <p:sp>
+        <p:nvSpPr>
+          <p:cNvPr id="5" name="AutoShape 6" descr="F1 Score in Machine Learning: Intro &amp; Calculation">
+            <a:extLst>
+              <a:ext uri="{FF2B5EF4-FFF2-40B4-BE49-F238E27FC236}">
+                <a16:creationId xmlns:a16="http://schemas.microsoft.com/office/drawing/2014/main" id="{5B42C782-FF51-C84B-AE00-6AB614E5646F}"/>
+              </a:ext>
+            </a:extLst>
+          </p:cNvPr>
+          <p:cNvSpPr>
+            <a:spLocks noChangeAspect="1" noChangeArrowheads="1"/>
+          </p:cNvSpPr>
+          <p:nvPr/>
+        </p:nvSpPr>
+        <p:spPr bwMode="auto">
+          <a:xfrm>
+            <a:off x="5928360" y="3154680"/>
+            <a:ext cx="304800" cy="304800"/>
+          </a:xfrm>
+          <a:prstGeom prst="rect">
+            <a:avLst/>
+          </a:prstGeom>
+          <a:noFill/>
+          <a:extLst>
+            <a:ext uri="{909E8E84-426E-40DD-AFC4-6F175D3DCCD1}">
+              <a14:hiddenFill xmlns:a14="http://schemas.microsoft.com/office/drawing/2010/main">
+                <a:solidFill>
+                  <a:srgbClr val="FFFFFF"/>
+                </a:solidFill>
+              </a14:hiddenFill>
+            </a:ext>
+          </a:extLst>
+        </p:spPr>
+        <p:txBody>
+          <a:bodyPr vert="horz" wrap="square" lIns="91440" tIns="45720" rIns="91440" bIns="45720" numCol="1" anchor="t" anchorCtr="0" compatLnSpc="1">
+            <a:prstTxWarp prst="textNoShape">
+              <a:avLst/>
+            </a:prstTxWarp>
+          </a:bodyPr>
+          <a:lstStyle/>
+          <a:p>
+            <a:endParaRPr lang="en-US"/>
+          </a:p>
+        </p:txBody>
+      </p:sp>
+      <p:pic>
+        <p:nvPicPr>
+          <p:cNvPr id="15" name="Picture 14">
+            <a:extLst>
+              <a:ext uri="{FF2B5EF4-FFF2-40B4-BE49-F238E27FC236}">
+                <a16:creationId xmlns:a16="http://schemas.microsoft.com/office/drawing/2014/main" id="{9DAC9204-45F7-1A43-BF02-3ECB16419197}"/>
+              </a:ext>
+            </a:extLst>
+          </p:cNvPr>
+          <p:cNvPicPr>
+            <a:picLocks noChangeAspect="1"/>
+          </p:cNvPicPr>
+          <p:nvPr/>
+        </p:nvPicPr>
+        <p:blipFill>
+          <a:blip r:embed="rId2"/>
+          <a:stretch>
+            <a:fillRect/>
+          </a:stretch>
+        </p:blipFill>
+        <p:spPr>
+          <a:xfrm>
+            <a:off x="2399029" y="3907736"/>
+            <a:ext cx="5211693" cy="1672590"/>
+          </a:xfrm>
+          <a:prstGeom prst="rect">
+            <a:avLst/>
+          </a:prstGeom>
+        </p:spPr>
+      </p:pic>
+      <p:pic>
+        <p:nvPicPr>
+          <p:cNvPr id="17" name="Picture 16">
+            <a:extLst>
+              <a:ext uri="{FF2B5EF4-FFF2-40B4-BE49-F238E27FC236}">
+                <a16:creationId xmlns:a16="http://schemas.microsoft.com/office/drawing/2014/main" id="{2153729B-9289-E547-93D9-41212B69E6B3}"/>
+              </a:ext>
+            </a:extLst>
+          </p:cNvPr>
+          <p:cNvPicPr>
+            <a:picLocks noChangeAspect="1"/>
+          </p:cNvPicPr>
+          <p:nvPr/>
+        </p:nvPicPr>
+        <p:blipFill rotWithShape="1">
+          <a:blip r:embed="rId3"/>
+          <a:srcRect t="9456"/>
+          <a:stretch/>
+        </p:blipFill>
+        <p:spPr>
+          <a:xfrm>
+            <a:off x="2247900" y="1992049"/>
+            <a:ext cx="3558540" cy="2037607"/>
+          </a:xfrm>
+          <a:prstGeom prst="rect">
+            <a:avLst/>
+          </a:prstGeom>
+        </p:spPr>
+      </p:pic>
+    </p:spTree>
+    <p:extLst>
+      <p:ext uri="{BB962C8B-B14F-4D97-AF65-F5344CB8AC3E}">
+        <p14:creationId xmlns:p14="http://schemas.microsoft.com/office/powerpoint/2010/main" val="447458041"/>
+      </p:ext>
+    </p:extLst>
+  </p:cSld>
+  <p:clrMapOvr>
+    <a:masterClrMapping/>
+  </p:clrMapOvr>
+</p:sld>
+</file>
+
+<file path=ppt/slides/slide22.xml><?xml version="1.0" encoding="utf-8"?>
+<p:sld xmlns:a="http://schemas.openxmlformats.org/drawingml/2006/main" xmlns:r="http://schemas.openxmlformats.org/officeDocument/2006/relationships" xmlns:p="http://schemas.openxmlformats.org/presentationml/2006/main">
+  <p:cSld>
+    <p:spTree>
+      <p:nvGrpSpPr>
+        <p:cNvPr id="1" name=""/>
+        <p:cNvGrpSpPr/>
+        <p:nvPr/>
+      </p:nvGrpSpPr>
+      <p:grpSpPr>
+        <a:xfrm>
+          <a:off x="0" y="0"/>
+          <a:ext cx="0" cy="0"/>
+          <a:chOff x="0" y="0"/>
+          <a:chExt cx="0" cy="0"/>
+        </a:xfrm>
+      </p:grpSpPr>
+      <p:sp>
+        <p:nvSpPr>
+          <p:cNvPr id="2" name="Title 1">
+            <a:extLst>
+              <a:ext uri="{FF2B5EF4-FFF2-40B4-BE49-F238E27FC236}">
+                <a16:creationId xmlns:a16="http://schemas.microsoft.com/office/drawing/2014/main" id="{5F69E904-77AE-3048-8D9D-BEAC840793F6}"/>
+              </a:ext>
+            </a:extLst>
+          </p:cNvPr>
+          <p:cNvSpPr>
+            <a:spLocks noGrp="1"/>
+          </p:cNvSpPr>
+          <p:nvPr>
+            <p:ph type="title"/>
+          </p:nvPr>
+        </p:nvSpPr>
+        <p:spPr/>
+        <p:txBody>
+          <a:bodyPr/>
+          <a:lstStyle/>
+          <a:p>
+            <a:r>
               <a:rPr lang="en-US" dirty="0" err="1"/>
               <a:t>Goodfit</a:t>
             </a:r>
@@ -11292,7 +11759,7 @@
 </p:sld>
 </file>
 
-<file path=ppt/slides/slide21.xml><?xml version="1.0" encoding="utf-8"?>
+<file path=ppt/slides/slide23.xml><?xml version="1.0" encoding="utf-8"?>
 <p:sld xmlns:a="http://schemas.openxmlformats.org/drawingml/2006/main" xmlns:r="http://schemas.openxmlformats.org/officeDocument/2006/relationships" xmlns:p="http://schemas.openxmlformats.org/presentationml/2006/main">
   <p:cSld>
     <p:spTree>
@@ -11337,6 +11804,53 @@
           </a:p>
         </p:txBody>
       </p:sp>
+      <p:pic>
+        <p:nvPicPr>
+          <p:cNvPr id="1026" name="Picture 2" descr="UNDERFIT and OVERFIT Explained. The main aim here is to find the best… | by  Aarthi Kasirajan | Medium">
+            <a:extLst>
+              <a:ext uri="{FF2B5EF4-FFF2-40B4-BE49-F238E27FC236}">
+                <a16:creationId xmlns:a16="http://schemas.microsoft.com/office/drawing/2014/main" id="{65B632A4-C027-B04F-98C5-4F4889B4E175}"/>
+              </a:ext>
+            </a:extLst>
+          </p:cNvPr>
+          <p:cNvPicPr>
+            <a:picLocks noChangeAspect="1" noChangeArrowheads="1"/>
+          </p:cNvPicPr>
+          <p:nvPr/>
+        </p:nvPicPr>
+        <p:blipFill>
+          <a:blip r:embed="rId2">
+            <a:extLst>
+              <a:ext uri="{28A0092B-C50C-407E-A947-70E740481C1C}">
+                <a14:useLocalDpi xmlns:a14="http://schemas.microsoft.com/office/drawing/2010/main" val="0"/>
+              </a:ext>
+            </a:extLst>
+          </a:blip>
+          <a:srcRect/>
+          <a:stretch>
+            <a:fillRect/>
+          </a:stretch>
+        </p:blipFill>
+        <p:spPr bwMode="auto">
+          <a:xfrm>
+            <a:off x="1348740" y="1812608"/>
+            <a:ext cx="7634818" cy="4359592"/>
+          </a:xfrm>
+          <a:prstGeom prst="rect">
+            <a:avLst/>
+          </a:prstGeom>
+          <a:noFill/>
+          <a:extLst>
+            <a:ext uri="{909E8E84-426E-40DD-AFC4-6F175D3DCCD1}">
+              <a14:hiddenFill xmlns:a14="http://schemas.microsoft.com/office/drawing/2010/main">
+                <a:solidFill>
+                  <a:srgbClr val="FFFFFF"/>
+                </a:solidFill>
+              </a14:hiddenFill>
+            </a:ext>
+          </a:extLst>
+        </p:spPr>
+      </p:pic>
     </p:spTree>
     <p:extLst>
       <p:ext uri="{BB962C8B-B14F-4D97-AF65-F5344CB8AC3E}">
@@ -11350,7 +11864,7 @@
 </p:sld>
 </file>
 
-<file path=ppt/slides/slide22.xml><?xml version="1.0" encoding="utf-8"?>
+<file path=ppt/slides/slide24.xml><?xml version="1.0" encoding="utf-8"?>
 <p:sld xmlns:a="http://schemas.openxmlformats.org/drawingml/2006/main" xmlns:r="http://schemas.openxmlformats.org/officeDocument/2006/relationships" xmlns:p="http://schemas.openxmlformats.org/presentationml/2006/main">
   <p:cSld>
     <p:spTree>

--- a/_umkc-teaching/slides/Lecture2 - Statistical Learning.pptx
+++ b/_umkc-teaching/slides/Lecture2 - Statistical Learning.pptx
@@ -11227,7 +11227,7 @@
         <p:spPr>
           <a:xfrm>
             <a:off x="4450080" y="3106431"/>
-            <a:ext cx="10515600" cy="523220"/>
+            <a:ext cx="4175760" cy="523220"/>
           </a:xfrm>
           <a:prstGeom prst="rect">
             <a:avLst/>
@@ -11332,7 +11332,7 @@
         <p:spPr>
           <a:xfrm>
             <a:off x="4450080" y="4590293"/>
-            <a:ext cx="10515600" cy="523220"/>
+            <a:ext cx="3063240" cy="523220"/>
           </a:xfrm>
           <a:prstGeom prst="rect">
             <a:avLst/>
@@ -11480,51 +11480,6 @@
           </a:p>
         </p:txBody>
       </p:sp>
-      <p:sp>
-        <p:nvSpPr>
-          <p:cNvPr id="5" name="AutoShape 6" descr="F1 Score in Machine Learning: Intro &amp; Calculation">
-            <a:extLst>
-              <a:ext uri="{FF2B5EF4-FFF2-40B4-BE49-F238E27FC236}">
-                <a16:creationId xmlns:a16="http://schemas.microsoft.com/office/drawing/2014/main" id="{5B42C782-FF51-C84B-AE00-6AB614E5646F}"/>
-              </a:ext>
-            </a:extLst>
-          </p:cNvPr>
-          <p:cNvSpPr>
-            <a:spLocks noChangeAspect="1" noChangeArrowheads="1"/>
-          </p:cNvSpPr>
-          <p:nvPr/>
-        </p:nvSpPr>
-        <p:spPr bwMode="auto">
-          <a:xfrm>
-            <a:off x="5928360" y="3154680"/>
-            <a:ext cx="304800" cy="304800"/>
-          </a:xfrm>
-          <a:prstGeom prst="rect">
-            <a:avLst/>
-          </a:prstGeom>
-          <a:noFill/>
-          <a:extLst>
-            <a:ext uri="{909E8E84-426E-40DD-AFC4-6F175D3DCCD1}">
-              <a14:hiddenFill xmlns:a14="http://schemas.microsoft.com/office/drawing/2010/main">
-                <a:solidFill>
-                  <a:srgbClr val="FFFFFF"/>
-                </a:solidFill>
-              </a14:hiddenFill>
-            </a:ext>
-          </a:extLst>
-        </p:spPr>
-        <p:txBody>
-          <a:bodyPr vert="horz" wrap="square" lIns="91440" tIns="45720" rIns="91440" bIns="45720" numCol="1" anchor="t" anchorCtr="0" compatLnSpc="1">
-            <a:prstTxWarp prst="textNoShape">
-              <a:avLst/>
-            </a:prstTxWarp>
-          </a:bodyPr>
-          <a:lstStyle/>
-          <a:p>
-            <a:endParaRPr lang="en-US"/>
-          </a:p>
-        </p:txBody>
-      </p:sp>
       <p:pic>
         <p:nvPicPr>
           <p:cNvPr id="15" name="Picture 14">
@@ -11547,7 +11502,7 @@
         </p:blipFill>
         <p:spPr>
           <a:xfrm>
-            <a:off x="2399029" y="3907736"/>
+            <a:off x="1149349" y="3877256"/>
             <a:ext cx="5211693" cy="1672590"/>
           </a:xfrm>
           <a:prstGeom prst="rect">
@@ -11576,7 +11531,7 @@
         </p:blipFill>
         <p:spPr>
           <a:xfrm>
-            <a:off x="2247900" y="1992049"/>
+            <a:off x="998220" y="1961569"/>
             <a:ext cx="3558540" cy="2037607"/>
           </a:xfrm>
           <a:prstGeom prst="rect">
@@ -11584,6 +11539,76 @@
           </a:prstGeom>
         </p:spPr>
       </p:pic>
+      <p:sp>
+        <p:nvSpPr>
+          <p:cNvPr id="22" name="TextBox 21">
+            <a:extLst>
+              <a:ext uri="{FF2B5EF4-FFF2-40B4-BE49-F238E27FC236}">
+                <a16:creationId xmlns:a16="http://schemas.microsoft.com/office/drawing/2014/main" id="{E1BA3928-C683-9C45-A432-B050F75B5560}"/>
+              </a:ext>
+            </a:extLst>
+          </p:cNvPr>
+          <p:cNvSpPr txBox="1"/>
+          <p:nvPr/>
+        </p:nvSpPr>
+        <p:spPr>
+          <a:xfrm>
+            <a:off x="4846320" y="3167390"/>
+            <a:ext cx="7345680" cy="523220"/>
+          </a:xfrm>
+          <a:prstGeom prst="rect">
+            <a:avLst/>
+          </a:prstGeom>
+          <a:noFill/>
+        </p:spPr>
+        <p:txBody>
+          <a:bodyPr wrap="square">
+            <a:spAutoFit/>
+          </a:bodyPr>
+          <a:lstStyle/>
+          <a:p>
+            <a:r>
+              <a:rPr lang="en-US" sz="2800" dirty="0"/>
+              <a:t>How many positive cases are correctly predicted?</a:t>
+            </a:r>
+          </a:p>
+        </p:txBody>
+      </p:sp>
+      <p:sp>
+        <p:nvSpPr>
+          <p:cNvPr id="23" name="TextBox 22">
+            <a:extLst>
+              <a:ext uri="{FF2B5EF4-FFF2-40B4-BE49-F238E27FC236}">
+                <a16:creationId xmlns:a16="http://schemas.microsoft.com/office/drawing/2014/main" id="{ADDE82A7-A9D5-3F47-B837-35B2FF1B9BB8}"/>
+              </a:ext>
+            </a:extLst>
+          </p:cNvPr>
+          <p:cNvSpPr txBox="1"/>
+          <p:nvPr/>
+        </p:nvSpPr>
+        <p:spPr>
+          <a:xfrm>
+            <a:off x="4846320" y="2291767"/>
+            <a:ext cx="7345680" cy="523220"/>
+          </a:xfrm>
+          <a:prstGeom prst="rect">
+            <a:avLst/>
+          </a:prstGeom>
+          <a:noFill/>
+        </p:spPr>
+        <p:txBody>
+          <a:bodyPr wrap="square">
+            <a:spAutoFit/>
+          </a:bodyPr>
+          <a:lstStyle/>
+          <a:p>
+            <a:r>
+              <a:rPr lang="en-US" sz="2800" dirty="0"/>
+              <a:t>How many positive predictions are correct?</a:t>
+            </a:r>
+          </a:p>
+        </p:txBody>
+      </p:sp>
     </p:spTree>
     <p:extLst>
       <p:ext uri="{BB962C8B-B14F-4D97-AF65-F5344CB8AC3E}">

--- a/_umkc-teaching/slides/Lecture2 - Statistical Learning.pptx
+++ b/_umkc-teaching/slides/Lecture2 - Statistical Learning.pptx
@@ -220,7 +220,7 @@
           <a:p>
             <a:fld id="{7AF9442D-9D7C-40D7-A5A3-649EA8C158D2}" type="datetimeFigureOut">
               <a:rPr lang="en-US" smtClean="0"/>
-              <a:t>8/25/23</a:t>
+              <a:t>8/28/23</a:t>
             </a:fld>
             <a:endParaRPr lang="en-US"/>
           </a:p>
@@ -1288,7 +1288,7 @@
           <a:p>
             <a:fld id="{41748473-9145-41F0-ADB9-654A949CD218}" type="datetimeFigureOut">
               <a:rPr lang="en-US" smtClean="0"/>
-              <a:t>8/25/23</a:t>
+              <a:t>8/28/23</a:t>
             </a:fld>
             <a:endParaRPr lang="en-US"/>
           </a:p>
@@ -1456,7 +1456,7 @@
           <a:p>
             <a:fld id="{41748473-9145-41F0-ADB9-654A949CD218}" type="datetimeFigureOut">
               <a:rPr lang="en-US" smtClean="0"/>
-              <a:t>8/25/23</a:t>
+              <a:t>8/28/23</a:t>
             </a:fld>
             <a:endParaRPr lang="en-US"/>
           </a:p>
@@ -1634,7 +1634,7 @@
           <a:p>
             <a:fld id="{41748473-9145-41F0-ADB9-654A949CD218}" type="datetimeFigureOut">
               <a:rPr lang="en-US" smtClean="0"/>
-              <a:t>8/25/23</a:t>
+              <a:t>8/28/23</a:t>
             </a:fld>
             <a:endParaRPr lang="en-US"/>
           </a:p>
@@ -1802,7 +1802,7 @@
           <a:p>
             <a:fld id="{41748473-9145-41F0-ADB9-654A949CD218}" type="datetimeFigureOut">
               <a:rPr lang="en-US" smtClean="0"/>
-              <a:t>8/25/23</a:t>
+              <a:t>8/28/23</a:t>
             </a:fld>
             <a:endParaRPr lang="en-US"/>
           </a:p>
@@ -2047,7 +2047,7 @@
           <a:p>
             <a:fld id="{41748473-9145-41F0-ADB9-654A949CD218}" type="datetimeFigureOut">
               <a:rPr lang="en-US" smtClean="0"/>
-              <a:t>8/25/23</a:t>
+              <a:t>8/28/23</a:t>
             </a:fld>
             <a:endParaRPr lang="en-US"/>
           </a:p>
@@ -2276,7 +2276,7 @@
           <a:p>
             <a:fld id="{41748473-9145-41F0-ADB9-654A949CD218}" type="datetimeFigureOut">
               <a:rPr lang="en-US" smtClean="0"/>
-              <a:t>8/25/23</a:t>
+              <a:t>8/28/23</a:t>
             </a:fld>
             <a:endParaRPr lang="en-US"/>
           </a:p>
@@ -2640,7 +2640,7 @@
           <a:p>
             <a:fld id="{41748473-9145-41F0-ADB9-654A949CD218}" type="datetimeFigureOut">
               <a:rPr lang="en-US" smtClean="0"/>
-              <a:t>8/25/23</a:t>
+              <a:t>8/28/23</a:t>
             </a:fld>
             <a:endParaRPr lang="en-US"/>
           </a:p>
@@ -2757,7 +2757,7 @@
           <a:p>
             <a:fld id="{41748473-9145-41F0-ADB9-654A949CD218}" type="datetimeFigureOut">
               <a:rPr lang="en-US" smtClean="0"/>
-              <a:t>8/25/23</a:t>
+              <a:t>8/28/23</a:t>
             </a:fld>
             <a:endParaRPr lang="en-US"/>
           </a:p>
@@ -2852,7 +2852,7 @@
           <a:p>
             <a:fld id="{41748473-9145-41F0-ADB9-654A949CD218}" type="datetimeFigureOut">
               <a:rPr lang="en-US" smtClean="0"/>
-              <a:t>8/25/23</a:t>
+              <a:t>8/28/23</a:t>
             </a:fld>
             <a:endParaRPr lang="en-US"/>
           </a:p>
@@ -3127,7 +3127,7 @@
           <a:p>
             <a:fld id="{41748473-9145-41F0-ADB9-654A949CD218}" type="datetimeFigureOut">
               <a:rPr lang="en-US" smtClean="0"/>
-              <a:t>8/25/23</a:t>
+              <a:t>8/28/23</a:t>
             </a:fld>
             <a:endParaRPr lang="en-US"/>
           </a:p>
@@ -3379,7 +3379,7 @@
           <a:p>
             <a:fld id="{41748473-9145-41F0-ADB9-654A949CD218}" type="datetimeFigureOut">
               <a:rPr lang="en-US" smtClean="0"/>
-              <a:t>8/25/23</a:t>
+              <a:t>8/28/23</a:t>
             </a:fld>
             <a:endParaRPr lang="en-US"/>
           </a:p>
@@ -3590,7 +3590,7 @@
           <a:p>
             <a:fld id="{41748473-9145-41F0-ADB9-654A949CD218}" type="datetimeFigureOut">
               <a:rPr lang="en-US" smtClean="0"/>
-              <a:t>8/25/23</a:t>
+              <a:t>8/28/23</a:t>
             </a:fld>
             <a:endParaRPr lang="en-US"/>
           </a:p>
@@ -4291,8 +4291,8 @@
           </a:p>
         </p:txBody>
       </p:sp>
-      <mc:AlternateContent xmlns:mc="http://schemas.openxmlformats.org/markup-compatibility/2006">
-        <mc:Choice xmlns:a14="http://schemas.microsoft.com/office/drawing/2010/main" Requires="a14">
+      <mc:AlternateContent xmlns:mc="http://schemas.openxmlformats.org/markup-compatibility/2006" xmlns:a14="http://schemas.microsoft.com/office/drawing/2010/main">
+        <mc:Choice Requires="a14">
           <p:sp>
             <p:nvSpPr>
               <p:cNvPr id="4" name="TextBox 3">
@@ -4632,7 +4632,7 @@
             </p:txBody>
           </p:sp>
         </mc:Choice>
-        <mc:Fallback>
+        <mc:Fallback xmlns="">
           <p:sp>
             <p:nvSpPr>
               <p:cNvPr id="4" name="TextBox 3">
@@ -5720,8 +5720,8 @@
           </a:p>
         </p:txBody>
       </p:sp>
-      <mc:AlternateContent xmlns:mc="http://schemas.openxmlformats.org/markup-compatibility/2006">
-        <mc:Choice xmlns:a14="http://schemas.microsoft.com/office/drawing/2010/main" Requires="a14">
+      <mc:AlternateContent xmlns:mc="http://schemas.openxmlformats.org/markup-compatibility/2006" xmlns:a14="http://schemas.microsoft.com/office/drawing/2010/main">
+        <mc:Choice Requires="a14">
           <p:sp>
             <p:nvSpPr>
               <p:cNvPr id="10" name="TextBox 9">
@@ -5774,7 +5774,7 @@
             </p:txBody>
           </p:sp>
         </mc:Choice>
-        <mc:Fallback>
+        <mc:Fallback xmlns="">
           <p:sp>
             <p:nvSpPr>
               <p:cNvPr id="10" name="TextBox 9">
@@ -5819,8 +5819,8 @@
           </p:sp>
         </mc:Fallback>
       </mc:AlternateContent>
-      <mc:AlternateContent xmlns:mc="http://schemas.openxmlformats.org/markup-compatibility/2006" xmlns:a14="http://schemas.microsoft.com/office/drawing/2010/main">
-        <mc:Choice Requires="a14">
+      <mc:AlternateContent xmlns:mc="http://schemas.openxmlformats.org/markup-compatibility/2006">
+        <mc:Choice xmlns:a14="http://schemas.microsoft.com/office/drawing/2010/main" Requires="a14">
           <p:sp>
             <p:nvSpPr>
               <p:cNvPr id="12" name="TextBox 11">
@@ -5953,14 +5953,14 @@
                     <m:sSup>
                       <m:sSupPr>
                         <m:ctrlPr>
-                          <a:rPr lang="en-US" sz="2400" b="0" i="1" smtClean="0">
+                          <a:rPr lang="en-US" sz="2400" i="1">
                             <a:latin typeface="Cambria Math" panose="02040503050406030204" pitchFamily="18" charset="0"/>
                           </a:rPr>
                         </m:ctrlPr>
                       </m:sSupPr>
                       <m:e>
                         <m:r>
-                          <a:rPr lang="en-US" sz="2400" b="0" i="1" smtClean="0">
+                          <a:rPr lang="en-US" sz="2400" i="1">
                             <a:latin typeface="Cambria Math" panose="02040503050406030204" pitchFamily="18" charset="0"/>
                           </a:rPr>
                           <m:t>𝜖</m:t>
@@ -5968,7 +5968,7 @@
                       </m:e>
                       <m:sup>
                         <m:r>
-                          <a:rPr lang="en-US" sz="2400" b="0" i="1" smtClean="0">
+                          <a:rPr lang="en-US" sz="2400" i="1">
                             <a:latin typeface="Cambria Math" panose="02040503050406030204" pitchFamily="18" charset="0"/>
                           </a:rPr>
                           <m:t>2</m:t>
@@ -5976,7 +5976,69 @@
                       </m:sup>
                     </m:sSup>
                     <m:r>
-                      <a:rPr lang="en-US" sz="2400" b="0" i="1" smtClean="0">
+                      <a:rPr lang="en-US" sz="2400" i="1">
+                        <a:latin typeface="Cambria Math" panose="02040503050406030204" pitchFamily="18" charset="0"/>
+                      </a:rPr>
+                      <m:t>+</m:t>
+                    </m:r>
+                    <m:r>
+                      <a:rPr lang="en-US" sz="2400" i="1">
+                        <a:latin typeface="Cambria Math" panose="02040503050406030204" pitchFamily="18" charset="0"/>
+                      </a:rPr>
+                      <m:t>2</m:t>
+                    </m:r>
+                    <m:r>
+                      <a:rPr lang="en-US" sz="2400" i="1">
+                        <a:latin typeface="Cambria Math" panose="02040503050406030204" pitchFamily="18" charset="0"/>
+                      </a:rPr>
+                      <m:t>𝜖</m:t>
+                    </m:r>
+                    <m:sSub>
+                      <m:sSubPr>
+                        <m:ctrlPr>
+                          <a:rPr lang="en-US" sz="2400" i="1">
+                            <a:latin typeface="Cambria Math" panose="02040503050406030204" pitchFamily="18" charset="0"/>
+                          </a:rPr>
+                        </m:ctrlPr>
+                      </m:sSubPr>
+                      <m:e>
+                        <m:r>
+                          <a:rPr lang="en-US" sz="2400" i="1">
+                            <a:latin typeface="Cambria Math" panose="02040503050406030204" pitchFamily="18" charset="0"/>
+                          </a:rPr>
+                          <m:t>𝐸</m:t>
+                        </m:r>
+                      </m:e>
+                      <m:sub>
+                        <m:r>
+                          <a:rPr lang="en-US" sz="2400" i="1">
+                            <a:latin typeface="Cambria Math" panose="02040503050406030204" pitchFamily="18" charset="0"/>
+                          </a:rPr>
+                          <m:t>𝐷</m:t>
+                        </m:r>
+                      </m:sub>
+                    </m:sSub>
+                    <m:d>
+                      <m:dPr>
+                        <m:begChr m:val="["/>
+                        <m:endChr m:val="]"/>
+                        <m:ctrlPr>
+                          <a:rPr lang="en-US" sz="2400" i="1">
+                            <a:latin typeface="Cambria Math" panose="02040503050406030204" pitchFamily="18" charset="0"/>
+                          </a:rPr>
+                        </m:ctrlPr>
+                      </m:dPr>
+                      <m:e>
+                        <m:r>
+                          <a:rPr lang="en-US" sz="2400" i="1">
+                            <a:latin typeface="Cambria Math" panose="02040503050406030204" pitchFamily="18" charset="0"/>
+                          </a:rPr>
+                          <m:t>𝑒</m:t>
+                        </m:r>
+                      </m:e>
+                    </m:d>
+                    <m:r>
+                      <a:rPr lang="en-US" sz="2400" i="1">
                         <a:latin typeface="Cambria Math" panose="02040503050406030204" pitchFamily="18" charset="0"/>
                       </a:rPr>
                       <m:t>+</m:t>
@@ -5984,14 +6046,14 @@
                     <m:sSub>
                       <m:sSubPr>
                         <m:ctrlPr>
-                          <a:rPr lang="en-US" sz="2400" b="0" i="1" smtClean="0">
+                          <a:rPr lang="en-US" sz="2400" i="1">
                             <a:latin typeface="Cambria Math" panose="02040503050406030204" pitchFamily="18" charset="0"/>
                           </a:rPr>
                         </m:ctrlPr>
                       </m:sSubPr>
                       <m:e>
                         <m:r>
-                          <a:rPr lang="en-US" sz="2400" b="0" i="1" smtClean="0">
+                          <a:rPr lang="en-US" sz="2400" i="1">
                             <a:latin typeface="Cambria Math" panose="02040503050406030204" pitchFamily="18" charset="0"/>
                           </a:rPr>
                           <m:t>𝐸</m:t>
@@ -5999,7 +6061,7 @@
                       </m:e>
                       <m:sub>
                         <m:r>
-                          <a:rPr lang="en-US" sz="2400" b="0" i="1" smtClean="0">
+                          <a:rPr lang="en-US" sz="2400" i="1">
                             <a:latin typeface="Cambria Math" panose="02040503050406030204" pitchFamily="18" charset="0"/>
                           </a:rPr>
                           <m:t>𝐷</m:t>
@@ -6007,7 +6069,7 @@
                       </m:sub>
                     </m:sSub>
                     <m:r>
-                      <a:rPr lang="en-US" sz="2400" b="0" i="1" smtClean="0">
+                      <a:rPr lang="en-US" sz="2400" i="1">
                         <a:latin typeface="Cambria Math" panose="02040503050406030204" pitchFamily="18" charset="0"/>
                       </a:rPr>
                       <m:t>[</m:t>
@@ -6015,14 +6077,14 @@
                     <m:sSup>
                       <m:sSupPr>
                         <m:ctrlPr>
-                          <a:rPr lang="en-US" sz="2400" b="0" i="1" smtClean="0">
+                          <a:rPr lang="en-US" sz="2400" i="1">
                             <a:latin typeface="Cambria Math" panose="02040503050406030204" pitchFamily="18" charset="0"/>
                           </a:rPr>
                         </m:ctrlPr>
                       </m:sSupPr>
                       <m:e>
                         <m:r>
-                          <a:rPr lang="en-US" sz="2400" b="0" i="1" smtClean="0">
+                          <a:rPr lang="en-US" sz="2400" i="1">
                             <a:latin typeface="Cambria Math" panose="02040503050406030204" pitchFamily="18" charset="0"/>
                           </a:rPr>
                           <m:t>𝑒</m:t>
@@ -6030,7 +6092,7 @@
                       </m:e>
                       <m:sup>
                         <m:r>
-                          <a:rPr lang="en-US" sz="2400" b="0" i="1" smtClean="0">
+                          <a:rPr lang="en-US" sz="2400" i="1">
                             <a:latin typeface="Cambria Math" panose="02040503050406030204" pitchFamily="18" charset="0"/>
                           </a:rPr>
                           <m:t>2</m:t>
@@ -6038,7 +6100,7 @@
                       </m:sup>
                     </m:sSup>
                     <m:r>
-                      <a:rPr lang="en-US" sz="2400" b="0" i="1" smtClean="0">
+                      <a:rPr lang="en-US" sz="2400" i="1">
                         <a:latin typeface="Cambria Math" panose="02040503050406030204" pitchFamily="18" charset="0"/>
                       </a:rPr>
                       <m:t>]</m:t>
@@ -6047,7 +6109,7 @@
                 </a14:m>
                 <a:r>
                   <a:rPr lang="en-US" sz="2400" dirty="0"/>
-                  <a:t>     irreducible error + reducible error</a:t>
+                  <a:t> irreducible error + reducible error</a:t>
                 </a:r>
               </a:p>
               <a:p>
@@ -6056,7 +6118,7 @@
             </p:txBody>
           </p:sp>
         </mc:Choice>
-        <mc:Fallback xmlns="">
+        <mc:Fallback>
           <p:sp>
             <p:nvSpPr>
               <p:cNvPr id="12" name="TextBox 11">
@@ -6701,8 +6763,8 @@
           </a:p>
         </p:txBody>
       </p:sp>
-      <mc:AlternateContent xmlns:mc="http://schemas.openxmlformats.org/markup-compatibility/2006" xmlns:a14="http://schemas.microsoft.com/office/drawing/2010/main">
-        <mc:Choice Requires="a14">
+      <mc:AlternateContent xmlns:mc="http://schemas.openxmlformats.org/markup-compatibility/2006">
+        <mc:Choice xmlns:a14="http://schemas.microsoft.com/office/drawing/2010/main" Requires="a14">
           <p:sp>
             <p:nvSpPr>
               <p:cNvPr id="18" name="TextBox 17">
@@ -6741,7 +6803,7 @@
                       <m:sSub>
                         <m:sSubPr>
                           <m:ctrlPr>
-                            <a:rPr lang="en-US" sz="2400" b="0" i="1" smtClean="0">
+                            <a:rPr lang="en-US" sz="2400" i="1" dirty="0">
                               <a:latin typeface="Cambria Math" panose="02040503050406030204" pitchFamily="18" charset="0"/>
                             </a:rPr>
                           </m:ctrlPr>
@@ -6750,139 +6812,173 @@
                           <m:sSub>
                             <m:sSubPr>
                               <m:ctrlPr>
-                                <a:rPr lang="en-US" sz="2400" b="0" i="1" smtClean="0">
+                                <a:rPr lang="en-US" sz="2400" i="1" dirty="0">
                                   <a:latin typeface="Cambria Math" panose="02040503050406030204" pitchFamily="18" charset="0"/>
                                 </a:rPr>
                               </m:ctrlPr>
                             </m:sSubPr>
                             <m:e>
                               <m:r>
-                                <a:rPr lang="en-US" sz="2400" b="0" i="1" smtClean="0">
+                                <m:rPr>
+                                  <m:sty m:val="p"/>
+                                </m:rPr>
+                                <a:rPr lang="en-US" sz="2400" dirty="0">
                                   <a:latin typeface="Cambria Math" panose="02040503050406030204" pitchFamily="18" charset="0"/>
                                 </a:rPr>
-                                <m:t>𝐸</m:t>
+                                <m:t>E</m:t>
                               </m:r>
                             </m:e>
                             <m:sub>
                               <m:r>
-                                <a:rPr lang="en-US" sz="2400" b="0" i="1" smtClean="0">
+                                <m:rPr>
+                                  <m:sty m:val="p"/>
+                                </m:rPr>
+                                <a:rPr lang="en-US" sz="2400" dirty="0">
                                   <a:latin typeface="Cambria Math" panose="02040503050406030204" pitchFamily="18" charset="0"/>
                                 </a:rPr>
-                                <m:t>𝐷</m:t>
+                                <m:t>D</m:t>
                               </m:r>
                             </m:sub>
                           </m:sSub>
                           <m:r>
-                            <a:rPr lang="en-US" sz="2400" b="0" i="1" smtClean="0">
+                            <a:rPr lang="en-US" sz="2400" dirty="0">
                               <a:latin typeface="Cambria Math" panose="02040503050406030204" pitchFamily="18" charset="0"/>
                             </a:rPr>
-                            <m:t>[</m:t>
+                            <m:t>[(</m:t>
                           </m:r>
                           <m:r>
-                            <a:rPr lang="en-US" sz="2400" b="0" i="1" smtClean="0">
+                            <m:rPr>
+                              <m:sty m:val="p"/>
+                            </m:rPr>
+                            <a:rPr lang="en-US" sz="2400" dirty="0">
                               <a:latin typeface="Cambria Math" panose="02040503050406030204" pitchFamily="18" charset="0"/>
                             </a:rPr>
-                            <m:t>𝐸</m:t>
+                            <m:t>E</m:t>
                           </m:r>
                         </m:e>
                         <m:sub>
                           <m:r>
-                            <a:rPr lang="en-US" sz="2400" b="0" i="1" smtClean="0">
+                            <a:rPr lang="en-US" sz="2400" i="1" dirty="0">
                               <a:latin typeface="Cambria Math" panose="02040503050406030204" pitchFamily="18" charset="0"/>
                             </a:rPr>
                             <m:t>𝐷</m:t>
                           </m:r>
                         </m:sub>
                       </m:sSub>
-                      <m:d>
-                        <m:dPr>
-                          <m:begChr m:val="["/>
-                          <m:endChr m:val="]"/>
+                      <m:sSup>
+                        <m:sSupPr>
                           <m:ctrlPr>
-                            <a:rPr lang="en-US" sz="2400" b="0" i="1" smtClean="0">
+                            <a:rPr lang="en-US" sz="2400" i="1" dirty="0">
                               <a:latin typeface="Cambria Math" panose="02040503050406030204" pitchFamily="18" charset="0"/>
                             </a:rPr>
                           </m:ctrlPr>
-                        </m:dPr>
+                        </m:sSupPr>
                         <m:e>
-                          <m:r>
-                            <a:rPr lang="en-US" sz="2400" b="0" i="1" smtClean="0">
-                              <a:latin typeface="Cambria Math" panose="02040503050406030204" pitchFamily="18" charset="0"/>
-                            </a:rPr>
-                            <m:t>𝑔</m:t>
-                          </m:r>
                           <m:d>
                             <m:dPr>
+                              <m:begChr m:val="["/>
+                              <m:endChr m:val="]"/>
                               <m:ctrlPr>
-                                <a:rPr lang="en-US" sz="2400" b="0" i="1" smtClean="0">
+                                <a:rPr lang="en-US" sz="2400" i="1">
                                   <a:latin typeface="Cambria Math" panose="02040503050406030204" pitchFamily="18" charset="0"/>
                                 </a:rPr>
                               </m:ctrlPr>
                             </m:dPr>
                             <m:e>
                               <m:r>
-                                <a:rPr lang="en-US" sz="2400" b="0" i="1" smtClean="0">
+                                <a:rPr lang="en-US" sz="2400" i="1">
                                   <a:latin typeface="Cambria Math" panose="02040503050406030204" pitchFamily="18" charset="0"/>
                                 </a:rPr>
-                                <m:t>𝑋</m:t>
+                                <m:t>𝑔</m:t>
                               </m:r>
-                              <m:r>
-                                <a:rPr lang="en-US" sz="2400" b="0" i="1" smtClean="0">
-                                  <a:latin typeface="Cambria Math" panose="02040503050406030204" pitchFamily="18" charset="0"/>
-                                </a:rPr>
-                                <m:t>;</m:t>
-                              </m:r>
-                              <m:r>
-                                <a:rPr lang="en-US" sz="2400" b="0" i="1" smtClean="0">
-                                  <a:latin typeface="Cambria Math" panose="02040503050406030204" pitchFamily="18" charset="0"/>
-                                </a:rPr>
-                                <m:t>𝐷</m:t>
-                              </m:r>
+                              <m:d>
+                                <m:dPr>
+                                  <m:ctrlPr>
+                                    <a:rPr lang="en-US" sz="2400" i="1">
+                                      <a:latin typeface="Cambria Math" panose="02040503050406030204" pitchFamily="18" charset="0"/>
+                                    </a:rPr>
+                                  </m:ctrlPr>
+                                </m:dPr>
+                                <m:e>
+                                  <m:r>
+                                    <a:rPr lang="en-US" sz="2400" i="1">
+                                      <a:latin typeface="Cambria Math" panose="02040503050406030204" pitchFamily="18" charset="0"/>
+                                    </a:rPr>
+                                    <m:t>𝑋</m:t>
+                                  </m:r>
+                                  <m:r>
+                                    <a:rPr lang="en-US" sz="2400" i="1">
+                                      <a:latin typeface="Cambria Math" panose="02040503050406030204" pitchFamily="18" charset="0"/>
+                                    </a:rPr>
+                                    <m:t>;</m:t>
+                                  </m:r>
+                                  <m:r>
+                                    <a:rPr lang="en-US" sz="2400" i="1">
+                                      <a:latin typeface="Cambria Math" panose="02040503050406030204" pitchFamily="18" charset="0"/>
+                                    </a:rPr>
+                                    <m:t>𝐷</m:t>
+                                  </m:r>
+                                </m:e>
+                              </m:d>
                             </m:e>
                           </m:d>
+                          <m:r>
+                            <a:rPr lang="en-US" sz="2400" i="1">
+                              <a:latin typeface="Cambria Math" panose="02040503050406030204" pitchFamily="18" charset="0"/>
+                            </a:rPr>
+                            <m:t> −</m:t>
+                          </m:r>
+                          <m:r>
+                            <a:rPr lang="en-US" sz="2400" i="1">
+                              <a:latin typeface="Cambria Math" panose="02040503050406030204" pitchFamily="18" charset="0"/>
+                            </a:rPr>
+                            <m:t>𝑔</m:t>
+                          </m:r>
+                          <m:r>
+                            <a:rPr lang="en-US" sz="2400" i="1">
+                              <a:latin typeface="Cambria Math" panose="02040503050406030204" pitchFamily="18" charset="0"/>
+                            </a:rPr>
+                            <m:t>(</m:t>
+                          </m:r>
+                          <m:r>
+                            <a:rPr lang="en-US" sz="2400" i="1">
+                              <a:latin typeface="Cambria Math" panose="02040503050406030204" pitchFamily="18" charset="0"/>
+                            </a:rPr>
+                            <m:t>𝑋</m:t>
+                          </m:r>
+                          <m:r>
+                            <a:rPr lang="en-US" sz="2400" i="1">
+                              <a:latin typeface="Cambria Math" panose="02040503050406030204" pitchFamily="18" charset="0"/>
+                            </a:rPr>
+                            <m:t>;</m:t>
+                          </m:r>
+                          <m:r>
+                            <a:rPr lang="en-US" sz="2400" i="1">
+                              <a:latin typeface="Cambria Math" panose="02040503050406030204" pitchFamily="18" charset="0"/>
+                            </a:rPr>
+                            <m:t>𝐷</m:t>
+                          </m:r>
+                          <m:r>
+                            <a:rPr lang="en-US" sz="2400" i="1">
+                              <a:latin typeface="Cambria Math" panose="02040503050406030204" pitchFamily="18" charset="0"/>
+                            </a:rPr>
+                            <m:t>))</m:t>
+                          </m:r>
                         </m:e>
-                      </m:d>
+                        <m:sup>
+                          <m:r>
+                            <a:rPr lang="en-US" sz="2400" i="1" dirty="0">
+                              <a:latin typeface="Cambria Math" panose="02040503050406030204" pitchFamily="18" charset="0"/>
+                            </a:rPr>
+                            <m:t>2</m:t>
+                          </m:r>
+                        </m:sup>
+                      </m:sSup>
                       <m:r>
-                        <a:rPr lang="en-US" sz="2400" b="0" i="1" smtClean="0">
+                        <a:rPr lang="en-US" sz="2400" i="1">
                           <a:latin typeface="Cambria Math" panose="02040503050406030204" pitchFamily="18" charset="0"/>
                         </a:rPr>
-                        <m:t> −</m:t>
-                      </m:r>
-                      <m:r>
-                        <a:rPr lang="en-US" sz="2400" b="0" i="1" smtClean="0">
-                          <a:latin typeface="Cambria Math" panose="02040503050406030204" pitchFamily="18" charset="0"/>
-                        </a:rPr>
-                        <m:t>𝑔</m:t>
-                      </m:r>
-                      <m:r>
-                        <a:rPr lang="en-US" sz="2400" b="0" i="1" smtClean="0">
-                          <a:latin typeface="Cambria Math" panose="02040503050406030204" pitchFamily="18" charset="0"/>
-                        </a:rPr>
-                        <m:t>(</m:t>
-                      </m:r>
-                      <m:r>
-                        <a:rPr lang="en-US" sz="2400" b="0" i="1" smtClean="0">
-                          <a:latin typeface="Cambria Math" panose="02040503050406030204" pitchFamily="18" charset="0"/>
-                        </a:rPr>
-                        <m:t>𝑋</m:t>
-                      </m:r>
-                      <m:r>
-                        <a:rPr lang="en-US" sz="2400" b="0" i="1" smtClean="0">
-                          <a:latin typeface="Cambria Math" panose="02040503050406030204" pitchFamily="18" charset="0"/>
-                        </a:rPr>
-                        <m:t>;</m:t>
-                      </m:r>
-                      <m:r>
-                        <a:rPr lang="en-US" sz="2400" b="0" i="1" smtClean="0">
-                          <a:latin typeface="Cambria Math" panose="02040503050406030204" pitchFamily="18" charset="0"/>
-                        </a:rPr>
-                        <m:t>𝐷</m:t>
-                      </m:r>
-                      <m:r>
-                        <a:rPr lang="en-US" sz="2400" b="0" i="1" smtClean="0">
-                          <a:latin typeface="Cambria Math" panose="02040503050406030204" pitchFamily="18" charset="0"/>
-                        </a:rPr>
-                        <m:t>)]</m:t>
+                        <m:t>]</m:t>
                       </m:r>
                     </m:oMath>
                   </m:oMathPara>
@@ -6892,7 +6988,7 @@
             </p:txBody>
           </p:sp>
         </mc:Choice>
-        <mc:Fallback xmlns="">
+        <mc:Fallback>
           <p:sp>
             <p:nvSpPr>
               <p:cNvPr id="18" name="TextBox 17">
@@ -8129,8 +8225,8 @@
           </a:p>
         </p:txBody>
       </p:sp>
-      <mc:AlternateContent xmlns:mc="http://schemas.openxmlformats.org/markup-compatibility/2006">
-        <mc:Choice xmlns:a14="http://schemas.microsoft.com/office/drawing/2010/main" Requires="a14">
+      <mc:AlternateContent xmlns:mc="http://schemas.openxmlformats.org/markup-compatibility/2006" xmlns:a14="http://schemas.microsoft.com/office/drawing/2010/main">
+        <mc:Choice Requires="a14">
           <p:sp>
             <p:nvSpPr>
               <p:cNvPr id="8" name="TextBox 7">
@@ -8335,7 +8431,7 @@
             </p:txBody>
           </p:sp>
         </mc:Choice>
-        <mc:Fallback>
+        <mc:Fallback xmlns="">
           <p:sp>
             <p:nvSpPr>
               <p:cNvPr id="8" name="TextBox 7">
@@ -8380,8 +8476,8 @@
           </p:sp>
         </mc:Fallback>
       </mc:AlternateContent>
-      <mc:AlternateContent xmlns:mc="http://schemas.openxmlformats.org/markup-compatibility/2006">
-        <mc:Choice xmlns:a14="http://schemas.microsoft.com/office/drawing/2010/main" Requires="a14">
+      <mc:AlternateContent xmlns:mc="http://schemas.openxmlformats.org/markup-compatibility/2006" xmlns:a14="http://schemas.microsoft.com/office/drawing/2010/main">
+        <mc:Choice Requires="a14">
           <p:sp>
             <p:nvSpPr>
               <p:cNvPr id="10" name="TextBox 9">
@@ -8410,6 +8506,7 @@
               </a:bodyPr>
               <a:lstStyle/>
               <a:p>
+                <a:pPr/>
                 <a14:m>
                   <m:oMathPara xmlns:m="http://schemas.openxmlformats.org/officeDocument/2006/math">
                     <m:oMathParaPr>
@@ -8551,7 +8648,7 @@
             </p:txBody>
           </p:sp>
         </mc:Choice>
-        <mc:Fallback>
+        <mc:Fallback xmlns="">
           <p:sp>
             <p:nvSpPr>
               <p:cNvPr id="10" name="TextBox 9">
@@ -8596,8 +8693,8 @@
           </p:sp>
         </mc:Fallback>
       </mc:AlternateContent>
-      <mc:AlternateContent xmlns:mc="http://schemas.openxmlformats.org/markup-compatibility/2006">
-        <mc:Choice xmlns:a14="http://schemas.microsoft.com/office/drawing/2010/main" Requires="a14">
+      <mc:AlternateContent xmlns:mc="http://schemas.openxmlformats.org/markup-compatibility/2006" xmlns:a14="http://schemas.microsoft.com/office/drawing/2010/main">
+        <mc:Choice Requires="a14">
           <p:sp>
             <p:nvSpPr>
               <p:cNvPr id="12" name="TextBox 11">
@@ -8917,7 +9014,7 @@
             </p:txBody>
           </p:sp>
         </mc:Choice>
-        <mc:Fallback>
+        <mc:Fallback xmlns="">
           <p:sp>
             <p:nvSpPr>
               <p:cNvPr id="12" name="TextBox 11">
@@ -8962,8 +9059,8 @@
           </p:sp>
         </mc:Fallback>
       </mc:AlternateContent>
-      <mc:AlternateContent xmlns:mc="http://schemas.openxmlformats.org/markup-compatibility/2006">
-        <mc:Choice xmlns:a14="http://schemas.microsoft.com/office/drawing/2010/main" Requires="a14">
+      <mc:AlternateContent xmlns:mc="http://schemas.openxmlformats.org/markup-compatibility/2006" xmlns:a14="http://schemas.microsoft.com/office/drawing/2010/main">
+        <mc:Choice Requires="a14">
           <p:sp>
             <p:nvSpPr>
               <p:cNvPr id="13" name="TextBox 12">
@@ -9283,7 +9380,7 @@
             </p:txBody>
           </p:sp>
         </mc:Choice>
-        <mc:Fallback>
+        <mc:Fallback xmlns="">
           <p:sp>
             <p:nvSpPr>
               <p:cNvPr id="13" name="TextBox 12">
@@ -9649,7 +9746,6 @@
               </a:bodyPr>
               <a:lstStyle/>
               <a:p>
-                <a:pPr/>
                 <a:r>
                   <a:rPr lang="en-US" sz="2400" b="0" dirty="0"/>
                   <a:t>Better metric: </a:t>
@@ -9659,7 +9755,7 @@
                     <m:sSub>
                       <m:sSubPr>
                         <m:ctrlPr>
-                          <a:rPr lang="en-US" sz="2400" b="0" i="1" smtClean="0">
+                          <a:rPr lang="en-US" sz="2400" b="0" i="0" dirty="0" smtClean="0">
                             <a:latin typeface="Cambria Math" panose="02040503050406030204" pitchFamily="18" charset="0"/>
                           </a:rPr>
                         </m:ctrlPr>
@@ -9668,139 +9764,173 @@
                         <m:sSub>
                           <m:sSubPr>
                             <m:ctrlPr>
-                              <a:rPr lang="en-US" sz="2400" b="0" i="1" smtClean="0">
+                              <a:rPr lang="en-US" sz="2400" b="0" i="0" dirty="0" smtClean="0">
                                 <a:latin typeface="Cambria Math" panose="02040503050406030204" pitchFamily="18" charset="0"/>
                               </a:rPr>
                             </m:ctrlPr>
                           </m:sSubPr>
                           <m:e>
                             <m:r>
-                              <a:rPr lang="en-US" sz="2400" b="0" i="1" smtClean="0">
+                              <m:rPr>
+                                <m:sty m:val="p"/>
+                              </m:rPr>
+                              <a:rPr lang="en-US" sz="2400" b="0" i="0" dirty="0" smtClean="0">
                                 <a:latin typeface="Cambria Math" panose="02040503050406030204" pitchFamily="18" charset="0"/>
                               </a:rPr>
-                              <m:t>𝐸</m:t>
+                              <m:t>E</m:t>
                             </m:r>
                           </m:e>
                           <m:sub>
                             <m:r>
-                              <a:rPr lang="en-US" sz="2400" b="0" i="1" smtClean="0">
+                              <m:rPr>
+                                <m:sty m:val="p"/>
+                              </m:rPr>
+                              <a:rPr lang="en-US" sz="2400" b="0" i="0" dirty="0" smtClean="0">
                                 <a:latin typeface="Cambria Math" panose="02040503050406030204" pitchFamily="18" charset="0"/>
                               </a:rPr>
-                              <m:t>𝐷</m:t>
+                              <m:t>D</m:t>
                             </m:r>
                           </m:sub>
                         </m:sSub>
                         <m:r>
-                          <a:rPr lang="en-US" sz="2400" b="0" i="1" smtClean="0">
-                            <a:latin typeface="Cambria Math" panose="02040503050406030204" pitchFamily="18" charset="0"/>
-                          </a:rPr>
-                          <m:t>[</m:t>
+                          <a:rPr lang="en-US" sz="2400" b="0" i="0" dirty="0" smtClean="0">
+                            <a:latin typeface="Cambria Math" panose="02040503050406030204" pitchFamily="18" charset="0"/>
+                          </a:rPr>
+                          <m:t>[(</m:t>
                         </m:r>
                         <m:r>
-                          <a:rPr lang="en-US" sz="2400" b="0" i="1" smtClean="0">
-                            <a:latin typeface="Cambria Math" panose="02040503050406030204" pitchFamily="18" charset="0"/>
-                          </a:rPr>
-                          <m:t>𝐸</m:t>
+                          <m:rPr>
+                            <m:sty m:val="p"/>
+                          </m:rPr>
+                          <a:rPr lang="en-US" sz="2400" b="0" i="0" dirty="0" smtClean="0">
+                            <a:latin typeface="Cambria Math" panose="02040503050406030204" pitchFamily="18" charset="0"/>
+                          </a:rPr>
+                          <m:t>E</m:t>
                         </m:r>
                       </m:e>
                       <m:sub>
                         <m:r>
-                          <a:rPr lang="en-US" sz="2400" b="0" i="1" smtClean="0">
+                          <a:rPr lang="en-US" sz="2400" b="0" i="1" dirty="0" smtClean="0">
                             <a:latin typeface="Cambria Math" panose="02040503050406030204" pitchFamily="18" charset="0"/>
                           </a:rPr>
                           <m:t>𝐷</m:t>
                         </m:r>
                       </m:sub>
                     </m:sSub>
-                    <m:d>
-                      <m:dPr>
-                        <m:begChr m:val="["/>
-                        <m:endChr m:val="]"/>
+                    <m:sSup>
+                      <m:sSupPr>
                         <m:ctrlPr>
-                          <a:rPr lang="en-US" sz="2400" b="0" i="1" smtClean="0">
+                          <a:rPr lang="en-US" sz="2400" i="1" dirty="0" smtClean="0">
                             <a:latin typeface="Cambria Math" panose="02040503050406030204" pitchFamily="18" charset="0"/>
                           </a:rPr>
                         </m:ctrlPr>
-                      </m:dPr>
+                      </m:sSupPr>
                       <m:e>
-                        <m:r>
-                          <a:rPr lang="en-US" sz="2400" b="0" i="1" smtClean="0">
-                            <a:latin typeface="Cambria Math" panose="02040503050406030204" pitchFamily="18" charset="0"/>
-                          </a:rPr>
-                          <m:t>𝑔</m:t>
-                        </m:r>
                         <m:d>
                           <m:dPr>
+                            <m:begChr m:val="["/>
+                            <m:endChr m:val="]"/>
                             <m:ctrlPr>
-                              <a:rPr lang="en-US" sz="2400" b="0" i="1" smtClean="0">
+                              <a:rPr lang="en-US" sz="2400" i="1">
                                 <a:latin typeface="Cambria Math" panose="02040503050406030204" pitchFamily="18" charset="0"/>
                               </a:rPr>
                             </m:ctrlPr>
                           </m:dPr>
                           <m:e>
                             <m:r>
-                              <a:rPr lang="en-US" sz="2400" b="0" i="1" smtClean="0">
+                              <a:rPr lang="en-US" sz="2400" i="1">
                                 <a:latin typeface="Cambria Math" panose="02040503050406030204" pitchFamily="18" charset="0"/>
                               </a:rPr>
-                              <m:t>𝑋</m:t>
+                              <m:t>𝑔</m:t>
                             </m:r>
-                            <m:r>
-                              <a:rPr lang="en-US" sz="2400" b="0" i="1" smtClean="0">
-                                <a:latin typeface="Cambria Math" panose="02040503050406030204" pitchFamily="18" charset="0"/>
-                              </a:rPr>
-                              <m:t>;</m:t>
-                            </m:r>
-                            <m:r>
-                              <a:rPr lang="en-US" sz="2400" b="0" i="1" smtClean="0">
-                                <a:latin typeface="Cambria Math" panose="02040503050406030204" pitchFamily="18" charset="0"/>
-                              </a:rPr>
-                              <m:t>𝐷</m:t>
-                            </m:r>
+                            <m:d>
+                              <m:dPr>
+                                <m:ctrlPr>
+                                  <a:rPr lang="en-US" sz="2400" i="1">
+                                    <a:latin typeface="Cambria Math" panose="02040503050406030204" pitchFamily="18" charset="0"/>
+                                  </a:rPr>
+                                </m:ctrlPr>
+                              </m:dPr>
+                              <m:e>
+                                <m:r>
+                                  <a:rPr lang="en-US" sz="2400" i="1">
+                                    <a:latin typeface="Cambria Math" panose="02040503050406030204" pitchFamily="18" charset="0"/>
+                                  </a:rPr>
+                                  <m:t>𝑋</m:t>
+                                </m:r>
+                                <m:r>
+                                  <a:rPr lang="en-US" sz="2400" i="1">
+                                    <a:latin typeface="Cambria Math" panose="02040503050406030204" pitchFamily="18" charset="0"/>
+                                  </a:rPr>
+                                  <m:t>;</m:t>
+                                </m:r>
+                                <m:r>
+                                  <a:rPr lang="en-US" sz="2400" i="1">
+                                    <a:latin typeface="Cambria Math" panose="02040503050406030204" pitchFamily="18" charset="0"/>
+                                  </a:rPr>
+                                  <m:t>𝐷</m:t>
+                                </m:r>
+                              </m:e>
+                            </m:d>
                           </m:e>
                         </m:d>
+                        <m:r>
+                          <a:rPr lang="en-US" sz="2400" i="1">
+                            <a:latin typeface="Cambria Math" panose="02040503050406030204" pitchFamily="18" charset="0"/>
+                          </a:rPr>
+                          <m:t> −</m:t>
+                        </m:r>
+                        <m:r>
+                          <a:rPr lang="en-US" sz="2400" i="1">
+                            <a:latin typeface="Cambria Math" panose="02040503050406030204" pitchFamily="18" charset="0"/>
+                          </a:rPr>
+                          <m:t>𝑔</m:t>
+                        </m:r>
+                        <m:r>
+                          <a:rPr lang="en-US" sz="2400" i="1">
+                            <a:latin typeface="Cambria Math" panose="02040503050406030204" pitchFamily="18" charset="0"/>
+                          </a:rPr>
+                          <m:t>(</m:t>
+                        </m:r>
+                        <m:r>
+                          <a:rPr lang="en-US" sz="2400" i="1">
+                            <a:latin typeface="Cambria Math" panose="02040503050406030204" pitchFamily="18" charset="0"/>
+                          </a:rPr>
+                          <m:t>𝑋</m:t>
+                        </m:r>
+                        <m:r>
+                          <a:rPr lang="en-US" sz="2400" i="1">
+                            <a:latin typeface="Cambria Math" panose="02040503050406030204" pitchFamily="18" charset="0"/>
+                          </a:rPr>
+                          <m:t>;</m:t>
+                        </m:r>
+                        <m:r>
+                          <a:rPr lang="en-US" sz="2400" i="1">
+                            <a:latin typeface="Cambria Math" panose="02040503050406030204" pitchFamily="18" charset="0"/>
+                          </a:rPr>
+                          <m:t>𝐷</m:t>
+                        </m:r>
+                        <m:r>
+                          <a:rPr lang="en-US" sz="2400" i="1">
+                            <a:latin typeface="Cambria Math" panose="02040503050406030204" pitchFamily="18" charset="0"/>
+                          </a:rPr>
+                          <m:t>))</m:t>
+                        </m:r>
                       </m:e>
-                    </m:d>
+                      <m:sup>
+                        <m:r>
+                          <a:rPr lang="en-US" sz="2400" b="0" i="1" dirty="0" smtClean="0">
+                            <a:latin typeface="Cambria Math" panose="02040503050406030204" pitchFamily="18" charset="0"/>
+                          </a:rPr>
+                          <m:t>2</m:t>
+                        </m:r>
+                      </m:sup>
+                    </m:sSup>
                     <m:r>
                       <a:rPr lang="en-US" sz="2400" b="0" i="1" smtClean="0">
                         <a:latin typeface="Cambria Math" panose="02040503050406030204" pitchFamily="18" charset="0"/>
                       </a:rPr>
-                      <m:t> −</m:t>
-                    </m:r>
-                    <m:r>
-                      <a:rPr lang="en-US" sz="2400" b="0" i="1" smtClean="0">
-                        <a:latin typeface="Cambria Math" panose="02040503050406030204" pitchFamily="18" charset="0"/>
-                      </a:rPr>
-                      <m:t>𝑔</m:t>
-                    </m:r>
-                    <m:r>
-                      <a:rPr lang="en-US" sz="2400" b="0" i="1" smtClean="0">
-                        <a:latin typeface="Cambria Math" panose="02040503050406030204" pitchFamily="18" charset="0"/>
-                      </a:rPr>
-                      <m:t>(</m:t>
-                    </m:r>
-                    <m:r>
-                      <a:rPr lang="en-US" sz="2400" b="0" i="1" smtClean="0">
-                        <a:latin typeface="Cambria Math" panose="02040503050406030204" pitchFamily="18" charset="0"/>
-                      </a:rPr>
-                      <m:t>𝑋</m:t>
-                    </m:r>
-                    <m:r>
-                      <a:rPr lang="en-US" sz="2400" b="0" i="1" smtClean="0">
-                        <a:latin typeface="Cambria Math" panose="02040503050406030204" pitchFamily="18" charset="0"/>
-                      </a:rPr>
-                      <m:t>;</m:t>
-                    </m:r>
-                    <m:r>
-                      <a:rPr lang="en-US" sz="2400" b="0" i="1" smtClean="0">
-                        <a:latin typeface="Cambria Math" panose="02040503050406030204" pitchFamily="18" charset="0"/>
-                      </a:rPr>
-                      <m:t>𝐷</m:t>
-                    </m:r>
-                    <m:r>
-                      <a:rPr lang="en-US" sz="2400" b="0" i="1" smtClean="0">
-                        <a:latin typeface="Cambria Math" panose="02040503050406030204" pitchFamily="18" charset="0"/>
-                      </a:rPr>
-                      <m:t>)]</m:t>
+                      <m:t>]</m:t>
                     </m:r>
                   </m:oMath>
                 </a14:m>
@@ -9889,8 +10019,8 @@
           </a:p>
         </p:txBody>
       </p:sp>
-      <mc:AlternateContent xmlns:mc="http://schemas.openxmlformats.org/markup-compatibility/2006">
-        <mc:Choice xmlns:a14="http://schemas.microsoft.com/office/drawing/2010/main" Requires="a14">
+      <mc:AlternateContent xmlns:mc="http://schemas.openxmlformats.org/markup-compatibility/2006" xmlns:a14="http://schemas.microsoft.com/office/drawing/2010/main">
+        <mc:Choice Requires="a14">
           <p:sp>
             <p:nvSpPr>
               <p:cNvPr id="16" name="TextBox 15">
@@ -10037,7 +10167,7 @@
             </p:txBody>
           </p:sp>
         </mc:Choice>
-        <mc:Fallback>
+        <mc:Fallback xmlns="">
           <p:sp>
             <p:nvSpPr>
               <p:cNvPr id="16" name="TextBox 15">
@@ -10408,8 +10538,8 @@
           </a:p>
         </p:txBody>
       </p:sp>
-      <mc:AlternateContent xmlns:mc="http://schemas.openxmlformats.org/markup-compatibility/2006">
-        <mc:Choice xmlns:a14="http://schemas.microsoft.com/office/drawing/2010/main" Requires="a14">
+      <mc:AlternateContent xmlns:mc="http://schemas.openxmlformats.org/markup-compatibility/2006" xmlns:a14="http://schemas.microsoft.com/office/drawing/2010/main">
+        <mc:Choice Requires="a14">
           <p:sp>
             <p:nvSpPr>
               <p:cNvPr id="11" name="TextBox 10">
@@ -10438,6 +10568,7 @@
               </a:bodyPr>
               <a:lstStyle/>
               <a:p>
+                <a:pPr/>
                 <a14:m>
                   <m:oMathPara xmlns:m="http://schemas.openxmlformats.org/officeDocument/2006/math">
                     <m:oMathParaPr>
@@ -10542,7 +10673,7 @@
             </p:txBody>
           </p:sp>
         </mc:Choice>
-        <mc:Fallback>
+        <mc:Fallback xmlns="">
           <p:sp>
             <p:nvSpPr>
               <p:cNvPr id="11" name="TextBox 10">
@@ -11347,7 +11478,7 @@
           <a:p>
             <a:r>
               <a:rPr lang="en-US" sz="2800" dirty="0"/>
-              <a:t>True Negative: FN </a:t>
+              <a:t>False Negative: FN </a:t>
             </a:r>
           </a:p>
         </p:txBody>
@@ -12322,8 +12453,8 @@
           </a:p>
         </p:txBody>
       </p:sp>
-      <mc:AlternateContent xmlns:mc="http://schemas.openxmlformats.org/markup-compatibility/2006">
-        <mc:Choice xmlns:a14="http://schemas.microsoft.com/office/drawing/2010/main" Requires="a14">
+      <mc:AlternateContent xmlns:mc="http://schemas.openxmlformats.org/markup-compatibility/2006" xmlns:a14="http://schemas.microsoft.com/office/drawing/2010/main">
+        <mc:Choice Requires="a14">
           <p:sp>
             <p:nvSpPr>
               <p:cNvPr id="7" name="TextBox 6">
@@ -12412,7 +12543,7 @@
             </p:txBody>
           </p:sp>
         </mc:Choice>
-        <mc:Fallback>
+        <mc:Fallback xmlns="">
           <p:sp>
             <p:nvSpPr>
               <p:cNvPr id="7" name="TextBox 6">
@@ -12715,8 +12846,8 @@
           </a:p>
         </p:txBody>
       </p:sp>
-      <mc:AlternateContent xmlns:mc="http://schemas.openxmlformats.org/markup-compatibility/2006">
-        <mc:Choice xmlns:a14="http://schemas.microsoft.com/office/drawing/2010/main" Requires="a14">
+      <mc:AlternateContent xmlns:mc="http://schemas.openxmlformats.org/markup-compatibility/2006" xmlns:a14="http://schemas.microsoft.com/office/drawing/2010/main">
+        <mc:Choice Requires="a14">
           <p:sp>
             <p:nvSpPr>
               <p:cNvPr id="9" name="TextBox 8">
@@ -12874,7 +13005,7 @@
             </p:txBody>
           </p:sp>
         </mc:Choice>
-        <mc:Fallback>
+        <mc:Fallback xmlns="">
           <p:sp>
             <p:nvSpPr>
               <p:cNvPr id="9" name="TextBox 8">
@@ -13450,8 +13581,8 @@
           </a:p>
         </p:txBody>
       </p:sp>
-      <mc:AlternateContent xmlns:mc="http://schemas.openxmlformats.org/markup-compatibility/2006">
-        <mc:Choice xmlns:a14="http://schemas.microsoft.com/office/drawing/2010/main" Requires="a14">
+      <mc:AlternateContent xmlns:mc="http://schemas.openxmlformats.org/markup-compatibility/2006" xmlns:a14="http://schemas.microsoft.com/office/drawing/2010/main">
+        <mc:Choice Requires="a14">
           <p:sp>
             <p:nvSpPr>
               <p:cNvPr id="9" name="TextBox 8">
@@ -13628,7 +13759,7 @@
             </p:txBody>
           </p:sp>
         </mc:Choice>
-        <mc:Fallback>
+        <mc:Fallback xmlns="">
           <p:sp>
             <p:nvSpPr>
               <p:cNvPr id="9" name="TextBox 8">
@@ -13673,8 +13804,8 @@
           </p:sp>
         </mc:Fallback>
       </mc:AlternateContent>
-      <mc:AlternateContent xmlns:mc="http://schemas.openxmlformats.org/markup-compatibility/2006">
-        <mc:Choice xmlns:a14="http://schemas.microsoft.com/office/drawing/2010/main" Requires="a14">
+      <mc:AlternateContent xmlns:mc="http://schemas.openxmlformats.org/markup-compatibility/2006" xmlns:a14="http://schemas.microsoft.com/office/drawing/2010/main">
+        <mc:Choice Requires="a14">
           <p:sp>
             <p:nvSpPr>
               <p:cNvPr id="7" name="TextBox 6">
@@ -13879,7 +14010,7 @@
             </p:txBody>
           </p:sp>
         </mc:Choice>
-        <mc:Fallback>
+        <mc:Fallback xmlns="">
           <p:sp>
             <p:nvSpPr>
               <p:cNvPr id="7" name="TextBox 6">
@@ -13924,8 +14055,8 @@
           </p:sp>
         </mc:Fallback>
       </mc:AlternateContent>
-      <mc:AlternateContent xmlns:mc="http://schemas.openxmlformats.org/markup-compatibility/2006">
-        <mc:Choice xmlns:a14="http://schemas.microsoft.com/office/drawing/2010/main" Requires="a14">
+      <mc:AlternateContent xmlns:mc="http://schemas.openxmlformats.org/markup-compatibility/2006" xmlns:a14="http://schemas.microsoft.com/office/drawing/2010/main">
+        <mc:Choice Requires="a14">
           <p:sp>
             <p:nvSpPr>
               <p:cNvPr id="8" name="TextBox 7">
@@ -14263,7 +14394,7 @@
             </p:txBody>
           </p:sp>
         </mc:Choice>
-        <mc:Fallback>
+        <mc:Fallback xmlns="">
           <p:sp>
             <p:nvSpPr>
               <p:cNvPr id="8" name="TextBox 7">
@@ -14308,8 +14439,8 @@
           </p:sp>
         </mc:Fallback>
       </mc:AlternateContent>
-      <mc:AlternateContent xmlns:mc="http://schemas.openxmlformats.org/markup-compatibility/2006">
-        <mc:Choice xmlns:a14="http://schemas.microsoft.com/office/drawing/2010/main" Requires="a14">
+      <mc:AlternateContent xmlns:mc="http://schemas.openxmlformats.org/markup-compatibility/2006" xmlns:a14="http://schemas.microsoft.com/office/drawing/2010/main">
+        <mc:Choice Requires="a14">
           <p:sp>
             <p:nvSpPr>
               <p:cNvPr id="11" name="TextBox 10">
@@ -14647,7 +14778,7 @@
             </p:txBody>
           </p:sp>
         </mc:Choice>
-        <mc:Fallback>
+        <mc:Fallback xmlns="">
           <p:sp>
             <p:nvSpPr>
               <p:cNvPr id="11" name="TextBox 10">
